--- a/docs/Architectures.pptx
+++ b/docs/Architectures.pptx
@@ -5,10 +5,11 @@
     <p:sldMasterId id="2147483648" r:id="rId1"/>
   </p:sldMasterIdLst>
   <p:notesMasterIdLst>
-    <p:notesMasterId r:id="rId3"/>
+    <p:notesMasterId r:id="rId4"/>
   </p:notesMasterIdLst>
   <p:sldIdLst>
     <p:sldId id="256" r:id="rId2"/>
+    <p:sldId id="257" r:id="rId3"/>
   </p:sldIdLst>
   <p:sldSz cx="12192000" cy="6858000"/>
   <p:notesSz cx="6858000" cy="9144000"/>
@@ -107,6 +108,11 @@
       </a:defRPr>
     </a:lvl9pPr>
   </p:defaultTextStyle>
+  <p:extLst>
+    <p:ext uri="{EFAFB233-063F-42B5-8137-9DF3F51BA10A}">
+      <p15:sldGuideLst xmlns:p15="http://schemas.microsoft.com/office/powerpoint/2012/main"/>
+    </p:ext>
+  </p:extLst>
 </p:presentation>
 </file>
 
@@ -192,7 +198,7 @@
           <a:p>
             <a:fld id="{692584DF-C865-4592-8ED7-B1F61CF9BAAD}" type="datetimeFigureOut">
               <a:rPr lang="en-GB" smtClean="0"/>
-              <a:t>12/07/2023</a:t>
+              <a:t>07/08/2023</a:t>
             </a:fld>
             <a:endParaRPr lang="en-GB"/>
           </a:p>
@@ -609,7 +615,7 @@
           <a:p>
             <a:fld id="{F329D50C-4BB7-4A90-83D6-4F26E5B1EE76}" type="datetimeFigureOut">
               <a:rPr lang="en-GB" smtClean="0"/>
-              <a:t>12/07/2023</a:t>
+              <a:t>07/08/2023</a:t>
             </a:fld>
             <a:endParaRPr lang="en-GB"/>
           </a:p>
@@ -809,7 +815,7 @@
           <a:p>
             <a:fld id="{F329D50C-4BB7-4A90-83D6-4F26E5B1EE76}" type="datetimeFigureOut">
               <a:rPr lang="en-GB" smtClean="0"/>
-              <a:t>12/07/2023</a:t>
+              <a:t>07/08/2023</a:t>
             </a:fld>
             <a:endParaRPr lang="en-GB"/>
           </a:p>
@@ -1019,7 +1025,7 @@
           <a:p>
             <a:fld id="{F329D50C-4BB7-4A90-83D6-4F26E5B1EE76}" type="datetimeFigureOut">
               <a:rPr lang="en-GB" smtClean="0"/>
-              <a:t>12/07/2023</a:t>
+              <a:t>07/08/2023</a:t>
             </a:fld>
             <a:endParaRPr lang="en-GB"/>
           </a:p>
@@ -1219,7 +1225,7 @@
           <a:p>
             <a:fld id="{F329D50C-4BB7-4A90-83D6-4F26E5B1EE76}" type="datetimeFigureOut">
               <a:rPr lang="en-GB" smtClean="0"/>
-              <a:t>12/07/2023</a:t>
+              <a:t>07/08/2023</a:t>
             </a:fld>
             <a:endParaRPr lang="en-GB"/>
           </a:p>
@@ -1495,7 +1501,7 @@
           <a:p>
             <a:fld id="{F329D50C-4BB7-4A90-83D6-4F26E5B1EE76}" type="datetimeFigureOut">
               <a:rPr lang="en-GB" smtClean="0"/>
-              <a:t>12/07/2023</a:t>
+              <a:t>07/08/2023</a:t>
             </a:fld>
             <a:endParaRPr lang="en-GB"/>
           </a:p>
@@ -1763,7 +1769,7 @@
           <a:p>
             <a:fld id="{F329D50C-4BB7-4A90-83D6-4F26E5B1EE76}" type="datetimeFigureOut">
               <a:rPr lang="en-GB" smtClean="0"/>
-              <a:t>12/07/2023</a:t>
+              <a:t>07/08/2023</a:t>
             </a:fld>
             <a:endParaRPr lang="en-GB"/>
           </a:p>
@@ -2178,7 +2184,7 @@
           <a:p>
             <a:fld id="{F329D50C-4BB7-4A90-83D6-4F26E5B1EE76}" type="datetimeFigureOut">
               <a:rPr lang="en-GB" smtClean="0"/>
-              <a:t>12/07/2023</a:t>
+              <a:t>07/08/2023</a:t>
             </a:fld>
             <a:endParaRPr lang="en-GB"/>
           </a:p>
@@ -2320,7 +2326,7 @@
           <a:p>
             <a:fld id="{F329D50C-4BB7-4A90-83D6-4F26E5B1EE76}" type="datetimeFigureOut">
               <a:rPr lang="en-GB" smtClean="0"/>
-              <a:t>12/07/2023</a:t>
+              <a:t>07/08/2023</a:t>
             </a:fld>
             <a:endParaRPr lang="en-GB"/>
           </a:p>
@@ -2433,7 +2439,7 @@
           <a:p>
             <a:fld id="{F329D50C-4BB7-4A90-83D6-4F26E5B1EE76}" type="datetimeFigureOut">
               <a:rPr lang="en-GB" smtClean="0"/>
-              <a:t>12/07/2023</a:t>
+              <a:t>07/08/2023</a:t>
             </a:fld>
             <a:endParaRPr lang="en-GB"/>
           </a:p>
@@ -2746,7 +2752,7 @@
           <a:p>
             <a:fld id="{F329D50C-4BB7-4A90-83D6-4F26E5B1EE76}" type="datetimeFigureOut">
               <a:rPr lang="en-GB" smtClean="0"/>
-              <a:t>12/07/2023</a:t>
+              <a:t>07/08/2023</a:t>
             </a:fld>
             <a:endParaRPr lang="en-GB"/>
           </a:p>
@@ -3035,7 +3041,7 @@
           <a:p>
             <a:fld id="{F329D50C-4BB7-4A90-83D6-4F26E5B1EE76}" type="datetimeFigureOut">
               <a:rPr lang="en-GB" smtClean="0"/>
-              <a:t>12/07/2023</a:t>
+              <a:t>07/08/2023</a:t>
             </a:fld>
             <a:endParaRPr lang="en-GB"/>
           </a:p>
@@ -3278,7 +3284,7 @@
           <a:p>
             <a:fld id="{F329D50C-4BB7-4A90-83D6-4F26E5B1EE76}" type="datetimeFigureOut">
               <a:rPr lang="en-GB" smtClean="0"/>
-              <a:t>12/07/2023</a:t>
+              <a:t>07/08/2023</a:t>
             </a:fld>
             <a:endParaRPr lang="en-GB"/>
           </a:p>
@@ -4731,10 +4737,1831 @@
           </a:p>
         </p:txBody>
       </p:sp>
+      <p:sp>
+        <p:nvSpPr>
+          <p:cNvPr id="11" name="Rectangle 10">
+            <a:extLst>
+              <a:ext uri="{FF2B5EF4-FFF2-40B4-BE49-F238E27FC236}">
+                <a16:creationId xmlns:a16="http://schemas.microsoft.com/office/drawing/2014/main" id="{64FA3AA0-833E-337D-08C5-3EEC1C0769E2}"/>
+              </a:ext>
+            </a:extLst>
+          </p:cNvPr>
+          <p:cNvSpPr/>
+          <p:nvPr/>
+        </p:nvSpPr>
+        <p:spPr>
+          <a:xfrm>
+            <a:off x="863392" y="5312581"/>
+            <a:ext cx="1167267" cy="241539"/>
+          </a:xfrm>
+          <a:prstGeom prst="rect">
+            <a:avLst/>
+          </a:prstGeom>
+          <a:ln>
+            <a:noFill/>
+          </a:ln>
+        </p:spPr>
+        <p:style>
+          <a:lnRef idx="2">
+            <a:schemeClr val="accent1">
+              <a:shade val="15000"/>
+            </a:schemeClr>
+          </a:lnRef>
+          <a:fillRef idx="1">
+            <a:schemeClr val="accent1"/>
+          </a:fillRef>
+          <a:effectRef idx="0">
+            <a:schemeClr val="accent1"/>
+          </a:effectRef>
+          <a:fontRef idx="minor">
+            <a:schemeClr val="lt1"/>
+          </a:fontRef>
+        </p:style>
+        <p:txBody>
+          <a:bodyPr rtlCol="0" anchor="ctr"/>
+          <a:lstStyle/>
+          <a:p>
+            <a:pPr algn="ctr"/>
+            <a:r>
+              <a:rPr lang="en-US" sz="1100" dirty="0"/>
+              <a:t>Preprocessing</a:t>
+            </a:r>
+            <a:endParaRPr lang="en-GB" sz="1100" dirty="0"/>
+          </a:p>
+        </p:txBody>
+      </p:sp>
+      <p:sp>
+        <p:nvSpPr>
+          <p:cNvPr id="12" name="Rectangle 11">
+            <a:extLst>
+              <a:ext uri="{FF2B5EF4-FFF2-40B4-BE49-F238E27FC236}">
+                <a16:creationId xmlns:a16="http://schemas.microsoft.com/office/drawing/2014/main" id="{6E660B5D-1033-7964-E67E-2DA7859A517F}"/>
+              </a:ext>
+            </a:extLst>
+          </p:cNvPr>
+          <p:cNvSpPr/>
+          <p:nvPr/>
+        </p:nvSpPr>
+        <p:spPr>
+          <a:xfrm>
+            <a:off x="2483131" y="5312580"/>
+            <a:ext cx="1167267" cy="241539"/>
+          </a:xfrm>
+          <a:prstGeom prst="rect">
+            <a:avLst/>
+          </a:prstGeom>
+          <a:ln>
+            <a:noFill/>
+          </a:ln>
+        </p:spPr>
+        <p:style>
+          <a:lnRef idx="2">
+            <a:schemeClr val="accent1">
+              <a:shade val="15000"/>
+            </a:schemeClr>
+          </a:lnRef>
+          <a:fillRef idx="1">
+            <a:schemeClr val="accent1"/>
+          </a:fillRef>
+          <a:effectRef idx="0">
+            <a:schemeClr val="accent1"/>
+          </a:effectRef>
+          <a:fontRef idx="minor">
+            <a:schemeClr val="lt1"/>
+          </a:fontRef>
+        </p:style>
+        <p:txBody>
+          <a:bodyPr rtlCol="0" anchor="ctr"/>
+          <a:lstStyle/>
+          <a:p>
+            <a:pPr algn="ctr"/>
+            <a:r>
+              <a:rPr lang="en-US" sz="1100" dirty="0"/>
+              <a:t>Training</a:t>
+            </a:r>
+            <a:endParaRPr lang="en-GB" sz="1100" dirty="0"/>
+          </a:p>
+        </p:txBody>
+      </p:sp>
+      <p:sp>
+        <p:nvSpPr>
+          <p:cNvPr id="13" name="Rectangle 12">
+            <a:extLst>
+              <a:ext uri="{FF2B5EF4-FFF2-40B4-BE49-F238E27FC236}">
+                <a16:creationId xmlns:a16="http://schemas.microsoft.com/office/drawing/2014/main" id="{26BAAA54-1213-92B0-0E8F-691917EE597F}"/>
+              </a:ext>
+            </a:extLst>
+          </p:cNvPr>
+          <p:cNvSpPr/>
+          <p:nvPr/>
+        </p:nvSpPr>
+        <p:spPr>
+          <a:xfrm>
+            <a:off x="4267188" y="5344210"/>
+            <a:ext cx="1167267" cy="241539"/>
+          </a:xfrm>
+          <a:prstGeom prst="rect">
+            <a:avLst/>
+          </a:prstGeom>
+          <a:ln>
+            <a:noFill/>
+          </a:ln>
+        </p:spPr>
+        <p:style>
+          <a:lnRef idx="2">
+            <a:schemeClr val="accent1">
+              <a:shade val="15000"/>
+            </a:schemeClr>
+          </a:lnRef>
+          <a:fillRef idx="1">
+            <a:schemeClr val="accent1"/>
+          </a:fillRef>
+          <a:effectRef idx="0">
+            <a:schemeClr val="accent1"/>
+          </a:effectRef>
+          <a:fontRef idx="minor">
+            <a:schemeClr val="lt1"/>
+          </a:fontRef>
+        </p:style>
+        <p:txBody>
+          <a:bodyPr rtlCol="0" anchor="ctr"/>
+          <a:lstStyle/>
+          <a:p>
+            <a:pPr algn="ctr"/>
+            <a:r>
+              <a:rPr lang="en-US" sz="1100" dirty="0"/>
+              <a:t>Input Synthesis</a:t>
+            </a:r>
+            <a:endParaRPr lang="en-GB" sz="1100" dirty="0"/>
+          </a:p>
+        </p:txBody>
+      </p:sp>
+      <p:sp>
+        <p:nvSpPr>
+          <p:cNvPr id="14" name="Rectangle 13">
+            <a:extLst>
+              <a:ext uri="{FF2B5EF4-FFF2-40B4-BE49-F238E27FC236}">
+                <a16:creationId xmlns:a16="http://schemas.microsoft.com/office/drawing/2014/main" id="{A5D164ED-92A1-5DE0-7288-62A1BC997178}"/>
+              </a:ext>
+            </a:extLst>
+          </p:cNvPr>
+          <p:cNvSpPr/>
+          <p:nvPr/>
+        </p:nvSpPr>
+        <p:spPr>
+          <a:xfrm>
+            <a:off x="5794826" y="5312580"/>
+            <a:ext cx="1512498" cy="241539"/>
+          </a:xfrm>
+          <a:prstGeom prst="rect">
+            <a:avLst/>
+          </a:prstGeom>
+          <a:ln>
+            <a:noFill/>
+          </a:ln>
+        </p:spPr>
+        <p:style>
+          <a:lnRef idx="2">
+            <a:schemeClr val="accent1">
+              <a:shade val="15000"/>
+            </a:schemeClr>
+          </a:lnRef>
+          <a:fillRef idx="1">
+            <a:schemeClr val="accent1"/>
+          </a:fillRef>
+          <a:effectRef idx="0">
+            <a:schemeClr val="accent1"/>
+          </a:effectRef>
+          <a:fontRef idx="minor">
+            <a:schemeClr val="lt1"/>
+          </a:fontRef>
+        </p:style>
+        <p:txBody>
+          <a:bodyPr rtlCol="0" anchor="ctr"/>
+          <a:lstStyle/>
+          <a:p>
+            <a:pPr algn="ctr"/>
+            <a:r>
+              <a:rPr lang="en-US" sz="1100" dirty="0"/>
+              <a:t>Molecule Generation</a:t>
+            </a:r>
+            <a:endParaRPr lang="en-GB" sz="1100" dirty="0"/>
+          </a:p>
+        </p:txBody>
+      </p:sp>
+      <p:sp>
+        <p:nvSpPr>
+          <p:cNvPr id="15" name="Rectangle 14">
+            <a:extLst>
+              <a:ext uri="{FF2B5EF4-FFF2-40B4-BE49-F238E27FC236}">
+                <a16:creationId xmlns:a16="http://schemas.microsoft.com/office/drawing/2014/main" id="{31AA280D-C738-B4C8-18AB-BF5A3A44E52B}"/>
+              </a:ext>
+            </a:extLst>
+          </p:cNvPr>
+          <p:cNvSpPr/>
+          <p:nvPr/>
+        </p:nvSpPr>
+        <p:spPr>
+          <a:xfrm>
+            <a:off x="7667695" y="5344209"/>
+            <a:ext cx="1512498" cy="241539"/>
+          </a:xfrm>
+          <a:prstGeom prst="rect">
+            <a:avLst/>
+          </a:prstGeom>
+          <a:ln>
+            <a:noFill/>
+          </a:ln>
+        </p:spPr>
+        <p:style>
+          <a:lnRef idx="2">
+            <a:schemeClr val="accent1">
+              <a:shade val="15000"/>
+            </a:schemeClr>
+          </a:lnRef>
+          <a:fillRef idx="1">
+            <a:schemeClr val="accent1"/>
+          </a:fillRef>
+          <a:effectRef idx="0">
+            <a:schemeClr val="accent1"/>
+          </a:effectRef>
+          <a:fontRef idx="minor">
+            <a:schemeClr val="lt1"/>
+          </a:fontRef>
+        </p:style>
+        <p:txBody>
+          <a:bodyPr rtlCol="0" anchor="ctr"/>
+          <a:lstStyle/>
+          <a:p>
+            <a:pPr algn="ctr"/>
+            <a:r>
+              <a:rPr lang="en-US" sz="1100" dirty="0"/>
+              <a:t>Docking/Simulation</a:t>
+            </a:r>
+            <a:endParaRPr lang="en-GB" sz="1100" dirty="0"/>
+          </a:p>
+        </p:txBody>
+      </p:sp>
+      <p:sp>
+        <p:nvSpPr>
+          <p:cNvPr id="17" name="Rectangle 16">
+            <a:extLst>
+              <a:ext uri="{FF2B5EF4-FFF2-40B4-BE49-F238E27FC236}">
+                <a16:creationId xmlns:a16="http://schemas.microsoft.com/office/drawing/2014/main" id="{9991E1BB-0819-3E97-FCF8-3717AB8762F2}"/>
+              </a:ext>
+            </a:extLst>
+          </p:cNvPr>
+          <p:cNvSpPr/>
+          <p:nvPr/>
+        </p:nvSpPr>
+        <p:spPr>
+          <a:xfrm>
+            <a:off x="9295211" y="5312580"/>
+            <a:ext cx="1512498" cy="241539"/>
+          </a:xfrm>
+          <a:prstGeom prst="rect">
+            <a:avLst/>
+          </a:prstGeom>
+          <a:ln>
+            <a:noFill/>
+          </a:ln>
+        </p:spPr>
+        <p:style>
+          <a:lnRef idx="2">
+            <a:schemeClr val="accent1">
+              <a:shade val="15000"/>
+            </a:schemeClr>
+          </a:lnRef>
+          <a:fillRef idx="1">
+            <a:schemeClr val="accent1"/>
+          </a:fillRef>
+          <a:effectRef idx="0">
+            <a:schemeClr val="accent1"/>
+          </a:effectRef>
+          <a:fontRef idx="minor">
+            <a:schemeClr val="lt1"/>
+          </a:fontRef>
+        </p:style>
+        <p:txBody>
+          <a:bodyPr rtlCol="0" anchor="ctr"/>
+          <a:lstStyle/>
+          <a:p>
+            <a:pPr algn="ctr"/>
+            <a:r>
+              <a:rPr lang="en-US" sz="1100" dirty="0"/>
+              <a:t>Ranking</a:t>
+            </a:r>
+            <a:endParaRPr lang="en-GB" sz="1100" dirty="0"/>
+          </a:p>
+        </p:txBody>
+      </p:sp>
     </p:spTree>
     <p:extLst>
       <p:ext uri="{BB962C8B-B14F-4D97-AF65-F5344CB8AC3E}">
         <p14:creationId xmlns:p14="http://schemas.microsoft.com/office/powerpoint/2010/main" val="4042831568"/>
+      </p:ext>
+    </p:extLst>
+  </p:cSld>
+  <p:clrMapOvr>
+    <a:masterClrMapping/>
+  </p:clrMapOvr>
+</p:sld>
+</file>
+
+<file path=ppt/slides/slide2.xml><?xml version="1.0" encoding="utf-8"?>
+<p:sld xmlns:a="http://schemas.openxmlformats.org/drawingml/2006/main" xmlns:r="http://schemas.openxmlformats.org/officeDocument/2006/relationships" xmlns:p="http://schemas.openxmlformats.org/presentationml/2006/main">
+  <p:cSld>
+    <p:spTree>
+      <p:nvGrpSpPr>
+        <p:cNvPr id="1" name=""/>
+        <p:cNvGrpSpPr/>
+        <p:nvPr/>
+      </p:nvGrpSpPr>
+      <p:grpSpPr>
+        <a:xfrm>
+          <a:off x="0" y="0"/>
+          <a:ext cx="0" cy="0"/>
+          <a:chOff x="0" y="0"/>
+          <a:chExt cx="0" cy="0"/>
+        </a:xfrm>
+      </p:grpSpPr>
+      <p:sp>
+        <p:nvSpPr>
+          <p:cNvPr id="21" name="Rectangle: Rounded Corners 20">
+            <a:extLst>
+              <a:ext uri="{FF2B5EF4-FFF2-40B4-BE49-F238E27FC236}">
+                <a16:creationId xmlns:a16="http://schemas.microsoft.com/office/drawing/2014/main" id="{B6B349E7-B8A1-4655-D68B-50F7D1279894}"/>
+              </a:ext>
+            </a:extLst>
+          </p:cNvPr>
+          <p:cNvSpPr/>
+          <p:nvPr/>
+        </p:nvSpPr>
+        <p:spPr>
+          <a:xfrm>
+            <a:off x="116748" y="85379"/>
+            <a:ext cx="6824327" cy="1923691"/>
+          </a:xfrm>
+          <a:prstGeom prst="roundRect">
+            <a:avLst>
+              <a:gd name="adj" fmla="val 3730"/>
+            </a:avLst>
+          </a:prstGeom>
+          <a:solidFill>
+            <a:schemeClr val="bg1"/>
+          </a:solidFill>
+          <a:ln w="38100">
+            <a:solidFill>
+              <a:schemeClr val="tx1"/>
+            </a:solidFill>
+          </a:ln>
+        </p:spPr>
+        <p:style>
+          <a:lnRef idx="2">
+            <a:schemeClr val="accent1">
+              <a:shade val="15000"/>
+            </a:schemeClr>
+          </a:lnRef>
+          <a:fillRef idx="1">
+            <a:schemeClr val="accent1"/>
+          </a:fillRef>
+          <a:effectRef idx="0">
+            <a:schemeClr val="accent1"/>
+          </a:effectRef>
+          <a:fontRef idx="minor">
+            <a:schemeClr val="lt1"/>
+          </a:fontRef>
+        </p:style>
+        <p:txBody>
+          <a:bodyPr rtlCol="0" anchor="ctr"/>
+          <a:lstStyle/>
+          <a:p>
+            <a:pPr algn="ctr"/>
+            <a:endParaRPr lang="en-GB"/>
+          </a:p>
+        </p:txBody>
+      </p:sp>
+      <p:sp>
+        <p:nvSpPr>
+          <p:cNvPr id="9" name="Rectangle: Rounded Corners 8">
+            <a:extLst>
+              <a:ext uri="{FF2B5EF4-FFF2-40B4-BE49-F238E27FC236}">
+                <a16:creationId xmlns:a16="http://schemas.microsoft.com/office/drawing/2014/main" id="{79BF7DE5-7F2E-142C-AFCA-9F32E684E105}"/>
+              </a:ext>
+            </a:extLst>
+          </p:cNvPr>
+          <p:cNvSpPr/>
+          <p:nvPr/>
+        </p:nvSpPr>
+        <p:spPr>
+          <a:xfrm>
+            <a:off x="3511306" y="893059"/>
+            <a:ext cx="1285335" cy="656212"/>
+          </a:xfrm>
+          <a:prstGeom prst="roundRect">
+            <a:avLst/>
+          </a:prstGeom>
+          <a:solidFill>
+            <a:schemeClr val="tx1"/>
+          </a:solidFill>
+          <a:ln>
+            <a:noFill/>
+          </a:ln>
+        </p:spPr>
+        <p:style>
+          <a:lnRef idx="2">
+            <a:schemeClr val="accent1">
+              <a:shade val="15000"/>
+            </a:schemeClr>
+          </a:lnRef>
+          <a:fillRef idx="1">
+            <a:schemeClr val="accent1"/>
+          </a:fillRef>
+          <a:effectRef idx="0">
+            <a:schemeClr val="accent1"/>
+          </a:effectRef>
+          <a:fontRef idx="minor">
+            <a:schemeClr val="lt1"/>
+          </a:fontRef>
+        </p:style>
+        <p:txBody>
+          <a:bodyPr rtlCol="0" anchor="ctr"/>
+          <a:lstStyle/>
+          <a:p>
+            <a:pPr algn="ctr"/>
+            <a:endParaRPr lang="en-GB"/>
+          </a:p>
+        </p:txBody>
+      </p:sp>
+      <p:sp>
+        <p:nvSpPr>
+          <p:cNvPr id="5" name="TextBox 4">
+            <a:extLst>
+              <a:ext uri="{FF2B5EF4-FFF2-40B4-BE49-F238E27FC236}">
+                <a16:creationId xmlns:a16="http://schemas.microsoft.com/office/drawing/2014/main" id="{BE8FC43C-E62E-A0C7-D410-FE1EF10B9D34}"/>
+              </a:ext>
+            </a:extLst>
+          </p:cNvPr>
+          <p:cNvSpPr txBox="1"/>
+          <p:nvPr/>
+        </p:nvSpPr>
+        <p:spPr>
+          <a:xfrm>
+            <a:off x="1702972" y="1026912"/>
+            <a:ext cx="1034359" cy="369332"/>
+          </a:xfrm>
+          <a:prstGeom prst="rect">
+            <a:avLst/>
+          </a:prstGeom>
+          <a:noFill/>
+        </p:spPr>
+        <p:txBody>
+          <a:bodyPr wrap="square">
+            <a:spAutoFit/>
+          </a:bodyPr>
+          <a:lstStyle/>
+          <a:p>
+            <a:r>
+              <a:rPr lang="en-GB" b="0" i="0" dirty="0">
+                <a:effectLst/>
+                <a:latin typeface="Palatino Linotype" panose="02040502050505030304" pitchFamily="18" charset="0"/>
+              </a:rPr>
+              <a:t>c1ccccc1</a:t>
+            </a:r>
+            <a:endParaRPr lang="en-GB" dirty="0">
+              <a:latin typeface="Palatino Linotype" panose="02040502050505030304" pitchFamily="18" charset="0"/>
+            </a:endParaRPr>
+          </a:p>
+        </p:txBody>
+      </p:sp>
+      <p:sp>
+        <p:nvSpPr>
+          <p:cNvPr id="6" name="TextBox 5">
+            <a:extLst>
+              <a:ext uri="{FF2B5EF4-FFF2-40B4-BE49-F238E27FC236}">
+                <a16:creationId xmlns:a16="http://schemas.microsoft.com/office/drawing/2014/main" id="{DA4A23D4-5487-A28C-6437-B0F8EB682896}"/>
+              </a:ext>
+            </a:extLst>
+          </p:cNvPr>
+          <p:cNvSpPr txBox="1"/>
+          <p:nvPr/>
+        </p:nvSpPr>
+        <p:spPr>
+          <a:xfrm>
+            <a:off x="1205225" y="494638"/>
+            <a:ext cx="2030239" cy="461665"/>
+          </a:xfrm>
+          <a:prstGeom prst="rect">
+            <a:avLst/>
+          </a:prstGeom>
+          <a:noFill/>
+        </p:spPr>
+        <p:txBody>
+          <a:bodyPr wrap="square">
+            <a:spAutoFit/>
+          </a:bodyPr>
+          <a:lstStyle/>
+          <a:p>
+            <a:pPr algn="ctr"/>
+            <a:r>
+              <a:rPr lang="en-GB" sz="1200" b="0" i="0" dirty="0">
+                <a:effectLst/>
+                <a:latin typeface="Palatino Linotype" panose="02040502050505030304" pitchFamily="18" charset="0"/>
+              </a:rPr>
+              <a:t>SMILEs Representation of Benzene </a:t>
+            </a:r>
+            <a:endParaRPr lang="en-GB" sz="1200" dirty="0">
+              <a:latin typeface="Palatino Linotype" panose="02040502050505030304" pitchFamily="18" charset="0"/>
+            </a:endParaRPr>
+          </a:p>
+        </p:txBody>
+      </p:sp>
+      <p:pic>
+        <p:nvPicPr>
+          <p:cNvPr id="1026" name="Picture 2" descr="Example of SMILES representation and one-hot vectors for benzene. For... |  Download Scientific Diagram">
+            <a:extLst>
+              <a:ext uri="{FF2B5EF4-FFF2-40B4-BE49-F238E27FC236}">
+                <a16:creationId xmlns:a16="http://schemas.microsoft.com/office/drawing/2014/main" id="{2A50CB93-FA8F-06FF-4BF2-25ABC0356203}"/>
+              </a:ext>
+            </a:extLst>
+          </p:cNvPr>
+          <p:cNvPicPr>
+            <a:picLocks noChangeAspect="1" noChangeArrowheads="1"/>
+          </p:cNvPicPr>
+          <p:nvPr/>
+        </p:nvPicPr>
+        <p:blipFill rotWithShape="1">
+          <a:blip r:embed="rId2">
+            <a:extLst>
+              <a:ext uri="{28A0092B-C50C-407E-A947-70E740481C1C}">
+                <a14:useLocalDpi xmlns:a14="http://schemas.microsoft.com/office/drawing/2010/main" val="0"/>
+              </a:ext>
+            </a:extLst>
+          </a:blip>
+          <a:srcRect r="82801" b="24594"/>
+          <a:stretch/>
+        </p:blipFill>
+        <p:spPr bwMode="auto">
+          <a:xfrm>
+            <a:off x="298604" y="953981"/>
+            <a:ext cx="581381" cy="563780"/>
+          </a:xfrm>
+          <a:prstGeom prst="rect">
+            <a:avLst/>
+          </a:prstGeom>
+          <a:noFill/>
+          <a:extLst>
+            <a:ext uri="{909E8E84-426E-40DD-AFC4-6F175D3DCCD1}">
+              <a14:hiddenFill xmlns:a14="http://schemas.microsoft.com/office/drawing/2010/main">
+                <a:solidFill>
+                  <a:srgbClr val="FFFFFF"/>
+                </a:solidFill>
+              </a14:hiddenFill>
+            </a:ext>
+          </a:extLst>
+        </p:spPr>
+      </p:pic>
+      <p:sp>
+        <p:nvSpPr>
+          <p:cNvPr id="7" name="Arrow: Right 6">
+            <a:extLst>
+              <a:ext uri="{FF2B5EF4-FFF2-40B4-BE49-F238E27FC236}">
+                <a16:creationId xmlns:a16="http://schemas.microsoft.com/office/drawing/2014/main" id="{66E00643-FD1A-06BD-F5FC-0BE3BF8DDB82}"/>
+              </a:ext>
+            </a:extLst>
+          </p:cNvPr>
+          <p:cNvSpPr/>
+          <p:nvPr/>
+        </p:nvSpPr>
+        <p:spPr>
+          <a:xfrm>
+            <a:off x="2705572" y="934107"/>
+            <a:ext cx="751676" cy="559361"/>
+          </a:xfrm>
+          <a:prstGeom prst="rightArrow">
+            <a:avLst>
+              <a:gd name="adj1" fmla="val 22241"/>
+              <a:gd name="adj2" fmla="val 43831"/>
+            </a:avLst>
+          </a:prstGeom>
+          <a:solidFill>
+            <a:schemeClr val="tx2">
+              <a:lumMod val="20000"/>
+              <a:lumOff val="80000"/>
+            </a:schemeClr>
+          </a:solidFill>
+        </p:spPr>
+        <p:style>
+          <a:lnRef idx="2">
+            <a:schemeClr val="accent1">
+              <a:shade val="15000"/>
+            </a:schemeClr>
+          </a:lnRef>
+          <a:fillRef idx="1">
+            <a:schemeClr val="accent1"/>
+          </a:fillRef>
+          <a:effectRef idx="0">
+            <a:schemeClr val="accent1"/>
+          </a:effectRef>
+          <a:fontRef idx="minor">
+            <a:schemeClr val="lt1"/>
+          </a:fontRef>
+        </p:style>
+        <p:txBody>
+          <a:bodyPr rtlCol="0" anchor="ctr"/>
+          <a:lstStyle/>
+          <a:p>
+            <a:pPr algn="ctr"/>
+            <a:endParaRPr lang="en-GB"/>
+          </a:p>
+        </p:txBody>
+      </p:sp>
+      <p:sp>
+        <p:nvSpPr>
+          <p:cNvPr id="8" name="TextBox 7">
+            <a:extLst>
+              <a:ext uri="{FF2B5EF4-FFF2-40B4-BE49-F238E27FC236}">
+                <a16:creationId xmlns:a16="http://schemas.microsoft.com/office/drawing/2014/main" id="{8549DABB-FD4E-5506-499A-C5C3A87556B9}"/>
+              </a:ext>
+            </a:extLst>
+          </p:cNvPr>
+          <p:cNvSpPr txBox="1"/>
+          <p:nvPr/>
+        </p:nvSpPr>
+        <p:spPr>
+          <a:xfrm>
+            <a:off x="3511306" y="1018219"/>
+            <a:ext cx="1285336" cy="430887"/>
+          </a:xfrm>
+          <a:prstGeom prst="rect">
+            <a:avLst/>
+          </a:prstGeom>
+          <a:noFill/>
+        </p:spPr>
+        <p:txBody>
+          <a:bodyPr wrap="square">
+            <a:spAutoFit/>
+          </a:bodyPr>
+          <a:lstStyle/>
+          <a:p>
+            <a:pPr algn="ctr"/>
+            <a:r>
+              <a:rPr lang="en-GB" sz="1100" b="1" i="0" dirty="0" err="1">
+                <a:solidFill>
+                  <a:schemeClr val="bg1"/>
+                </a:solidFill>
+                <a:effectLst/>
+                <a:latin typeface="Palatino Linotype" panose="02040502050505030304" pitchFamily="18" charset="0"/>
+              </a:rPr>
+              <a:t>ChemBERTa</a:t>
+            </a:r>
+            <a:r>
+              <a:rPr lang="en-GB" sz="1100" b="1" i="0" dirty="0">
+                <a:solidFill>
+                  <a:schemeClr val="bg1"/>
+                </a:solidFill>
+                <a:effectLst/>
+                <a:latin typeface="Palatino Linotype" panose="02040502050505030304" pitchFamily="18" charset="0"/>
+              </a:rPr>
+              <a:t> Model</a:t>
+            </a:r>
+            <a:endParaRPr lang="en-GB" sz="1100" b="1" dirty="0">
+              <a:solidFill>
+                <a:schemeClr val="bg1"/>
+              </a:solidFill>
+              <a:latin typeface="Palatino Linotype" panose="02040502050505030304" pitchFamily="18" charset="0"/>
+            </a:endParaRPr>
+          </a:p>
+        </p:txBody>
+      </p:sp>
+      <p:sp>
+        <p:nvSpPr>
+          <p:cNvPr id="15" name="Arrow: Right 14">
+            <a:extLst>
+              <a:ext uri="{FF2B5EF4-FFF2-40B4-BE49-F238E27FC236}">
+                <a16:creationId xmlns:a16="http://schemas.microsoft.com/office/drawing/2014/main" id="{82752DD5-E224-2B27-B241-FE881C02E9E8}"/>
+              </a:ext>
+            </a:extLst>
+          </p:cNvPr>
+          <p:cNvSpPr/>
+          <p:nvPr/>
+        </p:nvSpPr>
+        <p:spPr>
+          <a:xfrm>
+            <a:off x="4841470" y="934107"/>
+            <a:ext cx="751676" cy="559361"/>
+          </a:xfrm>
+          <a:prstGeom prst="rightArrow">
+            <a:avLst>
+              <a:gd name="adj1" fmla="val 22241"/>
+              <a:gd name="adj2" fmla="val 43831"/>
+            </a:avLst>
+          </a:prstGeom>
+          <a:solidFill>
+            <a:schemeClr val="tx2">
+              <a:lumMod val="20000"/>
+              <a:lumOff val="80000"/>
+            </a:schemeClr>
+          </a:solidFill>
+        </p:spPr>
+        <p:style>
+          <a:lnRef idx="2">
+            <a:schemeClr val="accent1">
+              <a:shade val="15000"/>
+            </a:schemeClr>
+          </a:lnRef>
+          <a:fillRef idx="1">
+            <a:schemeClr val="accent1"/>
+          </a:fillRef>
+          <a:effectRef idx="0">
+            <a:schemeClr val="accent1"/>
+          </a:effectRef>
+          <a:fontRef idx="minor">
+            <a:schemeClr val="lt1"/>
+          </a:fontRef>
+        </p:style>
+        <p:txBody>
+          <a:bodyPr rtlCol="0" anchor="ctr"/>
+          <a:lstStyle/>
+          <a:p>
+            <a:pPr algn="ctr"/>
+            <a:endParaRPr lang="en-GB"/>
+          </a:p>
+        </p:txBody>
+      </p:sp>
+      <p:sp>
+        <p:nvSpPr>
+          <p:cNvPr id="16" name="TextBox 15">
+            <a:extLst>
+              <a:ext uri="{FF2B5EF4-FFF2-40B4-BE49-F238E27FC236}">
+                <a16:creationId xmlns:a16="http://schemas.microsoft.com/office/drawing/2014/main" id="{60585C92-8388-F8B8-D10A-D4470AD96FAC}"/>
+              </a:ext>
+            </a:extLst>
+          </p:cNvPr>
+          <p:cNvSpPr txBox="1"/>
+          <p:nvPr/>
+        </p:nvSpPr>
+        <p:spPr>
+          <a:xfrm>
+            <a:off x="5099883" y="185339"/>
+            <a:ext cx="1803753" cy="461665"/>
+          </a:xfrm>
+          <a:prstGeom prst="rect">
+            <a:avLst/>
+          </a:prstGeom>
+          <a:noFill/>
+        </p:spPr>
+        <p:txBody>
+          <a:bodyPr wrap="square">
+            <a:spAutoFit/>
+          </a:bodyPr>
+          <a:lstStyle/>
+          <a:p>
+            <a:pPr algn="ctr"/>
+            <a:r>
+              <a:rPr lang="en-GB" sz="1200" b="0" i="0" dirty="0">
+                <a:effectLst/>
+                <a:latin typeface="Palatino Linotype" panose="02040502050505030304" pitchFamily="18" charset="0"/>
+              </a:rPr>
+              <a:t>Vector Representation of Benzene</a:t>
+            </a:r>
+            <a:endParaRPr lang="en-GB" sz="1200" dirty="0">
+              <a:latin typeface="Palatino Linotype" panose="02040502050505030304" pitchFamily="18" charset="0"/>
+            </a:endParaRPr>
+          </a:p>
+        </p:txBody>
+      </p:sp>
+      <p:sp>
+        <p:nvSpPr>
+          <p:cNvPr id="17" name="TextBox 16">
+            <a:extLst>
+              <a:ext uri="{FF2B5EF4-FFF2-40B4-BE49-F238E27FC236}">
+                <a16:creationId xmlns:a16="http://schemas.microsoft.com/office/drawing/2014/main" id="{F4004743-D2AC-83B8-C3A3-7328FE1464FE}"/>
+              </a:ext>
+            </a:extLst>
+          </p:cNvPr>
+          <p:cNvSpPr txBox="1"/>
+          <p:nvPr/>
+        </p:nvSpPr>
+        <p:spPr>
+          <a:xfrm>
+            <a:off x="0" y="416170"/>
+            <a:ext cx="1178587" cy="461665"/>
+          </a:xfrm>
+          <a:prstGeom prst="rect">
+            <a:avLst/>
+          </a:prstGeom>
+          <a:noFill/>
+        </p:spPr>
+        <p:txBody>
+          <a:bodyPr wrap="square">
+            <a:spAutoFit/>
+          </a:bodyPr>
+          <a:lstStyle/>
+          <a:p>
+            <a:pPr algn="ctr"/>
+            <a:r>
+              <a:rPr lang="en-GB" sz="1200" b="0" i="0" dirty="0">
+                <a:effectLst/>
+                <a:latin typeface="Palatino Linotype" panose="02040502050505030304" pitchFamily="18" charset="0"/>
+              </a:rPr>
+              <a:t>Chosen Molecule</a:t>
+            </a:r>
+            <a:endParaRPr lang="en-GB" sz="1200" dirty="0">
+              <a:latin typeface="Palatino Linotype" panose="02040502050505030304" pitchFamily="18" charset="0"/>
+            </a:endParaRPr>
+          </a:p>
+        </p:txBody>
+      </p:sp>
+      <p:sp>
+        <p:nvSpPr>
+          <p:cNvPr id="18" name="Arrow: Right 17">
+            <a:extLst>
+              <a:ext uri="{FF2B5EF4-FFF2-40B4-BE49-F238E27FC236}">
+                <a16:creationId xmlns:a16="http://schemas.microsoft.com/office/drawing/2014/main" id="{CE62D957-2C38-BAC4-630A-ECBE814A0697}"/>
+              </a:ext>
+            </a:extLst>
+          </p:cNvPr>
+          <p:cNvSpPr/>
+          <p:nvPr/>
+        </p:nvSpPr>
+        <p:spPr>
+          <a:xfrm>
+            <a:off x="951295" y="953981"/>
+            <a:ext cx="751676" cy="559361"/>
+          </a:xfrm>
+          <a:prstGeom prst="rightArrow">
+            <a:avLst>
+              <a:gd name="adj1" fmla="val 22241"/>
+              <a:gd name="adj2" fmla="val 43831"/>
+            </a:avLst>
+          </a:prstGeom>
+          <a:solidFill>
+            <a:schemeClr val="tx2">
+              <a:lumMod val="20000"/>
+              <a:lumOff val="80000"/>
+            </a:schemeClr>
+          </a:solidFill>
+        </p:spPr>
+        <p:style>
+          <a:lnRef idx="2">
+            <a:schemeClr val="accent1">
+              <a:shade val="15000"/>
+            </a:schemeClr>
+          </a:lnRef>
+          <a:fillRef idx="1">
+            <a:schemeClr val="accent1"/>
+          </a:fillRef>
+          <a:effectRef idx="0">
+            <a:schemeClr val="accent1"/>
+          </a:effectRef>
+          <a:fontRef idx="minor">
+            <a:schemeClr val="lt1"/>
+          </a:fontRef>
+        </p:style>
+        <p:txBody>
+          <a:bodyPr rtlCol="0" anchor="ctr"/>
+          <a:lstStyle/>
+          <a:p>
+            <a:pPr algn="ctr"/>
+            <a:endParaRPr lang="en-GB"/>
+          </a:p>
+        </p:txBody>
+      </p:sp>
+      <p:pic>
+        <p:nvPicPr>
+          <p:cNvPr id="20" name="Picture 19" descr="A screenshot of a cell phone&#10;&#10;Description automatically generated">
+            <a:extLst>
+              <a:ext uri="{FF2B5EF4-FFF2-40B4-BE49-F238E27FC236}">
+                <a16:creationId xmlns:a16="http://schemas.microsoft.com/office/drawing/2014/main" id="{1CBFAC80-FC29-294D-D1BB-5A9D28C8D9AE}"/>
+              </a:ext>
+            </a:extLst>
+          </p:cNvPr>
+          <p:cNvPicPr>
+            <a:picLocks noChangeAspect="1"/>
+          </p:cNvPicPr>
+          <p:nvPr/>
+        </p:nvPicPr>
+        <p:blipFill>
+          <a:blip r:embed="rId3">
+            <a:extLst>
+              <a:ext uri="{28A0092B-C50C-407E-A947-70E740481C1C}">
+                <a14:useLocalDpi xmlns:a14="http://schemas.microsoft.com/office/drawing/2010/main" val="0"/>
+              </a:ext>
+            </a:extLst>
+          </a:blip>
+          <a:stretch>
+            <a:fillRect/>
+          </a:stretch>
+        </p:blipFill>
+        <p:spPr>
+          <a:xfrm>
+            <a:off x="5647978" y="647003"/>
+            <a:ext cx="697114" cy="1261864"/>
+          </a:xfrm>
+          <a:prstGeom prst="rect">
+            <a:avLst/>
+          </a:prstGeom>
+        </p:spPr>
+      </p:pic>
+      <p:sp>
+        <p:nvSpPr>
+          <p:cNvPr id="24" name="Rectangle: Rounded Corners 23">
+            <a:extLst>
+              <a:ext uri="{FF2B5EF4-FFF2-40B4-BE49-F238E27FC236}">
+                <a16:creationId xmlns:a16="http://schemas.microsoft.com/office/drawing/2014/main" id="{39A0468C-ECB6-2A4B-69EB-2BB1F6F28D31}"/>
+              </a:ext>
+            </a:extLst>
+          </p:cNvPr>
+          <p:cNvSpPr/>
+          <p:nvPr/>
+        </p:nvSpPr>
+        <p:spPr>
+          <a:xfrm>
+            <a:off x="116748" y="2190620"/>
+            <a:ext cx="8435679" cy="1923691"/>
+          </a:xfrm>
+          <a:prstGeom prst="roundRect">
+            <a:avLst>
+              <a:gd name="adj" fmla="val 3730"/>
+            </a:avLst>
+          </a:prstGeom>
+          <a:solidFill>
+            <a:schemeClr val="bg1"/>
+          </a:solidFill>
+          <a:ln w="38100">
+            <a:solidFill>
+              <a:schemeClr val="tx1"/>
+            </a:solidFill>
+          </a:ln>
+        </p:spPr>
+        <p:style>
+          <a:lnRef idx="2">
+            <a:schemeClr val="accent1">
+              <a:shade val="15000"/>
+            </a:schemeClr>
+          </a:lnRef>
+          <a:fillRef idx="1">
+            <a:schemeClr val="accent1"/>
+          </a:fillRef>
+          <a:effectRef idx="0">
+            <a:schemeClr val="accent1"/>
+          </a:effectRef>
+          <a:fontRef idx="minor">
+            <a:schemeClr val="lt1"/>
+          </a:fontRef>
+        </p:style>
+        <p:txBody>
+          <a:bodyPr rtlCol="0" anchor="ctr"/>
+          <a:lstStyle/>
+          <a:p>
+            <a:pPr algn="ctr"/>
+            <a:endParaRPr lang="en-GB"/>
+          </a:p>
+        </p:txBody>
+      </p:sp>
+      <p:sp>
+        <p:nvSpPr>
+          <p:cNvPr id="27" name="TextBox 26">
+            <a:extLst>
+              <a:ext uri="{FF2B5EF4-FFF2-40B4-BE49-F238E27FC236}">
+                <a16:creationId xmlns:a16="http://schemas.microsoft.com/office/drawing/2014/main" id="{37928B67-F05A-71A5-4974-D6AAF19A637F}"/>
+              </a:ext>
+            </a:extLst>
+          </p:cNvPr>
+          <p:cNvSpPr txBox="1"/>
+          <p:nvPr/>
+        </p:nvSpPr>
+        <p:spPr>
+          <a:xfrm>
+            <a:off x="1518803" y="2510241"/>
+            <a:ext cx="2030239" cy="461665"/>
+          </a:xfrm>
+          <a:prstGeom prst="rect">
+            <a:avLst/>
+          </a:prstGeom>
+          <a:noFill/>
+        </p:spPr>
+        <p:txBody>
+          <a:bodyPr wrap="square">
+            <a:spAutoFit/>
+          </a:bodyPr>
+          <a:lstStyle/>
+          <a:p>
+            <a:pPr algn="ctr"/>
+            <a:r>
+              <a:rPr lang="en-US" sz="1200" dirty="0">
+                <a:latin typeface="Palatino Linotype" panose="02040502050505030304" pitchFamily="18" charset="0"/>
+              </a:rPr>
+              <a:t>R</a:t>
+            </a:r>
+            <a:r>
+              <a:rPr lang="en-GB" sz="1200" dirty="0" err="1">
+                <a:latin typeface="Palatino Linotype" panose="02040502050505030304" pitchFamily="18" charset="0"/>
+              </a:rPr>
+              <a:t>DKit</a:t>
+            </a:r>
+            <a:r>
+              <a:rPr lang="en-GB" sz="1200" dirty="0">
+                <a:latin typeface="Palatino Linotype" panose="02040502050505030304" pitchFamily="18" charset="0"/>
+              </a:rPr>
+              <a:t> Smiles -&gt; Mol -&gt; Skeleton</a:t>
+            </a:r>
+          </a:p>
+        </p:txBody>
+      </p:sp>
+      <p:sp>
+        <p:nvSpPr>
+          <p:cNvPr id="29" name="Arrow: Right 28">
+            <a:extLst>
+              <a:ext uri="{FF2B5EF4-FFF2-40B4-BE49-F238E27FC236}">
+                <a16:creationId xmlns:a16="http://schemas.microsoft.com/office/drawing/2014/main" id="{17A7139D-398B-3F4B-9BE0-0459374A61EC}"/>
+              </a:ext>
+            </a:extLst>
+          </p:cNvPr>
+          <p:cNvSpPr/>
+          <p:nvPr/>
+        </p:nvSpPr>
+        <p:spPr>
+          <a:xfrm>
+            <a:off x="3476647" y="3047268"/>
+            <a:ext cx="751676" cy="559361"/>
+          </a:xfrm>
+          <a:prstGeom prst="rightArrow">
+            <a:avLst>
+              <a:gd name="adj1" fmla="val 22241"/>
+              <a:gd name="adj2" fmla="val 43831"/>
+            </a:avLst>
+          </a:prstGeom>
+          <a:solidFill>
+            <a:schemeClr val="tx2">
+              <a:lumMod val="20000"/>
+              <a:lumOff val="80000"/>
+            </a:schemeClr>
+          </a:solidFill>
+        </p:spPr>
+        <p:style>
+          <a:lnRef idx="2">
+            <a:schemeClr val="accent1">
+              <a:shade val="15000"/>
+            </a:schemeClr>
+          </a:lnRef>
+          <a:fillRef idx="1">
+            <a:schemeClr val="accent1"/>
+          </a:fillRef>
+          <a:effectRef idx="0">
+            <a:schemeClr val="accent1"/>
+          </a:effectRef>
+          <a:fontRef idx="minor">
+            <a:schemeClr val="lt1"/>
+          </a:fontRef>
+        </p:style>
+        <p:txBody>
+          <a:bodyPr rtlCol="0" anchor="ctr"/>
+          <a:lstStyle/>
+          <a:p>
+            <a:pPr algn="ctr"/>
+            <a:endParaRPr lang="en-GB"/>
+          </a:p>
+        </p:txBody>
+      </p:sp>
+      <p:sp>
+        <p:nvSpPr>
+          <p:cNvPr id="31" name="Arrow: Right 30">
+            <a:extLst>
+              <a:ext uri="{FF2B5EF4-FFF2-40B4-BE49-F238E27FC236}">
+                <a16:creationId xmlns:a16="http://schemas.microsoft.com/office/drawing/2014/main" id="{F8E0C25C-35F1-841E-CA16-10EF750825DB}"/>
+              </a:ext>
+            </a:extLst>
+          </p:cNvPr>
+          <p:cNvSpPr/>
+          <p:nvPr/>
+        </p:nvSpPr>
+        <p:spPr>
+          <a:xfrm>
+            <a:off x="6500233" y="3020558"/>
+            <a:ext cx="751676" cy="559361"/>
+          </a:xfrm>
+          <a:prstGeom prst="rightArrow">
+            <a:avLst>
+              <a:gd name="adj1" fmla="val 22241"/>
+              <a:gd name="adj2" fmla="val 43831"/>
+            </a:avLst>
+          </a:prstGeom>
+          <a:solidFill>
+            <a:schemeClr val="tx2">
+              <a:lumMod val="20000"/>
+              <a:lumOff val="80000"/>
+            </a:schemeClr>
+          </a:solidFill>
+        </p:spPr>
+        <p:style>
+          <a:lnRef idx="2">
+            <a:schemeClr val="accent1">
+              <a:shade val="15000"/>
+            </a:schemeClr>
+          </a:lnRef>
+          <a:fillRef idx="1">
+            <a:schemeClr val="accent1"/>
+          </a:fillRef>
+          <a:effectRef idx="0">
+            <a:schemeClr val="accent1"/>
+          </a:effectRef>
+          <a:fontRef idx="minor">
+            <a:schemeClr val="lt1"/>
+          </a:fontRef>
+        </p:style>
+        <p:txBody>
+          <a:bodyPr rtlCol="0" anchor="ctr"/>
+          <a:lstStyle/>
+          <a:p>
+            <a:pPr algn="ctr"/>
+            <a:endParaRPr lang="en-GB"/>
+          </a:p>
+        </p:txBody>
+      </p:sp>
+      <p:sp>
+        <p:nvSpPr>
+          <p:cNvPr id="32" name="TextBox 31">
+            <a:extLst>
+              <a:ext uri="{FF2B5EF4-FFF2-40B4-BE49-F238E27FC236}">
+                <a16:creationId xmlns:a16="http://schemas.microsoft.com/office/drawing/2014/main" id="{0CDAA8EF-9D02-B6AE-3090-93FECBEE2DD8}"/>
+              </a:ext>
+            </a:extLst>
+          </p:cNvPr>
+          <p:cNvSpPr txBox="1"/>
+          <p:nvPr/>
+        </p:nvSpPr>
+        <p:spPr>
+          <a:xfrm>
+            <a:off x="7286628" y="2287294"/>
+            <a:ext cx="1288166" cy="461665"/>
+          </a:xfrm>
+          <a:prstGeom prst="rect">
+            <a:avLst/>
+          </a:prstGeom>
+          <a:noFill/>
+        </p:spPr>
+        <p:txBody>
+          <a:bodyPr wrap="square">
+            <a:spAutoFit/>
+          </a:bodyPr>
+          <a:lstStyle/>
+          <a:p>
+            <a:pPr algn="ctr"/>
+            <a:r>
+              <a:rPr lang="en-US" sz="1200" dirty="0">
+                <a:latin typeface="Palatino Linotype" panose="02040502050505030304" pitchFamily="18" charset="0"/>
+              </a:rPr>
+              <a:t>Skeleton Image</a:t>
+            </a:r>
+            <a:r>
+              <a:rPr lang="en-GB" sz="1200" dirty="0">
+                <a:latin typeface="Palatino Linotype" panose="02040502050505030304" pitchFamily="18" charset="0"/>
+              </a:rPr>
+              <a:t> Generated</a:t>
+            </a:r>
+            <a:endParaRPr lang="en-US" sz="1200" dirty="0">
+              <a:latin typeface="Palatino Linotype" panose="02040502050505030304" pitchFamily="18" charset="0"/>
+            </a:endParaRPr>
+          </a:p>
+        </p:txBody>
+      </p:sp>
+      <p:sp>
+        <p:nvSpPr>
+          <p:cNvPr id="33" name="TextBox 32">
+            <a:extLst>
+              <a:ext uri="{FF2B5EF4-FFF2-40B4-BE49-F238E27FC236}">
+                <a16:creationId xmlns:a16="http://schemas.microsoft.com/office/drawing/2014/main" id="{7E915D1B-BD9E-8528-12D7-819DF619597C}"/>
+              </a:ext>
+            </a:extLst>
+          </p:cNvPr>
+          <p:cNvSpPr txBox="1"/>
+          <p:nvPr/>
+        </p:nvSpPr>
+        <p:spPr>
+          <a:xfrm>
+            <a:off x="177291" y="2505490"/>
+            <a:ext cx="897589" cy="461665"/>
+          </a:xfrm>
+          <a:prstGeom prst="rect">
+            <a:avLst/>
+          </a:prstGeom>
+          <a:noFill/>
+        </p:spPr>
+        <p:txBody>
+          <a:bodyPr wrap="square">
+            <a:spAutoFit/>
+          </a:bodyPr>
+          <a:lstStyle/>
+          <a:p>
+            <a:pPr algn="ctr"/>
+            <a:r>
+              <a:rPr lang="en-GB" sz="1200" b="0" i="0" dirty="0">
+                <a:effectLst/>
+                <a:latin typeface="Palatino Linotype" panose="02040502050505030304" pitchFamily="18" charset="0"/>
+              </a:rPr>
+              <a:t>Chosen Molecule</a:t>
+            </a:r>
+            <a:endParaRPr lang="en-GB" sz="1200" dirty="0">
+              <a:latin typeface="Palatino Linotype" panose="02040502050505030304" pitchFamily="18" charset="0"/>
+            </a:endParaRPr>
+          </a:p>
+        </p:txBody>
+      </p:sp>
+      <p:sp>
+        <p:nvSpPr>
+          <p:cNvPr id="34" name="Arrow: Right 33">
+            <a:extLst>
+              <a:ext uri="{FF2B5EF4-FFF2-40B4-BE49-F238E27FC236}">
+                <a16:creationId xmlns:a16="http://schemas.microsoft.com/office/drawing/2014/main" id="{978CABE5-8B1B-4E53-8571-78A68390B57F}"/>
+              </a:ext>
+            </a:extLst>
+          </p:cNvPr>
+          <p:cNvSpPr/>
+          <p:nvPr/>
+        </p:nvSpPr>
+        <p:spPr>
+          <a:xfrm>
+            <a:off x="1103025" y="3020558"/>
+            <a:ext cx="751676" cy="559361"/>
+          </a:xfrm>
+          <a:prstGeom prst="rightArrow">
+            <a:avLst>
+              <a:gd name="adj1" fmla="val 22241"/>
+              <a:gd name="adj2" fmla="val 43831"/>
+            </a:avLst>
+          </a:prstGeom>
+          <a:solidFill>
+            <a:schemeClr val="tx2">
+              <a:lumMod val="20000"/>
+              <a:lumOff val="80000"/>
+            </a:schemeClr>
+          </a:solidFill>
+        </p:spPr>
+        <p:style>
+          <a:lnRef idx="2">
+            <a:schemeClr val="accent1">
+              <a:shade val="15000"/>
+            </a:schemeClr>
+          </a:lnRef>
+          <a:fillRef idx="1">
+            <a:schemeClr val="accent1"/>
+          </a:fillRef>
+          <a:effectRef idx="0">
+            <a:schemeClr val="accent1"/>
+          </a:effectRef>
+          <a:fontRef idx="minor">
+            <a:schemeClr val="lt1"/>
+          </a:fontRef>
+        </p:style>
+        <p:txBody>
+          <a:bodyPr rtlCol="0" anchor="ctr"/>
+          <a:lstStyle/>
+          <a:p>
+            <a:pPr algn="ctr"/>
+            <a:endParaRPr lang="en-GB"/>
+          </a:p>
+        </p:txBody>
+      </p:sp>
+      <p:sp>
+        <p:nvSpPr>
+          <p:cNvPr id="39" name="TextBox 38">
+            <a:extLst>
+              <a:ext uri="{FF2B5EF4-FFF2-40B4-BE49-F238E27FC236}">
+                <a16:creationId xmlns:a16="http://schemas.microsoft.com/office/drawing/2014/main" id="{966B80CA-F890-9FB6-C736-7DCA008C9F80}"/>
+              </a:ext>
+            </a:extLst>
+          </p:cNvPr>
+          <p:cNvSpPr txBox="1"/>
+          <p:nvPr/>
+        </p:nvSpPr>
+        <p:spPr>
+          <a:xfrm>
+            <a:off x="177291" y="3076826"/>
+            <a:ext cx="925734" cy="584775"/>
+          </a:xfrm>
+          <a:prstGeom prst="rect">
+            <a:avLst/>
+          </a:prstGeom>
+          <a:noFill/>
+        </p:spPr>
+        <p:txBody>
+          <a:bodyPr wrap="square">
+            <a:spAutoFit/>
+          </a:bodyPr>
+          <a:lstStyle/>
+          <a:p>
+            <a:r>
+              <a:rPr lang="pt-BR" sz="800" b="0" i="0" u="none" strike="noStrike" dirty="0">
+                <a:solidFill>
+                  <a:srgbClr val="000000"/>
+                </a:solidFill>
+                <a:effectLst/>
+                <a:latin typeface="Palatino Linotype" panose="02040502050505030304" pitchFamily="18" charset="0"/>
+              </a:rPr>
+              <a:t>CN1N(c2ccccc2)C(=O).......N(C)N(c2ccccc2)C1=O</a:t>
+            </a:r>
+            <a:r>
+              <a:rPr lang="pt-BR" sz="800" dirty="0">
+                <a:latin typeface="Palatino Linotype" panose="02040502050505030304" pitchFamily="18" charset="0"/>
+              </a:rPr>
+              <a:t> </a:t>
+            </a:r>
+            <a:endParaRPr lang="en-GB" sz="800" dirty="0">
+              <a:latin typeface="Palatino Linotype" panose="02040502050505030304" pitchFamily="18" charset="0"/>
+            </a:endParaRPr>
+          </a:p>
+        </p:txBody>
+      </p:sp>
+      <p:pic>
+        <p:nvPicPr>
+          <p:cNvPr id="41" name="Picture 40" descr="A structure of a molecule&#10;&#10;Description automatically generated">
+            <a:extLst>
+              <a:ext uri="{FF2B5EF4-FFF2-40B4-BE49-F238E27FC236}">
+                <a16:creationId xmlns:a16="http://schemas.microsoft.com/office/drawing/2014/main" id="{073A9B29-B4ED-8F5F-2BBB-34B01159A270}"/>
+              </a:ext>
+            </a:extLst>
+          </p:cNvPr>
+          <p:cNvPicPr>
+            <a:picLocks noChangeAspect="1"/>
+          </p:cNvPicPr>
+          <p:nvPr/>
+        </p:nvPicPr>
+        <p:blipFill rotWithShape="1">
+          <a:blip r:embed="rId4">
+            <a:extLst>
+              <a:ext uri="{28A0092B-C50C-407E-A947-70E740481C1C}">
+                <a14:useLocalDpi xmlns:a14="http://schemas.microsoft.com/office/drawing/2010/main" val="0"/>
+              </a:ext>
+            </a:extLst>
+          </a:blip>
+          <a:srcRect l="15220" t="32363" r="14242" b="31524"/>
+          <a:stretch/>
+        </p:blipFill>
+        <p:spPr>
+          <a:xfrm>
+            <a:off x="1939478" y="2998593"/>
+            <a:ext cx="1447817" cy="741240"/>
+          </a:xfrm>
+          <a:prstGeom prst="rect">
+            <a:avLst/>
+          </a:prstGeom>
+          <a:ln>
+            <a:solidFill>
+              <a:schemeClr val="tx1"/>
+            </a:solidFill>
+          </a:ln>
+        </p:spPr>
+      </p:pic>
+      <p:sp>
+        <p:nvSpPr>
+          <p:cNvPr id="42" name="TextBox 41">
+            <a:extLst>
+              <a:ext uri="{FF2B5EF4-FFF2-40B4-BE49-F238E27FC236}">
+                <a16:creationId xmlns:a16="http://schemas.microsoft.com/office/drawing/2014/main" id="{651587DA-6E99-81B0-5BF0-813B7DFA27D9}"/>
+              </a:ext>
+            </a:extLst>
+          </p:cNvPr>
+          <p:cNvSpPr txBox="1"/>
+          <p:nvPr/>
+        </p:nvSpPr>
+        <p:spPr>
+          <a:xfrm>
+            <a:off x="4394971" y="2308751"/>
+            <a:ext cx="2030239" cy="461665"/>
+          </a:xfrm>
+          <a:prstGeom prst="rect">
+            <a:avLst/>
+          </a:prstGeom>
+          <a:noFill/>
+        </p:spPr>
+        <p:txBody>
+          <a:bodyPr wrap="square">
+            <a:spAutoFit/>
+          </a:bodyPr>
+          <a:lstStyle/>
+          <a:p>
+            <a:pPr algn="ctr"/>
+            <a:r>
+              <a:rPr lang="en-US" sz="1200" dirty="0">
+                <a:latin typeface="Palatino Linotype" panose="02040502050505030304" pitchFamily="18" charset="0"/>
+              </a:rPr>
+              <a:t>D</a:t>
+            </a:r>
+            <a:r>
+              <a:rPr lang="en-GB" sz="1200" dirty="0" err="1">
+                <a:latin typeface="Palatino Linotype" panose="02040502050505030304" pitchFamily="18" charset="0"/>
+              </a:rPr>
+              <a:t>ataset</a:t>
+            </a:r>
+            <a:r>
+              <a:rPr lang="en-GB" sz="1200" dirty="0">
+                <a:latin typeface="Palatino Linotype" panose="02040502050505030304" pitchFamily="18" charset="0"/>
+              </a:rPr>
+              <a:t> Structure Standardisation</a:t>
+            </a:r>
+          </a:p>
+        </p:txBody>
+      </p:sp>
+      <p:pic>
+        <p:nvPicPr>
+          <p:cNvPr id="44" name="Picture 43" descr="A structure of a molecule&#10;&#10;Description automatically generated">
+            <a:extLst>
+              <a:ext uri="{FF2B5EF4-FFF2-40B4-BE49-F238E27FC236}">
+                <a16:creationId xmlns:a16="http://schemas.microsoft.com/office/drawing/2014/main" id="{569A2089-EE45-3E91-C26F-EE6A93249804}"/>
+              </a:ext>
+            </a:extLst>
+          </p:cNvPr>
+          <p:cNvPicPr>
+            <a:picLocks noChangeAspect="1"/>
+          </p:cNvPicPr>
+          <p:nvPr/>
+        </p:nvPicPr>
+        <p:blipFill>
+          <a:blip r:embed="rId4">
+            <a:extLst>
+              <a:ext uri="{28A0092B-C50C-407E-A947-70E740481C1C}">
+                <a14:useLocalDpi xmlns:a14="http://schemas.microsoft.com/office/drawing/2010/main" val="0"/>
+              </a:ext>
+            </a:extLst>
+          </a:blip>
+          <a:stretch>
+            <a:fillRect/>
+          </a:stretch>
+        </p:blipFill>
+        <p:spPr>
+          <a:xfrm>
+            <a:off x="7373840" y="2780355"/>
+            <a:ext cx="1113742" cy="1113742"/>
+          </a:xfrm>
+          <a:prstGeom prst="rect">
+            <a:avLst/>
+          </a:prstGeom>
+          <a:ln>
+            <a:solidFill>
+              <a:schemeClr val="tx1"/>
+            </a:solidFill>
+          </a:ln>
+        </p:spPr>
+      </p:pic>
+      <p:sp>
+        <p:nvSpPr>
+          <p:cNvPr id="45" name="TextBox 44">
+            <a:extLst>
+              <a:ext uri="{FF2B5EF4-FFF2-40B4-BE49-F238E27FC236}">
+                <a16:creationId xmlns:a16="http://schemas.microsoft.com/office/drawing/2014/main" id="{3EC4E22A-F554-A4EA-6C0E-D384AA201965}"/>
+              </a:ext>
+            </a:extLst>
+          </p:cNvPr>
+          <p:cNvSpPr txBox="1"/>
+          <p:nvPr/>
+        </p:nvSpPr>
+        <p:spPr>
+          <a:xfrm>
+            <a:off x="7373840" y="3856953"/>
+            <a:ext cx="1178587" cy="276999"/>
+          </a:xfrm>
+          <a:prstGeom prst="rect">
+            <a:avLst/>
+          </a:prstGeom>
+          <a:noFill/>
+        </p:spPr>
+        <p:txBody>
+          <a:bodyPr wrap="square">
+            <a:spAutoFit/>
+          </a:bodyPr>
+          <a:lstStyle/>
+          <a:p>
+            <a:pPr algn="ctr"/>
+            <a:r>
+              <a:rPr lang="en-GB" sz="1200" b="0" i="0" dirty="0">
+                <a:effectLst/>
+                <a:latin typeface="Palatino Linotype" panose="02040502050505030304" pitchFamily="18" charset="0"/>
+              </a:rPr>
+              <a:t>400x400 pixels</a:t>
+            </a:r>
+            <a:endParaRPr lang="en-GB" sz="1200" dirty="0">
+              <a:latin typeface="Palatino Linotype" panose="02040502050505030304" pitchFamily="18" charset="0"/>
+            </a:endParaRPr>
+          </a:p>
+        </p:txBody>
+      </p:sp>
+      <p:pic>
+        <p:nvPicPr>
+          <p:cNvPr id="47" name="Picture 46">
+            <a:extLst>
+              <a:ext uri="{FF2B5EF4-FFF2-40B4-BE49-F238E27FC236}">
+                <a16:creationId xmlns:a16="http://schemas.microsoft.com/office/drawing/2014/main" id="{EDCC1C82-B530-897D-E885-46E4140A585C}"/>
+              </a:ext>
+            </a:extLst>
+          </p:cNvPr>
+          <p:cNvPicPr>
+            <a:picLocks noChangeAspect="1"/>
+          </p:cNvPicPr>
+          <p:nvPr/>
+        </p:nvPicPr>
+        <p:blipFill>
+          <a:blip r:embed="rId5"/>
+          <a:stretch>
+            <a:fillRect/>
+          </a:stretch>
+        </p:blipFill>
+        <p:spPr>
+          <a:xfrm>
+            <a:off x="4370851" y="2823161"/>
+            <a:ext cx="2030240" cy="1007573"/>
+          </a:xfrm>
+          <a:prstGeom prst="rect">
+            <a:avLst/>
+          </a:prstGeom>
+        </p:spPr>
+      </p:pic>
+      <p:sp>
+        <p:nvSpPr>
+          <p:cNvPr id="1024" name="Rectangle: Rounded Corners 1023">
+            <a:extLst>
+              <a:ext uri="{FF2B5EF4-FFF2-40B4-BE49-F238E27FC236}">
+                <a16:creationId xmlns:a16="http://schemas.microsoft.com/office/drawing/2014/main" id="{5C52E7FB-1297-4CB9-FA68-0B0A8D14FD9A}"/>
+              </a:ext>
+            </a:extLst>
+          </p:cNvPr>
+          <p:cNvSpPr/>
+          <p:nvPr/>
+        </p:nvSpPr>
+        <p:spPr>
+          <a:xfrm>
+            <a:off x="8772802" y="2190619"/>
+            <a:ext cx="1410718" cy="1923691"/>
+          </a:xfrm>
+          <a:prstGeom prst="roundRect">
+            <a:avLst>
+              <a:gd name="adj" fmla="val 3730"/>
+            </a:avLst>
+          </a:prstGeom>
+          <a:solidFill>
+            <a:schemeClr val="bg1"/>
+          </a:solidFill>
+          <a:ln w="38100">
+            <a:solidFill>
+              <a:schemeClr val="tx1"/>
+            </a:solidFill>
+          </a:ln>
+        </p:spPr>
+        <p:style>
+          <a:lnRef idx="2">
+            <a:schemeClr val="accent1">
+              <a:shade val="15000"/>
+            </a:schemeClr>
+          </a:lnRef>
+          <a:fillRef idx="1">
+            <a:schemeClr val="accent1"/>
+          </a:fillRef>
+          <a:effectRef idx="0">
+            <a:schemeClr val="accent1"/>
+          </a:effectRef>
+          <a:fontRef idx="minor">
+            <a:schemeClr val="lt1"/>
+          </a:fontRef>
+        </p:style>
+        <p:txBody>
+          <a:bodyPr rtlCol="0" anchor="ctr"/>
+          <a:lstStyle/>
+          <a:p>
+            <a:pPr algn="ctr"/>
+            <a:endParaRPr lang="en-GB"/>
+          </a:p>
+        </p:txBody>
+      </p:sp>
+      <p:pic>
+        <p:nvPicPr>
+          <p:cNvPr id="1033" name="Picture 2" descr="Example of SMILES representation and one-hot vectors for benzene. For... |  Download Scientific Diagram">
+            <a:extLst>
+              <a:ext uri="{FF2B5EF4-FFF2-40B4-BE49-F238E27FC236}">
+                <a16:creationId xmlns:a16="http://schemas.microsoft.com/office/drawing/2014/main" id="{DD5C1A04-8290-014D-6D33-3E671993A6AA}"/>
+              </a:ext>
+            </a:extLst>
+          </p:cNvPr>
+          <p:cNvPicPr>
+            <a:picLocks noChangeAspect="1" noChangeArrowheads="1"/>
+          </p:cNvPicPr>
+          <p:nvPr/>
+        </p:nvPicPr>
+        <p:blipFill rotWithShape="1">
+          <a:blip r:embed="rId2">
+            <a:extLst>
+              <a:ext uri="{28A0092B-C50C-407E-A947-70E740481C1C}">
+                <a14:useLocalDpi xmlns:a14="http://schemas.microsoft.com/office/drawing/2010/main" val="0"/>
+              </a:ext>
+            </a:extLst>
+          </a:blip>
+          <a:srcRect r="82801" b="24594"/>
+          <a:stretch/>
+        </p:blipFill>
+        <p:spPr bwMode="auto">
+          <a:xfrm>
+            <a:off x="897482" y="4662359"/>
+            <a:ext cx="581381" cy="563780"/>
+          </a:xfrm>
+          <a:prstGeom prst="rect">
+            <a:avLst/>
+          </a:prstGeom>
+          <a:noFill/>
+          <a:extLst>
+            <a:ext uri="{909E8E84-426E-40DD-AFC4-6F175D3DCCD1}">
+              <a14:hiddenFill xmlns:a14="http://schemas.microsoft.com/office/drawing/2010/main">
+                <a:solidFill>
+                  <a:srgbClr val="FFFFFF"/>
+                </a:solidFill>
+              </a14:hiddenFill>
+            </a:ext>
+          </a:extLst>
+        </p:spPr>
+      </p:pic>
+      <p:sp>
+        <p:nvSpPr>
+          <p:cNvPr id="1034" name="Cross 1033">
+            <a:extLst>
+              <a:ext uri="{FF2B5EF4-FFF2-40B4-BE49-F238E27FC236}">
+                <a16:creationId xmlns:a16="http://schemas.microsoft.com/office/drawing/2014/main" id="{3EFA2606-16C7-231A-0C3F-AD8F494C3966}"/>
+              </a:ext>
+            </a:extLst>
+          </p:cNvPr>
+          <p:cNvSpPr/>
+          <p:nvPr/>
+        </p:nvSpPr>
+        <p:spPr>
+          <a:xfrm>
+            <a:off x="1070042" y="5226139"/>
+            <a:ext cx="217089" cy="210517"/>
+          </a:xfrm>
+          <a:prstGeom prst="plus">
+            <a:avLst>
+              <a:gd name="adj" fmla="val 43182"/>
+            </a:avLst>
+          </a:prstGeom>
+          <a:solidFill>
+            <a:schemeClr val="tx1"/>
+          </a:solidFill>
+          <a:ln>
+            <a:solidFill>
+              <a:schemeClr val="tx1"/>
+            </a:solidFill>
+          </a:ln>
+        </p:spPr>
+        <p:style>
+          <a:lnRef idx="2">
+            <a:schemeClr val="accent1">
+              <a:shade val="15000"/>
+            </a:schemeClr>
+          </a:lnRef>
+          <a:fillRef idx="1">
+            <a:schemeClr val="accent1"/>
+          </a:fillRef>
+          <a:effectRef idx="0">
+            <a:schemeClr val="accent1"/>
+          </a:effectRef>
+          <a:fontRef idx="minor">
+            <a:schemeClr val="lt1"/>
+          </a:fontRef>
+        </p:style>
+        <p:txBody>
+          <a:bodyPr rtlCol="0" anchor="ctr"/>
+          <a:lstStyle/>
+          <a:p>
+            <a:pPr algn="ctr"/>
+            <a:endParaRPr lang="en-GB"/>
+          </a:p>
+        </p:txBody>
+      </p:sp>
+      <p:sp>
+        <p:nvSpPr>
+          <p:cNvPr id="1035" name="Trapezoid 1034">
+            <a:extLst>
+              <a:ext uri="{FF2B5EF4-FFF2-40B4-BE49-F238E27FC236}">
+                <a16:creationId xmlns:a16="http://schemas.microsoft.com/office/drawing/2014/main" id="{6C2D7DB2-7491-70AF-4EB8-EDC4B8C2B718}"/>
+              </a:ext>
+            </a:extLst>
+          </p:cNvPr>
+          <p:cNvSpPr/>
+          <p:nvPr/>
+        </p:nvSpPr>
+        <p:spPr>
+          <a:xfrm rot="5400000">
+            <a:off x="2876997" y="4630247"/>
+            <a:ext cx="1443068" cy="774297"/>
+          </a:xfrm>
+          <a:prstGeom prst="trapezoid">
+            <a:avLst>
+              <a:gd name="adj" fmla="val 39905"/>
+            </a:avLst>
+          </a:prstGeom>
+          <a:solidFill>
+            <a:schemeClr val="tx1"/>
+          </a:solidFill>
+          <a:ln>
+            <a:noFill/>
+          </a:ln>
+        </p:spPr>
+        <p:style>
+          <a:lnRef idx="2">
+            <a:schemeClr val="accent1">
+              <a:shade val="15000"/>
+            </a:schemeClr>
+          </a:lnRef>
+          <a:fillRef idx="1">
+            <a:schemeClr val="accent1"/>
+          </a:fillRef>
+          <a:effectRef idx="0">
+            <a:schemeClr val="accent1"/>
+          </a:effectRef>
+          <a:fontRef idx="minor">
+            <a:schemeClr val="lt1"/>
+          </a:fontRef>
+        </p:style>
+        <p:txBody>
+          <a:bodyPr rtlCol="0" anchor="ctr"/>
+          <a:lstStyle/>
+          <a:p>
+            <a:pPr algn="ctr"/>
+            <a:r>
+              <a:rPr lang="en-US" sz="1400" dirty="0">
+                <a:latin typeface="Palatino Linotype" panose="02040502050505030304" pitchFamily="18" charset="0"/>
+              </a:rPr>
+              <a:t>Encoder</a:t>
+            </a:r>
+            <a:endParaRPr lang="en-GB" sz="1400" dirty="0">
+              <a:latin typeface="Palatino Linotype" panose="02040502050505030304" pitchFamily="18" charset="0"/>
+            </a:endParaRPr>
+          </a:p>
+        </p:txBody>
+      </p:sp>
+      <p:sp>
+        <p:nvSpPr>
+          <p:cNvPr id="1036" name="Trapezoid 1035">
+            <a:extLst>
+              <a:ext uri="{FF2B5EF4-FFF2-40B4-BE49-F238E27FC236}">
+                <a16:creationId xmlns:a16="http://schemas.microsoft.com/office/drawing/2014/main" id="{59C7B788-DD72-2078-7642-E55CAF4F2A9D}"/>
+              </a:ext>
+            </a:extLst>
+          </p:cNvPr>
+          <p:cNvSpPr/>
+          <p:nvPr/>
+        </p:nvSpPr>
+        <p:spPr>
+          <a:xfrm rot="16200000">
+            <a:off x="5713599" y="4662359"/>
+            <a:ext cx="1443068" cy="774297"/>
+          </a:xfrm>
+          <a:prstGeom prst="trapezoid">
+            <a:avLst>
+              <a:gd name="adj" fmla="val 39905"/>
+            </a:avLst>
+          </a:prstGeom>
+          <a:solidFill>
+            <a:schemeClr val="tx1"/>
+          </a:solidFill>
+          <a:ln>
+            <a:noFill/>
+          </a:ln>
+        </p:spPr>
+        <p:style>
+          <a:lnRef idx="2">
+            <a:schemeClr val="accent1">
+              <a:shade val="15000"/>
+            </a:schemeClr>
+          </a:lnRef>
+          <a:fillRef idx="1">
+            <a:schemeClr val="accent1"/>
+          </a:fillRef>
+          <a:effectRef idx="0">
+            <a:schemeClr val="accent1"/>
+          </a:effectRef>
+          <a:fontRef idx="minor">
+            <a:schemeClr val="lt1"/>
+          </a:fontRef>
+        </p:style>
+        <p:txBody>
+          <a:bodyPr rtlCol="0" anchor="ctr"/>
+          <a:lstStyle/>
+          <a:p>
+            <a:pPr algn="ctr"/>
+            <a:r>
+              <a:rPr lang="en-US" sz="1400" dirty="0">
+                <a:latin typeface="Palatino Linotype" panose="02040502050505030304" pitchFamily="18" charset="0"/>
+              </a:rPr>
+              <a:t>Decoder</a:t>
+            </a:r>
+            <a:endParaRPr lang="en-GB" sz="1400" dirty="0">
+              <a:latin typeface="Palatino Linotype" panose="02040502050505030304" pitchFamily="18" charset="0"/>
+            </a:endParaRPr>
+          </a:p>
+        </p:txBody>
+      </p:sp>
+    </p:spTree>
+    <p:extLst>
+      <p:ext uri="{BB962C8B-B14F-4D97-AF65-F5344CB8AC3E}">
+        <p14:creationId xmlns:p14="http://schemas.microsoft.com/office/powerpoint/2010/main" val="1175631114"/>
       </p:ext>
     </p:extLst>
   </p:cSld>

--- a/docs/Architectures.pptx
+++ b/docs/Architectures.pptx
@@ -5,11 +5,12 @@
     <p:sldMasterId id="2147483648" r:id="rId1"/>
   </p:sldMasterIdLst>
   <p:notesMasterIdLst>
-    <p:notesMasterId r:id="rId4"/>
+    <p:notesMasterId r:id="rId5"/>
   </p:notesMasterIdLst>
   <p:sldIdLst>
     <p:sldId id="256" r:id="rId2"/>
     <p:sldId id="257" r:id="rId3"/>
+    <p:sldId id="258" r:id="rId4"/>
   </p:sldIdLst>
   <p:sldSz cx="12192000" cy="6858000"/>
   <p:notesSz cx="6858000" cy="9144000"/>
@@ -198,7 +199,7 @@
           <a:p>
             <a:fld id="{692584DF-C865-4592-8ED7-B1F61CF9BAAD}" type="datetimeFigureOut">
               <a:rPr lang="en-GB" smtClean="0"/>
-              <a:t>07/08/2023</a:t>
+              <a:t>10/08/2023</a:t>
             </a:fld>
             <a:endParaRPr lang="en-GB"/>
           </a:p>
@@ -615,7 +616,7 @@
           <a:p>
             <a:fld id="{F329D50C-4BB7-4A90-83D6-4F26E5B1EE76}" type="datetimeFigureOut">
               <a:rPr lang="en-GB" smtClean="0"/>
-              <a:t>07/08/2023</a:t>
+              <a:t>10/08/2023</a:t>
             </a:fld>
             <a:endParaRPr lang="en-GB"/>
           </a:p>
@@ -815,7 +816,7 @@
           <a:p>
             <a:fld id="{F329D50C-4BB7-4A90-83D6-4F26E5B1EE76}" type="datetimeFigureOut">
               <a:rPr lang="en-GB" smtClean="0"/>
-              <a:t>07/08/2023</a:t>
+              <a:t>10/08/2023</a:t>
             </a:fld>
             <a:endParaRPr lang="en-GB"/>
           </a:p>
@@ -1025,7 +1026,7 @@
           <a:p>
             <a:fld id="{F329D50C-4BB7-4A90-83D6-4F26E5B1EE76}" type="datetimeFigureOut">
               <a:rPr lang="en-GB" smtClean="0"/>
-              <a:t>07/08/2023</a:t>
+              <a:t>10/08/2023</a:t>
             </a:fld>
             <a:endParaRPr lang="en-GB"/>
           </a:p>
@@ -1225,7 +1226,7 @@
           <a:p>
             <a:fld id="{F329D50C-4BB7-4A90-83D6-4F26E5B1EE76}" type="datetimeFigureOut">
               <a:rPr lang="en-GB" smtClean="0"/>
-              <a:t>07/08/2023</a:t>
+              <a:t>10/08/2023</a:t>
             </a:fld>
             <a:endParaRPr lang="en-GB"/>
           </a:p>
@@ -1501,7 +1502,7 @@
           <a:p>
             <a:fld id="{F329D50C-4BB7-4A90-83D6-4F26E5B1EE76}" type="datetimeFigureOut">
               <a:rPr lang="en-GB" smtClean="0"/>
-              <a:t>07/08/2023</a:t>
+              <a:t>10/08/2023</a:t>
             </a:fld>
             <a:endParaRPr lang="en-GB"/>
           </a:p>
@@ -1769,7 +1770,7 @@
           <a:p>
             <a:fld id="{F329D50C-4BB7-4A90-83D6-4F26E5B1EE76}" type="datetimeFigureOut">
               <a:rPr lang="en-GB" smtClean="0"/>
-              <a:t>07/08/2023</a:t>
+              <a:t>10/08/2023</a:t>
             </a:fld>
             <a:endParaRPr lang="en-GB"/>
           </a:p>
@@ -2184,7 +2185,7 @@
           <a:p>
             <a:fld id="{F329D50C-4BB7-4A90-83D6-4F26E5B1EE76}" type="datetimeFigureOut">
               <a:rPr lang="en-GB" smtClean="0"/>
-              <a:t>07/08/2023</a:t>
+              <a:t>10/08/2023</a:t>
             </a:fld>
             <a:endParaRPr lang="en-GB"/>
           </a:p>
@@ -2326,7 +2327,7 @@
           <a:p>
             <a:fld id="{F329D50C-4BB7-4A90-83D6-4F26E5B1EE76}" type="datetimeFigureOut">
               <a:rPr lang="en-GB" smtClean="0"/>
-              <a:t>07/08/2023</a:t>
+              <a:t>10/08/2023</a:t>
             </a:fld>
             <a:endParaRPr lang="en-GB"/>
           </a:p>
@@ -2439,7 +2440,7 @@
           <a:p>
             <a:fld id="{F329D50C-4BB7-4A90-83D6-4F26E5B1EE76}" type="datetimeFigureOut">
               <a:rPr lang="en-GB" smtClean="0"/>
-              <a:t>07/08/2023</a:t>
+              <a:t>10/08/2023</a:t>
             </a:fld>
             <a:endParaRPr lang="en-GB"/>
           </a:p>
@@ -2752,7 +2753,7 @@
           <a:p>
             <a:fld id="{F329D50C-4BB7-4A90-83D6-4F26E5B1EE76}" type="datetimeFigureOut">
               <a:rPr lang="en-GB" smtClean="0"/>
-              <a:t>07/08/2023</a:t>
+              <a:t>10/08/2023</a:t>
             </a:fld>
             <a:endParaRPr lang="en-GB"/>
           </a:p>
@@ -3041,7 +3042,7 @@
           <a:p>
             <a:fld id="{F329D50C-4BB7-4A90-83D6-4F26E5B1EE76}" type="datetimeFigureOut">
               <a:rPr lang="en-GB" smtClean="0"/>
-              <a:t>07/08/2023</a:t>
+              <a:t>10/08/2023</a:t>
             </a:fld>
             <a:endParaRPr lang="en-GB"/>
           </a:p>
@@ -3284,7 +3285,7 @@
           <a:p>
             <a:fld id="{F329D50C-4BB7-4A90-83D6-4F26E5B1EE76}" type="datetimeFigureOut">
               <a:rPr lang="en-GB" smtClean="0"/>
-              <a:t>07/08/2023</a:t>
+              <a:t>10/08/2023</a:t>
             </a:fld>
             <a:endParaRPr lang="en-GB"/>
           </a:p>
@@ -5406,16 +5407,6 @@
           <a:p>
             <a:pPr algn="ctr"/>
             <a:r>
-              <a:rPr lang="en-GB" sz="1100" b="1" i="0" dirty="0" err="1">
-                <a:solidFill>
-                  <a:schemeClr val="bg1"/>
-                </a:solidFill>
-                <a:effectLst/>
-                <a:latin typeface="Palatino Linotype" panose="02040502050505030304" pitchFamily="18" charset="0"/>
-              </a:rPr>
-              <a:t>ChemBERTa</a:t>
-            </a:r>
-            <a:r>
               <a:rPr lang="en-GB" sz="1100" b="1" i="0" dirty="0">
                 <a:solidFill>
                   <a:schemeClr val="bg1"/>
@@ -5423,7 +5414,7 @@
                 <a:effectLst/>
                 <a:latin typeface="Palatino Linotype" panose="02040502050505030304" pitchFamily="18" charset="0"/>
               </a:rPr>
-              <a:t> Model</a:t>
+              <a:t>ChemBERTa Model</a:t>
             </a:r>
             <a:endParaRPr lang="en-GB" sz="1100" b="1" dirty="0">
               <a:solidFill>
@@ -5656,7 +5647,7 @@
         </p:blipFill>
         <p:spPr>
           <a:xfrm>
-            <a:off x="5647978" y="647003"/>
+            <a:off x="5624267" y="643795"/>
             <a:ext cx="697114" cy="1261864"/>
           </a:xfrm>
           <a:prstGeom prst="rect">
@@ -6333,12 +6324,217 @@
           </a:p>
         </p:txBody>
       </p:sp>
+      <p:grpSp>
+        <p:nvGrpSpPr>
+          <p:cNvPr id="4" name="Group 3">
+            <a:extLst>
+              <a:ext uri="{FF2B5EF4-FFF2-40B4-BE49-F238E27FC236}">
+                <a16:creationId xmlns:a16="http://schemas.microsoft.com/office/drawing/2014/main" id="{B490E854-82CD-F651-1BEC-9E2E4605DB12}"/>
+              </a:ext>
+            </a:extLst>
+          </p:cNvPr>
+          <p:cNvGrpSpPr/>
+          <p:nvPr/>
+        </p:nvGrpSpPr>
+        <p:grpSpPr>
+          <a:xfrm>
+            <a:off x="7464074" y="1221165"/>
+            <a:ext cx="1285336" cy="656212"/>
+            <a:chOff x="1537562" y="4786706"/>
+            <a:chExt cx="1285336" cy="656212"/>
+          </a:xfrm>
+        </p:grpSpPr>
+        <p:sp>
+          <p:nvSpPr>
+            <p:cNvPr id="2" name="Rectangle: Rounded Corners 1">
+              <a:extLst>
+                <a:ext uri="{FF2B5EF4-FFF2-40B4-BE49-F238E27FC236}">
+                  <a16:creationId xmlns:a16="http://schemas.microsoft.com/office/drawing/2014/main" id="{A97FDB14-1787-3D19-4AC2-6E530E42FF52}"/>
+                </a:ext>
+              </a:extLst>
+            </p:cNvPr>
+            <p:cNvSpPr/>
+            <p:nvPr/>
+          </p:nvSpPr>
+          <p:spPr>
+            <a:xfrm>
+              <a:off x="1537562" y="4786706"/>
+              <a:ext cx="1285335" cy="656212"/>
+            </a:xfrm>
+            <a:prstGeom prst="roundRect">
+              <a:avLst/>
+            </a:prstGeom>
+            <a:solidFill>
+              <a:schemeClr val="tx1"/>
+            </a:solidFill>
+            <a:ln>
+              <a:noFill/>
+            </a:ln>
+          </p:spPr>
+          <p:style>
+            <a:lnRef idx="2">
+              <a:schemeClr val="accent1">
+                <a:shade val="15000"/>
+              </a:schemeClr>
+            </a:lnRef>
+            <a:fillRef idx="1">
+              <a:schemeClr val="accent1"/>
+            </a:fillRef>
+            <a:effectRef idx="0">
+              <a:schemeClr val="accent1"/>
+            </a:effectRef>
+            <a:fontRef idx="minor">
+              <a:schemeClr val="lt1"/>
+            </a:fontRef>
+          </p:style>
+          <p:txBody>
+            <a:bodyPr rtlCol="0" anchor="ctr"/>
+            <a:lstStyle/>
+            <a:p>
+              <a:pPr algn="ctr"/>
+              <a:endParaRPr lang="en-GB"/>
+            </a:p>
+          </p:txBody>
+        </p:sp>
+        <p:sp>
+          <p:nvSpPr>
+            <p:cNvPr id="3" name="TextBox 2">
+              <a:extLst>
+                <a:ext uri="{FF2B5EF4-FFF2-40B4-BE49-F238E27FC236}">
+                  <a16:creationId xmlns:a16="http://schemas.microsoft.com/office/drawing/2014/main" id="{EFB79DD2-D975-82E9-534A-89790724E3B0}"/>
+                </a:ext>
+              </a:extLst>
+            </p:cNvPr>
+            <p:cNvSpPr txBox="1"/>
+            <p:nvPr/>
+          </p:nvSpPr>
+          <p:spPr>
+            <a:xfrm>
+              <a:off x="1537562" y="4911866"/>
+              <a:ext cx="1285336" cy="430887"/>
+            </a:xfrm>
+            <a:prstGeom prst="rect">
+              <a:avLst/>
+            </a:prstGeom>
+            <a:noFill/>
+          </p:spPr>
+          <p:txBody>
+            <a:bodyPr wrap="square">
+              <a:spAutoFit/>
+            </a:bodyPr>
+            <a:lstStyle/>
+            <a:p>
+              <a:pPr algn="ctr"/>
+              <a:r>
+                <a:rPr lang="en-GB" sz="1100" b="1" i="0" dirty="0">
+                  <a:solidFill>
+                    <a:schemeClr val="bg1"/>
+                  </a:solidFill>
+                  <a:effectLst/>
+                  <a:latin typeface="Palatino Linotype" panose="02040502050505030304" pitchFamily="18" charset="0"/>
+                </a:rPr>
+                <a:t>ChemBERTa Model</a:t>
+              </a:r>
+              <a:endParaRPr lang="en-GB" sz="1100" b="1" dirty="0">
+                <a:solidFill>
+                  <a:schemeClr val="bg1"/>
+                </a:solidFill>
+                <a:latin typeface="Palatino Linotype" panose="02040502050505030304" pitchFamily="18" charset="0"/>
+              </a:endParaRPr>
+            </a:p>
+          </p:txBody>
+        </p:sp>
+      </p:grpSp>
+    </p:spTree>
+    <p:extLst>
+      <p:ext uri="{BB962C8B-B14F-4D97-AF65-F5344CB8AC3E}">
+        <p14:creationId xmlns:p14="http://schemas.microsoft.com/office/powerpoint/2010/main" val="1175631114"/>
+      </p:ext>
+    </p:extLst>
+  </p:cSld>
+  <p:clrMapOvr>
+    <a:masterClrMapping/>
+  </p:clrMapOvr>
+</p:sld>
+</file>
+
+<file path=ppt/slides/slide3.xml><?xml version="1.0" encoding="utf-8"?>
+<p:sld xmlns:a="http://schemas.openxmlformats.org/drawingml/2006/main" xmlns:r="http://schemas.openxmlformats.org/officeDocument/2006/relationships" xmlns:p="http://schemas.openxmlformats.org/presentationml/2006/main">
+  <p:cSld>
+    <p:spTree>
+      <p:nvGrpSpPr>
+        <p:cNvPr id="1" name=""/>
+        <p:cNvGrpSpPr/>
+        <p:nvPr/>
+      </p:nvGrpSpPr>
+      <p:grpSpPr>
+        <a:xfrm>
+          <a:off x="0" y="0"/>
+          <a:ext cx="0" cy="0"/>
+          <a:chOff x="0" y="0"/>
+          <a:chExt cx="0" cy="0"/>
+        </a:xfrm>
+      </p:grpSpPr>
+      <p:sp>
+        <p:nvSpPr>
+          <p:cNvPr id="23" name="Rectangle: Rounded Corners 22">
+            <a:extLst>
+              <a:ext uri="{FF2B5EF4-FFF2-40B4-BE49-F238E27FC236}">
+                <a16:creationId xmlns:a16="http://schemas.microsoft.com/office/drawing/2014/main" id="{1C402C8F-AF0C-91E4-0D6D-1CE79EE1D347}"/>
+              </a:ext>
+            </a:extLst>
+          </p:cNvPr>
+          <p:cNvSpPr/>
+          <p:nvPr/>
+        </p:nvSpPr>
+        <p:spPr>
+          <a:xfrm>
+            <a:off x="230819" y="1576624"/>
+            <a:ext cx="11597625" cy="2751437"/>
+          </a:xfrm>
+          <a:prstGeom prst="roundRect">
+            <a:avLst/>
+          </a:prstGeom>
+          <a:solidFill>
+            <a:schemeClr val="bg1"/>
+          </a:solidFill>
+          <a:ln w="76200">
+            <a:solidFill>
+              <a:schemeClr val="tx1"/>
+            </a:solidFill>
+          </a:ln>
+        </p:spPr>
+        <p:style>
+          <a:lnRef idx="2">
+            <a:schemeClr val="accent1">
+              <a:shade val="15000"/>
+            </a:schemeClr>
+          </a:lnRef>
+          <a:fillRef idx="1">
+            <a:schemeClr val="accent1"/>
+          </a:fillRef>
+          <a:effectRef idx="0">
+            <a:schemeClr val="accent1"/>
+          </a:effectRef>
+          <a:fontRef idx="minor">
+            <a:schemeClr val="lt1"/>
+          </a:fontRef>
+        </p:style>
+        <p:txBody>
+          <a:bodyPr rtlCol="0" anchor="ctr"/>
+          <a:lstStyle/>
+          <a:p>
+            <a:pPr algn="ctr"/>
+            <a:endParaRPr lang="en-GB"/>
+          </a:p>
+        </p:txBody>
+      </p:sp>
       <p:pic>
         <p:nvPicPr>
-          <p:cNvPr id="1033" name="Picture 2" descr="Example of SMILES representation and one-hot vectors for benzene. For... |  Download Scientific Diagram">
-            <a:extLst>
-              <a:ext uri="{FF2B5EF4-FFF2-40B4-BE49-F238E27FC236}">
-                <a16:creationId xmlns:a16="http://schemas.microsoft.com/office/drawing/2014/main" id="{DD5C1A04-8290-014D-6D33-3E671993A6AA}"/>
+          <p:cNvPr id="4" name="Picture 2" descr="Example of SMILES representation and one-hot vectors for benzene. For... |  Download Scientific Diagram">
+            <a:extLst>
+              <a:ext uri="{FF2B5EF4-FFF2-40B4-BE49-F238E27FC236}">
+                <a16:creationId xmlns:a16="http://schemas.microsoft.com/office/drawing/2014/main" id="{35623D7A-2FEE-9ED4-1D1D-6BE8D6226912}"/>
               </a:ext>
             </a:extLst>
           </p:cNvPr>
@@ -6360,8 +6556,8 @@
         </p:blipFill>
         <p:spPr bwMode="auto">
           <a:xfrm>
-            <a:off x="897482" y="4662359"/>
-            <a:ext cx="581381" cy="563780"/>
+            <a:off x="635293" y="2515931"/>
+            <a:ext cx="484351" cy="469688"/>
           </a:xfrm>
           <a:prstGeom prst="rect">
             <a:avLst/>
@@ -6380,10 +6576,10 @@
       </p:pic>
       <p:sp>
         <p:nvSpPr>
-          <p:cNvPr id="1034" name="Cross 1033">
-            <a:extLst>
-              <a:ext uri="{FF2B5EF4-FFF2-40B4-BE49-F238E27FC236}">
-                <a16:creationId xmlns:a16="http://schemas.microsoft.com/office/drawing/2014/main" id="{3EFA2606-16C7-231A-0C3F-AD8F494C3966}"/>
+          <p:cNvPr id="5" name="Trapezoid 4">
+            <a:extLst>
+              <a:ext uri="{FF2B5EF4-FFF2-40B4-BE49-F238E27FC236}">
+                <a16:creationId xmlns:a16="http://schemas.microsoft.com/office/drawing/2014/main" id="{2D860B5D-241B-D29C-30C8-5C6AD09F9909}"/>
               </a:ext>
             </a:extLst>
           </p:cNvPr>
@@ -6391,22 +6587,20 @@
           <p:nvPr/>
         </p:nvSpPr>
         <p:spPr>
-          <a:xfrm>
-            <a:off x="1070042" y="5226139"/>
-            <a:ext cx="217089" cy="210517"/>
-          </a:xfrm>
-          <a:prstGeom prst="plus">
+          <a:xfrm rot="5400000">
+            <a:off x="5568675" y="2320318"/>
+            <a:ext cx="1443068" cy="774297"/>
+          </a:xfrm>
+          <a:prstGeom prst="trapezoid">
             <a:avLst>
-              <a:gd name="adj" fmla="val 43182"/>
+              <a:gd name="adj" fmla="val 39905"/>
             </a:avLst>
           </a:prstGeom>
           <a:solidFill>
             <a:schemeClr val="tx1"/>
           </a:solidFill>
           <a:ln>
-            <a:solidFill>
-              <a:schemeClr val="tx1"/>
-            </a:solidFill>
+            <a:noFill/>
           </a:ln>
         </p:spPr>
         <p:style>
@@ -6430,16 +6624,24 @@
           <a:lstStyle/>
           <a:p>
             <a:pPr algn="ctr"/>
-            <a:endParaRPr lang="en-GB"/>
-          </a:p>
-        </p:txBody>
-      </p:sp>
-      <p:sp>
-        <p:nvSpPr>
-          <p:cNvPr id="1035" name="Trapezoid 1034">
-            <a:extLst>
-              <a:ext uri="{FF2B5EF4-FFF2-40B4-BE49-F238E27FC236}">
-                <a16:creationId xmlns:a16="http://schemas.microsoft.com/office/drawing/2014/main" id="{6C2D7DB2-7491-70AF-4EB8-EDC4B8C2B718}"/>
+            <a:r>
+              <a:rPr lang="en-US" sz="1400" dirty="0">
+                <a:latin typeface="Palatino Linotype" panose="02040502050505030304" pitchFamily="18" charset="0"/>
+              </a:rPr>
+              <a:t>Encoder</a:t>
+            </a:r>
+            <a:endParaRPr lang="en-GB" sz="1400" dirty="0">
+              <a:latin typeface="Palatino Linotype" panose="02040502050505030304" pitchFamily="18" charset="0"/>
+            </a:endParaRPr>
+          </a:p>
+        </p:txBody>
+      </p:sp>
+      <p:sp>
+        <p:nvSpPr>
+          <p:cNvPr id="6" name="Trapezoid 5">
+            <a:extLst>
+              <a:ext uri="{FF2B5EF4-FFF2-40B4-BE49-F238E27FC236}">
+                <a16:creationId xmlns:a16="http://schemas.microsoft.com/office/drawing/2014/main" id="{D82216D8-3FEC-74F5-6879-77EE3D651BE3}"/>
               </a:ext>
             </a:extLst>
           </p:cNvPr>
@@ -6447,8 +6649,8 @@
           <p:nvPr/>
         </p:nvSpPr>
         <p:spPr>
-          <a:xfrm rot="5400000">
-            <a:off x="2876997" y="4630247"/>
+          <a:xfrm rot="16200000">
+            <a:off x="8502096" y="2270786"/>
             <a:ext cx="1443068" cy="774297"/>
           </a:xfrm>
           <a:prstGeom prst="trapezoid">
@@ -6488,7 +6690,7 @@
               <a:rPr lang="en-US" sz="1400" dirty="0">
                 <a:latin typeface="Palatino Linotype" panose="02040502050505030304" pitchFamily="18" charset="0"/>
               </a:rPr>
-              <a:t>Encoder</a:t>
+              <a:t>Decoder</a:t>
             </a:r>
             <a:endParaRPr lang="en-GB" sz="1400" dirty="0">
               <a:latin typeface="Palatino Linotype" panose="02040502050505030304" pitchFamily="18" charset="0"/>
@@ -6496,12 +6698,84 @@
           </a:p>
         </p:txBody>
       </p:sp>
-      <p:sp>
-        <p:nvSpPr>
-          <p:cNvPr id="1036" name="Trapezoid 1035">
-            <a:extLst>
-              <a:ext uri="{FF2B5EF4-FFF2-40B4-BE49-F238E27FC236}">
-                <a16:creationId xmlns:a16="http://schemas.microsoft.com/office/drawing/2014/main" id="{59C7B788-DD72-2078-7642-E55CAF4F2A9D}"/>
+      <p:pic>
+        <p:nvPicPr>
+          <p:cNvPr id="7" name="Picture 6">
+            <a:extLst>
+              <a:ext uri="{FF2B5EF4-FFF2-40B4-BE49-F238E27FC236}">
+                <a16:creationId xmlns:a16="http://schemas.microsoft.com/office/drawing/2014/main" id="{DB891F64-41D0-111A-5962-D5E4C2C160C5}"/>
+              </a:ext>
+            </a:extLst>
+          </p:cNvPr>
+          <p:cNvPicPr>
+            <a:picLocks noChangeAspect="1"/>
+          </p:cNvPicPr>
+          <p:nvPr/>
+        </p:nvPicPr>
+        <p:blipFill>
+          <a:blip r:embed="rId3">
+            <a:extLst>
+              <a:ext uri="{28A0092B-C50C-407E-A947-70E740481C1C}">
+                <a14:useLocalDpi xmlns:a14="http://schemas.microsoft.com/office/drawing/2010/main" val="0"/>
+              </a:ext>
+            </a:extLst>
+          </a:blip>
+          <a:stretch>
+            <a:fillRect/>
+          </a:stretch>
+        </p:blipFill>
+        <p:spPr>
+          <a:xfrm>
+            <a:off x="3014965" y="2379109"/>
+            <a:ext cx="1285714" cy="656712"/>
+          </a:xfrm>
+          <a:prstGeom prst="rect">
+            <a:avLst/>
+          </a:prstGeom>
+        </p:spPr>
+      </p:pic>
+      <p:pic>
+        <p:nvPicPr>
+          <p:cNvPr id="8" name="Picture 7" descr="A screenshot of a cell phone&#10;&#10;Description automatically generated">
+            <a:extLst>
+              <a:ext uri="{FF2B5EF4-FFF2-40B4-BE49-F238E27FC236}">
+                <a16:creationId xmlns:a16="http://schemas.microsoft.com/office/drawing/2014/main" id="{FB2C18AC-2A75-A136-06AF-CE17F522D760}"/>
+              </a:ext>
+            </a:extLst>
+          </p:cNvPr>
+          <p:cNvPicPr>
+            <a:picLocks noChangeAspect="1"/>
+          </p:cNvPicPr>
+          <p:nvPr/>
+        </p:nvPicPr>
+        <p:blipFill>
+          <a:blip r:embed="rId4">
+            <a:extLst>
+              <a:ext uri="{28A0092B-C50C-407E-A947-70E740481C1C}">
+                <a14:useLocalDpi xmlns:a14="http://schemas.microsoft.com/office/drawing/2010/main" val="0"/>
+              </a:ext>
+            </a:extLst>
+          </a:blip>
+          <a:stretch>
+            <a:fillRect/>
+          </a:stretch>
+        </p:blipFill>
+        <p:spPr>
+          <a:xfrm>
+            <a:off x="4857485" y="2336114"/>
+            <a:ext cx="428711" cy="776020"/>
+          </a:xfrm>
+          <a:prstGeom prst="rect">
+            <a:avLst/>
+          </a:prstGeom>
+        </p:spPr>
+      </p:pic>
+      <p:sp>
+        <p:nvSpPr>
+          <p:cNvPr id="9" name="Arrow: Right 8">
+            <a:extLst>
+              <a:ext uri="{FF2B5EF4-FFF2-40B4-BE49-F238E27FC236}">
+                <a16:creationId xmlns:a16="http://schemas.microsoft.com/office/drawing/2014/main" id="{87FFE0A7-AC2D-B20D-10B6-B6079998E8D8}"/>
               </a:ext>
             </a:extLst>
           </p:cNvPr>
@@ -6509,13 +6783,14 @@
           <p:nvPr/>
         </p:nvSpPr>
         <p:spPr>
-          <a:xfrm rot="16200000">
-            <a:off x="5713599" y="4662359"/>
-            <a:ext cx="1443068" cy="774297"/>
-          </a:xfrm>
-          <a:prstGeom prst="trapezoid">
+          <a:xfrm>
+            <a:off x="1178999" y="2562976"/>
+            <a:ext cx="507992" cy="375599"/>
+          </a:xfrm>
+          <a:prstGeom prst="rightArrow">
             <a:avLst>
-              <a:gd name="adj" fmla="val 39905"/>
+              <a:gd name="adj1" fmla="val 12988"/>
+              <a:gd name="adj2" fmla="val 56168"/>
             </a:avLst>
           </a:prstGeom>
           <a:solidFill>
@@ -6546,11 +6821,880 @@
           <a:lstStyle/>
           <a:p>
             <a:pPr algn="ctr"/>
-            <a:r>
-              <a:rPr lang="en-US" sz="1400" dirty="0">
+            <a:endParaRPr lang="en-GB"/>
+          </a:p>
+        </p:txBody>
+      </p:sp>
+      <p:sp>
+        <p:nvSpPr>
+          <p:cNvPr id="10" name="Arrow: Right 9">
+            <a:extLst>
+              <a:ext uri="{FF2B5EF4-FFF2-40B4-BE49-F238E27FC236}">
+                <a16:creationId xmlns:a16="http://schemas.microsoft.com/office/drawing/2014/main" id="{E540F5DB-5A0D-AD5C-0D74-8E72B12FF60D}"/>
+              </a:ext>
+            </a:extLst>
+          </p:cNvPr>
+          <p:cNvSpPr/>
+          <p:nvPr/>
+        </p:nvSpPr>
+        <p:spPr>
+          <a:xfrm>
+            <a:off x="4335188" y="2481969"/>
+            <a:ext cx="507992" cy="375599"/>
+          </a:xfrm>
+          <a:prstGeom prst="rightArrow">
+            <a:avLst>
+              <a:gd name="adj1" fmla="val 12988"/>
+              <a:gd name="adj2" fmla="val 56168"/>
+            </a:avLst>
+          </a:prstGeom>
+          <a:solidFill>
+            <a:schemeClr val="tx1"/>
+          </a:solidFill>
+          <a:ln>
+            <a:noFill/>
+          </a:ln>
+        </p:spPr>
+        <p:style>
+          <a:lnRef idx="2">
+            <a:schemeClr val="accent1">
+              <a:shade val="15000"/>
+            </a:schemeClr>
+          </a:lnRef>
+          <a:fillRef idx="1">
+            <a:schemeClr val="accent1"/>
+          </a:fillRef>
+          <a:effectRef idx="0">
+            <a:schemeClr val="accent1"/>
+          </a:effectRef>
+          <a:fontRef idx="minor">
+            <a:schemeClr val="lt1"/>
+          </a:fontRef>
+        </p:style>
+        <p:txBody>
+          <a:bodyPr rtlCol="0" anchor="ctr"/>
+          <a:lstStyle/>
+          <a:p>
+            <a:pPr algn="ctr"/>
+            <a:endParaRPr lang="en-GB"/>
+          </a:p>
+        </p:txBody>
+      </p:sp>
+      <p:sp>
+        <p:nvSpPr>
+          <p:cNvPr id="11" name="Arrow: Right 10">
+            <a:extLst>
+              <a:ext uri="{FF2B5EF4-FFF2-40B4-BE49-F238E27FC236}">
+                <a16:creationId xmlns:a16="http://schemas.microsoft.com/office/drawing/2014/main" id="{E1BA7309-B969-E59F-9E5A-0D27511A1D7D}"/>
+              </a:ext>
+            </a:extLst>
+          </p:cNvPr>
+          <p:cNvSpPr/>
+          <p:nvPr/>
+        </p:nvSpPr>
+        <p:spPr>
+          <a:xfrm>
+            <a:off x="5320706" y="2494488"/>
+            <a:ext cx="507992" cy="375599"/>
+          </a:xfrm>
+          <a:prstGeom prst="rightArrow">
+            <a:avLst>
+              <a:gd name="adj1" fmla="val 12988"/>
+              <a:gd name="adj2" fmla="val 56168"/>
+            </a:avLst>
+          </a:prstGeom>
+          <a:solidFill>
+            <a:schemeClr val="tx1"/>
+          </a:solidFill>
+          <a:ln>
+            <a:noFill/>
+          </a:ln>
+        </p:spPr>
+        <p:style>
+          <a:lnRef idx="2">
+            <a:schemeClr val="accent1">
+              <a:shade val="15000"/>
+            </a:schemeClr>
+          </a:lnRef>
+          <a:fillRef idx="1">
+            <a:schemeClr val="accent1"/>
+          </a:fillRef>
+          <a:effectRef idx="0">
+            <a:schemeClr val="accent1"/>
+          </a:effectRef>
+          <a:fontRef idx="minor">
+            <a:schemeClr val="lt1"/>
+          </a:fontRef>
+        </p:style>
+        <p:txBody>
+          <a:bodyPr rtlCol="0" anchor="ctr"/>
+          <a:lstStyle/>
+          <a:p>
+            <a:pPr algn="ctr"/>
+            <a:endParaRPr lang="en-GB"/>
+          </a:p>
+        </p:txBody>
+      </p:sp>
+      <p:sp>
+        <p:nvSpPr>
+          <p:cNvPr id="12" name="Rectangle 11">
+            <a:extLst>
+              <a:ext uri="{FF2B5EF4-FFF2-40B4-BE49-F238E27FC236}">
+                <a16:creationId xmlns:a16="http://schemas.microsoft.com/office/drawing/2014/main" id="{7D26DF70-A0F7-CD36-42AE-EAEA69195BF5}"/>
+              </a:ext>
+            </a:extLst>
+          </p:cNvPr>
+          <p:cNvSpPr/>
+          <p:nvPr/>
+        </p:nvSpPr>
+        <p:spPr>
+          <a:xfrm>
+            <a:off x="6760124" y="2355027"/>
+            <a:ext cx="660506" cy="704877"/>
+          </a:xfrm>
+          <a:prstGeom prst="rect">
+            <a:avLst/>
+          </a:prstGeom>
+          <a:solidFill>
+            <a:schemeClr val="tx1"/>
+          </a:solidFill>
+          <a:ln>
+            <a:noFill/>
+          </a:ln>
+        </p:spPr>
+        <p:style>
+          <a:lnRef idx="2">
+            <a:schemeClr val="accent1">
+              <a:shade val="15000"/>
+            </a:schemeClr>
+          </a:lnRef>
+          <a:fillRef idx="1">
+            <a:schemeClr val="accent1"/>
+          </a:fillRef>
+          <a:effectRef idx="0">
+            <a:schemeClr val="accent1"/>
+          </a:effectRef>
+          <a:fontRef idx="minor">
+            <a:schemeClr val="lt1"/>
+          </a:fontRef>
+        </p:style>
+        <p:txBody>
+          <a:bodyPr rtlCol="0" anchor="ctr"/>
+          <a:lstStyle/>
+          <a:p>
+            <a:pPr algn="ctr"/>
+            <a:r>
+              <a:rPr lang="en-US" sz="1050" dirty="0">
                 <a:latin typeface="Palatino Linotype" panose="02040502050505030304" pitchFamily="18" charset="0"/>
               </a:rPr>
-              <a:t>Decoder</a:t>
+              <a:t>Latent Space</a:t>
+            </a:r>
+            <a:endParaRPr lang="en-GB" sz="1050" dirty="0">
+              <a:latin typeface="Palatino Linotype" panose="02040502050505030304" pitchFamily="18" charset="0"/>
+            </a:endParaRPr>
+          </a:p>
+        </p:txBody>
+      </p:sp>
+      <p:sp>
+        <p:nvSpPr>
+          <p:cNvPr id="13" name="Rectangle 12">
+            <a:extLst>
+              <a:ext uri="{FF2B5EF4-FFF2-40B4-BE49-F238E27FC236}">
+                <a16:creationId xmlns:a16="http://schemas.microsoft.com/office/drawing/2014/main" id="{1B7ADCD3-B2A6-D9BA-F119-EEF42DF5D12D}"/>
+              </a:ext>
+            </a:extLst>
+          </p:cNvPr>
+          <p:cNvSpPr/>
+          <p:nvPr/>
+        </p:nvSpPr>
+        <p:spPr>
+          <a:xfrm>
+            <a:off x="8093209" y="1978912"/>
+            <a:ext cx="660506" cy="704877"/>
+          </a:xfrm>
+          <a:prstGeom prst="rect">
+            <a:avLst/>
+          </a:prstGeom>
+          <a:solidFill>
+            <a:schemeClr val="tx1"/>
+          </a:solidFill>
+          <a:ln>
+            <a:noFill/>
+          </a:ln>
+        </p:spPr>
+        <p:style>
+          <a:lnRef idx="2">
+            <a:schemeClr val="accent1">
+              <a:shade val="15000"/>
+            </a:schemeClr>
+          </a:lnRef>
+          <a:fillRef idx="1">
+            <a:schemeClr val="accent1"/>
+          </a:fillRef>
+          <a:effectRef idx="0">
+            <a:schemeClr val="accent1"/>
+          </a:effectRef>
+          <a:fontRef idx="minor">
+            <a:schemeClr val="lt1"/>
+          </a:fontRef>
+        </p:style>
+        <p:txBody>
+          <a:bodyPr rtlCol="0" anchor="ctr"/>
+          <a:lstStyle/>
+          <a:p>
+            <a:pPr algn="ctr"/>
+            <a:r>
+              <a:rPr lang="en-US" sz="1050" dirty="0">
+                <a:latin typeface="Palatino Linotype" panose="02040502050505030304" pitchFamily="18" charset="0"/>
+              </a:rPr>
+              <a:t>Latent Space</a:t>
+            </a:r>
+            <a:endParaRPr lang="en-GB" sz="1050" dirty="0">
+              <a:latin typeface="Palatino Linotype" panose="02040502050505030304" pitchFamily="18" charset="0"/>
+            </a:endParaRPr>
+          </a:p>
+        </p:txBody>
+      </p:sp>
+      <p:sp>
+        <p:nvSpPr>
+          <p:cNvPr id="14" name="Arrow: Right 13">
+            <a:extLst>
+              <a:ext uri="{FF2B5EF4-FFF2-40B4-BE49-F238E27FC236}">
+                <a16:creationId xmlns:a16="http://schemas.microsoft.com/office/drawing/2014/main" id="{AA4AFE2A-1EB6-E842-7127-18B357CEB1B2}"/>
+              </a:ext>
+            </a:extLst>
+          </p:cNvPr>
+          <p:cNvSpPr/>
+          <p:nvPr/>
+        </p:nvSpPr>
+        <p:spPr>
+          <a:xfrm>
+            <a:off x="7489649" y="2494488"/>
+            <a:ext cx="507992" cy="375599"/>
+          </a:xfrm>
+          <a:prstGeom prst="rightArrow">
+            <a:avLst>
+              <a:gd name="adj1" fmla="val 12988"/>
+              <a:gd name="adj2" fmla="val 56168"/>
+            </a:avLst>
+          </a:prstGeom>
+          <a:solidFill>
+            <a:schemeClr val="tx1"/>
+          </a:solidFill>
+          <a:ln>
+            <a:noFill/>
+          </a:ln>
+        </p:spPr>
+        <p:style>
+          <a:lnRef idx="2">
+            <a:schemeClr val="accent1">
+              <a:shade val="15000"/>
+            </a:schemeClr>
+          </a:lnRef>
+          <a:fillRef idx="1">
+            <a:schemeClr val="accent1"/>
+          </a:fillRef>
+          <a:effectRef idx="0">
+            <a:schemeClr val="accent1"/>
+          </a:effectRef>
+          <a:fontRef idx="minor">
+            <a:schemeClr val="lt1"/>
+          </a:fontRef>
+        </p:style>
+        <p:txBody>
+          <a:bodyPr rtlCol="0" anchor="ctr"/>
+          <a:lstStyle/>
+          <a:p>
+            <a:pPr algn="ctr"/>
+            <a:endParaRPr lang="en-GB"/>
+          </a:p>
+        </p:txBody>
+      </p:sp>
+      <p:sp>
+        <p:nvSpPr>
+          <p:cNvPr id="15" name="Rectangle 14">
+            <a:extLst>
+              <a:ext uri="{FF2B5EF4-FFF2-40B4-BE49-F238E27FC236}">
+                <a16:creationId xmlns:a16="http://schemas.microsoft.com/office/drawing/2014/main" id="{F5D8A65B-1670-3BC0-0144-4B80193B2E8D}"/>
+              </a:ext>
+            </a:extLst>
+          </p:cNvPr>
+          <p:cNvSpPr/>
+          <p:nvPr/>
+        </p:nvSpPr>
+        <p:spPr>
+          <a:xfrm>
+            <a:off x="8093209" y="2724124"/>
+            <a:ext cx="660506" cy="704877"/>
+          </a:xfrm>
+          <a:prstGeom prst="rect">
+            <a:avLst/>
+          </a:prstGeom>
+          <a:solidFill>
+            <a:schemeClr val="tx1"/>
+          </a:solidFill>
+          <a:ln>
+            <a:noFill/>
+          </a:ln>
+        </p:spPr>
+        <p:style>
+          <a:lnRef idx="2">
+            <a:schemeClr val="accent1">
+              <a:shade val="15000"/>
+            </a:schemeClr>
+          </a:lnRef>
+          <a:fillRef idx="1">
+            <a:schemeClr val="accent1"/>
+          </a:fillRef>
+          <a:effectRef idx="0">
+            <a:schemeClr val="accent1"/>
+          </a:effectRef>
+          <a:fontRef idx="minor">
+            <a:schemeClr val="lt1"/>
+          </a:fontRef>
+        </p:style>
+        <p:txBody>
+          <a:bodyPr rtlCol="0" anchor="ctr"/>
+          <a:lstStyle/>
+          <a:p>
+            <a:pPr algn="ctr"/>
+            <a:r>
+              <a:rPr lang="en-US" sz="800" dirty="0">
+                <a:latin typeface="Palatino Linotype" panose="02040502050505030304" pitchFamily="18" charset="0"/>
+              </a:rPr>
+              <a:t>Condition Vector</a:t>
+            </a:r>
+            <a:endParaRPr lang="en-GB" sz="800" dirty="0">
+              <a:latin typeface="Palatino Linotype" panose="02040502050505030304" pitchFamily="18" charset="0"/>
+            </a:endParaRPr>
+          </a:p>
+        </p:txBody>
+      </p:sp>
+      <p:sp>
+        <p:nvSpPr>
+          <p:cNvPr id="16" name="Right Brace 15">
+            <a:extLst>
+              <a:ext uri="{FF2B5EF4-FFF2-40B4-BE49-F238E27FC236}">
+                <a16:creationId xmlns:a16="http://schemas.microsoft.com/office/drawing/2014/main" id="{945583DA-A16F-BBF3-93B2-F780476E9058}"/>
+              </a:ext>
+            </a:extLst>
+          </p:cNvPr>
+          <p:cNvSpPr/>
+          <p:nvPr/>
+        </p:nvSpPr>
+        <p:spPr>
+          <a:xfrm rot="5400000">
+            <a:off x="7405790" y="1697703"/>
+            <a:ext cx="675710" cy="3894472"/>
+          </a:xfrm>
+          <a:prstGeom prst="rightBrace">
+            <a:avLst>
+              <a:gd name="adj1" fmla="val 8333"/>
+              <a:gd name="adj2" fmla="val 50000"/>
+            </a:avLst>
+          </a:prstGeom>
+          <a:ln w="57150">
+            <a:solidFill>
+              <a:schemeClr val="tx1"/>
+            </a:solidFill>
+          </a:ln>
+        </p:spPr>
+        <p:style>
+          <a:lnRef idx="1">
+            <a:schemeClr val="accent1"/>
+          </a:lnRef>
+          <a:fillRef idx="0">
+            <a:schemeClr val="accent1"/>
+          </a:fillRef>
+          <a:effectRef idx="0">
+            <a:schemeClr val="accent1"/>
+          </a:effectRef>
+          <a:fontRef idx="minor">
+            <a:schemeClr val="tx1"/>
+          </a:fontRef>
+        </p:style>
+        <p:txBody>
+          <a:bodyPr rtlCol="0" anchor="ctr"/>
+          <a:lstStyle/>
+          <a:p>
+            <a:pPr algn="ctr"/>
+            <a:endParaRPr lang="en-GB"/>
+          </a:p>
+        </p:txBody>
+      </p:sp>
+      <p:sp>
+        <p:nvSpPr>
+          <p:cNvPr id="17" name="Right Brace 16">
+            <a:extLst>
+              <a:ext uri="{FF2B5EF4-FFF2-40B4-BE49-F238E27FC236}">
+                <a16:creationId xmlns:a16="http://schemas.microsoft.com/office/drawing/2014/main" id="{E35CF67B-5AC9-200F-C418-B09D1803E6D5}"/>
+              </a:ext>
+            </a:extLst>
+          </p:cNvPr>
+          <p:cNvSpPr/>
+          <p:nvPr/>
+        </p:nvSpPr>
+        <p:spPr>
+          <a:xfrm rot="5400000">
+            <a:off x="2792782" y="1066064"/>
+            <a:ext cx="675710" cy="5157752"/>
+          </a:xfrm>
+          <a:prstGeom prst="rightBrace">
+            <a:avLst>
+              <a:gd name="adj1" fmla="val 8333"/>
+              <a:gd name="adj2" fmla="val 50000"/>
+            </a:avLst>
+          </a:prstGeom>
+          <a:ln w="57150">
+            <a:solidFill>
+              <a:schemeClr val="tx1"/>
+            </a:solidFill>
+          </a:ln>
+        </p:spPr>
+        <p:style>
+          <a:lnRef idx="1">
+            <a:schemeClr val="accent1"/>
+          </a:lnRef>
+          <a:fillRef idx="0">
+            <a:schemeClr val="accent1"/>
+          </a:fillRef>
+          <a:effectRef idx="0">
+            <a:schemeClr val="accent1"/>
+          </a:effectRef>
+          <a:fontRef idx="minor">
+            <a:schemeClr val="tx1"/>
+          </a:fontRef>
+        </p:style>
+        <p:txBody>
+          <a:bodyPr rtlCol="0" anchor="ctr"/>
+          <a:lstStyle/>
+          <a:p>
+            <a:pPr algn="ctr"/>
+            <a:endParaRPr lang="en-GB"/>
+          </a:p>
+        </p:txBody>
+      </p:sp>
+      <p:sp>
+        <p:nvSpPr>
+          <p:cNvPr id="18" name="TextBox 17">
+            <a:extLst>
+              <a:ext uri="{FF2B5EF4-FFF2-40B4-BE49-F238E27FC236}">
+                <a16:creationId xmlns:a16="http://schemas.microsoft.com/office/drawing/2014/main" id="{E2081DA8-FB7C-8FEA-316C-9820AA977289}"/>
+              </a:ext>
+            </a:extLst>
+          </p:cNvPr>
+          <p:cNvSpPr txBox="1"/>
+          <p:nvPr/>
+        </p:nvSpPr>
+        <p:spPr>
+          <a:xfrm>
+            <a:off x="2268993" y="3905289"/>
+            <a:ext cx="1723287" cy="338554"/>
+          </a:xfrm>
+          <a:prstGeom prst="rect">
+            <a:avLst/>
+          </a:prstGeom>
+          <a:noFill/>
+        </p:spPr>
+        <p:txBody>
+          <a:bodyPr wrap="square" rtlCol="0">
+            <a:spAutoFit/>
+          </a:bodyPr>
+          <a:lstStyle/>
+          <a:p>
+            <a:pPr algn="ctr"/>
+            <a:r>
+              <a:rPr lang="en-US" sz="1600" b="1" dirty="0">
+                <a:latin typeface="Palatino Linotype" panose="02040502050505030304" pitchFamily="18" charset="0"/>
+              </a:rPr>
+              <a:t>Preprocessing</a:t>
+            </a:r>
+            <a:endParaRPr lang="en-GB" sz="1600" b="1" dirty="0">
+              <a:latin typeface="Palatino Linotype" panose="02040502050505030304" pitchFamily="18" charset="0"/>
+            </a:endParaRPr>
+          </a:p>
+        </p:txBody>
+      </p:sp>
+      <p:sp>
+        <p:nvSpPr>
+          <p:cNvPr id="19" name="TextBox 18">
+            <a:extLst>
+              <a:ext uri="{FF2B5EF4-FFF2-40B4-BE49-F238E27FC236}">
+                <a16:creationId xmlns:a16="http://schemas.microsoft.com/office/drawing/2014/main" id="{48521F2B-1BCF-3373-59E8-6D02BA953FCA}"/>
+              </a:ext>
+            </a:extLst>
+          </p:cNvPr>
+          <p:cNvSpPr txBox="1"/>
+          <p:nvPr/>
+        </p:nvSpPr>
+        <p:spPr>
+          <a:xfrm>
+            <a:off x="6428480" y="3931192"/>
+            <a:ext cx="2862887" cy="338554"/>
+          </a:xfrm>
+          <a:prstGeom prst="rect">
+            <a:avLst/>
+          </a:prstGeom>
+          <a:noFill/>
+        </p:spPr>
+        <p:txBody>
+          <a:bodyPr wrap="square" rtlCol="0">
+            <a:spAutoFit/>
+          </a:bodyPr>
+          <a:lstStyle/>
+          <a:p>
+            <a:r>
+              <a:rPr lang="en-US" sz="1600" b="1" dirty="0">
+                <a:latin typeface="Palatino Linotype" panose="02040502050505030304" pitchFamily="18" charset="0"/>
+              </a:rPr>
+              <a:t>Variational Auto Encoder</a:t>
+            </a:r>
+            <a:endParaRPr lang="en-GB" sz="1600" b="1" dirty="0">
+              <a:latin typeface="Palatino Linotype" panose="02040502050505030304" pitchFamily="18" charset="0"/>
+            </a:endParaRPr>
+          </a:p>
+        </p:txBody>
+      </p:sp>
+      <p:sp>
+        <p:nvSpPr>
+          <p:cNvPr id="20" name="TextBox 19">
+            <a:extLst>
+              <a:ext uri="{FF2B5EF4-FFF2-40B4-BE49-F238E27FC236}">
+                <a16:creationId xmlns:a16="http://schemas.microsoft.com/office/drawing/2014/main" id="{E6A8AF5E-B463-5631-BBBA-174D25BAA337}"/>
+              </a:ext>
+            </a:extLst>
+          </p:cNvPr>
+          <p:cNvSpPr txBox="1"/>
+          <p:nvPr/>
+        </p:nvSpPr>
+        <p:spPr>
+          <a:xfrm>
+            <a:off x="434788" y="2075837"/>
+            <a:ext cx="951036" cy="307777"/>
+          </a:xfrm>
+          <a:prstGeom prst="rect">
+            <a:avLst/>
+          </a:prstGeom>
+          <a:noFill/>
+        </p:spPr>
+        <p:txBody>
+          <a:bodyPr wrap="square" rtlCol="0">
+            <a:spAutoFit/>
+          </a:bodyPr>
+          <a:lstStyle/>
+          <a:p>
+            <a:pPr algn="ctr"/>
+            <a:r>
+              <a:rPr lang="en-US" sz="1400" b="1" dirty="0">
+                <a:latin typeface="Palatino Linotype" panose="02040502050505030304" pitchFamily="18" charset="0"/>
+              </a:rPr>
+              <a:t>Molecule</a:t>
+            </a:r>
+            <a:endParaRPr lang="en-GB" sz="1400" b="1" dirty="0">
+              <a:latin typeface="Palatino Linotype" panose="02040502050505030304" pitchFamily="18" charset="0"/>
+            </a:endParaRPr>
+          </a:p>
+        </p:txBody>
+      </p:sp>
+      <p:sp>
+        <p:nvSpPr>
+          <p:cNvPr id="21" name="TextBox 20">
+            <a:extLst>
+              <a:ext uri="{FF2B5EF4-FFF2-40B4-BE49-F238E27FC236}">
+                <a16:creationId xmlns:a16="http://schemas.microsoft.com/office/drawing/2014/main" id="{26AA8017-96F4-2F89-0BC3-5B4665D157EA}"/>
+              </a:ext>
+            </a:extLst>
+          </p:cNvPr>
+          <p:cNvSpPr txBox="1"/>
+          <p:nvPr/>
+        </p:nvSpPr>
+        <p:spPr>
+          <a:xfrm>
+            <a:off x="4353217" y="1781580"/>
+            <a:ext cx="1198903" cy="523220"/>
+          </a:xfrm>
+          <a:prstGeom prst="rect">
+            <a:avLst/>
+          </a:prstGeom>
+          <a:noFill/>
+        </p:spPr>
+        <p:txBody>
+          <a:bodyPr wrap="square" rtlCol="0">
+            <a:spAutoFit/>
+          </a:bodyPr>
+          <a:lstStyle/>
+          <a:p>
+            <a:pPr algn="ctr"/>
+            <a:r>
+              <a:rPr lang="en-US" sz="1400" b="1" dirty="0">
+                <a:latin typeface="Palatino Linotype" panose="02040502050505030304" pitchFamily="18" charset="0"/>
+              </a:rPr>
+              <a:t>Vector Form of SMILES</a:t>
+            </a:r>
+            <a:endParaRPr lang="en-GB" sz="1400" b="1" dirty="0">
+              <a:latin typeface="Palatino Linotype" panose="02040502050505030304" pitchFamily="18" charset="0"/>
+            </a:endParaRPr>
+          </a:p>
+        </p:txBody>
+      </p:sp>
+      <p:sp>
+        <p:nvSpPr>
+          <p:cNvPr id="22" name="TextBox 21">
+            <a:extLst>
+              <a:ext uri="{FF2B5EF4-FFF2-40B4-BE49-F238E27FC236}">
+                <a16:creationId xmlns:a16="http://schemas.microsoft.com/office/drawing/2014/main" id="{517A711D-6FC5-E315-9181-C9BD9CFC2E7D}"/>
+              </a:ext>
+            </a:extLst>
+          </p:cNvPr>
+          <p:cNvSpPr txBox="1"/>
+          <p:nvPr/>
+        </p:nvSpPr>
+        <p:spPr>
+          <a:xfrm>
+            <a:off x="7424299" y="1630782"/>
+            <a:ext cx="1949512" cy="400110"/>
+          </a:xfrm>
+          <a:prstGeom prst="rect">
+            <a:avLst/>
+          </a:prstGeom>
+          <a:noFill/>
+        </p:spPr>
+        <p:txBody>
+          <a:bodyPr wrap="square" rtlCol="0">
+            <a:spAutoFit/>
+          </a:bodyPr>
+          <a:lstStyle/>
+          <a:p>
+            <a:pPr algn="ctr"/>
+            <a:r>
+              <a:rPr lang="en-US" sz="1000" b="1" dirty="0">
+                <a:latin typeface="Palatino Linotype" panose="02040502050505030304" pitchFamily="18" charset="0"/>
+              </a:rPr>
+              <a:t>Concatenate Latent Space with condition for decoder</a:t>
+            </a:r>
+            <a:endParaRPr lang="en-GB" sz="1000" b="1" dirty="0">
+              <a:latin typeface="Palatino Linotype" panose="02040502050505030304" pitchFamily="18" charset="0"/>
+            </a:endParaRPr>
+          </a:p>
+        </p:txBody>
+      </p:sp>
+      <p:pic>
+        <p:nvPicPr>
+          <p:cNvPr id="27" name="Picture 26">
+            <a:extLst>
+              <a:ext uri="{FF2B5EF4-FFF2-40B4-BE49-F238E27FC236}">
+                <a16:creationId xmlns:a16="http://schemas.microsoft.com/office/drawing/2014/main" id="{FB39DD78-43D4-EB40-88A1-96339950D00F}"/>
+              </a:ext>
+            </a:extLst>
+          </p:cNvPr>
+          <p:cNvPicPr>
+            <a:picLocks noChangeAspect="1"/>
+          </p:cNvPicPr>
+          <p:nvPr/>
+        </p:nvPicPr>
+        <p:blipFill rotWithShape="1">
+          <a:blip r:embed="rId5">
+            <a:extLst>
+              <a:ext uri="{28A0092B-C50C-407E-A947-70E740481C1C}">
+                <a14:useLocalDpi xmlns:a14="http://schemas.microsoft.com/office/drawing/2010/main" val="0"/>
+              </a:ext>
+            </a:extLst>
+          </a:blip>
+          <a:srcRect l="33380" t="41665" r="34499" b="42880"/>
+          <a:stretch/>
+        </p:blipFill>
+        <p:spPr>
+          <a:xfrm>
+            <a:off x="10258403" y="2363524"/>
+            <a:ext cx="1223793" cy="588819"/>
+          </a:xfrm>
+          <a:prstGeom prst="rect">
+            <a:avLst/>
+          </a:prstGeom>
+        </p:spPr>
+      </p:pic>
+      <p:sp>
+        <p:nvSpPr>
+          <p:cNvPr id="28" name="Arrow: Right 27">
+            <a:extLst>
+              <a:ext uri="{FF2B5EF4-FFF2-40B4-BE49-F238E27FC236}">
+                <a16:creationId xmlns:a16="http://schemas.microsoft.com/office/drawing/2014/main" id="{639CBEC2-7631-A2DF-DFC1-535AED105096}"/>
+              </a:ext>
+            </a:extLst>
+          </p:cNvPr>
+          <p:cNvSpPr/>
+          <p:nvPr/>
+        </p:nvSpPr>
+        <p:spPr>
+          <a:xfrm>
+            <a:off x="9691056" y="2487337"/>
+            <a:ext cx="507992" cy="375599"/>
+          </a:xfrm>
+          <a:prstGeom prst="rightArrow">
+            <a:avLst>
+              <a:gd name="adj1" fmla="val 12988"/>
+              <a:gd name="adj2" fmla="val 56168"/>
+            </a:avLst>
+          </a:prstGeom>
+          <a:solidFill>
+            <a:schemeClr val="tx1"/>
+          </a:solidFill>
+          <a:ln>
+            <a:noFill/>
+          </a:ln>
+        </p:spPr>
+        <p:style>
+          <a:lnRef idx="2">
+            <a:schemeClr val="accent1">
+              <a:shade val="15000"/>
+            </a:schemeClr>
+          </a:lnRef>
+          <a:fillRef idx="1">
+            <a:schemeClr val="accent1"/>
+          </a:fillRef>
+          <a:effectRef idx="0">
+            <a:schemeClr val="accent1"/>
+          </a:effectRef>
+          <a:fontRef idx="minor">
+            <a:schemeClr val="lt1"/>
+          </a:fontRef>
+        </p:style>
+        <p:txBody>
+          <a:bodyPr rtlCol="0" anchor="ctr"/>
+          <a:lstStyle/>
+          <a:p>
+            <a:pPr algn="ctr"/>
+            <a:endParaRPr lang="en-GB"/>
+          </a:p>
+        </p:txBody>
+      </p:sp>
+      <p:sp>
+        <p:nvSpPr>
+          <p:cNvPr id="29" name="Right Brace 28">
+            <a:extLst>
+              <a:ext uri="{FF2B5EF4-FFF2-40B4-BE49-F238E27FC236}">
+                <a16:creationId xmlns:a16="http://schemas.microsoft.com/office/drawing/2014/main" id="{398EA38C-1049-E0B0-D546-9AA29256E142}"/>
+              </a:ext>
+            </a:extLst>
+          </p:cNvPr>
+          <p:cNvSpPr/>
+          <p:nvPr/>
+        </p:nvSpPr>
+        <p:spPr>
+          <a:xfrm rot="5400000">
+            <a:off x="10379851" y="2729771"/>
+            <a:ext cx="675710" cy="1806327"/>
+          </a:xfrm>
+          <a:prstGeom prst="rightBrace">
+            <a:avLst>
+              <a:gd name="adj1" fmla="val 8333"/>
+              <a:gd name="adj2" fmla="val 50000"/>
+            </a:avLst>
+          </a:prstGeom>
+          <a:ln w="57150">
+            <a:solidFill>
+              <a:schemeClr val="tx1"/>
+            </a:solidFill>
+          </a:ln>
+        </p:spPr>
+        <p:style>
+          <a:lnRef idx="1">
+            <a:schemeClr val="accent1"/>
+          </a:lnRef>
+          <a:fillRef idx="0">
+            <a:schemeClr val="accent1"/>
+          </a:fillRef>
+          <a:effectRef idx="0">
+            <a:schemeClr val="accent1"/>
+          </a:effectRef>
+          <a:fontRef idx="minor">
+            <a:schemeClr val="tx1"/>
+          </a:fontRef>
+        </p:style>
+        <p:txBody>
+          <a:bodyPr rtlCol="0" anchor="ctr"/>
+          <a:lstStyle/>
+          <a:p>
+            <a:pPr algn="ctr"/>
+            <a:endParaRPr lang="en-GB"/>
+          </a:p>
+        </p:txBody>
+      </p:sp>
+      <p:sp>
+        <p:nvSpPr>
+          <p:cNvPr id="30" name="TextBox 29">
+            <a:extLst>
+              <a:ext uri="{FF2B5EF4-FFF2-40B4-BE49-F238E27FC236}">
+                <a16:creationId xmlns:a16="http://schemas.microsoft.com/office/drawing/2014/main" id="{FA66DCFD-3AE6-5AC5-FB80-82813E6DFFE8}"/>
+              </a:ext>
+            </a:extLst>
+          </p:cNvPr>
+          <p:cNvSpPr txBox="1"/>
+          <p:nvPr/>
+        </p:nvSpPr>
+        <p:spPr>
+          <a:xfrm>
+            <a:off x="9833910" y="3906134"/>
+            <a:ext cx="1806329" cy="338554"/>
+          </a:xfrm>
+          <a:prstGeom prst="rect">
+            <a:avLst/>
+          </a:prstGeom>
+          <a:noFill/>
+        </p:spPr>
+        <p:txBody>
+          <a:bodyPr wrap="square" rtlCol="0">
+            <a:spAutoFit/>
+          </a:bodyPr>
+          <a:lstStyle/>
+          <a:p>
+            <a:pPr algn="ctr"/>
+            <a:r>
+              <a:rPr lang="en-US" sz="1600" b="1" dirty="0">
+                <a:latin typeface="Palatino Linotype" panose="02040502050505030304" pitchFamily="18" charset="0"/>
+              </a:rPr>
+              <a:t>Post Processing</a:t>
+            </a:r>
+            <a:endParaRPr lang="en-GB" sz="1600" b="1" dirty="0">
+              <a:latin typeface="Palatino Linotype" panose="02040502050505030304" pitchFamily="18" charset="0"/>
+            </a:endParaRPr>
+          </a:p>
+        </p:txBody>
+      </p:sp>
+      <p:sp>
+        <p:nvSpPr>
+          <p:cNvPr id="31" name="TextBox 30">
+            <a:extLst>
+              <a:ext uri="{FF2B5EF4-FFF2-40B4-BE49-F238E27FC236}">
+                <a16:creationId xmlns:a16="http://schemas.microsoft.com/office/drawing/2014/main" id="{ED2C04F8-87FD-E5D7-2C56-291DE2DBC06B}"/>
+              </a:ext>
+            </a:extLst>
+          </p:cNvPr>
+          <p:cNvSpPr txBox="1"/>
+          <p:nvPr/>
+        </p:nvSpPr>
+        <p:spPr>
+          <a:xfrm>
+            <a:off x="1636758" y="2562310"/>
+            <a:ext cx="884454" cy="307777"/>
+          </a:xfrm>
+          <a:prstGeom prst="rect">
+            <a:avLst/>
+          </a:prstGeom>
+          <a:noFill/>
+        </p:spPr>
+        <p:txBody>
+          <a:bodyPr wrap="square">
+            <a:spAutoFit/>
+          </a:bodyPr>
+          <a:lstStyle/>
+          <a:p>
+            <a:r>
+              <a:rPr lang="en-GB" sz="1400" b="0" i="0" dirty="0">
+                <a:effectLst/>
+                <a:latin typeface="Palatino Linotype" panose="02040502050505030304" pitchFamily="18" charset="0"/>
+              </a:rPr>
+              <a:t>c1ccccc1</a:t>
             </a:r>
             <a:endParaRPr lang="en-GB" sz="1400" dirty="0">
               <a:latin typeface="Palatino Linotype" panose="02040502050505030304" pitchFamily="18" charset="0"/>
@@ -6558,10 +7702,106 @@
           </a:p>
         </p:txBody>
       </p:sp>
+      <p:sp>
+        <p:nvSpPr>
+          <p:cNvPr id="32" name="Arrow: Right 31">
+            <a:extLst>
+              <a:ext uri="{FF2B5EF4-FFF2-40B4-BE49-F238E27FC236}">
+                <a16:creationId xmlns:a16="http://schemas.microsoft.com/office/drawing/2014/main" id="{C27DA2B9-8B15-1D09-A5AF-15036CAB0867}"/>
+              </a:ext>
+            </a:extLst>
+          </p:cNvPr>
+          <p:cNvSpPr/>
+          <p:nvPr/>
+        </p:nvSpPr>
+        <p:spPr>
+          <a:xfrm>
+            <a:off x="2440275" y="2536323"/>
+            <a:ext cx="507992" cy="375599"/>
+          </a:xfrm>
+          <a:prstGeom prst="rightArrow">
+            <a:avLst>
+              <a:gd name="adj1" fmla="val 12988"/>
+              <a:gd name="adj2" fmla="val 56168"/>
+            </a:avLst>
+          </a:prstGeom>
+          <a:solidFill>
+            <a:schemeClr val="tx1"/>
+          </a:solidFill>
+          <a:ln>
+            <a:noFill/>
+          </a:ln>
+        </p:spPr>
+        <p:style>
+          <a:lnRef idx="2">
+            <a:schemeClr val="accent1">
+              <a:shade val="15000"/>
+            </a:schemeClr>
+          </a:lnRef>
+          <a:fillRef idx="1">
+            <a:schemeClr val="accent1"/>
+          </a:fillRef>
+          <a:effectRef idx="0">
+            <a:schemeClr val="accent1"/>
+          </a:effectRef>
+          <a:fontRef idx="minor">
+            <a:schemeClr val="lt1"/>
+          </a:fontRef>
+        </p:style>
+        <p:txBody>
+          <a:bodyPr rtlCol="0" anchor="ctr"/>
+          <a:lstStyle/>
+          <a:p>
+            <a:pPr algn="ctr"/>
+            <a:endParaRPr lang="en-GB"/>
+          </a:p>
+        </p:txBody>
+      </p:sp>
+      <p:sp>
+        <p:nvSpPr>
+          <p:cNvPr id="34" name="TextBox 33">
+            <a:extLst>
+              <a:ext uri="{FF2B5EF4-FFF2-40B4-BE49-F238E27FC236}">
+                <a16:creationId xmlns:a16="http://schemas.microsoft.com/office/drawing/2014/main" id="{99FE391C-7B89-3FDD-5053-AEB94BE4C31A}"/>
+              </a:ext>
+            </a:extLst>
+          </p:cNvPr>
+          <p:cNvSpPr txBox="1"/>
+          <p:nvPr/>
+        </p:nvSpPr>
+        <p:spPr>
+          <a:xfrm>
+            <a:off x="1392976" y="1985932"/>
+            <a:ext cx="1442220" cy="523220"/>
+          </a:xfrm>
+          <a:prstGeom prst="rect">
+            <a:avLst/>
+          </a:prstGeom>
+          <a:noFill/>
+        </p:spPr>
+        <p:txBody>
+          <a:bodyPr wrap="square" rtlCol="0">
+            <a:spAutoFit/>
+          </a:bodyPr>
+          <a:lstStyle/>
+          <a:p>
+            <a:pPr algn="ctr"/>
+            <a:r>
+              <a:rPr lang="en-US" sz="1400" b="1" dirty="0">
+                <a:latin typeface="Palatino Linotype" panose="02040502050505030304" pitchFamily="18" charset="0"/>
+              </a:rPr>
+              <a:t>SMILES Representation</a:t>
+            </a:r>
+            <a:endParaRPr lang="en-GB" sz="1400" b="1" dirty="0">
+              <a:latin typeface="Palatino Linotype" panose="02040502050505030304" pitchFamily="18" charset="0"/>
+            </a:endParaRPr>
+          </a:p>
+        </p:txBody>
+      </p:sp>
     </p:spTree>
     <p:extLst>
       <p:ext uri="{BB962C8B-B14F-4D97-AF65-F5344CB8AC3E}">
-        <p14:creationId xmlns:p14="http://schemas.microsoft.com/office/powerpoint/2010/main" val="1175631114"/>
+        <p14:creationId xmlns:p14="http://schemas.microsoft.com/office/powerpoint/2010/main" val="4278430005"/>
       </p:ext>
     </p:extLst>
   </p:cSld>

--- a/docs/Architectures.pptx
+++ b/docs/Architectures.pptx
@@ -5,12 +5,13 @@
     <p:sldMasterId id="2147483648" r:id="rId1"/>
   </p:sldMasterIdLst>
   <p:notesMasterIdLst>
-    <p:notesMasterId r:id="rId5"/>
+    <p:notesMasterId r:id="rId6"/>
   </p:notesMasterIdLst>
   <p:sldIdLst>
     <p:sldId id="256" r:id="rId2"/>
     <p:sldId id="257" r:id="rId3"/>
     <p:sldId id="258" r:id="rId4"/>
+    <p:sldId id="259" r:id="rId5"/>
   </p:sldIdLst>
   <p:sldSz cx="12192000" cy="6858000"/>
   <p:notesSz cx="6858000" cy="9144000"/>
@@ -199,7 +200,7 @@
           <a:p>
             <a:fld id="{692584DF-C865-4592-8ED7-B1F61CF9BAAD}" type="datetimeFigureOut">
               <a:rPr lang="en-GB" smtClean="0"/>
-              <a:t>10/08/2023</a:t>
+              <a:t>11/08/2023</a:t>
             </a:fld>
             <a:endParaRPr lang="en-GB"/>
           </a:p>
@@ -616,7 +617,7 @@
           <a:p>
             <a:fld id="{F329D50C-4BB7-4A90-83D6-4F26E5B1EE76}" type="datetimeFigureOut">
               <a:rPr lang="en-GB" smtClean="0"/>
-              <a:t>10/08/2023</a:t>
+              <a:t>11/08/2023</a:t>
             </a:fld>
             <a:endParaRPr lang="en-GB"/>
           </a:p>
@@ -816,7 +817,7 @@
           <a:p>
             <a:fld id="{F329D50C-4BB7-4A90-83D6-4F26E5B1EE76}" type="datetimeFigureOut">
               <a:rPr lang="en-GB" smtClean="0"/>
-              <a:t>10/08/2023</a:t>
+              <a:t>11/08/2023</a:t>
             </a:fld>
             <a:endParaRPr lang="en-GB"/>
           </a:p>
@@ -1026,7 +1027,7 @@
           <a:p>
             <a:fld id="{F329D50C-4BB7-4A90-83D6-4F26E5B1EE76}" type="datetimeFigureOut">
               <a:rPr lang="en-GB" smtClean="0"/>
-              <a:t>10/08/2023</a:t>
+              <a:t>11/08/2023</a:t>
             </a:fld>
             <a:endParaRPr lang="en-GB"/>
           </a:p>
@@ -1226,7 +1227,7 @@
           <a:p>
             <a:fld id="{F329D50C-4BB7-4A90-83D6-4F26E5B1EE76}" type="datetimeFigureOut">
               <a:rPr lang="en-GB" smtClean="0"/>
-              <a:t>10/08/2023</a:t>
+              <a:t>11/08/2023</a:t>
             </a:fld>
             <a:endParaRPr lang="en-GB"/>
           </a:p>
@@ -1502,7 +1503,7 @@
           <a:p>
             <a:fld id="{F329D50C-4BB7-4A90-83D6-4F26E5B1EE76}" type="datetimeFigureOut">
               <a:rPr lang="en-GB" smtClean="0"/>
-              <a:t>10/08/2023</a:t>
+              <a:t>11/08/2023</a:t>
             </a:fld>
             <a:endParaRPr lang="en-GB"/>
           </a:p>
@@ -1770,7 +1771,7 @@
           <a:p>
             <a:fld id="{F329D50C-4BB7-4A90-83D6-4F26E5B1EE76}" type="datetimeFigureOut">
               <a:rPr lang="en-GB" smtClean="0"/>
-              <a:t>10/08/2023</a:t>
+              <a:t>11/08/2023</a:t>
             </a:fld>
             <a:endParaRPr lang="en-GB"/>
           </a:p>
@@ -2185,7 +2186,7 @@
           <a:p>
             <a:fld id="{F329D50C-4BB7-4A90-83D6-4F26E5B1EE76}" type="datetimeFigureOut">
               <a:rPr lang="en-GB" smtClean="0"/>
-              <a:t>10/08/2023</a:t>
+              <a:t>11/08/2023</a:t>
             </a:fld>
             <a:endParaRPr lang="en-GB"/>
           </a:p>
@@ -2327,7 +2328,7 @@
           <a:p>
             <a:fld id="{F329D50C-4BB7-4A90-83D6-4F26E5B1EE76}" type="datetimeFigureOut">
               <a:rPr lang="en-GB" smtClean="0"/>
-              <a:t>10/08/2023</a:t>
+              <a:t>11/08/2023</a:t>
             </a:fld>
             <a:endParaRPr lang="en-GB"/>
           </a:p>
@@ -2440,7 +2441,7 @@
           <a:p>
             <a:fld id="{F329D50C-4BB7-4A90-83D6-4F26E5B1EE76}" type="datetimeFigureOut">
               <a:rPr lang="en-GB" smtClean="0"/>
-              <a:t>10/08/2023</a:t>
+              <a:t>11/08/2023</a:t>
             </a:fld>
             <a:endParaRPr lang="en-GB"/>
           </a:p>
@@ -2753,7 +2754,7 @@
           <a:p>
             <a:fld id="{F329D50C-4BB7-4A90-83D6-4F26E5B1EE76}" type="datetimeFigureOut">
               <a:rPr lang="en-GB" smtClean="0"/>
-              <a:t>10/08/2023</a:t>
+              <a:t>11/08/2023</a:t>
             </a:fld>
             <a:endParaRPr lang="en-GB"/>
           </a:p>
@@ -3042,7 +3043,7 @@
           <a:p>
             <a:fld id="{F329D50C-4BB7-4A90-83D6-4F26E5B1EE76}" type="datetimeFigureOut">
               <a:rPr lang="en-GB" smtClean="0"/>
-              <a:t>10/08/2023</a:t>
+              <a:t>11/08/2023</a:t>
             </a:fld>
             <a:endParaRPr lang="en-GB"/>
           </a:p>
@@ -3285,7 +3286,7 @@
           <a:p>
             <a:fld id="{F329D50C-4BB7-4A90-83D6-4F26E5B1EE76}" type="datetimeFigureOut">
               <a:rPr lang="en-GB" smtClean="0"/>
-              <a:t>10/08/2023</a:t>
+              <a:t>11/08/2023</a:t>
             </a:fld>
             <a:endParaRPr lang="en-GB"/>
           </a:p>
@@ -7802,6 +7803,1782 @@
     <p:extLst>
       <p:ext uri="{BB962C8B-B14F-4D97-AF65-F5344CB8AC3E}">
         <p14:creationId xmlns:p14="http://schemas.microsoft.com/office/powerpoint/2010/main" val="4278430005"/>
+      </p:ext>
+    </p:extLst>
+  </p:cSld>
+  <p:clrMapOvr>
+    <a:masterClrMapping/>
+  </p:clrMapOvr>
+</p:sld>
+</file>
+
+<file path=ppt/slides/slide4.xml><?xml version="1.0" encoding="utf-8"?>
+<p:sld xmlns:a="http://schemas.openxmlformats.org/drawingml/2006/main" xmlns:r="http://schemas.openxmlformats.org/officeDocument/2006/relationships" xmlns:p="http://schemas.openxmlformats.org/presentationml/2006/main">
+  <p:cSld>
+    <p:spTree>
+      <p:nvGrpSpPr>
+        <p:cNvPr id="1" name=""/>
+        <p:cNvGrpSpPr/>
+        <p:nvPr/>
+      </p:nvGrpSpPr>
+      <p:grpSpPr>
+        <a:xfrm>
+          <a:off x="0" y="0"/>
+          <a:ext cx="0" cy="0"/>
+          <a:chOff x="0" y="0"/>
+          <a:chExt cx="0" cy="0"/>
+        </a:xfrm>
+      </p:grpSpPr>
+      <p:sp>
+        <p:nvSpPr>
+          <p:cNvPr id="4" name="Trapezoid 3">
+            <a:extLst>
+              <a:ext uri="{FF2B5EF4-FFF2-40B4-BE49-F238E27FC236}">
+                <a16:creationId xmlns:a16="http://schemas.microsoft.com/office/drawing/2014/main" id="{BCCEA7BD-D675-0471-9A9F-9D9F0D9EC209}"/>
+              </a:ext>
+            </a:extLst>
+          </p:cNvPr>
+          <p:cNvSpPr/>
+          <p:nvPr/>
+        </p:nvSpPr>
+        <p:spPr>
+          <a:xfrm rot="5400000">
+            <a:off x="1543410" y="1217043"/>
+            <a:ext cx="2156604" cy="421258"/>
+          </a:xfrm>
+          <a:prstGeom prst="trapezoid">
+            <a:avLst/>
+          </a:prstGeom>
+          <a:solidFill>
+            <a:schemeClr val="accent2"/>
+          </a:solidFill>
+          <a:ln>
+            <a:noFill/>
+          </a:ln>
+        </p:spPr>
+        <p:style>
+          <a:lnRef idx="2">
+            <a:schemeClr val="accent1">
+              <a:shade val="15000"/>
+            </a:schemeClr>
+          </a:lnRef>
+          <a:fillRef idx="1">
+            <a:schemeClr val="accent1"/>
+          </a:fillRef>
+          <a:effectRef idx="0">
+            <a:schemeClr val="accent1"/>
+          </a:effectRef>
+          <a:fontRef idx="minor">
+            <a:schemeClr val="lt1"/>
+          </a:fontRef>
+        </p:style>
+        <p:txBody>
+          <a:bodyPr rtlCol="0" anchor="ctr"/>
+          <a:lstStyle/>
+          <a:p>
+            <a:pPr algn="ctr"/>
+            <a:r>
+              <a:rPr lang="en-US" sz="1000" dirty="0">
+                <a:latin typeface="Palatino Linotype" panose="02040502050505030304" pitchFamily="18" charset="0"/>
+              </a:rPr>
+              <a:t>Dense Layer</a:t>
+            </a:r>
+            <a:endParaRPr lang="en-GB" sz="1000" dirty="0">
+              <a:latin typeface="Palatino Linotype" panose="02040502050505030304" pitchFamily="18" charset="0"/>
+            </a:endParaRPr>
+          </a:p>
+        </p:txBody>
+      </p:sp>
+      <p:sp>
+        <p:nvSpPr>
+          <p:cNvPr id="5" name="Trapezoid 4">
+            <a:extLst>
+              <a:ext uri="{FF2B5EF4-FFF2-40B4-BE49-F238E27FC236}">
+                <a16:creationId xmlns:a16="http://schemas.microsoft.com/office/drawing/2014/main" id="{F9A6ED0A-162B-FA71-82E9-ED6622E41F1F}"/>
+              </a:ext>
+            </a:extLst>
+          </p:cNvPr>
+          <p:cNvSpPr/>
+          <p:nvPr/>
+        </p:nvSpPr>
+        <p:spPr>
+          <a:xfrm rot="5400000">
+            <a:off x="2191826" y="1217043"/>
+            <a:ext cx="1889185" cy="421257"/>
+          </a:xfrm>
+          <a:prstGeom prst="trapezoid">
+            <a:avLst/>
+          </a:prstGeom>
+          <a:solidFill>
+            <a:schemeClr val="accent2"/>
+          </a:solidFill>
+          <a:ln>
+            <a:noFill/>
+          </a:ln>
+        </p:spPr>
+        <p:style>
+          <a:lnRef idx="2">
+            <a:schemeClr val="accent1">
+              <a:shade val="15000"/>
+            </a:schemeClr>
+          </a:lnRef>
+          <a:fillRef idx="1">
+            <a:schemeClr val="accent1"/>
+          </a:fillRef>
+          <a:effectRef idx="0">
+            <a:schemeClr val="accent1"/>
+          </a:effectRef>
+          <a:fontRef idx="minor">
+            <a:schemeClr val="lt1"/>
+          </a:fontRef>
+        </p:style>
+        <p:txBody>
+          <a:bodyPr rtlCol="0" anchor="ctr"/>
+          <a:lstStyle/>
+          <a:p>
+            <a:pPr algn="ctr"/>
+            <a:r>
+              <a:rPr lang="en-US" sz="1000" dirty="0">
+                <a:latin typeface="Palatino Linotype" panose="02040502050505030304" pitchFamily="18" charset="0"/>
+              </a:rPr>
+              <a:t>Batch </a:t>
+            </a:r>
+            <a:r>
+              <a:rPr lang="en-US" sz="1000" dirty="0" err="1">
+                <a:latin typeface="Palatino Linotype" panose="02040502050505030304" pitchFamily="18" charset="0"/>
+              </a:rPr>
+              <a:t>Normalisation</a:t>
+            </a:r>
+            <a:endParaRPr lang="en-GB" sz="1000" dirty="0">
+              <a:latin typeface="Palatino Linotype" panose="02040502050505030304" pitchFamily="18" charset="0"/>
+            </a:endParaRPr>
+          </a:p>
+        </p:txBody>
+      </p:sp>
+      <p:sp>
+        <p:nvSpPr>
+          <p:cNvPr id="6" name="Trapezoid 5">
+            <a:extLst>
+              <a:ext uri="{FF2B5EF4-FFF2-40B4-BE49-F238E27FC236}">
+                <a16:creationId xmlns:a16="http://schemas.microsoft.com/office/drawing/2014/main" id="{2502F40C-2DCF-657D-B983-EFB81020AF23}"/>
+              </a:ext>
+            </a:extLst>
+          </p:cNvPr>
+          <p:cNvSpPr/>
+          <p:nvPr/>
+        </p:nvSpPr>
+        <p:spPr>
+          <a:xfrm rot="5400000">
+            <a:off x="2838084" y="1219200"/>
+            <a:ext cx="1626079" cy="421257"/>
+          </a:xfrm>
+          <a:prstGeom prst="trapezoid">
+            <a:avLst/>
+          </a:prstGeom>
+          <a:solidFill>
+            <a:schemeClr val="accent2"/>
+          </a:solidFill>
+          <a:ln>
+            <a:noFill/>
+          </a:ln>
+        </p:spPr>
+        <p:style>
+          <a:lnRef idx="2">
+            <a:schemeClr val="accent1">
+              <a:shade val="15000"/>
+            </a:schemeClr>
+          </a:lnRef>
+          <a:fillRef idx="1">
+            <a:schemeClr val="accent1"/>
+          </a:fillRef>
+          <a:effectRef idx="0">
+            <a:schemeClr val="accent1"/>
+          </a:effectRef>
+          <a:fontRef idx="minor">
+            <a:schemeClr val="lt1"/>
+          </a:fontRef>
+        </p:style>
+        <p:txBody>
+          <a:bodyPr rtlCol="0" anchor="ctr"/>
+          <a:lstStyle/>
+          <a:p>
+            <a:pPr algn="ctr"/>
+            <a:r>
+              <a:rPr lang="en-US" sz="1000" dirty="0">
+                <a:latin typeface="Palatino Linotype" panose="02040502050505030304" pitchFamily="18" charset="0"/>
+              </a:rPr>
+              <a:t>Dense Layer</a:t>
+            </a:r>
+            <a:endParaRPr lang="en-GB" sz="1000" dirty="0">
+              <a:latin typeface="Palatino Linotype" panose="02040502050505030304" pitchFamily="18" charset="0"/>
+            </a:endParaRPr>
+          </a:p>
+        </p:txBody>
+      </p:sp>
+      <p:sp>
+        <p:nvSpPr>
+          <p:cNvPr id="7" name="Trapezoid 6">
+            <a:extLst>
+              <a:ext uri="{FF2B5EF4-FFF2-40B4-BE49-F238E27FC236}">
+                <a16:creationId xmlns:a16="http://schemas.microsoft.com/office/drawing/2014/main" id="{8F6DC196-E1F4-7728-8D69-9B84439964F5}"/>
+              </a:ext>
+            </a:extLst>
+          </p:cNvPr>
+          <p:cNvSpPr/>
+          <p:nvPr/>
+        </p:nvSpPr>
+        <p:spPr>
+          <a:xfrm rot="5400000">
+            <a:off x="3482184" y="1219200"/>
+            <a:ext cx="1367287" cy="421257"/>
+          </a:xfrm>
+          <a:prstGeom prst="trapezoid">
+            <a:avLst/>
+          </a:prstGeom>
+          <a:solidFill>
+            <a:schemeClr val="accent2"/>
+          </a:solidFill>
+          <a:ln>
+            <a:noFill/>
+          </a:ln>
+        </p:spPr>
+        <p:style>
+          <a:lnRef idx="2">
+            <a:schemeClr val="accent1">
+              <a:shade val="15000"/>
+            </a:schemeClr>
+          </a:lnRef>
+          <a:fillRef idx="1">
+            <a:schemeClr val="accent1"/>
+          </a:fillRef>
+          <a:effectRef idx="0">
+            <a:schemeClr val="accent1"/>
+          </a:effectRef>
+          <a:fontRef idx="minor">
+            <a:schemeClr val="lt1"/>
+          </a:fontRef>
+        </p:style>
+        <p:txBody>
+          <a:bodyPr rtlCol="0" anchor="ctr"/>
+          <a:lstStyle/>
+          <a:p>
+            <a:pPr algn="ctr"/>
+            <a:r>
+              <a:rPr lang="en-US" sz="1000" dirty="0">
+                <a:latin typeface="Palatino Linotype" panose="02040502050505030304" pitchFamily="18" charset="0"/>
+              </a:rPr>
+              <a:t>Batch </a:t>
+            </a:r>
+            <a:r>
+              <a:rPr lang="en-US" sz="1000" dirty="0" err="1">
+                <a:latin typeface="Palatino Linotype" panose="02040502050505030304" pitchFamily="18" charset="0"/>
+              </a:rPr>
+              <a:t>Normalisation</a:t>
+            </a:r>
+            <a:endParaRPr lang="en-US" sz="1000" dirty="0">
+              <a:latin typeface="Palatino Linotype" panose="02040502050505030304" pitchFamily="18" charset="0"/>
+            </a:endParaRPr>
+          </a:p>
+        </p:txBody>
+      </p:sp>
+      <p:sp>
+        <p:nvSpPr>
+          <p:cNvPr id="13" name="Rectangle 12">
+            <a:extLst>
+              <a:ext uri="{FF2B5EF4-FFF2-40B4-BE49-F238E27FC236}">
+                <a16:creationId xmlns:a16="http://schemas.microsoft.com/office/drawing/2014/main" id="{0158333E-6F95-8485-6BD6-F09E60B2DF43}"/>
+              </a:ext>
+            </a:extLst>
+          </p:cNvPr>
+          <p:cNvSpPr/>
+          <p:nvPr/>
+        </p:nvSpPr>
+        <p:spPr>
+          <a:xfrm rot="5400000">
+            <a:off x="1028703" y="1217042"/>
+            <a:ext cx="2156604" cy="421258"/>
+          </a:xfrm>
+          <a:prstGeom prst="rect">
+            <a:avLst/>
+          </a:prstGeom>
+          <a:solidFill>
+            <a:schemeClr val="accent6">
+              <a:lumMod val="60000"/>
+              <a:lumOff val="40000"/>
+            </a:schemeClr>
+          </a:solidFill>
+          <a:ln>
+            <a:noFill/>
+          </a:ln>
+        </p:spPr>
+        <p:style>
+          <a:lnRef idx="2">
+            <a:schemeClr val="accent1">
+              <a:shade val="15000"/>
+            </a:schemeClr>
+          </a:lnRef>
+          <a:fillRef idx="1">
+            <a:schemeClr val="accent1"/>
+          </a:fillRef>
+          <a:effectRef idx="0">
+            <a:schemeClr val="accent1"/>
+          </a:effectRef>
+          <a:fontRef idx="minor">
+            <a:schemeClr val="lt1"/>
+          </a:fontRef>
+        </p:style>
+        <p:txBody>
+          <a:bodyPr rtlCol="0" anchor="ctr"/>
+          <a:lstStyle/>
+          <a:p>
+            <a:pPr algn="ctr"/>
+            <a:r>
+              <a:rPr lang="en-US" sz="1000" dirty="0">
+                <a:latin typeface="Palatino Linotype" panose="02040502050505030304" pitchFamily="18" charset="0"/>
+              </a:rPr>
+              <a:t>Vector Form of SMILES</a:t>
+            </a:r>
+            <a:endParaRPr lang="en-GB" sz="1000" dirty="0">
+              <a:latin typeface="Palatino Linotype" panose="02040502050505030304" pitchFamily="18" charset="0"/>
+            </a:endParaRPr>
+          </a:p>
+        </p:txBody>
+      </p:sp>
+      <p:sp>
+        <p:nvSpPr>
+          <p:cNvPr id="16" name="Rectangle 15">
+            <a:extLst>
+              <a:ext uri="{FF2B5EF4-FFF2-40B4-BE49-F238E27FC236}">
+                <a16:creationId xmlns:a16="http://schemas.microsoft.com/office/drawing/2014/main" id="{A347220F-1EFE-A732-4F19-0BD2FB09CD23}"/>
+              </a:ext>
+            </a:extLst>
+          </p:cNvPr>
+          <p:cNvSpPr/>
+          <p:nvPr/>
+        </p:nvSpPr>
+        <p:spPr>
+          <a:xfrm rot="5400000">
+            <a:off x="4264306" y="757688"/>
+            <a:ext cx="832449" cy="421258"/>
+          </a:xfrm>
+          <a:prstGeom prst="rect">
+            <a:avLst/>
+          </a:prstGeom>
+          <a:solidFill>
+            <a:schemeClr val="accent5">
+              <a:lumMod val="60000"/>
+              <a:lumOff val="40000"/>
+            </a:schemeClr>
+          </a:solidFill>
+          <a:ln>
+            <a:noFill/>
+          </a:ln>
+        </p:spPr>
+        <p:style>
+          <a:lnRef idx="2">
+            <a:schemeClr val="accent1">
+              <a:shade val="15000"/>
+            </a:schemeClr>
+          </a:lnRef>
+          <a:fillRef idx="1">
+            <a:schemeClr val="accent1"/>
+          </a:fillRef>
+          <a:effectRef idx="0">
+            <a:schemeClr val="accent1"/>
+          </a:effectRef>
+          <a:fontRef idx="minor">
+            <a:schemeClr val="lt1"/>
+          </a:fontRef>
+        </p:style>
+        <p:txBody>
+          <a:bodyPr rtlCol="0" anchor="ctr"/>
+          <a:lstStyle/>
+          <a:p>
+            <a:pPr algn="ctr"/>
+            <a:r>
+              <a:rPr lang="en-US" sz="1000" dirty="0">
+                <a:latin typeface="Palatino Linotype" panose="02040502050505030304" pitchFamily="18" charset="0"/>
+              </a:rPr>
+              <a:t>Mean</a:t>
+            </a:r>
+            <a:endParaRPr lang="en-GB" sz="1000" dirty="0">
+              <a:latin typeface="Palatino Linotype" panose="02040502050505030304" pitchFamily="18" charset="0"/>
+            </a:endParaRPr>
+          </a:p>
+        </p:txBody>
+      </p:sp>
+      <p:sp>
+        <p:nvSpPr>
+          <p:cNvPr id="17" name="Rectangle 16">
+            <a:extLst>
+              <a:ext uri="{FF2B5EF4-FFF2-40B4-BE49-F238E27FC236}">
+                <a16:creationId xmlns:a16="http://schemas.microsoft.com/office/drawing/2014/main" id="{8F1CBE1B-BEBA-A3DD-72E2-14FF3FD97902}"/>
+              </a:ext>
+            </a:extLst>
+          </p:cNvPr>
+          <p:cNvSpPr/>
+          <p:nvPr/>
+        </p:nvSpPr>
+        <p:spPr>
+          <a:xfrm rot="5400000">
+            <a:off x="4264306" y="1676397"/>
+            <a:ext cx="832449" cy="421258"/>
+          </a:xfrm>
+          <a:prstGeom prst="rect">
+            <a:avLst/>
+          </a:prstGeom>
+          <a:solidFill>
+            <a:schemeClr val="accent5">
+              <a:lumMod val="60000"/>
+              <a:lumOff val="40000"/>
+            </a:schemeClr>
+          </a:solidFill>
+          <a:ln>
+            <a:noFill/>
+          </a:ln>
+        </p:spPr>
+        <p:style>
+          <a:lnRef idx="2">
+            <a:schemeClr val="accent1">
+              <a:shade val="15000"/>
+            </a:schemeClr>
+          </a:lnRef>
+          <a:fillRef idx="1">
+            <a:schemeClr val="accent1"/>
+          </a:fillRef>
+          <a:effectRef idx="0">
+            <a:schemeClr val="accent1"/>
+          </a:effectRef>
+          <a:fontRef idx="minor">
+            <a:schemeClr val="lt1"/>
+          </a:fontRef>
+        </p:style>
+        <p:txBody>
+          <a:bodyPr rtlCol="0" anchor="ctr"/>
+          <a:lstStyle/>
+          <a:p>
+            <a:pPr algn="ctr"/>
+            <a:r>
+              <a:rPr lang="en-US" sz="1000" dirty="0">
+                <a:latin typeface="Palatino Linotype" panose="02040502050505030304" pitchFamily="18" charset="0"/>
+              </a:rPr>
+              <a:t>Variance</a:t>
+            </a:r>
+            <a:endParaRPr lang="en-GB" sz="1000" dirty="0">
+              <a:latin typeface="Palatino Linotype" panose="02040502050505030304" pitchFamily="18" charset="0"/>
+            </a:endParaRPr>
+          </a:p>
+        </p:txBody>
+      </p:sp>
+      <p:sp>
+        <p:nvSpPr>
+          <p:cNvPr id="18" name="Rectangle 17">
+            <a:extLst>
+              <a:ext uri="{FF2B5EF4-FFF2-40B4-BE49-F238E27FC236}">
+                <a16:creationId xmlns:a16="http://schemas.microsoft.com/office/drawing/2014/main" id="{AE1CB161-5C7C-D241-BF02-F9667DD7DBDC}"/>
+              </a:ext>
+            </a:extLst>
+          </p:cNvPr>
+          <p:cNvSpPr/>
+          <p:nvPr/>
+        </p:nvSpPr>
+        <p:spPr>
+          <a:xfrm rot="5400000">
+            <a:off x="4779008" y="1260171"/>
+            <a:ext cx="832452" cy="421258"/>
+          </a:xfrm>
+          <a:prstGeom prst="rect">
+            <a:avLst/>
+          </a:prstGeom>
+          <a:solidFill>
+            <a:schemeClr val="accent6">
+              <a:lumMod val="60000"/>
+              <a:lumOff val="40000"/>
+            </a:schemeClr>
+          </a:solidFill>
+          <a:ln>
+            <a:noFill/>
+          </a:ln>
+        </p:spPr>
+        <p:style>
+          <a:lnRef idx="2">
+            <a:schemeClr val="accent1">
+              <a:shade val="15000"/>
+            </a:schemeClr>
+          </a:lnRef>
+          <a:fillRef idx="1">
+            <a:schemeClr val="accent1"/>
+          </a:fillRef>
+          <a:effectRef idx="0">
+            <a:schemeClr val="accent1"/>
+          </a:effectRef>
+          <a:fontRef idx="minor">
+            <a:schemeClr val="lt1"/>
+          </a:fontRef>
+        </p:style>
+        <p:txBody>
+          <a:bodyPr rtlCol="0" anchor="ctr"/>
+          <a:lstStyle/>
+          <a:p>
+            <a:pPr algn="ctr"/>
+            <a:r>
+              <a:rPr lang="en-US" sz="1000" dirty="0">
+                <a:latin typeface="Palatino Linotype" panose="02040502050505030304" pitchFamily="18" charset="0"/>
+              </a:rPr>
+              <a:t>Latent Vector</a:t>
+            </a:r>
+            <a:endParaRPr lang="en-GB" sz="1000" dirty="0">
+              <a:latin typeface="Palatino Linotype" panose="02040502050505030304" pitchFamily="18" charset="0"/>
+            </a:endParaRPr>
+          </a:p>
+        </p:txBody>
+      </p:sp>
+      <p:sp>
+        <p:nvSpPr>
+          <p:cNvPr id="19" name="Rectangle 18">
+            <a:extLst>
+              <a:ext uri="{FF2B5EF4-FFF2-40B4-BE49-F238E27FC236}">
+                <a16:creationId xmlns:a16="http://schemas.microsoft.com/office/drawing/2014/main" id="{7B39FC55-0E87-0B2B-01E5-3A5BEAB7F639}"/>
+              </a:ext>
+            </a:extLst>
+          </p:cNvPr>
+          <p:cNvSpPr/>
+          <p:nvPr/>
+        </p:nvSpPr>
+        <p:spPr>
+          <a:xfrm rot="5400000">
+            <a:off x="5293711" y="757687"/>
+            <a:ext cx="832452" cy="421258"/>
+          </a:xfrm>
+          <a:prstGeom prst="rect">
+            <a:avLst/>
+          </a:prstGeom>
+          <a:solidFill>
+            <a:schemeClr val="accent6">
+              <a:lumMod val="60000"/>
+              <a:lumOff val="40000"/>
+            </a:schemeClr>
+          </a:solidFill>
+          <a:ln>
+            <a:noFill/>
+          </a:ln>
+        </p:spPr>
+        <p:style>
+          <a:lnRef idx="2">
+            <a:schemeClr val="accent1">
+              <a:shade val="15000"/>
+            </a:schemeClr>
+          </a:lnRef>
+          <a:fillRef idx="1">
+            <a:schemeClr val="accent1"/>
+          </a:fillRef>
+          <a:effectRef idx="0">
+            <a:schemeClr val="accent1"/>
+          </a:effectRef>
+          <a:fontRef idx="minor">
+            <a:schemeClr val="lt1"/>
+          </a:fontRef>
+        </p:style>
+        <p:txBody>
+          <a:bodyPr rtlCol="0" anchor="ctr"/>
+          <a:lstStyle/>
+          <a:p>
+            <a:pPr algn="ctr"/>
+            <a:r>
+              <a:rPr lang="en-US" sz="1000" dirty="0">
+                <a:latin typeface="Palatino Linotype" panose="02040502050505030304" pitchFamily="18" charset="0"/>
+              </a:rPr>
+              <a:t>Latent Vector</a:t>
+            </a:r>
+            <a:endParaRPr lang="en-GB" sz="1000" dirty="0">
+              <a:latin typeface="Palatino Linotype" panose="02040502050505030304" pitchFamily="18" charset="0"/>
+            </a:endParaRPr>
+          </a:p>
+        </p:txBody>
+      </p:sp>
+      <p:sp>
+        <p:nvSpPr>
+          <p:cNvPr id="20" name="Rectangle 19">
+            <a:extLst>
+              <a:ext uri="{FF2B5EF4-FFF2-40B4-BE49-F238E27FC236}">
+                <a16:creationId xmlns:a16="http://schemas.microsoft.com/office/drawing/2014/main" id="{7A0171A3-D3E6-3676-FCC3-C3164674A60C}"/>
+              </a:ext>
+            </a:extLst>
+          </p:cNvPr>
+          <p:cNvSpPr/>
+          <p:nvPr/>
+        </p:nvSpPr>
+        <p:spPr>
+          <a:xfrm rot="5400000">
+            <a:off x="5293711" y="1676398"/>
+            <a:ext cx="832452" cy="421258"/>
+          </a:xfrm>
+          <a:prstGeom prst="rect">
+            <a:avLst/>
+          </a:prstGeom>
+          <a:solidFill>
+            <a:schemeClr val="accent4">
+              <a:lumMod val="75000"/>
+            </a:schemeClr>
+          </a:solidFill>
+          <a:ln>
+            <a:noFill/>
+          </a:ln>
+        </p:spPr>
+        <p:style>
+          <a:lnRef idx="2">
+            <a:schemeClr val="accent1">
+              <a:shade val="15000"/>
+            </a:schemeClr>
+          </a:lnRef>
+          <a:fillRef idx="1">
+            <a:schemeClr val="accent1"/>
+          </a:fillRef>
+          <a:effectRef idx="0">
+            <a:schemeClr val="accent1"/>
+          </a:effectRef>
+          <a:fontRef idx="minor">
+            <a:schemeClr val="lt1"/>
+          </a:fontRef>
+        </p:style>
+        <p:txBody>
+          <a:bodyPr rtlCol="0" anchor="ctr"/>
+          <a:lstStyle/>
+          <a:p>
+            <a:pPr algn="ctr"/>
+            <a:r>
+              <a:rPr lang="en-US" sz="800" dirty="0">
+                <a:latin typeface="Palatino Linotype" panose="02040502050505030304" pitchFamily="18" charset="0"/>
+              </a:rPr>
+              <a:t>User Specified conditions</a:t>
+            </a:r>
+            <a:endParaRPr lang="en-GB" sz="800" dirty="0">
+              <a:latin typeface="Palatino Linotype" panose="02040502050505030304" pitchFamily="18" charset="0"/>
+            </a:endParaRPr>
+          </a:p>
+        </p:txBody>
+      </p:sp>
+      <p:sp>
+        <p:nvSpPr>
+          <p:cNvPr id="22" name="TextBox 21">
+            <a:extLst>
+              <a:ext uri="{FF2B5EF4-FFF2-40B4-BE49-F238E27FC236}">
+                <a16:creationId xmlns:a16="http://schemas.microsoft.com/office/drawing/2014/main" id="{E5B5A58C-4C79-C388-7DB6-0040600DFA1E}"/>
+              </a:ext>
+            </a:extLst>
+          </p:cNvPr>
+          <p:cNvSpPr txBox="1"/>
+          <p:nvPr/>
+        </p:nvSpPr>
+        <p:spPr>
+          <a:xfrm>
+            <a:off x="393214" y="3480325"/>
+            <a:ext cx="6094562" cy="2631490"/>
+          </a:xfrm>
+          <a:prstGeom prst="rect">
+            <a:avLst/>
+          </a:prstGeom>
+          <a:noFill/>
+        </p:spPr>
+        <p:txBody>
+          <a:bodyPr wrap="square">
+            <a:spAutoFit/>
+          </a:bodyPr>
+          <a:lstStyle/>
+          <a:p>
+            <a:r>
+              <a:rPr lang="en-GB" sz="1100" b="0" dirty="0" err="1">
+                <a:effectLst/>
+                <a:latin typeface="+mj-lt"/>
+              </a:rPr>
+              <a:t>latent_inputs</a:t>
+            </a:r>
+            <a:r>
+              <a:rPr lang="en-GB" sz="1100" b="0" dirty="0">
+                <a:effectLst/>
+                <a:latin typeface="+mj-lt"/>
+              </a:rPr>
+              <a:t> = </a:t>
+            </a:r>
+            <a:r>
+              <a:rPr lang="en-GB" sz="1100" b="0" dirty="0" err="1">
+                <a:effectLst/>
+                <a:latin typeface="+mj-lt"/>
+              </a:rPr>
+              <a:t>tf.keras.Input</a:t>
+            </a:r>
+            <a:r>
+              <a:rPr lang="en-GB" sz="1100" b="0" dirty="0">
+                <a:effectLst/>
+                <a:latin typeface="+mj-lt"/>
+              </a:rPr>
+              <a:t>(shape=(</a:t>
+            </a:r>
+            <a:r>
+              <a:rPr lang="en-GB" sz="1100" b="0" dirty="0" err="1">
+                <a:effectLst/>
+                <a:latin typeface="+mj-lt"/>
+              </a:rPr>
+              <a:t>latent_dim</a:t>
+            </a:r>
+            <a:r>
+              <a:rPr lang="en-GB" sz="1100" b="0" dirty="0">
+                <a:effectLst/>
+                <a:latin typeface="+mj-lt"/>
+              </a:rPr>
+              <a:t>,), name='</a:t>
+            </a:r>
+            <a:r>
+              <a:rPr lang="en-GB" sz="1100" b="0" dirty="0" err="1">
+                <a:effectLst/>
+                <a:latin typeface="+mj-lt"/>
+              </a:rPr>
+              <a:t>latent_inputs</a:t>
+            </a:r>
+            <a:r>
+              <a:rPr lang="en-GB" sz="1100" b="0" dirty="0">
+                <a:effectLst/>
+                <a:latin typeface="+mj-lt"/>
+              </a:rPr>
+              <a:t>')</a:t>
+            </a:r>
+          </a:p>
+          <a:p>
+            <a:r>
+              <a:rPr lang="en-GB" sz="1100" b="0" dirty="0">
+                <a:effectLst/>
+                <a:latin typeface="+mj-lt"/>
+              </a:rPr>
+              <a:t>        </a:t>
+            </a:r>
+          </a:p>
+          <a:p>
+            <a:r>
+              <a:rPr lang="en-GB" sz="1100" b="0" dirty="0">
+                <a:effectLst/>
+                <a:latin typeface="+mj-lt"/>
+              </a:rPr>
+              <a:t>        # Reshape the latent vector to match the input shape for the convolutional layers</a:t>
+            </a:r>
+          </a:p>
+          <a:p>
+            <a:r>
+              <a:rPr lang="en-GB" sz="1100" b="0" dirty="0">
+                <a:effectLst/>
+                <a:latin typeface="+mj-lt"/>
+              </a:rPr>
+              <a:t>        x = </a:t>
+            </a:r>
+            <a:r>
+              <a:rPr lang="en-GB" sz="1100" b="0" dirty="0" err="1">
+                <a:effectLst/>
+                <a:latin typeface="+mj-lt"/>
+              </a:rPr>
+              <a:t>layers.Dense</a:t>
+            </a:r>
+            <a:r>
+              <a:rPr lang="en-GB" sz="1100" b="0" dirty="0">
+                <a:effectLst/>
+                <a:latin typeface="+mj-lt"/>
+              </a:rPr>
+              <a:t>(units=</a:t>
+            </a:r>
+            <a:r>
+              <a:rPr lang="en-GB" sz="1100" b="0" dirty="0" err="1">
+                <a:effectLst/>
+                <a:latin typeface="+mj-lt"/>
+              </a:rPr>
+              <a:t>output_dim</a:t>
+            </a:r>
+            <a:r>
+              <a:rPr lang="en-GB" sz="1100" b="0" dirty="0">
+                <a:effectLst/>
+                <a:latin typeface="+mj-lt"/>
+              </a:rPr>
+              <a:t>[0]*</a:t>
+            </a:r>
+            <a:r>
+              <a:rPr lang="en-GB" sz="1100" b="0" dirty="0" err="1">
+                <a:effectLst/>
+                <a:latin typeface="+mj-lt"/>
+              </a:rPr>
+              <a:t>output_dim</a:t>
+            </a:r>
+            <a:r>
+              <a:rPr lang="en-GB" sz="1100" b="0" dirty="0">
+                <a:effectLst/>
+                <a:latin typeface="+mj-lt"/>
+              </a:rPr>
+              <a:t>[1]*</a:t>
+            </a:r>
+            <a:r>
+              <a:rPr lang="en-GB" sz="1100" b="0" dirty="0" err="1">
+                <a:effectLst/>
+                <a:latin typeface="+mj-lt"/>
+              </a:rPr>
+              <a:t>output_dim</a:t>
+            </a:r>
+            <a:r>
+              <a:rPr lang="en-GB" sz="1100" b="0" dirty="0">
+                <a:effectLst/>
+                <a:latin typeface="+mj-lt"/>
+              </a:rPr>
+              <a:t>[2], activation='</a:t>
+            </a:r>
+            <a:r>
+              <a:rPr lang="en-GB" sz="1100" b="0" dirty="0" err="1">
+                <a:effectLst/>
+                <a:latin typeface="+mj-lt"/>
+              </a:rPr>
+              <a:t>relu</a:t>
+            </a:r>
+            <a:r>
+              <a:rPr lang="en-GB" sz="1100" b="0" dirty="0">
+                <a:effectLst/>
+                <a:latin typeface="+mj-lt"/>
+              </a:rPr>
+              <a:t>')(</a:t>
+            </a:r>
+            <a:r>
+              <a:rPr lang="en-GB" sz="1100" b="0" dirty="0" err="1">
+                <a:effectLst/>
+                <a:latin typeface="+mj-lt"/>
+              </a:rPr>
+              <a:t>latent_inputs</a:t>
+            </a:r>
+            <a:r>
+              <a:rPr lang="en-GB" sz="1100" b="0" dirty="0">
+                <a:effectLst/>
+                <a:latin typeface="+mj-lt"/>
+              </a:rPr>
+              <a:t>)</a:t>
+            </a:r>
+          </a:p>
+          <a:p>
+            <a:r>
+              <a:rPr lang="en-GB" sz="1100" b="0" dirty="0">
+                <a:effectLst/>
+                <a:latin typeface="+mj-lt"/>
+              </a:rPr>
+              <a:t>        x = </a:t>
+            </a:r>
+            <a:r>
+              <a:rPr lang="en-GB" sz="1100" b="0" dirty="0" err="1">
+                <a:effectLst/>
+                <a:latin typeface="+mj-lt"/>
+              </a:rPr>
+              <a:t>layers.Reshape</a:t>
+            </a:r>
+            <a:r>
+              <a:rPr lang="en-GB" sz="1100" b="0" dirty="0">
+                <a:effectLst/>
+                <a:latin typeface="+mj-lt"/>
+              </a:rPr>
+              <a:t>(</a:t>
+            </a:r>
+            <a:r>
+              <a:rPr lang="en-GB" sz="1100" b="0" dirty="0" err="1">
+                <a:effectLst/>
+                <a:latin typeface="+mj-lt"/>
+              </a:rPr>
+              <a:t>target_shape</a:t>
+            </a:r>
+            <a:r>
+              <a:rPr lang="en-GB" sz="1100" b="0" dirty="0">
+                <a:effectLst/>
+                <a:latin typeface="+mj-lt"/>
+              </a:rPr>
+              <a:t>=(</a:t>
+            </a:r>
+            <a:r>
+              <a:rPr lang="en-GB" sz="1100" b="0" dirty="0" err="1">
+                <a:effectLst/>
+                <a:latin typeface="+mj-lt"/>
+              </a:rPr>
+              <a:t>output_dim</a:t>
+            </a:r>
+            <a:r>
+              <a:rPr lang="en-GB" sz="1100" b="0" dirty="0">
+                <a:effectLst/>
+                <a:latin typeface="+mj-lt"/>
+              </a:rPr>
+              <a:t>[0], </a:t>
+            </a:r>
+            <a:r>
+              <a:rPr lang="en-GB" sz="1100" b="0" dirty="0" err="1">
+                <a:effectLst/>
+                <a:latin typeface="+mj-lt"/>
+              </a:rPr>
+              <a:t>output_dim</a:t>
+            </a:r>
+            <a:r>
+              <a:rPr lang="en-GB" sz="1100" b="0" dirty="0">
+                <a:effectLst/>
+                <a:latin typeface="+mj-lt"/>
+              </a:rPr>
+              <a:t>[1], </a:t>
+            </a:r>
+            <a:r>
+              <a:rPr lang="en-GB" sz="1100" b="0" dirty="0" err="1">
+                <a:effectLst/>
+                <a:latin typeface="+mj-lt"/>
+              </a:rPr>
+              <a:t>output_dim</a:t>
+            </a:r>
+            <a:r>
+              <a:rPr lang="en-GB" sz="1100" b="0" dirty="0">
+                <a:effectLst/>
+                <a:latin typeface="+mj-lt"/>
+              </a:rPr>
+              <a:t>[2]))(x)</a:t>
+            </a:r>
+          </a:p>
+          <a:p>
+            <a:r>
+              <a:rPr lang="en-GB" sz="1100" b="0" dirty="0">
+                <a:effectLst/>
+                <a:latin typeface="+mj-lt"/>
+              </a:rPr>
+              <a:t>        x = layers.Conv2DTranspose(128, </a:t>
+            </a:r>
+            <a:r>
+              <a:rPr lang="en-GB" sz="1100" b="0" dirty="0" err="1">
+                <a:effectLst/>
+                <a:latin typeface="+mj-lt"/>
+              </a:rPr>
+              <a:t>kernel_size</a:t>
+            </a:r>
+            <a:r>
+              <a:rPr lang="en-GB" sz="1100" b="0" dirty="0">
+                <a:effectLst/>
+                <a:latin typeface="+mj-lt"/>
+              </a:rPr>
+              <a:t>=(4, 4), padding='</a:t>
+            </a:r>
+            <a:r>
+              <a:rPr lang="en-GB" sz="1100" b="0" dirty="0" err="1">
+                <a:effectLst/>
+                <a:latin typeface="+mj-lt"/>
+              </a:rPr>
+              <a:t>same',activation</a:t>
+            </a:r>
+            <a:r>
+              <a:rPr lang="en-GB" sz="1100" b="0" dirty="0">
+                <a:effectLst/>
+                <a:latin typeface="+mj-lt"/>
+              </a:rPr>
+              <a:t>="</a:t>
+            </a:r>
+            <a:r>
+              <a:rPr lang="en-GB" sz="1100" b="0" dirty="0" err="1">
+                <a:effectLst/>
+                <a:latin typeface="+mj-lt"/>
+              </a:rPr>
+              <a:t>relu</a:t>
+            </a:r>
+            <a:r>
+              <a:rPr lang="en-GB" sz="1100" b="0" dirty="0">
+                <a:effectLst/>
+                <a:latin typeface="+mj-lt"/>
+              </a:rPr>
+              <a:t>")(x)</a:t>
+            </a:r>
+          </a:p>
+          <a:p>
+            <a:r>
+              <a:rPr lang="en-GB" sz="1100" b="0" dirty="0">
+                <a:effectLst/>
+                <a:latin typeface="+mj-lt"/>
+              </a:rPr>
+              <a:t>        x = layers.Conv2DTranspose(64, </a:t>
+            </a:r>
+            <a:r>
+              <a:rPr lang="en-GB" sz="1100" b="0" dirty="0" err="1">
+                <a:effectLst/>
+                <a:latin typeface="+mj-lt"/>
+              </a:rPr>
+              <a:t>kernel_size</a:t>
+            </a:r>
+            <a:r>
+              <a:rPr lang="en-GB" sz="1100" b="0" dirty="0">
+                <a:effectLst/>
+                <a:latin typeface="+mj-lt"/>
+              </a:rPr>
+              <a:t>=(4, 4), padding='</a:t>
+            </a:r>
+            <a:r>
+              <a:rPr lang="en-GB" sz="1100" b="0" dirty="0" err="1">
+                <a:effectLst/>
+                <a:latin typeface="+mj-lt"/>
+              </a:rPr>
+              <a:t>same',activation</a:t>
+            </a:r>
+            <a:r>
+              <a:rPr lang="en-GB" sz="1100" b="0" dirty="0">
+                <a:effectLst/>
+                <a:latin typeface="+mj-lt"/>
+              </a:rPr>
+              <a:t>="</a:t>
+            </a:r>
+            <a:r>
+              <a:rPr lang="en-GB" sz="1100" b="0" dirty="0" err="1">
+                <a:effectLst/>
+                <a:latin typeface="+mj-lt"/>
+              </a:rPr>
+              <a:t>relu</a:t>
+            </a:r>
+            <a:r>
+              <a:rPr lang="en-GB" sz="1100" b="0" dirty="0">
+                <a:effectLst/>
+                <a:latin typeface="+mj-lt"/>
+              </a:rPr>
+              <a:t>")(x)</a:t>
+            </a:r>
+          </a:p>
+          <a:p>
+            <a:r>
+              <a:rPr lang="en-GB" sz="1100" b="0" dirty="0">
+                <a:effectLst/>
+                <a:latin typeface="+mj-lt"/>
+              </a:rPr>
+              <a:t>        x = layers.Conv2DTranspose(32, </a:t>
+            </a:r>
+            <a:r>
+              <a:rPr lang="en-GB" sz="1100" b="0" dirty="0" err="1">
+                <a:effectLst/>
+                <a:latin typeface="+mj-lt"/>
+              </a:rPr>
+              <a:t>kernel_size</a:t>
+            </a:r>
+            <a:r>
+              <a:rPr lang="en-GB" sz="1100" b="0" dirty="0">
+                <a:effectLst/>
+                <a:latin typeface="+mj-lt"/>
+              </a:rPr>
+              <a:t>=(4, 4), padding='</a:t>
+            </a:r>
+            <a:r>
+              <a:rPr lang="en-GB" sz="1100" b="0" dirty="0" err="1">
+                <a:effectLst/>
+                <a:latin typeface="+mj-lt"/>
+              </a:rPr>
+              <a:t>same',activation</a:t>
+            </a:r>
+            <a:r>
+              <a:rPr lang="en-GB" sz="1100" b="0" dirty="0">
+                <a:effectLst/>
+                <a:latin typeface="+mj-lt"/>
+              </a:rPr>
+              <a:t>="</a:t>
+            </a:r>
+            <a:r>
+              <a:rPr lang="en-GB" sz="1100" b="0" dirty="0" err="1">
+                <a:effectLst/>
+                <a:latin typeface="+mj-lt"/>
+              </a:rPr>
+              <a:t>relu</a:t>
+            </a:r>
+            <a:r>
+              <a:rPr lang="en-GB" sz="1100" b="0" dirty="0">
+                <a:effectLst/>
+                <a:latin typeface="+mj-lt"/>
+              </a:rPr>
+              <a:t>")(x)</a:t>
+            </a:r>
+          </a:p>
+          <a:p>
+            <a:r>
+              <a:rPr lang="en-GB" sz="1100" b="0" dirty="0">
+                <a:effectLst/>
+                <a:latin typeface="+mj-lt"/>
+              </a:rPr>
+              <a:t>        x = layers.Conv2DTranspose(16, </a:t>
+            </a:r>
+            <a:r>
+              <a:rPr lang="en-GB" sz="1100" b="0" dirty="0" err="1">
+                <a:effectLst/>
+                <a:latin typeface="+mj-lt"/>
+              </a:rPr>
+              <a:t>kernel_size</a:t>
+            </a:r>
+            <a:r>
+              <a:rPr lang="en-GB" sz="1100" b="0" dirty="0">
+                <a:effectLst/>
+                <a:latin typeface="+mj-lt"/>
+              </a:rPr>
+              <a:t>=(3, 3), padding='</a:t>
+            </a:r>
+            <a:r>
+              <a:rPr lang="en-GB" sz="1100" b="0" dirty="0" err="1">
+                <a:effectLst/>
+                <a:latin typeface="+mj-lt"/>
+              </a:rPr>
+              <a:t>same',activation</a:t>
+            </a:r>
+            <a:r>
+              <a:rPr lang="en-GB" sz="1100" b="0" dirty="0">
+                <a:effectLst/>
+                <a:latin typeface="+mj-lt"/>
+              </a:rPr>
+              <a:t>="</a:t>
+            </a:r>
+            <a:r>
+              <a:rPr lang="en-GB" sz="1100" b="0" dirty="0" err="1">
+                <a:effectLst/>
+                <a:latin typeface="+mj-lt"/>
+              </a:rPr>
+              <a:t>relu</a:t>
+            </a:r>
+            <a:r>
+              <a:rPr lang="en-GB" sz="1100" b="0" dirty="0">
+                <a:effectLst/>
+                <a:latin typeface="+mj-lt"/>
+              </a:rPr>
+              <a:t>")(x)</a:t>
+            </a:r>
+          </a:p>
+          <a:p>
+            <a:r>
+              <a:rPr lang="en-GB" sz="1100" b="0" dirty="0">
+                <a:effectLst/>
+                <a:latin typeface="+mj-lt"/>
+              </a:rPr>
+              <a:t>        # Output layer with tanh activation instead of </a:t>
+            </a:r>
+            <a:r>
+              <a:rPr lang="en-GB" sz="1100" b="0" dirty="0" err="1">
+                <a:effectLst/>
+                <a:latin typeface="+mj-lt"/>
+              </a:rPr>
+              <a:t>relu</a:t>
+            </a:r>
+            <a:endParaRPr lang="en-GB" sz="1100" b="0" dirty="0">
+              <a:effectLst/>
+              <a:latin typeface="+mj-lt"/>
+            </a:endParaRPr>
+          </a:p>
+          <a:p>
+            <a:r>
+              <a:rPr lang="en-GB" sz="1100" b="0" dirty="0">
+                <a:effectLst/>
+                <a:latin typeface="+mj-lt"/>
+              </a:rPr>
+              <a:t>        outputs = layers.Conv2DTranspose(filters=1, </a:t>
+            </a:r>
+            <a:r>
+              <a:rPr lang="en-GB" sz="1100" b="0" dirty="0" err="1">
+                <a:effectLst/>
+                <a:latin typeface="+mj-lt"/>
+              </a:rPr>
+              <a:t>kernel_size</a:t>
+            </a:r>
+            <a:r>
+              <a:rPr lang="en-GB" sz="1100" b="0" dirty="0">
+                <a:effectLst/>
+                <a:latin typeface="+mj-lt"/>
+              </a:rPr>
+              <a:t>=(3, 3), padding='</a:t>
+            </a:r>
+            <a:r>
+              <a:rPr lang="en-GB" sz="1100" b="0" dirty="0" err="1">
+                <a:effectLst/>
+                <a:latin typeface="+mj-lt"/>
+              </a:rPr>
+              <a:t>same',activation</a:t>
+            </a:r>
+            <a:r>
+              <a:rPr lang="en-GB" sz="1100" b="0" dirty="0">
+                <a:effectLst/>
+                <a:latin typeface="+mj-lt"/>
+              </a:rPr>
+              <a:t>="</a:t>
+            </a:r>
+            <a:r>
+              <a:rPr lang="en-GB" sz="1100" b="0" dirty="0" err="1">
+                <a:effectLst/>
+                <a:latin typeface="+mj-lt"/>
+              </a:rPr>
+              <a:t>relu</a:t>
+            </a:r>
+            <a:r>
+              <a:rPr lang="en-GB" sz="1100" b="0" dirty="0">
+                <a:effectLst/>
+                <a:latin typeface="+mj-lt"/>
+              </a:rPr>
+              <a:t>")(x)</a:t>
+            </a:r>
+          </a:p>
+          <a:p>
+            <a:r>
+              <a:rPr lang="en-GB" sz="1100" b="0" dirty="0">
+                <a:effectLst/>
+                <a:latin typeface="+mj-lt"/>
+              </a:rPr>
+              <a:t>        outputs = </a:t>
+            </a:r>
+            <a:r>
+              <a:rPr lang="en-GB" sz="1100" b="0" dirty="0" err="1">
+                <a:effectLst/>
+                <a:latin typeface="+mj-lt"/>
+              </a:rPr>
+              <a:t>layers.Flatten</a:t>
+            </a:r>
+            <a:r>
+              <a:rPr lang="en-GB" sz="1100" b="0" dirty="0">
+                <a:effectLst/>
+                <a:latin typeface="+mj-lt"/>
+              </a:rPr>
+              <a:t>()(outputs)</a:t>
+            </a:r>
+          </a:p>
+          <a:p>
+            <a:r>
+              <a:rPr lang="en-GB" sz="1100" b="0" dirty="0">
+                <a:effectLst/>
+                <a:latin typeface="+mj-lt"/>
+              </a:rPr>
+              <a:t>        outputs = </a:t>
+            </a:r>
+            <a:r>
+              <a:rPr lang="en-GB" sz="1100" b="0" dirty="0" err="1">
+                <a:effectLst/>
+                <a:latin typeface="+mj-lt"/>
+              </a:rPr>
+              <a:t>layers.Dense</a:t>
+            </a:r>
+            <a:r>
+              <a:rPr lang="en-GB" sz="1100" b="0" dirty="0">
+                <a:effectLst/>
+                <a:latin typeface="+mj-lt"/>
+              </a:rPr>
+              <a:t>(units=</a:t>
+            </a:r>
+            <a:r>
+              <a:rPr lang="en-GB" sz="1100" b="0" dirty="0" err="1">
+                <a:effectLst/>
+                <a:latin typeface="+mj-lt"/>
+              </a:rPr>
+              <a:t>output_dim</a:t>
+            </a:r>
+            <a:r>
+              <a:rPr lang="en-GB" sz="1100" b="0" dirty="0">
+                <a:effectLst/>
+                <a:latin typeface="+mj-lt"/>
+              </a:rPr>
+              <a:t>[0] * </a:t>
+            </a:r>
+            <a:r>
+              <a:rPr lang="en-GB" sz="1100" b="0" dirty="0" err="1">
+                <a:effectLst/>
+                <a:latin typeface="+mj-lt"/>
+              </a:rPr>
+              <a:t>output_dim</a:t>
+            </a:r>
+            <a:r>
+              <a:rPr lang="en-GB" sz="1100" b="0" dirty="0">
+                <a:effectLst/>
+                <a:latin typeface="+mj-lt"/>
+              </a:rPr>
+              <a:t>[1] * </a:t>
+            </a:r>
+            <a:r>
+              <a:rPr lang="en-GB" sz="1100" b="0" dirty="0" err="1">
+                <a:effectLst/>
+                <a:latin typeface="+mj-lt"/>
+              </a:rPr>
+              <a:t>output_dim</a:t>
+            </a:r>
+            <a:r>
+              <a:rPr lang="en-GB" sz="1100" b="0" dirty="0">
+                <a:effectLst/>
+                <a:latin typeface="+mj-lt"/>
+              </a:rPr>
+              <a:t>[2],activation="sigmoid")(</a:t>
+            </a:r>
+            <a:r>
+              <a:rPr lang="en-GB" sz="1100" b="0" dirty="0" err="1">
+                <a:effectLst/>
+                <a:latin typeface="+mj-lt"/>
+              </a:rPr>
+              <a:t>latent_inputs</a:t>
+            </a:r>
+            <a:r>
+              <a:rPr lang="en-GB" sz="1100" b="0" dirty="0">
+                <a:effectLst/>
+                <a:latin typeface="+mj-lt"/>
+              </a:rPr>
+              <a:t>)</a:t>
+            </a:r>
+          </a:p>
+        </p:txBody>
+      </p:sp>
+      <p:sp>
+        <p:nvSpPr>
+          <p:cNvPr id="23" name="Trapezoid 22">
+            <a:extLst>
+              <a:ext uri="{FF2B5EF4-FFF2-40B4-BE49-F238E27FC236}">
+                <a16:creationId xmlns:a16="http://schemas.microsoft.com/office/drawing/2014/main" id="{5B29184F-1997-D97C-A86E-32C74A4762A1}"/>
+              </a:ext>
+            </a:extLst>
+          </p:cNvPr>
+          <p:cNvSpPr/>
+          <p:nvPr/>
+        </p:nvSpPr>
+        <p:spPr>
+          <a:xfrm rot="16200000">
+            <a:off x="5244017" y="1218537"/>
+            <a:ext cx="1961246" cy="421258"/>
+          </a:xfrm>
+          <a:prstGeom prst="trapezoid">
+            <a:avLst/>
+          </a:prstGeom>
+          <a:solidFill>
+            <a:schemeClr val="accent2"/>
+          </a:solidFill>
+          <a:ln>
+            <a:noFill/>
+          </a:ln>
+        </p:spPr>
+        <p:style>
+          <a:lnRef idx="2">
+            <a:schemeClr val="accent1">
+              <a:shade val="15000"/>
+            </a:schemeClr>
+          </a:lnRef>
+          <a:fillRef idx="1">
+            <a:schemeClr val="accent1"/>
+          </a:fillRef>
+          <a:effectRef idx="0">
+            <a:schemeClr val="accent1"/>
+          </a:effectRef>
+          <a:fontRef idx="minor">
+            <a:schemeClr val="lt1"/>
+          </a:fontRef>
+        </p:style>
+        <p:txBody>
+          <a:bodyPr rtlCol="0" anchor="ctr"/>
+          <a:lstStyle/>
+          <a:p>
+            <a:pPr algn="ctr"/>
+            <a:r>
+              <a:rPr lang="en-US" sz="1000" dirty="0">
+                <a:latin typeface="Palatino Linotype" panose="02040502050505030304" pitchFamily="18" charset="0"/>
+              </a:rPr>
+              <a:t>Dense Layer</a:t>
+            </a:r>
+            <a:endParaRPr lang="en-GB" sz="1000" dirty="0">
+              <a:latin typeface="Palatino Linotype" panose="02040502050505030304" pitchFamily="18" charset="0"/>
+            </a:endParaRPr>
+          </a:p>
+        </p:txBody>
+      </p:sp>
+      <p:sp>
+        <p:nvSpPr>
+          <p:cNvPr id="25" name="Rectangle 24">
+            <a:extLst>
+              <a:ext uri="{FF2B5EF4-FFF2-40B4-BE49-F238E27FC236}">
+                <a16:creationId xmlns:a16="http://schemas.microsoft.com/office/drawing/2014/main" id="{86BEE0DF-EF89-EB37-2E96-19DD35956086}"/>
+              </a:ext>
+            </a:extLst>
+          </p:cNvPr>
+          <p:cNvSpPr/>
+          <p:nvPr/>
+        </p:nvSpPr>
+        <p:spPr>
+          <a:xfrm rot="16200000">
+            <a:off x="5693684" y="1283573"/>
+            <a:ext cx="1961246" cy="291186"/>
+          </a:xfrm>
+          <a:prstGeom prst="rect">
+            <a:avLst/>
+          </a:prstGeom>
+          <a:solidFill>
+            <a:schemeClr val="accent2"/>
+          </a:solidFill>
+          <a:ln>
+            <a:noFill/>
+          </a:ln>
+        </p:spPr>
+        <p:style>
+          <a:lnRef idx="2">
+            <a:schemeClr val="accent1">
+              <a:shade val="15000"/>
+            </a:schemeClr>
+          </a:lnRef>
+          <a:fillRef idx="1">
+            <a:schemeClr val="accent1"/>
+          </a:fillRef>
+          <a:effectRef idx="0">
+            <a:schemeClr val="accent1"/>
+          </a:effectRef>
+          <a:fontRef idx="minor">
+            <a:schemeClr val="lt1"/>
+          </a:fontRef>
+        </p:style>
+        <p:txBody>
+          <a:bodyPr rtlCol="0" anchor="ctr"/>
+          <a:lstStyle/>
+          <a:p>
+            <a:pPr algn="ctr"/>
+            <a:r>
+              <a:rPr lang="en-US" sz="1000" dirty="0">
+                <a:latin typeface="Palatino Linotype" panose="02040502050505030304" pitchFamily="18" charset="0"/>
+              </a:rPr>
+              <a:t>Reshape</a:t>
+            </a:r>
+            <a:endParaRPr lang="en-GB" sz="1000" dirty="0">
+              <a:latin typeface="Palatino Linotype" panose="02040502050505030304" pitchFamily="18" charset="0"/>
+            </a:endParaRPr>
+          </a:p>
+        </p:txBody>
+      </p:sp>
+      <p:sp>
+        <p:nvSpPr>
+          <p:cNvPr id="26" name="Rectangle 25">
+            <a:extLst>
+              <a:ext uri="{FF2B5EF4-FFF2-40B4-BE49-F238E27FC236}">
+                <a16:creationId xmlns:a16="http://schemas.microsoft.com/office/drawing/2014/main" id="{264A9BB5-F4DC-B4DD-9AF9-6D2DDEFEFC10}"/>
+              </a:ext>
+            </a:extLst>
+          </p:cNvPr>
+          <p:cNvSpPr/>
+          <p:nvPr/>
+        </p:nvSpPr>
+        <p:spPr>
+          <a:xfrm rot="16200000">
+            <a:off x="6062794" y="1283573"/>
+            <a:ext cx="1961246" cy="291186"/>
+          </a:xfrm>
+          <a:prstGeom prst="rect">
+            <a:avLst/>
+          </a:prstGeom>
+          <a:solidFill>
+            <a:schemeClr val="accent2"/>
+          </a:solidFill>
+          <a:ln>
+            <a:noFill/>
+          </a:ln>
+        </p:spPr>
+        <p:style>
+          <a:lnRef idx="2">
+            <a:schemeClr val="accent1">
+              <a:shade val="15000"/>
+            </a:schemeClr>
+          </a:lnRef>
+          <a:fillRef idx="1">
+            <a:schemeClr val="accent1"/>
+          </a:fillRef>
+          <a:effectRef idx="0">
+            <a:schemeClr val="accent1"/>
+          </a:effectRef>
+          <a:fontRef idx="minor">
+            <a:schemeClr val="lt1"/>
+          </a:fontRef>
+        </p:style>
+        <p:txBody>
+          <a:bodyPr rtlCol="0" anchor="ctr"/>
+          <a:lstStyle/>
+          <a:p>
+            <a:pPr algn="ctr"/>
+            <a:r>
+              <a:rPr lang="en-US" sz="1000" dirty="0">
+                <a:latin typeface="Palatino Linotype" panose="02040502050505030304" pitchFamily="18" charset="0"/>
+              </a:rPr>
+              <a:t>Transpose Convolutional Layer</a:t>
+            </a:r>
+            <a:endParaRPr lang="en-GB" sz="1000" dirty="0">
+              <a:latin typeface="Palatino Linotype" panose="02040502050505030304" pitchFamily="18" charset="0"/>
+            </a:endParaRPr>
+          </a:p>
+        </p:txBody>
+      </p:sp>
+      <p:sp>
+        <p:nvSpPr>
+          <p:cNvPr id="31" name="Rectangle 30">
+            <a:extLst>
+              <a:ext uri="{FF2B5EF4-FFF2-40B4-BE49-F238E27FC236}">
+                <a16:creationId xmlns:a16="http://schemas.microsoft.com/office/drawing/2014/main" id="{68B3276D-1403-BF36-5B9A-A8087944673B}"/>
+              </a:ext>
+            </a:extLst>
+          </p:cNvPr>
+          <p:cNvSpPr/>
+          <p:nvPr/>
+        </p:nvSpPr>
+        <p:spPr>
+          <a:xfrm rot="16200000">
+            <a:off x="6761973" y="1286592"/>
+            <a:ext cx="1961246" cy="291186"/>
+          </a:xfrm>
+          <a:prstGeom prst="rect">
+            <a:avLst/>
+          </a:prstGeom>
+          <a:solidFill>
+            <a:schemeClr val="accent2"/>
+          </a:solidFill>
+          <a:ln>
+            <a:noFill/>
+          </a:ln>
+        </p:spPr>
+        <p:style>
+          <a:lnRef idx="2">
+            <a:schemeClr val="accent1">
+              <a:shade val="15000"/>
+            </a:schemeClr>
+          </a:lnRef>
+          <a:fillRef idx="1">
+            <a:schemeClr val="accent1"/>
+          </a:fillRef>
+          <a:effectRef idx="0">
+            <a:schemeClr val="accent1"/>
+          </a:effectRef>
+          <a:fontRef idx="minor">
+            <a:schemeClr val="lt1"/>
+          </a:fontRef>
+        </p:style>
+        <p:txBody>
+          <a:bodyPr rtlCol="0" anchor="ctr"/>
+          <a:lstStyle/>
+          <a:p>
+            <a:pPr algn="ctr"/>
+            <a:r>
+              <a:rPr lang="en-US" sz="1000" dirty="0">
+                <a:latin typeface="Palatino Linotype" panose="02040502050505030304" pitchFamily="18" charset="0"/>
+              </a:rPr>
+              <a:t>Transpose Convolutional Layer</a:t>
+            </a:r>
+            <a:endParaRPr lang="en-GB" sz="1000" dirty="0">
+              <a:latin typeface="Palatino Linotype" panose="02040502050505030304" pitchFamily="18" charset="0"/>
+            </a:endParaRPr>
+          </a:p>
+        </p:txBody>
+      </p:sp>
+      <p:sp>
+        <p:nvSpPr>
+          <p:cNvPr id="32" name="TextBox 31">
+            <a:extLst>
+              <a:ext uri="{FF2B5EF4-FFF2-40B4-BE49-F238E27FC236}">
+                <a16:creationId xmlns:a16="http://schemas.microsoft.com/office/drawing/2014/main" id="{34AEDF69-B4E3-8D12-9A63-E6AF2CE421F9}"/>
+              </a:ext>
+            </a:extLst>
+          </p:cNvPr>
+          <p:cNvSpPr txBox="1"/>
+          <p:nvPr/>
+        </p:nvSpPr>
+        <p:spPr>
+          <a:xfrm>
+            <a:off x="6953937" y="1199876"/>
+            <a:ext cx="876300" cy="369332"/>
+          </a:xfrm>
+          <a:prstGeom prst="rect">
+            <a:avLst/>
+          </a:prstGeom>
+          <a:noFill/>
+        </p:spPr>
+        <p:txBody>
+          <a:bodyPr wrap="square" rtlCol="0">
+            <a:spAutoFit/>
+          </a:bodyPr>
+          <a:lstStyle/>
+          <a:p>
+            <a:pPr algn="ctr"/>
+            <a:r>
+              <a:rPr lang="en-US" b="1" dirty="0">
+                <a:latin typeface="Britannic Bold" panose="020B0903060703020204" pitchFamily="34" charset="0"/>
+              </a:rPr>
+              <a:t>…</a:t>
+            </a:r>
+            <a:endParaRPr lang="en-GB" b="1" dirty="0">
+              <a:latin typeface="Britannic Bold" panose="020B0903060703020204" pitchFamily="34" charset="0"/>
+            </a:endParaRPr>
+          </a:p>
+        </p:txBody>
+      </p:sp>
+      <p:sp>
+        <p:nvSpPr>
+          <p:cNvPr id="33" name="Rectangle 32">
+            <a:extLst>
+              <a:ext uri="{FF2B5EF4-FFF2-40B4-BE49-F238E27FC236}">
+                <a16:creationId xmlns:a16="http://schemas.microsoft.com/office/drawing/2014/main" id="{B5B2F92A-B862-62AA-A771-8E44260840FB}"/>
+              </a:ext>
+            </a:extLst>
+          </p:cNvPr>
+          <p:cNvSpPr/>
+          <p:nvPr/>
+        </p:nvSpPr>
+        <p:spPr>
+          <a:xfrm rot="16200000">
+            <a:off x="7126678" y="1282078"/>
+            <a:ext cx="1961246" cy="291186"/>
+          </a:xfrm>
+          <a:prstGeom prst="rect">
+            <a:avLst/>
+          </a:prstGeom>
+          <a:solidFill>
+            <a:schemeClr val="accent2"/>
+          </a:solidFill>
+          <a:ln>
+            <a:noFill/>
+          </a:ln>
+        </p:spPr>
+        <p:style>
+          <a:lnRef idx="2">
+            <a:schemeClr val="accent1">
+              <a:shade val="15000"/>
+            </a:schemeClr>
+          </a:lnRef>
+          <a:fillRef idx="1">
+            <a:schemeClr val="accent1"/>
+          </a:fillRef>
+          <a:effectRef idx="0">
+            <a:schemeClr val="accent1"/>
+          </a:effectRef>
+          <a:fontRef idx="minor">
+            <a:schemeClr val="lt1"/>
+          </a:fontRef>
+        </p:style>
+        <p:txBody>
+          <a:bodyPr rtlCol="0" anchor="ctr"/>
+          <a:lstStyle/>
+          <a:p>
+            <a:pPr algn="ctr"/>
+            <a:r>
+              <a:rPr lang="en-US" sz="1000" dirty="0">
+                <a:latin typeface="Palatino Linotype" panose="02040502050505030304" pitchFamily="18" charset="0"/>
+              </a:rPr>
+              <a:t>Flatten</a:t>
+            </a:r>
+            <a:endParaRPr lang="en-GB" sz="1000" dirty="0">
+              <a:latin typeface="Palatino Linotype" panose="02040502050505030304" pitchFamily="18" charset="0"/>
+            </a:endParaRPr>
+          </a:p>
+        </p:txBody>
+      </p:sp>
+      <p:sp>
+        <p:nvSpPr>
+          <p:cNvPr id="34" name="Rectangle 33">
+            <a:extLst>
+              <a:ext uri="{FF2B5EF4-FFF2-40B4-BE49-F238E27FC236}">
+                <a16:creationId xmlns:a16="http://schemas.microsoft.com/office/drawing/2014/main" id="{3E0A41AF-FF9B-1792-CB9D-5F942B7BC3D3}"/>
+              </a:ext>
+            </a:extLst>
+          </p:cNvPr>
+          <p:cNvSpPr/>
+          <p:nvPr/>
+        </p:nvSpPr>
+        <p:spPr>
+          <a:xfrm rot="16200000">
+            <a:off x="7478855" y="1280338"/>
+            <a:ext cx="1967715" cy="291186"/>
+          </a:xfrm>
+          <a:prstGeom prst="rect">
+            <a:avLst/>
+          </a:prstGeom>
+          <a:solidFill>
+            <a:schemeClr val="accent2"/>
+          </a:solidFill>
+          <a:ln>
+            <a:noFill/>
+          </a:ln>
+        </p:spPr>
+        <p:style>
+          <a:lnRef idx="2">
+            <a:schemeClr val="accent1">
+              <a:shade val="15000"/>
+            </a:schemeClr>
+          </a:lnRef>
+          <a:fillRef idx="1">
+            <a:schemeClr val="accent1"/>
+          </a:fillRef>
+          <a:effectRef idx="0">
+            <a:schemeClr val="accent1"/>
+          </a:effectRef>
+          <a:fontRef idx="minor">
+            <a:schemeClr val="lt1"/>
+          </a:fontRef>
+        </p:style>
+        <p:txBody>
+          <a:bodyPr rtlCol="0" anchor="ctr"/>
+          <a:lstStyle/>
+          <a:p>
+            <a:pPr algn="ctr"/>
+            <a:r>
+              <a:rPr lang="en-US" sz="1000" dirty="0">
+                <a:latin typeface="Palatino Linotype" panose="02040502050505030304" pitchFamily="18" charset="0"/>
+              </a:rPr>
+              <a:t>Dense Layer</a:t>
+            </a:r>
+            <a:endParaRPr lang="en-GB" sz="1000" dirty="0">
+              <a:latin typeface="Palatino Linotype" panose="02040502050505030304" pitchFamily="18" charset="0"/>
+            </a:endParaRPr>
+          </a:p>
+        </p:txBody>
+      </p:sp>
+      <p:sp>
+        <p:nvSpPr>
+          <p:cNvPr id="36" name="Rectangle 35">
+            <a:extLst>
+              <a:ext uri="{FF2B5EF4-FFF2-40B4-BE49-F238E27FC236}">
+                <a16:creationId xmlns:a16="http://schemas.microsoft.com/office/drawing/2014/main" id="{942C4C95-B723-8358-FD1B-B8A4AFF083AE}"/>
+              </a:ext>
+            </a:extLst>
+          </p:cNvPr>
+          <p:cNvSpPr/>
+          <p:nvPr/>
+        </p:nvSpPr>
+        <p:spPr>
+          <a:xfrm rot="16200000">
+            <a:off x="7843561" y="1280336"/>
+            <a:ext cx="1967715" cy="291189"/>
+          </a:xfrm>
+          <a:prstGeom prst="rect">
+            <a:avLst/>
+          </a:prstGeom>
+          <a:solidFill>
+            <a:schemeClr val="accent6">
+              <a:lumMod val="75000"/>
+            </a:schemeClr>
+          </a:solidFill>
+          <a:ln>
+            <a:noFill/>
+          </a:ln>
+        </p:spPr>
+        <p:style>
+          <a:lnRef idx="2">
+            <a:schemeClr val="accent1">
+              <a:shade val="15000"/>
+            </a:schemeClr>
+          </a:lnRef>
+          <a:fillRef idx="1">
+            <a:schemeClr val="accent1"/>
+          </a:fillRef>
+          <a:effectRef idx="0">
+            <a:schemeClr val="accent1"/>
+          </a:effectRef>
+          <a:fontRef idx="minor">
+            <a:schemeClr val="lt1"/>
+          </a:fontRef>
+        </p:style>
+        <p:txBody>
+          <a:bodyPr rtlCol="0" anchor="ctr"/>
+          <a:lstStyle/>
+          <a:p>
+            <a:pPr algn="ctr"/>
+            <a:r>
+              <a:rPr lang="en-US" sz="1200" b="1" dirty="0">
+                <a:latin typeface="Palatino Linotype" panose="02040502050505030304" pitchFamily="18" charset="0"/>
+              </a:rPr>
+              <a:t>Generated Image</a:t>
+            </a:r>
+            <a:endParaRPr lang="en-GB" sz="1200" b="1" dirty="0">
+              <a:latin typeface="Palatino Linotype" panose="02040502050505030304" pitchFamily="18" charset="0"/>
+            </a:endParaRPr>
+          </a:p>
+        </p:txBody>
+      </p:sp>
+    </p:spTree>
+    <p:extLst>
+      <p:ext uri="{BB962C8B-B14F-4D97-AF65-F5344CB8AC3E}">
+        <p14:creationId xmlns:p14="http://schemas.microsoft.com/office/powerpoint/2010/main" val="2079408007"/>
       </p:ext>
     </p:extLst>
   </p:cSld>

--- a/docs/Architectures.pptx
+++ b/docs/Architectures.pptx
@@ -5,13 +5,16 @@
     <p:sldMasterId id="2147483648" r:id="rId1"/>
   </p:sldMasterIdLst>
   <p:notesMasterIdLst>
-    <p:notesMasterId r:id="rId6"/>
+    <p:notesMasterId r:id="rId9"/>
   </p:notesMasterIdLst>
   <p:sldIdLst>
     <p:sldId id="256" r:id="rId2"/>
     <p:sldId id="257" r:id="rId3"/>
     <p:sldId id="258" r:id="rId4"/>
     <p:sldId id="259" r:id="rId5"/>
+    <p:sldId id="260" r:id="rId6"/>
+    <p:sldId id="261" r:id="rId7"/>
+    <p:sldId id="262" r:id="rId8"/>
   </p:sldIdLst>
   <p:sldSz cx="12192000" cy="6858000"/>
   <p:notesSz cx="6858000" cy="9144000"/>
@@ -200,7 +203,7 @@
           <a:p>
             <a:fld id="{692584DF-C865-4592-8ED7-B1F61CF9BAAD}" type="datetimeFigureOut">
               <a:rPr lang="en-GB" smtClean="0"/>
-              <a:t>11/08/2023</a:t>
+              <a:t>26/08/2023</a:t>
             </a:fld>
             <a:endParaRPr lang="en-GB"/>
           </a:p>
@@ -617,7 +620,7 @@
           <a:p>
             <a:fld id="{F329D50C-4BB7-4A90-83D6-4F26E5B1EE76}" type="datetimeFigureOut">
               <a:rPr lang="en-GB" smtClean="0"/>
-              <a:t>11/08/2023</a:t>
+              <a:t>26/08/2023</a:t>
             </a:fld>
             <a:endParaRPr lang="en-GB"/>
           </a:p>
@@ -817,7 +820,7 @@
           <a:p>
             <a:fld id="{F329D50C-4BB7-4A90-83D6-4F26E5B1EE76}" type="datetimeFigureOut">
               <a:rPr lang="en-GB" smtClean="0"/>
-              <a:t>11/08/2023</a:t>
+              <a:t>26/08/2023</a:t>
             </a:fld>
             <a:endParaRPr lang="en-GB"/>
           </a:p>
@@ -1027,7 +1030,7 @@
           <a:p>
             <a:fld id="{F329D50C-4BB7-4A90-83D6-4F26E5B1EE76}" type="datetimeFigureOut">
               <a:rPr lang="en-GB" smtClean="0"/>
-              <a:t>11/08/2023</a:t>
+              <a:t>26/08/2023</a:t>
             </a:fld>
             <a:endParaRPr lang="en-GB"/>
           </a:p>
@@ -1227,7 +1230,7 @@
           <a:p>
             <a:fld id="{F329D50C-4BB7-4A90-83D6-4F26E5B1EE76}" type="datetimeFigureOut">
               <a:rPr lang="en-GB" smtClean="0"/>
-              <a:t>11/08/2023</a:t>
+              <a:t>26/08/2023</a:t>
             </a:fld>
             <a:endParaRPr lang="en-GB"/>
           </a:p>
@@ -1503,7 +1506,7 @@
           <a:p>
             <a:fld id="{F329D50C-4BB7-4A90-83D6-4F26E5B1EE76}" type="datetimeFigureOut">
               <a:rPr lang="en-GB" smtClean="0"/>
-              <a:t>11/08/2023</a:t>
+              <a:t>26/08/2023</a:t>
             </a:fld>
             <a:endParaRPr lang="en-GB"/>
           </a:p>
@@ -1771,7 +1774,7 @@
           <a:p>
             <a:fld id="{F329D50C-4BB7-4A90-83D6-4F26E5B1EE76}" type="datetimeFigureOut">
               <a:rPr lang="en-GB" smtClean="0"/>
-              <a:t>11/08/2023</a:t>
+              <a:t>26/08/2023</a:t>
             </a:fld>
             <a:endParaRPr lang="en-GB"/>
           </a:p>
@@ -2186,7 +2189,7 @@
           <a:p>
             <a:fld id="{F329D50C-4BB7-4A90-83D6-4F26E5B1EE76}" type="datetimeFigureOut">
               <a:rPr lang="en-GB" smtClean="0"/>
-              <a:t>11/08/2023</a:t>
+              <a:t>26/08/2023</a:t>
             </a:fld>
             <a:endParaRPr lang="en-GB"/>
           </a:p>
@@ -2328,7 +2331,7 @@
           <a:p>
             <a:fld id="{F329D50C-4BB7-4A90-83D6-4F26E5B1EE76}" type="datetimeFigureOut">
               <a:rPr lang="en-GB" smtClean="0"/>
-              <a:t>11/08/2023</a:t>
+              <a:t>26/08/2023</a:t>
             </a:fld>
             <a:endParaRPr lang="en-GB"/>
           </a:p>
@@ -2441,7 +2444,7 @@
           <a:p>
             <a:fld id="{F329D50C-4BB7-4A90-83D6-4F26E5B1EE76}" type="datetimeFigureOut">
               <a:rPr lang="en-GB" smtClean="0"/>
-              <a:t>11/08/2023</a:t>
+              <a:t>26/08/2023</a:t>
             </a:fld>
             <a:endParaRPr lang="en-GB"/>
           </a:p>
@@ -2754,7 +2757,7 @@
           <a:p>
             <a:fld id="{F329D50C-4BB7-4A90-83D6-4F26E5B1EE76}" type="datetimeFigureOut">
               <a:rPr lang="en-GB" smtClean="0"/>
-              <a:t>11/08/2023</a:t>
+              <a:t>26/08/2023</a:t>
             </a:fld>
             <a:endParaRPr lang="en-GB"/>
           </a:p>
@@ -3043,7 +3046,7 @@
           <a:p>
             <a:fld id="{F329D50C-4BB7-4A90-83D6-4F26E5B1EE76}" type="datetimeFigureOut">
               <a:rPr lang="en-GB" smtClean="0"/>
-              <a:t>11/08/2023</a:t>
+              <a:t>26/08/2023</a:t>
             </a:fld>
             <a:endParaRPr lang="en-GB"/>
           </a:p>
@@ -3286,7 +3289,7 @@
           <a:p>
             <a:fld id="{F329D50C-4BB7-4A90-83D6-4F26E5B1EE76}" type="datetimeFigureOut">
               <a:rPr lang="en-GB" smtClean="0"/>
-              <a:t>11/08/2023</a:t>
+              <a:t>26/08/2023</a:t>
             </a:fld>
             <a:endParaRPr lang="en-GB"/>
           </a:p>
@@ -9579,6 +9582,5205 @@
     <p:extLst>
       <p:ext uri="{BB962C8B-B14F-4D97-AF65-F5344CB8AC3E}">
         <p14:creationId xmlns:p14="http://schemas.microsoft.com/office/powerpoint/2010/main" val="2079408007"/>
+      </p:ext>
+    </p:extLst>
+  </p:cSld>
+  <p:clrMapOvr>
+    <a:masterClrMapping/>
+  </p:clrMapOvr>
+</p:sld>
+</file>
+
+<file path=ppt/slides/slide5.xml><?xml version="1.0" encoding="utf-8"?>
+<p:sld xmlns:a="http://schemas.openxmlformats.org/drawingml/2006/main" xmlns:r="http://schemas.openxmlformats.org/officeDocument/2006/relationships" xmlns:p="http://schemas.openxmlformats.org/presentationml/2006/main">
+  <p:cSld>
+    <p:spTree>
+      <p:nvGrpSpPr>
+        <p:cNvPr id="1" name=""/>
+        <p:cNvGrpSpPr/>
+        <p:nvPr/>
+      </p:nvGrpSpPr>
+      <p:grpSpPr>
+        <a:xfrm>
+          <a:off x="0" y="0"/>
+          <a:ext cx="0" cy="0"/>
+          <a:chOff x="0" y="0"/>
+          <a:chExt cx="0" cy="0"/>
+        </a:xfrm>
+      </p:grpSpPr>
+      <p:sp>
+        <p:nvSpPr>
+          <p:cNvPr id="45" name="Rectangle: Rounded Corners 44">
+            <a:extLst>
+              <a:ext uri="{FF2B5EF4-FFF2-40B4-BE49-F238E27FC236}">
+                <a16:creationId xmlns:a16="http://schemas.microsoft.com/office/drawing/2014/main" id="{5BA2E718-5C3C-64A5-E2DA-25A1C3FE830C}"/>
+              </a:ext>
+            </a:extLst>
+          </p:cNvPr>
+          <p:cNvSpPr/>
+          <p:nvPr/>
+        </p:nvSpPr>
+        <p:spPr>
+          <a:xfrm>
+            <a:off x="95040" y="1423624"/>
+            <a:ext cx="6824327" cy="2868652"/>
+          </a:xfrm>
+          <a:prstGeom prst="roundRect">
+            <a:avLst>
+              <a:gd name="adj" fmla="val 3730"/>
+            </a:avLst>
+          </a:prstGeom>
+          <a:solidFill>
+            <a:schemeClr val="bg1"/>
+          </a:solidFill>
+          <a:ln w="38100">
+            <a:solidFill>
+              <a:schemeClr val="tx1"/>
+            </a:solidFill>
+          </a:ln>
+        </p:spPr>
+        <p:style>
+          <a:lnRef idx="2">
+            <a:schemeClr val="accent1">
+              <a:shade val="15000"/>
+            </a:schemeClr>
+          </a:lnRef>
+          <a:fillRef idx="1">
+            <a:schemeClr val="accent1"/>
+          </a:fillRef>
+          <a:effectRef idx="0">
+            <a:schemeClr val="accent1"/>
+          </a:effectRef>
+          <a:fontRef idx="minor">
+            <a:schemeClr val="lt1"/>
+          </a:fontRef>
+        </p:style>
+        <p:txBody>
+          <a:bodyPr rtlCol="0" anchor="ctr"/>
+          <a:lstStyle/>
+          <a:p>
+            <a:pPr algn="ctr"/>
+            <a:endParaRPr lang="en-GB"/>
+          </a:p>
+        </p:txBody>
+      </p:sp>
+      <p:sp>
+        <p:nvSpPr>
+          <p:cNvPr id="46" name="Rectangle: Rounded Corners 45">
+            <a:extLst>
+              <a:ext uri="{FF2B5EF4-FFF2-40B4-BE49-F238E27FC236}">
+                <a16:creationId xmlns:a16="http://schemas.microsoft.com/office/drawing/2014/main" id="{9D1F69EB-4B51-DAB9-09D2-5D1A5B933192}"/>
+              </a:ext>
+            </a:extLst>
+          </p:cNvPr>
+          <p:cNvSpPr/>
+          <p:nvPr/>
+        </p:nvSpPr>
+        <p:spPr>
+          <a:xfrm>
+            <a:off x="2448645" y="2541977"/>
+            <a:ext cx="863535" cy="461666"/>
+          </a:xfrm>
+          <a:prstGeom prst="roundRect">
+            <a:avLst/>
+          </a:prstGeom>
+          <a:solidFill>
+            <a:schemeClr val="tx1"/>
+          </a:solidFill>
+          <a:ln>
+            <a:noFill/>
+          </a:ln>
+        </p:spPr>
+        <p:style>
+          <a:lnRef idx="2">
+            <a:schemeClr val="accent1">
+              <a:shade val="15000"/>
+            </a:schemeClr>
+          </a:lnRef>
+          <a:fillRef idx="1">
+            <a:schemeClr val="accent1"/>
+          </a:fillRef>
+          <a:effectRef idx="0">
+            <a:schemeClr val="accent1"/>
+          </a:effectRef>
+          <a:fontRef idx="minor">
+            <a:schemeClr val="lt1"/>
+          </a:fontRef>
+        </p:style>
+        <p:txBody>
+          <a:bodyPr rtlCol="0" anchor="ctr"/>
+          <a:lstStyle/>
+          <a:p>
+            <a:pPr algn="ctr"/>
+            <a:endParaRPr lang="en-GB"/>
+          </a:p>
+        </p:txBody>
+      </p:sp>
+      <p:sp>
+        <p:nvSpPr>
+          <p:cNvPr id="48" name="TextBox 47">
+            <a:extLst>
+              <a:ext uri="{FF2B5EF4-FFF2-40B4-BE49-F238E27FC236}">
+                <a16:creationId xmlns:a16="http://schemas.microsoft.com/office/drawing/2014/main" id="{8F23E04D-AF97-0830-A733-0F4F75744AAB}"/>
+              </a:ext>
+            </a:extLst>
+          </p:cNvPr>
+          <p:cNvSpPr txBox="1"/>
+          <p:nvPr/>
+        </p:nvSpPr>
+        <p:spPr>
+          <a:xfrm>
+            <a:off x="956073" y="2480211"/>
+            <a:ext cx="1368348" cy="215444"/>
+          </a:xfrm>
+          <a:prstGeom prst="rect">
+            <a:avLst/>
+          </a:prstGeom>
+          <a:noFill/>
+        </p:spPr>
+        <p:txBody>
+          <a:bodyPr wrap="square">
+            <a:spAutoFit/>
+          </a:bodyPr>
+          <a:lstStyle/>
+          <a:p>
+            <a:pPr algn="ctr"/>
+            <a:r>
+              <a:rPr lang="en-GB" sz="800" b="1" i="0" dirty="0">
+                <a:effectLst/>
+                <a:latin typeface="Palatino Linotype" panose="02040502050505030304" pitchFamily="18" charset="0"/>
+              </a:rPr>
+              <a:t>SMILEs Representation</a:t>
+            </a:r>
+            <a:endParaRPr lang="en-GB" sz="800" b="1" dirty="0">
+              <a:latin typeface="Palatino Linotype" panose="02040502050505030304" pitchFamily="18" charset="0"/>
+            </a:endParaRPr>
+          </a:p>
+        </p:txBody>
+      </p:sp>
+      <p:sp>
+        <p:nvSpPr>
+          <p:cNvPr id="51" name="TextBox 50">
+            <a:extLst>
+              <a:ext uri="{FF2B5EF4-FFF2-40B4-BE49-F238E27FC236}">
+                <a16:creationId xmlns:a16="http://schemas.microsoft.com/office/drawing/2014/main" id="{94AF11A6-2218-12B0-D495-DC3AFF6CA1DD}"/>
+              </a:ext>
+            </a:extLst>
+          </p:cNvPr>
+          <p:cNvSpPr txBox="1"/>
+          <p:nvPr/>
+        </p:nvSpPr>
+        <p:spPr>
+          <a:xfrm>
+            <a:off x="2460704" y="2583855"/>
+            <a:ext cx="839415" cy="338554"/>
+          </a:xfrm>
+          <a:prstGeom prst="rect">
+            <a:avLst/>
+          </a:prstGeom>
+          <a:noFill/>
+        </p:spPr>
+        <p:txBody>
+          <a:bodyPr wrap="square">
+            <a:spAutoFit/>
+          </a:bodyPr>
+          <a:lstStyle/>
+          <a:p>
+            <a:pPr algn="ctr"/>
+            <a:r>
+              <a:rPr lang="en-GB" sz="800" b="1" i="0" dirty="0">
+                <a:solidFill>
+                  <a:schemeClr val="bg1"/>
+                </a:solidFill>
+                <a:effectLst/>
+                <a:latin typeface="Palatino Linotype" panose="02040502050505030304" pitchFamily="18" charset="0"/>
+              </a:rPr>
+              <a:t>ChemBERTa Model</a:t>
+            </a:r>
+            <a:endParaRPr lang="en-GB" sz="800" b="1" dirty="0">
+              <a:solidFill>
+                <a:schemeClr val="bg1"/>
+              </a:solidFill>
+              <a:latin typeface="Palatino Linotype" panose="02040502050505030304" pitchFamily="18" charset="0"/>
+            </a:endParaRPr>
+          </a:p>
+        </p:txBody>
+      </p:sp>
+      <p:sp>
+        <p:nvSpPr>
+          <p:cNvPr id="54" name="TextBox 53">
+            <a:extLst>
+              <a:ext uri="{FF2B5EF4-FFF2-40B4-BE49-F238E27FC236}">
+                <a16:creationId xmlns:a16="http://schemas.microsoft.com/office/drawing/2014/main" id="{36DB1135-E9FD-D328-2A2B-473A6212BFB2}"/>
+              </a:ext>
+            </a:extLst>
+          </p:cNvPr>
+          <p:cNvSpPr txBox="1"/>
+          <p:nvPr/>
+        </p:nvSpPr>
+        <p:spPr>
+          <a:xfrm>
+            <a:off x="121020" y="2634136"/>
+            <a:ext cx="700196" cy="338554"/>
+          </a:xfrm>
+          <a:prstGeom prst="rect">
+            <a:avLst/>
+          </a:prstGeom>
+          <a:noFill/>
+        </p:spPr>
+        <p:txBody>
+          <a:bodyPr wrap="square">
+            <a:spAutoFit/>
+          </a:bodyPr>
+          <a:lstStyle/>
+          <a:p>
+            <a:pPr algn="ctr"/>
+            <a:r>
+              <a:rPr lang="en-GB" sz="800" b="1" i="0" dirty="0">
+                <a:effectLst/>
+                <a:latin typeface="Palatino Linotype" panose="02040502050505030304" pitchFamily="18" charset="0"/>
+              </a:rPr>
+              <a:t>Chosen Molecule</a:t>
+            </a:r>
+            <a:endParaRPr lang="en-GB" sz="800" b="1" dirty="0">
+              <a:latin typeface="Palatino Linotype" panose="02040502050505030304" pitchFamily="18" charset="0"/>
+            </a:endParaRPr>
+          </a:p>
+        </p:txBody>
+      </p:sp>
+      <p:sp>
+        <p:nvSpPr>
+          <p:cNvPr id="55" name="Arrow: Right 54">
+            <a:extLst>
+              <a:ext uri="{FF2B5EF4-FFF2-40B4-BE49-F238E27FC236}">
+                <a16:creationId xmlns:a16="http://schemas.microsoft.com/office/drawing/2014/main" id="{26622AB4-5A0A-BF04-7667-13F3B7FA72D3}"/>
+              </a:ext>
+            </a:extLst>
+          </p:cNvPr>
+          <p:cNvSpPr/>
+          <p:nvPr/>
+        </p:nvSpPr>
+        <p:spPr>
+          <a:xfrm>
+            <a:off x="762911" y="3658834"/>
+            <a:ext cx="400961" cy="325455"/>
+          </a:xfrm>
+          <a:prstGeom prst="rightArrow">
+            <a:avLst>
+              <a:gd name="adj1" fmla="val 22241"/>
+              <a:gd name="adj2" fmla="val 34488"/>
+            </a:avLst>
+          </a:prstGeom>
+          <a:solidFill>
+            <a:schemeClr val="tx2">
+              <a:lumMod val="20000"/>
+              <a:lumOff val="80000"/>
+            </a:schemeClr>
+          </a:solidFill>
+        </p:spPr>
+        <p:style>
+          <a:lnRef idx="2">
+            <a:schemeClr val="accent1">
+              <a:shade val="15000"/>
+            </a:schemeClr>
+          </a:lnRef>
+          <a:fillRef idx="1">
+            <a:schemeClr val="accent1"/>
+          </a:fillRef>
+          <a:effectRef idx="0">
+            <a:schemeClr val="accent1"/>
+          </a:effectRef>
+          <a:fontRef idx="minor">
+            <a:schemeClr val="lt1"/>
+          </a:fontRef>
+        </p:style>
+        <p:txBody>
+          <a:bodyPr rtlCol="0" anchor="ctr"/>
+          <a:lstStyle/>
+          <a:p>
+            <a:pPr algn="ctr"/>
+            <a:endParaRPr lang="en-GB"/>
+          </a:p>
+        </p:txBody>
+      </p:sp>
+      <p:pic>
+        <p:nvPicPr>
+          <p:cNvPr id="56" name="Picture 55" descr="A screenshot of a cell phone&#10;&#10;Description automatically generated">
+            <a:extLst>
+              <a:ext uri="{FF2B5EF4-FFF2-40B4-BE49-F238E27FC236}">
+                <a16:creationId xmlns:a16="http://schemas.microsoft.com/office/drawing/2014/main" id="{B4764978-1972-F449-7D6F-F7A44209F886}"/>
+              </a:ext>
+            </a:extLst>
+          </p:cNvPr>
+          <p:cNvPicPr>
+            <a:picLocks noChangeAspect="1"/>
+          </p:cNvPicPr>
+          <p:nvPr/>
+        </p:nvPicPr>
+        <p:blipFill>
+          <a:blip r:embed="rId2">
+            <a:extLst>
+              <a:ext uri="{28A0092B-C50C-407E-A947-70E740481C1C}">
+                <a14:useLocalDpi xmlns:a14="http://schemas.microsoft.com/office/drawing/2010/main" val="0"/>
+              </a:ext>
+            </a:extLst>
+          </a:blip>
+          <a:stretch>
+            <a:fillRect/>
+          </a:stretch>
+        </p:blipFill>
+        <p:spPr>
+          <a:xfrm>
+            <a:off x="4003940" y="2530918"/>
+            <a:ext cx="344037" cy="622749"/>
+          </a:xfrm>
+          <a:prstGeom prst="rect">
+            <a:avLst/>
+          </a:prstGeom>
+        </p:spPr>
+      </p:pic>
+      <p:sp>
+        <p:nvSpPr>
+          <p:cNvPr id="57" name="Arrow: Right 56">
+            <a:extLst>
+              <a:ext uri="{FF2B5EF4-FFF2-40B4-BE49-F238E27FC236}">
+                <a16:creationId xmlns:a16="http://schemas.microsoft.com/office/drawing/2014/main" id="{7976B51B-48BC-6A4D-4BC8-9D0CD3951E18}"/>
+              </a:ext>
+            </a:extLst>
+          </p:cNvPr>
+          <p:cNvSpPr/>
+          <p:nvPr/>
+        </p:nvSpPr>
+        <p:spPr>
+          <a:xfrm>
+            <a:off x="2001910" y="2621509"/>
+            <a:ext cx="400961" cy="325455"/>
+          </a:xfrm>
+          <a:prstGeom prst="rightArrow">
+            <a:avLst>
+              <a:gd name="adj1" fmla="val 22241"/>
+              <a:gd name="adj2" fmla="val 34488"/>
+            </a:avLst>
+          </a:prstGeom>
+          <a:solidFill>
+            <a:schemeClr val="tx2">
+              <a:lumMod val="20000"/>
+              <a:lumOff val="80000"/>
+            </a:schemeClr>
+          </a:solidFill>
+        </p:spPr>
+        <p:style>
+          <a:lnRef idx="2">
+            <a:schemeClr val="accent1">
+              <a:shade val="15000"/>
+            </a:schemeClr>
+          </a:lnRef>
+          <a:fillRef idx="1">
+            <a:schemeClr val="accent1"/>
+          </a:fillRef>
+          <a:effectRef idx="0">
+            <a:schemeClr val="accent1"/>
+          </a:effectRef>
+          <a:fontRef idx="minor">
+            <a:schemeClr val="lt1"/>
+          </a:fontRef>
+        </p:style>
+        <p:txBody>
+          <a:bodyPr rtlCol="0" anchor="ctr"/>
+          <a:lstStyle/>
+          <a:p>
+            <a:pPr algn="ctr"/>
+            <a:endParaRPr lang="en-GB"/>
+          </a:p>
+        </p:txBody>
+      </p:sp>
+      <p:sp>
+        <p:nvSpPr>
+          <p:cNvPr id="59" name="Arrow: Right 58">
+            <a:extLst>
+              <a:ext uri="{FF2B5EF4-FFF2-40B4-BE49-F238E27FC236}">
+                <a16:creationId xmlns:a16="http://schemas.microsoft.com/office/drawing/2014/main" id="{BB229766-AA76-1D50-7126-D2310E7C0957}"/>
+              </a:ext>
+            </a:extLst>
+          </p:cNvPr>
+          <p:cNvSpPr/>
+          <p:nvPr/>
+        </p:nvSpPr>
+        <p:spPr>
+          <a:xfrm>
+            <a:off x="3404938" y="2627279"/>
+            <a:ext cx="488507" cy="325455"/>
+          </a:xfrm>
+          <a:prstGeom prst="rightArrow">
+            <a:avLst>
+              <a:gd name="adj1" fmla="val 22241"/>
+              <a:gd name="adj2" fmla="val 34488"/>
+            </a:avLst>
+          </a:prstGeom>
+          <a:solidFill>
+            <a:schemeClr val="tx2">
+              <a:lumMod val="20000"/>
+              <a:lumOff val="80000"/>
+            </a:schemeClr>
+          </a:solidFill>
+        </p:spPr>
+        <p:style>
+          <a:lnRef idx="2">
+            <a:schemeClr val="accent1">
+              <a:shade val="15000"/>
+            </a:schemeClr>
+          </a:lnRef>
+          <a:fillRef idx="1">
+            <a:schemeClr val="accent1"/>
+          </a:fillRef>
+          <a:effectRef idx="0">
+            <a:schemeClr val="accent1"/>
+          </a:effectRef>
+          <a:fontRef idx="minor">
+            <a:schemeClr val="lt1"/>
+          </a:fontRef>
+        </p:style>
+        <p:txBody>
+          <a:bodyPr rtlCol="0" anchor="ctr"/>
+          <a:lstStyle/>
+          <a:p>
+            <a:pPr algn="ctr"/>
+            <a:endParaRPr lang="en-GB"/>
+          </a:p>
+        </p:txBody>
+      </p:sp>
+      <p:sp>
+        <p:nvSpPr>
+          <p:cNvPr id="64" name="Rectangle: Rounded Corners 63">
+            <a:extLst>
+              <a:ext uri="{FF2B5EF4-FFF2-40B4-BE49-F238E27FC236}">
+                <a16:creationId xmlns:a16="http://schemas.microsoft.com/office/drawing/2014/main" id="{8382551D-16DB-5574-F234-492385A605FE}"/>
+              </a:ext>
+            </a:extLst>
+          </p:cNvPr>
+          <p:cNvSpPr/>
+          <p:nvPr/>
+        </p:nvSpPr>
+        <p:spPr>
+          <a:xfrm>
+            <a:off x="5539230" y="1513171"/>
+            <a:ext cx="1290393" cy="706114"/>
+          </a:xfrm>
+          <a:prstGeom prst="roundRect">
+            <a:avLst/>
+          </a:prstGeom>
+          <a:solidFill>
+            <a:schemeClr val="tx1"/>
+          </a:solidFill>
+          <a:ln>
+            <a:noFill/>
+          </a:ln>
+        </p:spPr>
+        <p:style>
+          <a:lnRef idx="2">
+            <a:schemeClr val="accent1">
+              <a:shade val="15000"/>
+            </a:schemeClr>
+          </a:lnRef>
+          <a:fillRef idx="1">
+            <a:schemeClr val="accent1"/>
+          </a:fillRef>
+          <a:effectRef idx="0">
+            <a:schemeClr val="accent1"/>
+          </a:effectRef>
+          <a:fontRef idx="minor">
+            <a:schemeClr val="lt1"/>
+          </a:fontRef>
+        </p:style>
+        <p:txBody>
+          <a:bodyPr rtlCol="0" anchor="ctr"/>
+          <a:lstStyle/>
+          <a:p>
+            <a:pPr algn="ctr"/>
+            <a:r>
+              <a:rPr lang="en-GB" sz="1400" b="1" i="0" dirty="0">
+                <a:solidFill>
+                  <a:schemeClr val="bg1"/>
+                </a:solidFill>
+                <a:effectLst/>
+                <a:latin typeface="Palatino Linotype" panose="02040502050505030304" pitchFamily="18" charset="0"/>
+              </a:rPr>
+              <a:t>Conditions</a:t>
+            </a:r>
+            <a:endParaRPr lang="en-GB" sz="1400" dirty="0"/>
+          </a:p>
+        </p:txBody>
+      </p:sp>
+      <p:sp>
+        <p:nvSpPr>
+          <p:cNvPr id="68" name="TextBox 67">
+            <a:extLst>
+              <a:ext uri="{FF2B5EF4-FFF2-40B4-BE49-F238E27FC236}">
+                <a16:creationId xmlns:a16="http://schemas.microsoft.com/office/drawing/2014/main" id="{D05ECAB7-BEF9-6A3A-94B0-C41C1F067A88}"/>
+              </a:ext>
+            </a:extLst>
+          </p:cNvPr>
+          <p:cNvSpPr txBox="1"/>
+          <p:nvPr/>
+        </p:nvSpPr>
+        <p:spPr>
+          <a:xfrm>
+            <a:off x="138318" y="3686557"/>
+            <a:ext cx="700197" cy="461665"/>
+          </a:xfrm>
+          <a:prstGeom prst="rect">
+            <a:avLst/>
+          </a:prstGeom>
+          <a:noFill/>
+        </p:spPr>
+        <p:txBody>
+          <a:bodyPr wrap="square">
+            <a:spAutoFit/>
+          </a:bodyPr>
+          <a:lstStyle/>
+          <a:p>
+            <a:r>
+              <a:rPr lang="pt-BR" sz="800" b="0" i="0" u="none" strike="noStrike" dirty="0">
+                <a:solidFill>
+                  <a:srgbClr val="000000"/>
+                </a:solidFill>
+                <a:effectLst/>
+                <a:latin typeface="Palatino Linotype" panose="02040502050505030304" pitchFamily="18" charset="0"/>
+              </a:rPr>
+              <a:t>CN1N</a:t>
+            </a:r>
+            <a:r>
+              <a:rPr lang="pt-BR" sz="800" dirty="0">
+                <a:solidFill>
+                  <a:srgbClr val="000000"/>
+                </a:solidFill>
+                <a:latin typeface="Palatino Linotype" panose="02040502050505030304" pitchFamily="18" charset="0"/>
+              </a:rPr>
+              <a:t>....</a:t>
+            </a:r>
+            <a:r>
+              <a:rPr lang="pt-BR" sz="800" b="0" i="0" u="none" strike="noStrike" dirty="0">
+                <a:solidFill>
+                  <a:srgbClr val="000000"/>
+                </a:solidFill>
+                <a:effectLst/>
+                <a:latin typeface="Palatino Linotype" panose="02040502050505030304" pitchFamily="18" charset="0"/>
+              </a:rPr>
+              <a:t>N(C)N(c2ccccc2)C1=O</a:t>
+            </a:r>
+            <a:r>
+              <a:rPr lang="pt-BR" sz="800" dirty="0">
+                <a:latin typeface="Palatino Linotype" panose="02040502050505030304" pitchFamily="18" charset="0"/>
+              </a:rPr>
+              <a:t> </a:t>
+            </a:r>
+            <a:endParaRPr lang="en-GB" sz="800" dirty="0">
+              <a:latin typeface="Palatino Linotype" panose="02040502050505030304" pitchFamily="18" charset="0"/>
+            </a:endParaRPr>
+          </a:p>
+        </p:txBody>
+      </p:sp>
+      <p:sp>
+        <p:nvSpPr>
+          <p:cNvPr id="69" name="TextBox 68">
+            <a:extLst>
+              <a:ext uri="{FF2B5EF4-FFF2-40B4-BE49-F238E27FC236}">
+                <a16:creationId xmlns:a16="http://schemas.microsoft.com/office/drawing/2014/main" id="{691D9AB5-03BD-FA7F-5767-0042D854750A}"/>
+              </a:ext>
+            </a:extLst>
+          </p:cNvPr>
+          <p:cNvSpPr txBox="1"/>
+          <p:nvPr/>
+        </p:nvSpPr>
+        <p:spPr>
+          <a:xfrm>
+            <a:off x="1172063" y="2631910"/>
+            <a:ext cx="925734" cy="461665"/>
+          </a:xfrm>
+          <a:prstGeom prst="rect">
+            <a:avLst/>
+          </a:prstGeom>
+          <a:noFill/>
+        </p:spPr>
+        <p:txBody>
+          <a:bodyPr wrap="square">
+            <a:spAutoFit/>
+          </a:bodyPr>
+          <a:lstStyle/>
+          <a:p>
+            <a:r>
+              <a:rPr lang="pt-BR" sz="800" b="0" i="0" u="none" strike="noStrike" dirty="0">
+                <a:solidFill>
+                  <a:srgbClr val="000000"/>
+                </a:solidFill>
+                <a:effectLst/>
+                <a:latin typeface="Palatino Linotype" panose="02040502050505030304" pitchFamily="18" charset="0"/>
+              </a:rPr>
+              <a:t>CN1N(c2ccccc2)C(=O)...N(C)N(c2ccccc2)C1=O</a:t>
+            </a:r>
+            <a:r>
+              <a:rPr lang="pt-BR" sz="800" dirty="0">
+                <a:latin typeface="Palatino Linotype" panose="02040502050505030304" pitchFamily="18" charset="0"/>
+              </a:rPr>
+              <a:t> </a:t>
+            </a:r>
+            <a:endParaRPr lang="en-GB" sz="800" dirty="0">
+              <a:latin typeface="Palatino Linotype" panose="02040502050505030304" pitchFamily="18" charset="0"/>
+            </a:endParaRPr>
+          </a:p>
+        </p:txBody>
+      </p:sp>
+      <p:sp>
+        <p:nvSpPr>
+          <p:cNvPr id="71" name="Arrow: Right 70">
+            <a:extLst>
+              <a:ext uri="{FF2B5EF4-FFF2-40B4-BE49-F238E27FC236}">
+                <a16:creationId xmlns:a16="http://schemas.microsoft.com/office/drawing/2014/main" id="{0C1C1856-5DE9-BA23-3321-8EB36A23C1AF}"/>
+              </a:ext>
+            </a:extLst>
+          </p:cNvPr>
+          <p:cNvSpPr/>
+          <p:nvPr/>
+        </p:nvSpPr>
+        <p:spPr>
+          <a:xfrm>
+            <a:off x="766533" y="2664376"/>
+            <a:ext cx="400961" cy="325455"/>
+          </a:xfrm>
+          <a:prstGeom prst="rightArrow">
+            <a:avLst>
+              <a:gd name="adj1" fmla="val 22241"/>
+              <a:gd name="adj2" fmla="val 34488"/>
+            </a:avLst>
+          </a:prstGeom>
+          <a:solidFill>
+            <a:schemeClr val="tx2">
+              <a:lumMod val="20000"/>
+              <a:lumOff val="80000"/>
+            </a:schemeClr>
+          </a:solidFill>
+        </p:spPr>
+        <p:style>
+          <a:lnRef idx="2">
+            <a:schemeClr val="accent1">
+              <a:shade val="15000"/>
+            </a:schemeClr>
+          </a:lnRef>
+          <a:fillRef idx="1">
+            <a:schemeClr val="accent1"/>
+          </a:fillRef>
+          <a:effectRef idx="0">
+            <a:schemeClr val="accent1"/>
+          </a:effectRef>
+          <a:fontRef idx="minor">
+            <a:schemeClr val="lt1"/>
+          </a:fontRef>
+        </p:style>
+        <p:txBody>
+          <a:bodyPr rtlCol="0" anchor="ctr"/>
+          <a:lstStyle/>
+          <a:p>
+            <a:pPr algn="ctr"/>
+            <a:endParaRPr lang="en-GB"/>
+          </a:p>
+        </p:txBody>
+      </p:sp>
+      <p:sp>
+        <p:nvSpPr>
+          <p:cNvPr id="72" name="TextBox 71">
+            <a:extLst>
+              <a:ext uri="{FF2B5EF4-FFF2-40B4-BE49-F238E27FC236}">
+                <a16:creationId xmlns:a16="http://schemas.microsoft.com/office/drawing/2014/main" id="{83611F03-83BD-3A1B-5FBD-E52B7C65D1EF}"/>
+              </a:ext>
+            </a:extLst>
+          </p:cNvPr>
+          <p:cNvSpPr txBox="1"/>
+          <p:nvPr/>
+        </p:nvSpPr>
+        <p:spPr>
+          <a:xfrm>
+            <a:off x="128339" y="3405465"/>
+            <a:ext cx="700196" cy="338554"/>
+          </a:xfrm>
+          <a:prstGeom prst="rect">
+            <a:avLst/>
+          </a:prstGeom>
+          <a:noFill/>
+        </p:spPr>
+        <p:txBody>
+          <a:bodyPr wrap="square">
+            <a:spAutoFit/>
+          </a:bodyPr>
+          <a:lstStyle/>
+          <a:p>
+            <a:pPr algn="ctr"/>
+            <a:r>
+              <a:rPr lang="en-GB" sz="800" b="1" i="0" dirty="0">
+                <a:effectLst/>
+                <a:latin typeface="Palatino Linotype" panose="02040502050505030304" pitchFamily="18" charset="0"/>
+              </a:rPr>
+              <a:t>Chosen Molecule</a:t>
+            </a:r>
+            <a:endParaRPr lang="en-GB" sz="800" b="1" dirty="0">
+              <a:latin typeface="Palatino Linotype" panose="02040502050505030304" pitchFamily="18" charset="0"/>
+            </a:endParaRPr>
+          </a:p>
+        </p:txBody>
+      </p:sp>
+      <p:pic>
+        <p:nvPicPr>
+          <p:cNvPr id="73" name="Picture 72" descr="A structure of a molecule&#10;&#10;Description automatically generated">
+            <a:extLst>
+              <a:ext uri="{FF2B5EF4-FFF2-40B4-BE49-F238E27FC236}">
+                <a16:creationId xmlns:a16="http://schemas.microsoft.com/office/drawing/2014/main" id="{734AAB34-050D-E6EE-7DF8-5A3AA31D7D45}"/>
+              </a:ext>
+            </a:extLst>
+          </p:cNvPr>
+          <p:cNvPicPr>
+            <a:picLocks noChangeAspect="1"/>
+          </p:cNvPicPr>
+          <p:nvPr/>
+        </p:nvPicPr>
+        <p:blipFill rotWithShape="1">
+          <a:blip r:embed="rId3">
+            <a:extLst>
+              <a:ext uri="{28A0092B-C50C-407E-A947-70E740481C1C}">
+                <a14:useLocalDpi xmlns:a14="http://schemas.microsoft.com/office/drawing/2010/main" val="0"/>
+              </a:ext>
+            </a:extLst>
+          </a:blip>
+          <a:srcRect l="15220" t="32363" r="14242" b="31524"/>
+          <a:stretch/>
+        </p:blipFill>
+        <p:spPr>
+          <a:xfrm>
+            <a:off x="1201792" y="3626915"/>
+            <a:ext cx="760377" cy="389291"/>
+          </a:xfrm>
+          <a:prstGeom prst="rect">
+            <a:avLst/>
+          </a:prstGeom>
+          <a:ln>
+            <a:solidFill>
+              <a:schemeClr val="tx1"/>
+            </a:solidFill>
+          </a:ln>
+        </p:spPr>
+      </p:pic>
+      <p:sp>
+        <p:nvSpPr>
+          <p:cNvPr id="74" name="TextBox 73">
+            <a:extLst>
+              <a:ext uri="{FF2B5EF4-FFF2-40B4-BE49-F238E27FC236}">
+                <a16:creationId xmlns:a16="http://schemas.microsoft.com/office/drawing/2014/main" id="{676A836D-E2D6-8B08-1BB6-36C74553555E}"/>
+              </a:ext>
+            </a:extLst>
+          </p:cNvPr>
+          <p:cNvSpPr txBox="1"/>
+          <p:nvPr/>
+        </p:nvSpPr>
+        <p:spPr>
+          <a:xfrm>
+            <a:off x="742718" y="3416278"/>
+            <a:ext cx="1799062" cy="215444"/>
+          </a:xfrm>
+          <a:prstGeom prst="rect">
+            <a:avLst/>
+          </a:prstGeom>
+          <a:noFill/>
+        </p:spPr>
+        <p:txBody>
+          <a:bodyPr wrap="square">
+            <a:spAutoFit/>
+          </a:bodyPr>
+          <a:lstStyle/>
+          <a:p>
+            <a:pPr algn="ctr"/>
+            <a:r>
+              <a:rPr lang="en-GB" sz="800" b="1" i="0" dirty="0" err="1">
+                <a:effectLst/>
+                <a:latin typeface="Palatino Linotype" panose="02040502050505030304" pitchFamily="18" charset="0"/>
+              </a:rPr>
+              <a:t>RDKit</a:t>
+            </a:r>
+            <a:r>
+              <a:rPr lang="en-GB" sz="800" b="1" i="0" dirty="0">
+                <a:effectLst/>
+                <a:latin typeface="Palatino Linotype" panose="02040502050505030304" pitchFamily="18" charset="0"/>
+              </a:rPr>
+              <a:t> Smiles -&gt; Mol -&gt; Skeleton</a:t>
+            </a:r>
+            <a:endParaRPr lang="en-GB" sz="800" b="1" dirty="0">
+              <a:latin typeface="Palatino Linotype" panose="02040502050505030304" pitchFamily="18" charset="0"/>
+            </a:endParaRPr>
+          </a:p>
+        </p:txBody>
+      </p:sp>
+      <p:sp>
+        <p:nvSpPr>
+          <p:cNvPr id="75" name="Arrow: Right 74">
+            <a:extLst>
+              <a:ext uri="{FF2B5EF4-FFF2-40B4-BE49-F238E27FC236}">
+                <a16:creationId xmlns:a16="http://schemas.microsoft.com/office/drawing/2014/main" id="{4CC10490-1833-D117-0B71-62FD20570088}"/>
+              </a:ext>
+            </a:extLst>
+          </p:cNvPr>
+          <p:cNvSpPr/>
+          <p:nvPr/>
+        </p:nvSpPr>
+        <p:spPr>
+          <a:xfrm>
+            <a:off x="2009550" y="3639107"/>
+            <a:ext cx="400961" cy="325455"/>
+          </a:xfrm>
+          <a:prstGeom prst="rightArrow">
+            <a:avLst>
+              <a:gd name="adj1" fmla="val 22241"/>
+              <a:gd name="adj2" fmla="val 34488"/>
+            </a:avLst>
+          </a:prstGeom>
+          <a:solidFill>
+            <a:schemeClr val="tx2">
+              <a:lumMod val="20000"/>
+              <a:lumOff val="80000"/>
+            </a:schemeClr>
+          </a:solidFill>
+        </p:spPr>
+        <p:style>
+          <a:lnRef idx="2">
+            <a:schemeClr val="accent1">
+              <a:shade val="15000"/>
+            </a:schemeClr>
+          </a:lnRef>
+          <a:fillRef idx="1">
+            <a:schemeClr val="accent1"/>
+          </a:fillRef>
+          <a:effectRef idx="0">
+            <a:schemeClr val="accent1"/>
+          </a:effectRef>
+          <a:fontRef idx="minor">
+            <a:schemeClr val="lt1"/>
+          </a:fontRef>
+        </p:style>
+        <p:txBody>
+          <a:bodyPr rtlCol="0" anchor="ctr"/>
+          <a:lstStyle/>
+          <a:p>
+            <a:pPr algn="ctr"/>
+            <a:endParaRPr lang="en-GB"/>
+          </a:p>
+        </p:txBody>
+      </p:sp>
+      <p:pic>
+        <p:nvPicPr>
+          <p:cNvPr id="76" name="Picture 75">
+            <a:extLst>
+              <a:ext uri="{FF2B5EF4-FFF2-40B4-BE49-F238E27FC236}">
+                <a16:creationId xmlns:a16="http://schemas.microsoft.com/office/drawing/2014/main" id="{23540729-7868-6F74-631C-E8A08EEA58DF}"/>
+              </a:ext>
+            </a:extLst>
+          </p:cNvPr>
+          <p:cNvPicPr>
+            <a:picLocks noChangeAspect="1"/>
+          </p:cNvPicPr>
+          <p:nvPr/>
+        </p:nvPicPr>
+        <p:blipFill rotWithShape="1">
+          <a:blip r:embed="rId4"/>
+          <a:srcRect r="26435"/>
+          <a:stretch/>
+        </p:blipFill>
+        <p:spPr>
+          <a:xfrm>
+            <a:off x="2426348" y="3525819"/>
+            <a:ext cx="942466" cy="635803"/>
+          </a:xfrm>
+          <a:prstGeom prst="rect">
+            <a:avLst/>
+          </a:prstGeom>
+        </p:spPr>
+      </p:pic>
+      <p:sp>
+        <p:nvSpPr>
+          <p:cNvPr id="77" name="TextBox 76">
+            <a:extLst>
+              <a:ext uri="{FF2B5EF4-FFF2-40B4-BE49-F238E27FC236}">
+                <a16:creationId xmlns:a16="http://schemas.microsoft.com/office/drawing/2014/main" id="{0064D295-1695-7ED9-734D-E045F1AB618F}"/>
+              </a:ext>
+            </a:extLst>
+          </p:cNvPr>
+          <p:cNvSpPr txBox="1"/>
+          <p:nvPr/>
+        </p:nvSpPr>
+        <p:spPr>
+          <a:xfrm>
+            <a:off x="2410511" y="3336863"/>
+            <a:ext cx="1000346" cy="215444"/>
+          </a:xfrm>
+          <a:prstGeom prst="rect">
+            <a:avLst/>
+          </a:prstGeom>
+          <a:noFill/>
+        </p:spPr>
+        <p:txBody>
+          <a:bodyPr wrap="square">
+            <a:spAutoFit/>
+          </a:bodyPr>
+          <a:lstStyle/>
+          <a:p>
+            <a:pPr algn="ctr"/>
+            <a:r>
+              <a:rPr lang="en-US" sz="800" b="1" dirty="0">
+                <a:latin typeface="Palatino Linotype" panose="02040502050505030304" pitchFamily="18" charset="0"/>
+              </a:rPr>
+              <a:t>S</a:t>
+            </a:r>
+            <a:r>
+              <a:rPr lang="en-GB" sz="800" b="1" dirty="0" err="1">
+                <a:latin typeface="Palatino Linotype" panose="02040502050505030304" pitchFamily="18" charset="0"/>
+              </a:rPr>
+              <a:t>tandardisation</a:t>
+            </a:r>
+            <a:endParaRPr lang="en-GB" sz="800" b="1" dirty="0">
+              <a:latin typeface="Palatino Linotype" panose="02040502050505030304" pitchFamily="18" charset="0"/>
+            </a:endParaRPr>
+          </a:p>
+        </p:txBody>
+      </p:sp>
+      <p:sp>
+        <p:nvSpPr>
+          <p:cNvPr id="78" name="Arrow: Right 77">
+            <a:extLst>
+              <a:ext uri="{FF2B5EF4-FFF2-40B4-BE49-F238E27FC236}">
+                <a16:creationId xmlns:a16="http://schemas.microsoft.com/office/drawing/2014/main" id="{61BE89F9-4495-1301-97D3-725A039D75E8}"/>
+              </a:ext>
+            </a:extLst>
+          </p:cNvPr>
+          <p:cNvSpPr/>
+          <p:nvPr/>
+        </p:nvSpPr>
+        <p:spPr>
+          <a:xfrm>
+            <a:off x="3396400" y="3635418"/>
+            <a:ext cx="400961" cy="325455"/>
+          </a:xfrm>
+          <a:prstGeom prst="rightArrow">
+            <a:avLst>
+              <a:gd name="adj1" fmla="val 22241"/>
+              <a:gd name="adj2" fmla="val 34488"/>
+            </a:avLst>
+          </a:prstGeom>
+          <a:solidFill>
+            <a:schemeClr val="tx2">
+              <a:lumMod val="20000"/>
+              <a:lumOff val="80000"/>
+            </a:schemeClr>
+          </a:solidFill>
+        </p:spPr>
+        <p:style>
+          <a:lnRef idx="2">
+            <a:schemeClr val="accent1">
+              <a:shade val="15000"/>
+            </a:schemeClr>
+          </a:lnRef>
+          <a:fillRef idx="1">
+            <a:schemeClr val="accent1"/>
+          </a:fillRef>
+          <a:effectRef idx="0">
+            <a:schemeClr val="accent1"/>
+          </a:effectRef>
+          <a:fontRef idx="minor">
+            <a:schemeClr val="lt1"/>
+          </a:fontRef>
+        </p:style>
+        <p:txBody>
+          <a:bodyPr rtlCol="0" anchor="ctr"/>
+          <a:lstStyle/>
+          <a:p>
+            <a:pPr algn="ctr"/>
+            <a:endParaRPr lang="en-GB"/>
+          </a:p>
+        </p:txBody>
+      </p:sp>
+      <p:pic>
+        <p:nvPicPr>
+          <p:cNvPr id="79" name="Picture 78" descr="A structure of a molecule&#10;&#10;Description automatically generated">
+            <a:extLst>
+              <a:ext uri="{FF2B5EF4-FFF2-40B4-BE49-F238E27FC236}">
+                <a16:creationId xmlns:a16="http://schemas.microsoft.com/office/drawing/2014/main" id="{48046FFD-49AE-907A-64F8-B97737CB5374}"/>
+              </a:ext>
+            </a:extLst>
+          </p:cNvPr>
+          <p:cNvPicPr>
+            <a:picLocks noChangeAspect="1"/>
+          </p:cNvPicPr>
+          <p:nvPr/>
+        </p:nvPicPr>
+        <p:blipFill>
+          <a:blip r:embed="rId3">
+            <a:extLst>
+              <a:ext uri="{28A0092B-C50C-407E-A947-70E740481C1C}">
+                <a14:useLocalDpi xmlns:a14="http://schemas.microsoft.com/office/drawing/2010/main" val="0"/>
+              </a:ext>
+            </a:extLst>
+          </a:blip>
+          <a:stretch>
+            <a:fillRect/>
+          </a:stretch>
+        </p:blipFill>
+        <p:spPr>
+          <a:xfrm>
+            <a:off x="3828950" y="3489963"/>
+            <a:ext cx="689337" cy="689337"/>
+          </a:xfrm>
+          <a:prstGeom prst="rect">
+            <a:avLst/>
+          </a:prstGeom>
+          <a:ln>
+            <a:solidFill>
+              <a:schemeClr val="tx1"/>
+            </a:solidFill>
+          </a:ln>
+        </p:spPr>
+      </p:pic>
+      <p:sp>
+        <p:nvSpPr>
+          <p:cNvPr id="80" name="TextBox 79">
+            <a:extLst>
+              <a:ext uri="{FF2B5EF4-FFF2-40B4-BE49-F238E27FC236}">
+                <a16:creationId xmlns:a16="http://schemas.microsoft.com/office/drawing/2014/main" id="{2F6CE058-D24B-C568-677F-4536634E2AEC}"/>
+              </a:ext>
+            </a:extLst>
+          </p:cNvPr>
+          <p:cNvSpPr txBox="1"/>
+          <p:nvPr/>
+        </p:nvSpPr>
+        <p:spPr>
+          <a:xfrm>
+            <a:off x="3405021" y="3294539"/>
+            <a:ext cx="1568402" cy="215444"/>
+          </a:xfrm>
+          <a:prstGeom prst="rect">
+            <a:avLst/>
+          </a:prstGeom>
+          <a:noFill/>
+        </p:spPr>
+        <p:txBody>
+          <a:bodyPr wrap="square">
+            <a:spAutoFit/>
+          </a:bodyPr>
+          <a:lstStyle/>
+          <a:p>
+            <a:pPr algn="ctr"/>
+            <a:r>
+              <a:rPr lang="en-US" sz="800" b="1" dirty="0">
+                <a:latin typeface="Palatino Linotype" panose="02040502050505030304" pitchFamily="18" charset="0"/>
+              </a:rPr>
+              <a:t>S</a:t>
+            </a:r>
+            <a:r>
+              <a:rPr lang="en-GB" sz="800" b="1" dirty="0" err="1">
+                <a:latin typeface="Palatino Linotype" panose="02040502050505030304" pitchFamily="18" charset="0"/>
+              </a:rPr>
+              <a:t>keleton</a:t>
+            </a:r>
+            <a:r>
+              <a:rPr lang="en-GB" sz="800" b="1" dirty="0">
+                <a:latin typeface="Palatino Linotype" panose="02040502050505030304" pitchFamily="18" charset="0"/>
+              </a:rPr>
+              <a:t> Image Generated</a:t>
+            </a:r>
+          </a:p>
+        </p:txBody>
+      </p:sp>
+      <p:sp>
+        <p:nvSpPr>
+          <p:cNvPr id="82" name="Rectangle: Rounded Corners 81">
+            <a:extLst>
+              <a:ext uri="{FF2B5EF4-FFF2-40B4-BE49-F238E27FC236}">
+                <a16:creationId xmlns:a16="http://schemas.microsoft.com/office/drawing/2014/main" id="{34211223-7676-7075-E71C-337CD4214296}"/>
+              </a:ext>
+            </a:extLst>
+          </p:cNvPr>
+          <p:cNvSpPr/>
+          <p:nvPr/>
+        </p:nvSpPr>
+        <p:spPr>
+          <a:xfrm>
+            <a:off x="95039" y="105155"/>
+            <a:ext cx="6824327" cy="1141272"/>
+          </a:xfrm>
+          <a:prstGeom prst="roundRect">
+            <a:avLst>
+              <a:gd name="adj" fmla="val 3730"/>
+            </a:avLst>
+          </a:prstGeom>
+          <a:solidFill>
+            <a:schemeClr val="bg1"/>
+          </a:solidFill>
+          <a:ln w="38100">
+            <a:solidFill>
+              <a:schemeClr val="tx1"/>
+            </a:solidFill>
+          </a:ln>
+        </p:spPr>
+        <p:style>
+          <a:lnRef idx="2">
+            <a:schemeClr val="accent1">
+              <a:shade val="15000"/>
+            </a:schemeClr>
+          </a:lnRef>
+          <a:fillRef idx="1">
+            <a:schemeClr val="accent1"/>
+          </a:fillRef>
+          <a:effectRef idx="0">
+            <a:schemeClr val="accent1"/>
+          </a:effectRef>
+          <a:fontRef idx="minor">
+            <a:schemeClr val="lt1"/>
+          </a:fontRef>
+        </p:style>
+        <p:txBody>
+          <a:bodyPr rtlCol="0" anchor="ctr"/>
+          <a:lstStyle/>
+          <a:p>
+            <a:pPr algn="ctr"/>
+            <a:endParaRPr lang="en-GB"/>
+          </a:p>
+        </p:txBody>
+      </p:sp>
+      <p:sp>
+        <p:nvSpPr>
+          <p:cNvPr id="83" name="Rectangle: Rounded Corners 82">
+            <a:extLst>
+              <a:ext uri="{FF2B5EF4-FFF2-40B4-BE49-F238E27FC236}">
+                <a16:creationId xmlns:a16="http://schemas.microsoft.com/office/drawing/2014/main" id="{0FFB7ACC-F927-25B7-9BB3-C2C484F41804}"/>
+              </a:ext>
+            </a:extLst>
+          </p:cNvPr>
+          <p:cNvSpPr/>
+          <p:nvPr/>
+        </p:nvSpPr>
+        <p:spPr>
+          <a:xfrm>
+            <a:off x="5362776" y="227880"/>
+            <a:ext cx="1407917" cy="816060"/>
+          </a:xfrm>
+          <a:prstGeom prst="roundRect">
+            <a:avLst/>
+          </a:prstGeom>
+          <a:solidFill>
+            <a:schemeClr val="tx1"/>
+          </a:solidFill>
+          <a:ln>
+            <a:noFill/>
+          </a:ln>
+        </p:spPr>
+        <p:style>
+          <a:lnRef idx="2">
+            <a:schemeClr val="accent1">
+              <a:shade val="15000"/>
+            </a:schemeClr>
+          </a:lnRef>
+          <a:fillRef idx="1">
+            <a:schemeClr val="accent1"/>
+          </a:fillRef>
+          <a:effectRef idx="0">
+            <a:schemeClr val="accent1"/>
+          </a:effectRef>
+          <a:fontRef idx="minor">
+            <a:schemeClr val="lt1"/>
+          </a:fontRef>
+        </p:style>
+        <p:txBody>
+          <a:bodyPr rtlCol="0" anchor="ctr"/>
+          <a:lstStyle/>
+          <a:p>
+            <a:pPr algn="ctr"/>
+            <a:r>
+              <a:rPr lang="en-GB" sz="1200" b="1" i="0" dirty="0">
+                <a:solidFill>
+                  <a:schemeClr val="bg1"/>
+                </a:solidFill>
+                <a:effectLst/>
+                <a:latin typeface="Palatino Linotype" panose="02040502050505030304" pitchFamily="18" charset="0"/>
+              </a:rPr>
+              <a:t>Data</a:t>
+            </a:r>
+            <a:endParaRPr lang="en-GB" sz="1200" b="1" dirty="0">
+              <a:solidFill>
+                <a:schemeClr val="bg1"/>
+              </a:solidFill>
+              <a:latin typeface="Palatino Linotype" panose="02040502050505030304" pitchFamily="18" charset="0"/>
+            </a:endParaRPr>
+          </a:p>
+          <a:p>
+            <a:pPr algn="ctr"/>
+            <a:r>
+              <a:rPr lang="en-GB" sz="800" dirty="0">
+                <a:solidFill>
+                  <a:schemeClr val="bg1"/>
+                </a:solidFill>
+                <a:latin typeface="Palatino Linotype" panose="02040502050505030304" pitchFamily="18" charset="0"/>
+              </a:rPr>
+              <a:t>Molecule SMILEs</a:t>
+            </a:r>
+          </a:p>
+          <a:p>
+            <a:pPr algn="ctr"/>
+            <a:r>
+              <a:rPr lang="en-GB" sz="800" dirty="0">
+                <a:solidFill>
+                  <a:schemeClr val="bg1"/>
+                </a:solidFill>
+                <a:latin typeface="Palatino Linotype" panose="02040502050505030304" pitchFamily="18" charset="0"/>
+              </a:rPr>
+              <a:t>With Conditions</a:t>
+            </a:r>
+          </a:p>
+        </p:txBody>
+      </p:sp>
+      <p:sp>
+        <p:nvSpPr>
+          <p:cNvPr id="84" name="TextBox 83">
+            <a:extLst>
+              <a:ext uri="{FF2B5EF4-FFF2-40B4-BE49-F238E27FC236}">
+                <a16:creationId xmlns:a16="http://schemas.microsoft.com/office/drawing/2014/main" id="{BDB269D8-32E3-1D59-A1B1-6303DE0F185A}"/>
+              </a:ext>
+            </a:extLst>
+          </p:cNvPr>
+          <p:cNvSpPr txBox="1"/>
+          <p:nvPr/>
+        </p:nvSpPr>
+        <p:spPr>
+          <a:xfrm>
+            <a:off x="108217" y="1561857"/>
+            <a:ext cx="941449" cy="338554"/>
+          </a:xfrm>
+          <a:prstGeom prst="rect">
+            <a:avLst/>
+          </a:prstGeom>
+          <a:noFill/>
+        </p:spPr>
+        <p:txBody>
+          <a:bodyPr wrap="square">
+            <a:spAutoFit/>
+          </a:bodyPr>
+          <a:lstStyle/>
+          <a:p>
+            <a:pPr algn="ctr"/>
+            <a:r>
+              <a:rPr lang="en-GB" sz="800" b="1" i="0" dirty="0">
+                <a:effectLst/>
+                <a:latin typeface="Palatino Linotype" panose="02040502050505030304" pitchFamily="18" charset="0"/>
+              </a:rPr>
+              <a:t>Chosen Dataset of SMILES</a:t>
+            </a:r>
+            <a:endParaRPr lang="en-GB" sz="800" b="1" dirty="0">
+              <a:latin typeface="Palatino Linotype" panose="02040502050505030304" pitchFamily="18" charset="0"/>
+            </a:endParaRPr>
+          </a:p>
+        </p:txBody>
+      </p:sp>
+      <p:sp>
+        <p:nvSpPr>
+          <p:cNvPr id="86" name="TextBox 85">
+            <a:extLst>
+              <a:ext uri="{FF2B5EF4-FFF2-40B4-BE49-F238E27FC236}">
+                <a16:creationId xmlns:a16="http://schemas.microsoft.com/office/drawing/2014/main" id="{BF52CD47-19E3-2B72-195A-6EB273DF49D3}"/>
+              </a:ext>
+            </a:extLst>
+          </p:cNvPr>
+          <p:cNvSpPr txBox="1"/>
+          <p:nvPr/>
+        </p:nvSpPr>
+        <p:spPr>
+          <a:xfrm>
+            <a:off x="1111019" y="1501494"/>
+            <a:ext cx="1172276" cy="338554"/>
+          </a:xfrm>
+          <a:prstGeom prst="rect">
+            <a:avLst/>
+          </a:prstGeom>
+          <a:noFill/>
+        </p:spPr>
+        <p:txBody>
+          <a:bodyPr wrap="square">
+            <a:spAutoFit/>
+          </a:bodyPr>
+          <a:lstStyle/>
+          <a:p>
+            <a:pPr algn="ctr"/>
+            <a:r>
+              <a:rPr lang="en-GB" sz="800" b="1" i="0" dirty="0">
+                <a:effectLst/>
+                <a:latin typeface="Palatino Linotype" panose="02040502050505030304" pitchFamily="18" charset="0"/>
+              </a:rPr>
+              <a:t>Search for Molecule by SMILES</a:t>
+            </a:r>
+            <a:endParaRPr lang="en-GB" sz="800" b="1" dirty="0">
+              <a:latin typeface="Palatino Linotype" panose="02040502050505030304" pitchFamily="18" charset="0"/>
+            </a:endParaRPr>
+          </a:p>
+        </p:txBody>
+      </p:sp>
+      <p:sp>
+        <p:nvSpPr>
+          <p:cNvPr id="87" name="TextBox 86">
+            <a:extLst>
+              <a:ext uri="{FF2B5EF4-FFF2-40B4-BE49-F238E27FC236}">
+                <a16:creationId xmlns:a16="http://schemas.microsoft.com/office/drawing/2014/main" id="{A6015BD9-2A03-056F-9E7B-C29069CC418D}"/>
+              </a:ext>
+            </a:extLst>
+          </p:cNvPr>
+          <p:cNvSpPr txBox="1"/>
+          <p:nvPr/>
+        </p:nvSpPr>
+        <p:spPr>
+          <a:xfrm>
+            <a:off x="2651346" y="1506303"/>
+            <a:ext cx="938201" cy="215444"/>
+          </a:xfrm>
+          <a:prstGeom prst="rect">
+            <a:avLst/>
+          </a:prstGeom>
+          <a:noFill/>
+        </p:spPr>
+        <p:txBody>
+          <a:bodyPr wrap="square">
+            <a:spAutoFit/>
+          </a:bodyPr>
+          <a:lstStyle/>
+          <a:p>
+            <a:pPr algn="ctr"/>
+            <a:r>
+              <a:rPr lang="en-GB" sz="800" b="1" i="0" dirty="0">
+                <a:effectLst/>
+                <a:latin typeface="Palatino Linotype" panose="02040502050505030304" pitchFamily="18" charset="0"/>
+              </a:rPr>
+              <a:t>Get Conditions</a:t>
+            </a:r>
+            <a:endParaRPr lang="en-GB" sz="800" b="1" dirty="0">
+              <a:latin typeface="Palatino Linotype" panose="02040502050505030304" pitchFamily="18" charset="0"/>
+            </a:endParaRPr>
+          </a:p>
+        </p:txBody>
+      </p:sp>
+      <p:sp>
+        <p:nvSpPr>
+          <p:cNvPr id="88" name="TextBox 87">
+            <a:extLst>
+              <a:ext uri="{FF2B5EF4-FFF2-40B4-BE49-F238E27FC236}">
+                <a16:creationId xmlns:a16="http://schemas.microsoft.com/office/drawing/2014/main" id="{12DE74C2-3DFF-CD61-55A0-9F19549F86FF}"/>
+              </a:ext>
+            </a:extLst>
+          </p:cNvPr>
+          <p:cNvSpPr txBox="1"/>
+          <p:nvPr/>
+        </p:nvSpPr>
+        <p:spPr>
+          <a:xfrm>
+            <a:off x="3847940" y="1738010"/>
+            <a:ext cx="781310" cy="338554"/>
+          </a:xfrm>
+          <a:prstGeom prst="rect">
+            <a:avLst/>
+          </a:prstGeom>
+          <a:noFill/>
+        </p:spPr>
+        <p:txBody>
+          <a:bodyPr wrap="square">
+            <a:spAutoFit/>
+          </a:bodyPr>
+          <a:lstStyle/>
+          <a:p>
+            <a:pPr algn="ctr"/>
+            <a:r>
+              <a:rPr lang="en-GB" sz="800" b="1" i="0" dirty="0">
+                <a:effectLst/>
+                <a:latin typeface="Palatino Linotype" panose="02040502050505030304" pitchFamily="18" charset="0"/>
+              </a:rPr>
+              <a:t>Normalise Conditions</a:t>
+            </a:r>
+            <a:endParaRPr lang="en-GB" sz="800" b="1" dirty="0">
+              <a:latin typeface="Palatino Linotype" panose="02040502050505030304" pitchFamily="18" charset="0"/>
+            </a:endParaRPr>
+          </a:p>
+        </p:txBody>
+      </p:sp>
+      <p:pic>
+        <p:nvPicPr>
+          <p:cNvPr id="90" name="Picture 89">
+            <a:extLst>
+              <a:ext uri="{FF2B5EF4-FFF2-40B4-BE49-F238E27FC236}">
+                <a16:creationId xmlns:a16="http://schemas.microsoft.com/office/drawing/2014/main" id="{0ED84B02-E8D7-DB1B-7E66-1CBC2932B817}"/>
+              </a:ext>
+            </a:extLst>
+          </p:cNvPr>
+          <p:cNvPicPr>
+            <a:picLocks noChangeAspect="1"/>
+          </p:cNvPicPr>
+          <p:nvPr/>
+        </p:nvPicPr>
+        <p:blipFill>
+          <a:blip r:embed="rId5"/>
+          <a:stretch>
+            <a:fillRect/>
+          </a:stretch>
+        </p:blipFill>
+        <p:spPr>
+          <a:xfrm>
+            <a:off x="266258" y="1866202"/>
+            <a:ext cx="605666" cy="138438"/>
+          </a:xfrm>
+          <a:prstGeom prst="rect">
+            <a:avLst/>
+          </a:prstGeom>
+        </p:spPr>
+      </p:pic>
+      <p:pic>
+        <p:nvPicPr>
+          <p:cNvPr id="92" name="Picture 91">
+            <a:extLst>
+              <a:ext uri="{FF2B5EF4-FFF2-40B4-BE49-F238E27FC236}">
+                <a16:creationId xmlns:a16="http://schemas.microsoft.com/office/drawing/2014/main" id="{5FD57C25-8FF9-BA1E-9B7B-84F62A26C669}"/>
+              </a:ext>
+            </a:extLst>
+          </p:cNvPr>
+          <p:cNvPicPr>
+            <a:picLocks noChangeAspect="1"/>
+          </p:cNvPicPr>
+          <p:nvPr/>
+        </p:nvPicPr>
+        <p:blipFill>
+          <a:blip r:embed="rId6"/>
+          <a:stretch>
+            <a:fillRect/>
+          </a:stretch>
+        </p:blipFill>
+        <p:spPr>
+          <a:xfrm>
+            <a:off x="1312634" y="1810331"/>
+            <a:ext cx="888473" cy="265216"/>
+          </a:xfrm>
+          <a:prstGeom prst="rect">
+            <a:avLst/>
+          </a:prstGeom>
+        </p:spPr>
+      </p:pic>
+      <p:pic>
+        <p:nvPicPr>
+          <p:cNvPr id="94" name="Picture 93">
+            <a:extLst>
+              <a:ext uri="{FF2B5EF4-FFF2-40B4-BE49-F238E27FC236}">
+                <a16:creationId xmlns:a16="http://schemas.microsoft.com/office/drawing/2014/main" id="{146D871A-BBB2-538E-8A8B-263B57079492}"/>
+              </a:ext>
+            </a:extLst>
+          </p:cNvPr>
+          <p:cNvPicPr>
+            <a:picLocks noChangeAspect="1"/>
+          </p:cNvPicPr>
+          <p:nvPr/>
+        </p:nvPicPr>
+        <p:blipFill>
+          <a:blip r:embed="rId7"/>
+          <a:stretch>
+            <a:fillRect/>
+          </a:stretch>
+        </p:blipFill>
+        <p:spPr>
+          <a:xfrm>
+            <a:off x="2804150" y="1709119"/>
+            <a:ext cx="658220" cy="451003"/>
+          </a:xfrm>
+          <a:prstGeom prst="rect">
+            <a:avLst/>
+          </a:prstGeom>
+        </p:spPr>
+      </p:pic>
+      <p:sp>
+        <p:nvSpPr>
+          <p:cNvPr id="96" name="Arrow: Right 95">
+            <a:extLst>
+              <a:ext uri="{FF2B5EF4-FFF2-40B4-BE49-F238E27FC236}">
+                <a16:creationId xmlns:a16="http://schemas.microsoft.com/office/drawing/2014/main" id="{BEA0AB2C-4FA9-DD3A-3286-0A03B9316D54}"/>
+              </a:ext>
+            </a:extLst>
+          </p:cNvPr>
+          <p:cNvSpPr/>
+          <p:nvPr/>
+        </p:nvSpPr>
+        <p:spPr>
+          <a:xfrm>
+            <a:off x="868193" y="1775589"/>
+            <a:ext cx="400961" cy="325455"/>
+          </a:xfrm>
+          <a:prstGeom prst="rightArrow">
+            <a:avLst>
+              <a:gd name="adj1" fmla="val 22241"/>
+              <a:gd name="adj2" fmla="val 34488"/>
+            </a:avLst>
+          </a:prstGeom>
+          <a:solidFill>
+            <a:schemeClr val="tx2">
+              <a:lumMod val="20000"/>
+              <a:lumOff val="80000"/>
+            </a:schemeClr>
+          </a:solidFill>
+        </p:spPr>
+        <p:style>
+          <a:lnRef idx="2">
+            <a:schemeClr val="accent1">
+              <a:shade val="15000"/>
+            </a:schemeClr>
+          </a:lnRef>
+          <a:fillRef idx="1">
+            <a:schemeClr val="accent1"/>
+          </a:fillRef>
+          <a:effectRef idx="0">
+            <a:schemeClr val="accent1"/>
+          </a:effectRef>
+          <a:fontRef idx="minor">
+            <a:schemeClr val="lt1"/>
+          </a:fontRef>
+        </p:style>
+        <p:txBody>
+          <a:bodyPr rtlCol="0" anchor="ctr"/>
+          <a:lstStyle/>
+          <a:p>
+            <a:pPr algn="ctr"/>
+            <a:endParaRPr lang="en-GB"/>
+          </a:p>
+        </p:txBody>
+      </p:sp>
+      <p:cxnSp>
+        <p:nvCxnSpPr>
+          <p:cNvPr id="102" name="Straight Connector 101">
+            <a:extLst>
+              <a:ext uri="{FF2B5EF4-FFF2-40B4-BE49-F238E27FC236}">
+                <a16:creationId xmlns:a16="http://schemas.microsoft.com/office/drawing/2014/main" id="{2A9E17DF-FD55-17BB-5C70-C1D34E95CB22}"/>
+              </a:ext>
+            </a:extLst>
+          </p:cNvPr>
+          <p:cNvCxnSpPr>
+            <a:cxnSpLocks/>
+          </p:cNvCxnSpPr>
+          <p:nvPr/>
+        </p:nvCxnSpPr>
+        <p:spPr>
+          <a:xfrm flipV="1">
+            <a:off x="108217" y="3299844"/>
+            <a:ext cx="6811149" cy="23283"/>
+          </a:xfrm>
+          <a:prstGeom prst="line">
+            <a:avLst/>
+          </a:prstGeom>
+          <a:ln w="25400">
+            <a:solidFill>
+              <a:schemeClr val="tx1"/>
+            </a:solidFill>
+            <a:prstDash val="dash"/>
+          </a:ln>
+        </p:spPr>
+        <p:style>
+          <a:lnRef idx="1">
+            <a:schemeClr val="accent1"/>
+          </a:lnRef>
+          <a:fillRef idx="0">
+            <a:schemeClr val="accent1"/>
+          </a:fillRef>
+          <a:effectRef idx="0">
+            <a:schemeClr val="accent1"/>
+          </a:effectRef>
+          <a:fontRef idx="minor">
+            <a:schemeClr val="tx1"/>
+          </a:fontRef>
+        </p:style>
+      </p:cxnSp>
+      <p:cxnSp>
+        <p:nvCxnSpPr>
+          <p:cNvPr id="104" name="Straight Connector 103">
+            <a:extLst>
+              <a:ext uri="{FF2B5EF4-FFF2-40B4-BE49-F238E27FC236}">
+                <a16:creationId xmlns:a16="http://schemas.microsoft.com/office/drawing/2014/main" id="{18C1AADB-A2C9-42EE-FECE-892277730628}"/>
+              </a:ext>
+            </a:extLst>
+          </p:cNvPr>
+          <p:cNvCxnSpPr>
+            <a:cxnSpLocks/>
+          </p:cNvCxnSpPr>
+          <p:nvPr/>
+        </p:nvCxnSpPr>
+        <p:spPr>
+          <a:xfrm flipV="1">
+            <a:off x="84462" y="2308786"/>
+            <a:ext cx="6834904" cy="24486"/>
+          </a:xfrm>
+          <a:prstGeom prst="line">
+            <a:avLst/>
+          </a:prstGeom>
+          <a:ln w="25400">
+            <a:solidFill>
+              <a:schemeClr val="tx1"/>
+            </a:solidFill>
+            <a:prstDash val="dash"/>
+          </a:ln>
+        </p:spPr>
+        <p:style>
+          <a:lnRef idx="1">
+            <a:schemeClr val="accent1"/>
+          </a:lnRef>
+          <a:fillRef idx="0">
+            <a:schemeClr val="accent1"/>
+          </a:fillRef>
+          <a:effectRef idx="0">
+            <a:schemeClr val="accent1"/>
+          </a:effectRef>
+          <a:fontRef idx="minor">
+            <a:schemeClr val="tx1"/>
+          </a:fontRef>
+        </p:style>
+      </p:cxnSp>
+      <p:sp>
+        <p:nvSpPr>
+          <p:cNvPr id="105" name="Arrow: Right 104">
+            <a:extLst>
+              <a:ext uri="{FF2B5EF4-FFF2-40B4-BE49-F238E27FC236}">
+                <a16:creationId xmlns:a16="http://schemas.microsoft.com/office/drawing/2014/main" id="{00659223-D9B9-8F75-984A-B1165856237B}"/>
+              </a:ext>
+            </a:extLst>
+          </p:cNvPr>
+          <p:cNvSpPr/>
+          <p:nvPr/>
+        </p:nvSpPr>
+        <p:spPr>
+          <a:xfrm>
+            <a:off x="2254962" y="1775589"/>
+            <a:ext cx="400961" cy="325455"/>
+          </a:xfrm>
+          <a:prstGeom prst="rightArrow">
+            <a:avLst>
+              <a:gd name="adj1" fmla="val 22241"/>
+              <a:gd name="adj2" fmla="val 34488"/>
+            </a:avLst>
+          </a:prstGeom>
+          <a:solidFill>
+            <a:schemeClr val="tx2">
+              <a:lumMod val="20000"/>
+              <a:lumOff val="80000"/>
+            </a:schemeClr>
+          </a:solidFill>
+        </p:spPr>
+        <p:style>
+          <a:lnRef idx="2">
+            <a:schemeClr val="accent1">
+              <a:shade val="15000"/>
+            </a:schemeClr>
+          </a:lnRef>
+          <a:fillRef idx="1">
+            <a:schemeClr val="accent1"/>
+          </a:fillRef>
+          <a:effectRef idx="0">
+            <a:schemeClr val="accent1"/>
+          </a:effectRef>
+          <a:fontRef idx="minor">
+            <a:schemeClr val="lt1"/>
+          </a:fontRef>
+        </p:style>
+        <p:txBody>
+          <a:bodyPr rtlCol="0" anchor="ctr"/>
+          <a:lstStyle/>
+          <a:p>
+            <a:pPr algn="ctr"/>
+            <a:endParaRPr lang="en-GB"/>
+          </a:p>
+        </p:txBody>
+      </p:sp>
+      <p:sp>
+        <p:nvSpPr>
+          <p:cNvPr id="106" name="Rectangle: Rounded Corners 105">
+            <a:extLst>
+              <a:ext uri="{FF2B5EF4-FFF2-40B4-BE49-F238E27FC236}">
+                <a16:creationId xmlns:a16="http://schemas.microsoft.com/office/drawing/2014/main" id="{E33299C9-C453-D660-20A2-91E0022630B0}"/>
+              </a:ext>
+            </a:extLst>
+          </p:cNvPr>
+          <p:cNvSpPr/>
+          <p:nvPr/>
+        </p:nvSpPr>
+        <p:spPr>
+          <a:xfrm>
+            <a:off x="7006145" y="1423623"/>
+            <a:ext cx="619990" cy="2868652"/>
+          </a:xfrm>
+          <a:prstGeom prst="roundRect">
+            <a:avLst/>
+          </a:prstGeom>
+          <a:solidFill>
+            <a:schemeClr val="tx1"/>
+          </a:solidFill>
+          <a:ln>
+            <a:noFill/>
+          </a:ln>
+        </p:spPr>
+        <p:style>
+          <a:lnRef idx="2">
+            <a:schemeClr val="accent1">
+              <a:shade val="15000"/>
+            </a:schemeClr>
+          </a:lnRef>
+          <a:fillRef idx="1">
+            <a:schemeClr val="accent1"/>
+          </a:fillRef>
+          <a:effectRef idx="0">
+            <a:schemeClr val="accent1"/>
+          </a:effectRef>
+          <a:fontRef idx="minor">
+            <a:schemeClr val="lt1"/>
+          </a:fontRef>
+        </p:style>
+        <p:txBody>
+          <a:bodyPr rtlCol="0" anchor="ctr"/>
+          <a:lstStyle/>
+          <a:p>
+            <a:pPr algn="ctr"/>
+            <a:endParaRPr lang="en-GB" dirty="0"/>
+          </a:p>
+        </p:txBody>
+      </p:sp>
+      <p:sp>
+        <p:nvSpPr>
+          <p:cNvPr id="107" name="TextBox 106">
+            <a:extLst>
+              <a:ext uri="{FF2B5EF4-FFF2-40B4-BE49-F238E27FC236}">
+                <a16:creationId xmlns:a16="http://schemas.microsoft.com/office/drawing/2014/main" id="{B7BB2CE4-47D2-A803-2F4C-76275F2C5B96}"/>
+              </a:ext>
+            </a:extLst>
+          </p:cNvPr>
+          <p:cNvSpPr txBox="1"/>
+          <p:nvPr/>
+        </p:nvSpPr>
+        <p:spPr>
+          <a:xfrm rot="16200000">
+            <a:off x="5961624" y="2722353"/>
+            <a:ext cx="2697239" cy="400110"/>
+          </a:xfrm>
+          <a:prstGeom prst="rect">
+            <a:avLst/>
+          </a:prstGeom>
+          <a:noFill/>
+        </p:spPr>
+        <p:txBody>
+          <a:bodyPr wrap="square">
+            <a:spAutoFit/>
+          </a:bodyPr>
+          <a:lstStyle/>
+          <a:p>
+            <a:pPr algn="ctr"/>
+            <a:r>
+              <a:rPr lang="en-GB" sz="2000" b="1" i="0" dirty="0">
+                <a:solidFill>
+                  <a:schemeClr val="bg1"/>
+                </a:solidFill>
+                <a:effectLst/>
+                <a:latin typeface="Palatino Linotype" panose="02040502050505030304" pitchFamily="18" charset="0"/>
+              </a:rPr>
+              <a:t>Pre-processed Data</a:t>
+            </a:r>
+            <a:endParaRPr lang="en-GB" sz="2000" b="1" dirty="0">
+              <a:solidFill>
+                <a:schemeClr val="bg1"/>
+              </a:solidFill>
+              <a:latin typeface="Palatino Linotype" panose="02040502050505030304" pitchFamily="18" charset="0"/>
+            </a:endParaRPr>
+          </a:p>
+        </p:txBody>
+      </p:sp>
+      <p:sp>
+        <p:nvSpPr>
+          <p:cNvPr id="108" name="TextBox 107">
+            <a:extLst>
+              <a:ext uri="{FF2B5EF4-FFF2-40B4-BE49-F238E27FC236}">
+                <a16:creationId xmlns:a16="http://schemas.microsoft.com/office/drawing/2014/main" id="{9E6F101B-EB79-ECE4-F18F-0FC8B26EFC46}"/>
+              </a:ext>
+            </a:extLst>
+          </p:cNvPr>
+          <p:cNvSpPr txBox="1"/>
+          <p:nvPr/>
+        </p:nvSpPr>
+        <p:spPr>
+          <a:xfrm>
+            <a:off x="3469659" y="2343853"/>
+            <a:ext cx="1407917" cy="215444"/>
+          </a:xfrm>
+          <a:prstGeom prst="rect">
+            <a:avLst/>
+          </a:prstGeom>
+          <a:noFill/>
+        </p:spPr>
+        <p:txBody>
+          <a:bodyPr wrap="square">
+            <a:spAutoFit/>
+          </a:bodyPr>
+          <a:lstStyle/>
+          <a:p>
+            <a:pPr algn="ctr"/>
+            <a:r>
+              <a:rPr lang="en-US" sz="800" b="1" dirty="0">
+                <a:latin typeface="Palatino Linotype" panose="02040502050505030304" pitchFamily="18" charset="0"/>
+              </a:rPr>
+              <a:t>Vector Form of Skeleton</a:t>
+            </a:r>
+            <a:endParaRPr lang="en-GB" sz="800" b="1" dirty="0">
+              <a:latin typeface="Palatino Linotype" panose="02040502050505030304" pitchFamily="18" charset="0"/>
+            </a:endParaRPr>
+          </a:p>
+        </p:txBody>
+      </p:sp>
+      <p:sp>
+        <p:nvSpPr>
+          <p:cNvPr id="112" name="Arrow: Right 111">
+            <a:extLst>
+              <a:ext uri="{FF2B5EF4-FFF2-40B4-BE49-F238E27FC236}">
+                <a16:creationId xmlns:a16="http://schemas.microsoft.com/office/drawing/2014/main" id="{75B2E2E3-F3F5-9E35-E8DC-B1B372DC5961}"/>
+              </a:ext>
+            </a:extLst>
+          </p:cNvPr>
+          <p:cNvSpPr/>
+          <p:nvPr/>
+        </p:nvSpPr>
+        <p:spPr>
+          <a:xfrm>
+            <a:off x="3528668" y="1751536"/>
+            <a:ext cx="364777" cy="325455"/>
+          </a:xfrm>
+          <a:prstGeom prst="rightArrow">
+            <a:avLst>
+              <a:gd name="adj1" fmla="val 22241"/>
+              <a:gd name="adj2" fmla="val 34488"/>
+            </a:avLst>
+          </a:prstGeom>
+          <a:solidFill>
+            <a:schemeClr val="tx2">
+              <a:lumMod val="20000"/>
+              <a:lumOff val="80000"/>
+            </a:schemeClr>
+          </a:solidFill>
+        </p:spPr>
+        <p:style>
+          <a:lnRef idx="2">
+            <a:schemeClr val="accent1">
+              <a:shade val="15000"/>
+            </a:schemeClr>
+          </a:lnRef>
+          <a:fillRef idx="1">
+            <a:schemeClr val="accent1"/>
+          </a:fillRef>
+          <a:effectRef idx="0">
+            <a:schemeClr val="accent1"/>
+          </a:effectRef>
+          <a:fontRef idx="minor">
+            <a:schemeClr val="lt1"/>
+          </a:fontRef>
+        </p:style>
+        <p:txBody>
+          <a:bodyPr rtlCol="0" anchor="ctr"/>
+          <a:lstStyle/>
+          <a:p>
+            <a:pPr algn="ctr"/>
+            <a:endParaRPr lang="en-GB"/>
+          </a:p>
+        </p:txBody>
+      </p:sp>
+      <p:sp>
+        <p:nvSpPr>
+          <p:cNvPr id="113" name="Arrow: Right 112">
+            <a:extLst>
+              <a:ext uri="{FF2B5EF4-FFF2-40B4-BE49-F238E27FC236}">
+                <a16:creationId xmlns:a16="http://schemas.microsoft.com/office/drawing/2014/main" id="{144456D9-58AE-1ECC-297A-B88CEB489C2C}"/>
+              </a:ext>
+            </a:extLst>
+          </p:cNvPr>
+          <p:cNvSpPr/>
+          <p:nvPr/>
+        </p:nvSpPr>
+        <p:spPr>
+          <a:xfrm>
+            <a:off x="4572333" y="1719522"/>
+            <a:ext cx="934165" cy="325455"/>
+          </a:xfrm>
+          <a:prstGeom prst="rightArrow">
+            <a:avLst>
+              <a:gd name="adj1" fmla="val 22241"/>
+              <a:gd name="adj2" fmla="val 34488"/>
+            </a:avLst>
+          </a:prstGeom>
+          <a:solidFill>
+            <a:schemeClr val="tx2">
+              <a:lumMod val="20000"/>
+              <a:lumOff val="80000"/>
+            </a:schemeClr>
+          </a:solidFill>
+        </p:spPr>
+        <p:style>
+          <a:lnRef idx="2">
+            <a:schemeClr val="accent1">
+              <a:shade val="15000"/>
+            </a:schemeClr>
+          </a:lnRef>
+          <a:fillRef idx="1">
+            <a:schemeClr val="accent1"/>
+          </a:fillRef>
+          <a:effectRef idx="0">
+            <a:schemeClr val="accent1"/>
+          </a:effectRef>
+          <a:fontRef idx="minor">
+            <a:schemeClr val="lt1"/>
+          </a:fontRef>
+        </p:style>
+        <p:txBody>
+          <a:bodyPr rtlCol="0" anchor="ctr"/>
+          <a:lstStyle/>
+          <a:p>
+            <a:pPr algn="ctr"/>
+            <a:endParaRPr lang="en-GB"/>
+          </a:p>
+        </p:txBody>
+      </p:sp>
+      <p:sp>
+        <p:nvSpPr>
+          <p:cNvPr id="114" name="Arrow: Right 113">
+            <a:extLst>
+              <a:ext uri="{FF2B5EF4-FFF2-40B4-BE49-F238E27FC236}">
+                <a16:creationId xmlns:a16="http://schemas.microsoft.com/office/drawing/2014/main" id="{45D4A34E-A2AC-8C61-07D7-4A5DB0012747}"/>
+              </a:ext>
+            </a:extLst>
+          </p:cNvPr>
+          <p:cNvSpPr/>
+          <p:nvPr/>
+        </p:nvSpPr>
+        <p:spPr>
+          <a:xfrm>
+            <a:off x="4572333" y="2611258"/>
+            <a:ext cx="934165" cy="325455"/>
+          </a:xfrm>
+          <a:prstGeom prst="rightArrow">
+            <a:avLst>
+              <a:gd name="adj1" fmla="val 22241"/>
+              <a:gd name="adj2" fmla="val 34488"/>
+            </a:avLst>
+          </a:prstGeom>
+          <a:solidFill>
+            <a:schemeClr val="tx2">
+              <a:lumMod val="20000"/>
+              <a:lumOff val="80000"/>
+            </a:schemeClr>
+          </a:solidFill>
+        </p:spPr>
+        <p:style>
+          <a:lnRef idx="2">
+            <a:schemeClr val="accent1">
+              <a:shade val="15000"/>
+            </a:schemeClr>
+          </a:lnRef>
+          <a:fillRef idx="1">
+            <a:schemeClr val="accent1"/>
+          </a:fillRef>
+          <a:effectRef idx="0">
+            <a:schemeClr val="accent1"/>
+          </a:effectRef>
+          <a:fontRef idx="minor">
+            <a:schemeClr val="lt1"/>
+          </a:fontRef>
+        </p:style>
+        <p:txBody>
+          <a:bodyPr rtlCol="0" anchor="ctr"/>
+          <a:lstStyle/>
+          <a:p>
+            <a:pPr algn="ctr"/>
+            <a:endParaRPr lang="en-GB"/>
+          </a:p>
+        </p:txBody>
+      </p:sp>
+      <p:sp>
+        <p:nvSpPr>
+          <p:cNvPr id="115" name="Arrow: Right 114">
+            <a:extLst>
+              <a:ext uri="{FF2B5EF4-FFF2-40B4-BE49-F238E27FC236}">
+                <a16:creationId xmlns:a16="http://schemas.microsoft.com/office/drawing/2014/main" id="{B3A8F105-27DC-1ABE-2D83-A8A3EC495309}"/>
+              </a:ext>
+            </a:extLst>
+          </p:cNvPr>
+          <p:cNvSpPr/>
+          <p:nvPr/>
+        </p:nvSpPr>
+        <p:spPr>
+          <a:xfrm>
+            <a:off x="4572332" y="3606486"/>
+            <a:ext cx="934165" cy="325455"/>
+          </a:xfrm>
+          <a:prstGeom prst="rightArrow">
+            <a:avLst>
+              <a:gd name="adj1" fmla="val 22241"/>
+              <a:gd name="adj2" fmla="val 34488"/>
+            </a:avLst>
+          </a:prstGeom>
+          <a:solidFill>
+            <a:schemeClr val="tx2">
+              <a:lumMod val="20000"/>
+              <a:lumOff val="80000"/>
+            </a:schemeClr>
+          </a:solidFill>
+        </p:spPr>
+        <p:style>
+          <a:lnRef idx="2">
+            <a:schemeClr val="accent1">
+              <a:shade val="15000"/>
+            </a:schemeClr>
+          </a:lnRef>
+          <a:fillRef idx="1">
+            <a:schemeClr val="accent1"/>
+          </a:fillRef>
+          <a:effectRef idx="0">
+            <a:schemeClr val="accent1"/>
+          </a:effectRef>
+          <a:fontRef idx="minor">
+            <a:schemeClr val="lt1"/>
+          </a:fontRef>
+        </p:style>
+        <p:txBody>
+          <a:bodyPr rtlCol="0" anchor="ctr"/>
+          <a:lstStyle/>
+          <a:p>
+            <a:pPr algn="ctr"/>
+            <a:endParaRPr lang="en-GB"/>
+          </a:p>
+        </p:txBody>
+      </p:sp>
+      <p:sp>
+        <p:nvSpPr>
+          <p:cNvPr id="116" name="Rectangle: Rounded Corners 115">
+            <a:extLst>
+              <a:ext uri="{FF2B5EF4-FFF2-40B4-BE49-F238E27FC236}">
+                <a16:creationId xmlns:a16="http://schemas.microsoft.com/office/drawing/2014/main" id="{0A7BB509-3BF3-02FE-226C-63FA6B59F46A}"/>
+              </a:ext>
+            </a:extLst>
+          </p:cNvPr>
+          <p:cNvSpPr/>
+          <p:nvPr/>
+        </p:nvSpPr>
+        <p:spPr>
+          <a:xfrm>
+            <a:off x="5539229" y="2436949"/>
+            <a:ext cx="1290393" cy="706114"/>
+          </a:xfrm>
+          <a:prstGeom prst="roundRect">
+            <a:avLst/>
+          </a:prstGeom>
+          <a:solidFill>
+            <a:schemeClr val="tx1"/>
+          </a:solidFill>
+          <a:ln>
+            <a:noFill/>
+          </a:ln>
+        </p:spPr>
+        <p:style>
+          <a:lnRef idx="2">
+            <a:schemeClr val="accent1">
+              <a:shade val="15000"/>
+            </a:schemeClr>
+          </a:lnRef>
+          <a:fillRef idx="1">
+            <a:schemeClr val="accent1"/>
+          </a:fillRef>
+          <a:effectRef idx="0">
+            <a:schemeClr val="accent1"/>
+          </a:effectRef>
+          <a:fontRef idx="minor">
+            <a:schemeClr val="lt1"/>
+          </a:fontRef>
+        </p:style>
+        <p:txBody>
+          <a:bodyPr rtlCol="0" anchor="ctr"/>
+          <a:lstStyle/>
+          <a:p>
+            <a:pPr algn="ctr"/>
+            <a:r>
+              <a:rPr lang="en-GB" sz="1400" b="1" i="0" dirty="0">
+                <a:solidFill>
+                  <a:schemeClr val="bg1"/>
+                </a:solidFill>
+                <a:effectLst/>
+                <a:latin typeface="Palatino Linotype" panose="02040502050505030304" pitchFamily="18" charset="0"/>
+              </a:rPr>
+              <a:t>Vectors</a:t>
+            </a:r>
+            <a:endParaRPr lang="en-GB" sz="1800" dirty="0"/>
+          </a:p>
+        </p:txBody>
+      </p:sp>
+      <p:sp>
+        <p:nvSpPr>
+          <p:cNvPr id="117" name="Rectangle: Rounded Corners 116">
+            <a:extLst>
+              <a:ext uri="{FF2B5EF4-FFF2-40B4-BE49-F238E27FC236}">
+                <a16:creationId xmlns:a16="http://schemas.microsoft.com/office/drawing/2014/main" id="{F582E999-111C-D2C7-7E2D-D9CDE43B6D4C}"/>
+              </a:ext>
+            </a:extLst>
+          </p:cNvPr>
+          <p:cNvSpPr/>
+          <p:nvPr/>
+        </p:nvSpPr>
+        <p:spPr>
+          <a:xfrm>
+            <a:off x="5539229" y="3423979"/>
+            <a:ext cx="1290393" cy="706114"/>
+          </a:xfrm>
+          <a:prstGeom prst="roundRect">
+            <a:avLst/>
+          </a:prstGeom>
+          <a:solidFill>
+            <a:schemeClr val="tx1"/>
+          </a:solidFill>
+          <a:ln>
+            <a:noFill/>
+          </a:ln>
+        </p:spPr>
+        <p:style>
+          <a:lnRef idx="2">
+            <a:schemeClr val="accent1">
+              <a:shade val="15000"/>
+            </a:schemeClr>
+          </a:lnRef>
+          <a:fillRef idx="1">
+            <a:schemeClr val="accent1"/>
+          </a:fillRef>
+          <a:effectRef idx="0">
+            <a:schemeClr val="accent1"/>
+          </a:effectRef>
+          <a:fontRef idx="minor">
+            <a:schemeClr val="lt1"/>
+          </a:fontRef>
+        </p:style>
+        <p:txBody>
+          <a:bodyPr rtlCol="0" anchor="ctr"/>
+          <a:lstStyle/>
+          <a:p>
+            <a:pPr algn="ctr"/>
+            <a:r>
+              <a:rPr lang="en-GB" sz="1400" b="1" i="0" dirty="0">
+                <a:solidFill>
+                  <a:schemeClr val="bg1"/>
+                </a:solidFill>
+                <a:effectLst/>
+                <a:latin typeface="Palatino Linotype" panose="02040502050505030304" pitchFamily="18" charset="0"/>
+              </a:rPr>
+              <a:t>Targets</a:t>
+            </a:r>
+            <a:endParaRPr lang="en-GB" sz="1800" dirty="0"/>
+          </a:p>
+        </p:txBody>
+      </p:sp>
+    </p:spTree>
+    <p:extLst>
+      <p:ext uri="{BB962C8B-B14F-4D97-AF65-F5344CB8AC3E}">
+        <p14:creationId xmlns:p14="http://schemas.microsoft.com/office/powerpoint/2010/main" val="1485294024"/>
+      </p:ext>
+    </p:extLst>
+  </p:cSld>
+  <p:clrMapOvr>
+    <a:masterClrMapping/>
+  </p:clrMapOvr>
+</p:sld>
+</file>
+
+<file path=ppt/slides/slide6.xml><?xml version="1.0" encoding="utf-8"?>
+<p:sld xmlns:a="http://schemas.openxmlformats.org/drawingml/2006/main" xmlns:r="http://schemas.openxmlformats.org/officeDocument/2006/relationships" xmlns:p="http://schemas.openxmlformats.org/presentationml/2006/main">
+  <p:cSld>
+    <p:spTree>
+      <p:nvGrpSpPr>
+        <p:cNvPr id="1" name=""/>
+        <p:cNvGrpSpPr/>
+        <p:nvPr/>
+      </p:nvGrpSpPr>
+      <p:grpSpPr>
+        <a:xfrm>
+          <a:off x="0" y="0"/>
+          <a:ext cx="0" cy="0"/>
+          <a:chOff x="0" y="0"/>
+          <a:chExt cx="0" cy="0"/>
+        </a:xfrm>
+      </p:grpSpPr>
+      <p:sp>
+        <p:nvSpPr>
+          <p:cNvPr id="24" name="Trapezoid 23">
+            <a:extLst>
+              <a:ext uri="{FF2B5EF4-FFF2-40B4-BE49-F238E27FC236}">
+                <a16:creationId xmlns:a16="http://schemas.microsoft.com/office/drawing/2014/main" id="{0A876104-7180-AB3D-9684-1A57A8BA4150}"/>
+              </a:ext>
+            </a:extLst>
+          </p:cNvPr>
+          <p:cNvSpPr/>
+          <p:nvPr/>
+        </p:nvSpPr>
+        <p:spPr>
+          <a:xfrm rot="5400000">
+            <a:off x="1765711" y="4493359"/>
+            <a:ext cx="2156604" cy="421258"/>
+          </a:xfrm>
+          <a:prstGeom prst="trapezoid">
+            <a:avLst/>
+          </a:prstGeom>
+          <a:solidFill>
+            <a:schemeClr val="accent2"/>
+          </a:solidFill>
+          <a:ln>
+            <a:noFill/>
+          </a:ln>
+        </p:spPr>
+        <p:style>
+          <a:lnRef idx="2">
+            <a:schemeClr val="accent1">
+              <a:shade val="15000"/>
+            </a:schemeClr>
+          </a:lnRef>
+          <a:fillRef idx="1">
+            <a:schemeClr val="accent1"/>
+          </a:fillRef>
+          <a:effectRef idx="0">
+            <a:schemeClr val="accent1"/>
+          </a:effectRef>
+          <a:fontRef idx="minor">
+            <a:schemeClr val="lt1"/>
+          </a:fontRef>
+        </p:style>
+        <p:txBody>
+          <a:bodyPr rtlCol="0" anchor="ctr"/>
+          <a:lstStyle/>
+          <a:p>
+            <a:pPr algn="ctr"/>
+            <a:r>
+              <a:rPr lang="en-US" sz="1000" dirty="0">
+                <a:latin typeface="Palatino Linotype" panose="02040502050505030304" pitchFamily="18" charset="0"/>
+              </a:rPr>
+              <a:t>Dense Layer</a:t>
+            </a:r>
+            <a:endParaRPr lang="en-GB" sz="1000" dirty="0">
+              <a:latin typeface="Palatino Linotype" panose="02040502050505030304" pitchFamily="18" charset="0"/>
+            </a:endParaRPr>
+          </a:p>
+        </p:txBody>
+      </p:sp>
+      <p:sp>
+        <p:nvSpPr>
+          <p:cNvPr id="25" name="Trapezoid 24">
+            <a:extLst>
+              <a:ext uri="{FF2B5EF4-FFF2-40B4-BE49-F238E27FC236}">
+                <a16:creationId xmlns:a16="http://schemas.microsoft.com/office/drawing/2014/main" id="{F9F9B33D-58A9-AF13-51C8-451FFCB4744A}"/>
+              </a:ext>
+            </a:extLst>
+          </p:cNvPr>
+          <p:cNvSpPr/>
+          <p:nvPr/>
+        </p:nvSpPr>
+        <p:spPr>
+          <a:xfrm rot="5400000">
+            <a:off x="2414127" y="4493359"/>
+            <a:ext cx="1889185" cy="421257"/>
+          </a:xfrm>
+          <a:prstGeom prst="trapezoid">
+            <a:avLst/>
+          </a:prstGeom>
+          <a:solidFill>
+            <a:schemeClr val="accent2"/>
+          </a:solidFill>
+          <a:ln>
+            <a:noFill/>
+          </a:ln>
+        </p:spPr>
+        <p:style>
+          <a:lnRef idx="2">
+            <a:schemeClr val="accent1">
+              <a:shade val="15000"/>
+            </a:schemeClr>
+          </a:lnRef>
+          <a:fillRef idx="1">
+            <a:schemeClr val="accent1"/>
+          </a:fillRef>
+          <a:effectRef idx="0">
+            <a:schemeClr val="accent1"/>
+          </a:effectRef>
+          <a:fontRef idx="minor">
+            <a:schemeClr val="lt1"/>
+          </a:fontRef>
+        </p:style>
+        <p:txBody>
+          <a:bodyPr rtlCol="0" anchor="ctr"/>
+          <a:lstStyle/>
+          <a:p>
+            <a:pPr algn="ctr"/>
+            <a:r>
+              <a:rPr lang="en-US" sz="1000" dirty="0">
+                <a:latin typeface="Palatino Linotype" panose="02040502050505030304" pitchFamily="18" charset="0"/>
+              </a:rPr>
+              <a:t>Batch </a:t>
+            </a:r>
+            <a:r>
+              <a:rPr lang="en-US" sz="1000" dirty="0" err="1">
+                <a:latin typeface="Palatino Linotype" panose="02040502050505030304" pitchFamily="18" charset="0"/>
+              </a:rPr>
+              <a:t>Normalisation</a:t>
+            </a:r>
+            <a:endParaRPr lang="en-GB" sz="1000" dirty="0">
+              <a:latin typeface="Palatino Linotype" panose="02040502050505030304" pitchFamily="18" charset="0"/>
+            </a:endParaRPr>
+          </a:p>
+        </p:txBody>
+      </p:sp>
+      <p:sp>
+        <p:nvSpPr>
+          <p:cNvPr id="26" name="Trapezoid 25">
+            <a:extLst>
+              <a:ext uri="{FF2B5EF4-FFF2-40B4-BE49-F238E27FC236}">
+                <a16:creationId xmlns:a16="http://schemas.microsoft.com/office/drawing/2014/main" id="{F40CFF8A-05A1-B6CD-0172-7D6B37615872}"/>
+              </a:ext>
+            </a:extLst>
+          </p:cNvPr>
+          <p:cNvSpPr/>
+          <p:nvPr/>
+        </p:nvSpPr>
+        <p:spPr>
+          <a:xfrm rot="5400000">
+            <a:off x="3060385" y="4495516"/>
+            <a:ext cx="1626079" cy="421257"/>
+          </a:xfrm>
+          <a:prstGeom prst="trapezoid">
+            <a:avLst/>
+          </a:prstGeom>
+          <a:solidFill>
+            <a:schemeClr val="accent2"/>
+          </a:solidFill>
+          <a:ln>
+            <a:noFill/>
+          </a:ln>
+        </p:spPr>
+        <p:style>
+          <a:lnRef idx="2">
+            <a:schemeClr val="accent1">
+              <a:shade val="15000"/>
+            </a:schemeClr>
+          </a:lnRef>
+          <a:fillRef idx="1">
+            <a:schemeClr val="accent1"/>
+          </a:fillRef>
+          <a:effectRef idx="0">
+            <a:schemeClr val="accent1"/>
+          </a:effectRef>
+          <a:fontRef idx="minor">
+            <a:schemeClr val="lt1"/>
+          </a:fontRef>
+        </p:style>
+        <p:txBody>
+          <a:bodyPr rtlCol="0" anchor="ctr"/>
+          <a:lstStyle/>
+          <a:p>
+            <a:pPr algn="ctr"/>
+            <a:r>
+              <a:rPr lang="en-US" sz="1000" dirty="0">
+                <a:latin typeface="Palatino Linotype" panose="02040502050505030304" pitchFamily="18" charset="0"/>
+              </a:rPr>
+              <a:t>Dense Layer</a:t>
+            </a:r>
+            <a:endParaRPr lang="en-GB" sz="1000" dirty="0">
+              <a:latin typeface="Palatino Linotype" panose="02040502050505030304" pitchFamily="18" charset="0"/>
+            </a:endParaRPr>
+          </a:p>
+        </p:txBody>
+      </p:sp>
+      <p:sp>
+        <p:nvSpPr>
+          <p:cNvPr id="27" name="Trapezoid 26">
+            <a:extLst>
+              <a:ext uri="{FF2B5EF4-FFF2-40B4-BE49-F238E27FC236}">
+                <a16:creationId xmlns:a16="http://schemas.microsoft.com/office/drawing/2014/main" id="{65E2F47A-2A66-66BF-5D64-B46604E96C2A}"/>
+              </a:ext>
+            </a:extLst>
+          </p:cNvPr>
+          <p:cNvSpPr/>
+          <p:nvPr/>
+        </p:nvSpPr>
+        <p:spPr>
+          <a:xfrm rot="5400000">
+            <a:off x="3704485" y="4495516"/>
+            <a:ext cx="1367287" cy="421257"/>
+          </a:xfrm>
+          <a:prstGeom prst="trapezoid">
+            <a:avLst/>
+          </a:prstGeom>
+          <a:solidFill>
+            <a:schemeClr val="accent2"/>
+          </a:solidFill>
+          <a:ln>
+            <a:noFill/>
+          </a:ln>
+        </p:spPr>
+        <p:style>
+          <a:lnRef idx="2">
+            <a:schemeClr val="accent1">
+              <a:shade val="15000"/>
+            </a:schemeClr>
+          </a:lnRef>
+          <a:fillRef idx="1">
+            <a:schemeClr val="accent1"/>
+          </a:fillRef>
+          <a:effectRef idx="0">
+            <a:schemeClr val="accent1"/>
+          </a:effectRef>
+          <a:fontRef idx="minor">
+            <a:schemeClr val="lt1"/>
+          </a:fontRef>
+        </p:style>
+        <p:txBody>
+          <a:bodyPr rtlCol="0" anchor="ctr"/>
+          <a:lstStyle/>
+          <a:p>
+            <a:pPr algn="ctr"/>
+            <a:r>
+              <a:rPr lang="en-US" sz="1000" dirty="0">
+                <a:latin typeface="Palatino Linotype" panose="02040502050505030304" pitchFamily="18" charset="0"/>
+              </a:rPr>
+              <a:t>Batch </a:t>
+            </a:r>
+            <a:r>
+              <a:rPr lang="en-US" sz="1000" dirty="0" err="1">
+                <a:latin typeface="Palatino Linotype" panose="02040502050505030304" pitchFamily="18" charset="0"/>
+              </a:rPr>
+              <a:t>Normalisation</a:t>
+            </a:r>
+            <a:endParaRPr lang="en-US" sz="1000" dirty="0">
+              <a:latin typeface="Palatino Linotype" panose="02040502050505030304" pitchFamily="18" charset="0"/>
+            </a:endParaRPr>
+          </a:p>
+        </p:txBody>
+      </p:sp>
+      <p:sp>
+        <p:nvSpPr>
+          <p:cNvPr id="28" name="Rectangle 27">
+            <a:extLst>
+              <a:ext uri="{FF2B5EF4-FFF2-40B4-BE49-F238E27FC236}">
+                <a16:creationId xmlns:a16="http://schemas.microsoft.com/office/drawing/2014/main" id="{21FF6B2E-5625-EF80-643A-779B6555744A}"/>
+              </a:ext>
+            </a:extLst>
+          </p:cNvPr>
+          <p:cNvSpPr/>
+          <p:nvPr/>
+        </p:nvSpPr>
+        <p:spPr>
+          <a:xfrm rot="5400000">
+            <a:off x="1251004" y="4493358"/>
+            <a:ext cx="2156604" cy="421258"/>
+          </a:xfrm>
+          <a:prstGeom prst="rect">
+            <a:avLst/>
+          </a:prstGeom>
+          <a:solidFill>
+            <a:schemeClr val="accent6">
+              <a:lumMod val="60000"/>
+              <a:lumOff val="40000"/>
+            </a:schemeClr>
+          </a:solidFill>
+          <a:ln>
+            <a:noFill/>
+          </a:ln>
+        </p:spPr>
+        <p:style>
+          <a:lnRef idx="2">
+            <a:schemeClr val="accent1">
+              <a:shade val="15000"/>
+            </a:schemeClr>
+          </a:lnRef>
+          <a:fillRef idx="1">
+            <a:schemeClr val="accent1"/>
+          </a:fillRef>
+          <a:effectRef idx="0">
+            <a:schemeClr val="accent1"/>
+          </a:effectRef>
+          <a:fontRef idx="minor">
+            <a:schemeClr val="lt1"/>
+          </a:fontRef>
+        </p:style>
+        <p:txBody>
+          <a:bodyPr rtlCol="0" anchor="ctr"/>
+          <a:lstStyle/>
+          <a:p>
+            <a:pPr algn="ctr"/>
+            <a:r>
+              <a:rPr lang="en-US" sz="1000" dirty="0">
+                <a:latin typeface="Palatino Linotype" panose="02040502050505030304" pitchFamily="18" charset="0"/>
+              </a:rPr>
+              <a:t>Vector Representation of Genetic Information</a:t>
+            </a:r>
+            <a:endParaRPr lang="en-GB" sz="1000" dirty="0">
+              <a:latin typeface="Palatino Linotype" panose="02040502050505030304" pitchFamily="18" charset="0"/>
+            </a:endParaRPr>
+          </a:p>
+        </p:txBody>
+      </p:sp>
+      <p:sp>
+        <p:nvSpPr>
+          <p:cNvPr id="42" name="Rectangle 41">
+            <a:extLst>
+              <a:ext uri="{FF2B5EF4-FFF2-40B4-BE49-F238E27FC236}">
+                <a16:creationId xmlns:a16="http://schemas.microsoft.com/office/drawing/2014/main" id="{96E5F4A2-F0DA-77C6-9911-BC2138E54765}"/>
+              </a:ext>
+            </a:extLst>
+          </p:cNvPr>
+          <p:cNvSpPr/>
+          <p:nvPr/>
+        </p:nvSpPr>
+        <p:spPr>
+          <a:xfrm rot="16200000">
+            <a:off x="4282541" y="4496089"/>
+            <a:ext cx="1142713" cy="421258"/>
+          </a:xfrm>
+          <a:prstGeom prst="rect">
+            <a:avLst/>
+          </a:prstGeom>
+          <a:solidFill>
+            <a:srgbClr val="FF5050"/>
+          </a:solidFill>
+          <a:ln>
+            <a:noFill/>
+          </a:ln>
+        </p:spPr>
+        <p:style>
+          <a:lnRef idx="2">
+            <a:schemeClr val="accent1">
+              <a:shade val="15000"/>
+            </a:schemeClr>
+          </a:lnRef>
+          <a:fillRef idx="1">
+            <a:schemeClr val="accent1"/>
+          </a:fillRef>
+          <a:effectRef idx="0">
+            <a:schemeClr val="accent1"/>
+          </a:effectRef>
+          <a:fontRef idx="minor">
+            <a:schemeClr val="lt1"/>
+          </a:fontRef>
+        </p:style>
+        <p:txBody>
+          <a:bodyPr rtlCol="0" anchor="ctr"/>
+          <a:lstStyle/>
+          <a:p>
+            <a:pPr algn="ctr"/>
+            <a:r>
+              <a:rPr lang="en-US" sz="1000" dirty="0">
+                <a:latin typeface="Palatino Linotype" panose="02040502050505030304" pitchFamily="18" charset="0"/>
+              </a:rPr>
+              <a:t>Latent Vector</a:t>
+            </a:r>
+            <a:endParaRPr lang="en-GB" sz="1000" dirty="0">
+              <a:latin typeface="Palatino Linotype" panose="02040502050505030304" pitchFamily="18" charset="0"/>
+            </a:endParaRPr>
+          </a:p>
+        </p:txBody>
+      </p:sp>
+      <p:sp>
+        <p:nvSpPr>
+          <p:cNvPr id="44" name="Rectangle 43">
+            <a:extLst>
+              <a:ext uri="{FF2B5EF4-FFF2-40B4-BE49-F238E27FC236}">
+                <a16:creationId xmlns:a16="http://schemas.microsoft.com/office/drawing/2014/main" id="{21C45F98-98C4-B9D4-FC9C-316EA8A9B839}"/>
+              </a:ext>
+            </a:extLst>
+          </p:cNvPr>
+          <p:cNvSpPr/>
+          <p:nvPr/>
+        </p:nvSpPr>
+        <p:spPr>
+          <a:xfrm rot="16200000">
+            <a:off x="6232758" y="4493356"/>
+            <a:ext cx="2156604" cy="421258"/>
+          </a:xfrm>
+          <a:prstGeom prst="rect">
+            <a:avLst/>
+          </a:prstGeom>
+          <a:solidFill>
+            <a:schemeClr val="accent6">
+              <a:lumMod val="60000"/>
+              <a:lumOff val="40000"/>
+            </a:schemeClr>
+          </a:solidFill>
+          <a:ln>
+            <a:noFill/>
+          </a:ln>
+        </p:spPr>
+        <p:style>
+          <a:lnRef idx="2">
+            <a:schemeClr val="accent1">
+              <a:shade val="15000"/>
+            </a:schemeClr>
+          </a:lnRef>
+          <a:fillRef idx="1">
+            <a:schemeClr val="accent1"/>
+          </a:fillRef>
+          <a:effectRef idx="0">
+            <a:schemeClr val="accent1"/>
+          </a:effectRef>
+          <a:fontRef idx="minor">
+            <a:schemeClr val="lt1"/>
+          </a:fontRef>
+        </p:style>
+        <p:txBody>
+          <a:bodyPr rtlCol="0" anchor="ctr"/>
+          <a:lstStyle/>
+          <a:p>
+            <a:pPr algn="ctr"/>
+            <a:r>
+              <a:rPr lang="en-US" sz="1000" dirty="0">
+                <a:latin typeface="Palatino Linotype" panose="02040502050505030304" pitchFamily="18" charset="0"/>
+              </a:rPr>
+              <a:t>Vector Representation of Genetic Information</a:t>
+            </a:r>
+            <a:endParaRPr lang="en-GB" sz="1000" dirty="0">
+              <a:latin typeface="Palatino Linotype" panose="02040502050505030304" pitchFamily="18" charset="0"/>
+            </a:endParaRPr>
+          </a:p>
+        </p:txBody>
+      </p:sp>
+      <p:sp>
+        <p:nvSpPr>
+          <p:cNvPr id="45" name="Trapezoid 44">
+            <a:extLst>
+              <a:ext uri="{FF2B5EF4-FFF2-40B4-BE49-F238E27FC236}">
+                <a16:creationId xmlns:a16="http://schemas.microsoft.com/office/drawing/2014/main" id="{1E2296DB-57D7-41CC-55E9-81999BC8D7FA}"/>
+              </a:ext>
+            </a:extLst>
+          </p:cNvPr>
+          <p:cNvSpPr/>
+          <p:nvPr/>
+        </p:nvSpPr>
+        <p:spPr>
+          <a:xfrm rot="16200000">
+            <a:off x="4636023" y="4495516"/>
+            <a:ext cx="1367288" cy="421258"/>
+          </a:xfrm>
+          <a:prstGeom prst="trapezoid">
+            <a:avLst/>
+          </a:prstGeom>
+          <a:solidFill>
+            <a:schemeClr val="accent2"/>
+          </a:solidFill>
+          <a:ln>
+            <a:noFill/>
+          </a:ln>
+        </p:spPr>
+        <p:style>
+          <a:lnRef idx="2">
+            <a:schemeClr val="accent1">
+              <a:shade val="15000"/>
+            </a:schemeClr>
+          </a:lnRef>
+          <a:fillRef idx="1">
+            <a:schemeClr val="accent1"/>
+          </a:fillRef>
+          <a:effectRef idx="0">
+            <a:schemeClr val="accent1"/>
+          </a:effectRef>
+          <a:fontRef idx="minor">
+            <a:schemeClr val="lt1"/>
+          </a:fontRef>
+        </p:style>
+        <p:txBody>
+          <a:bodyPr rtlCol="0" anchor="ctr"/>
+          <a:lstStyle/>
+          <a:p>
+            <a:pPr algn="ctr"/>
+            <a:r>
+              <a:rPr lang="en-US" sz="1000" dirty="0">
+                <a:latin typeface="Palatino Linotype" panose="02040502050505030304" pitchFamily="18" charset="0"/>
+              </a:rPr>
+              <a:t>Dense Layer</a:t>
+            </a:r>
+            <a:endParaRPr lang="en-GB" sz="1000" dirty="0">
+              <a:latin typeface="Palatino Linotype" panose="02040502050505030304" pitchFamily="18" charset="0"/>
+            </a:endParaRPr>
+          </a:p>
+        </p:txBody>
+      </p:sp>
+      <p:sp>
+        <p:nvSpPr>
+          <p:cNvPr id="46" name="Trapezoid 45">
+            <a:extLst>
+              <a:ext uri="{FF2B5EF4-FFF2-40B4-BE49-F238E27FC236}">
+                <a16:creationId xmlns:a16="http://schemas.microsoft.com/office/drawing/2014/main" id="{57830479-0E0C-A55B-8C2D-718BBE64B860}"/>
+              </a:ext>
+            </a:extLst>
+          </p:cNvPr>
+          <p:cNvSpPr/>
+          <p:nvPr/>
+        </p:nvSpPr>
+        <p:spPr>
+          <a:xfrm rot="16200000">
+            <a:off x="4998477" y="4495514"/>
+            <a:ext cx="1626078" cy="421257"/>
+          </a:xfrm>
+          <a:prstGeom prst="trapezoid">
+            <a:avLst/>
+          </a:prstGeom>
+          <a:solidFill>
+            <a:schemeClr val="accent2"/>
+          </a:solidFill>
+          <a:ln>
+            <a:noFill/>
+          </a:ln>
+        </p:spPr>
+        <p:style>
+          <a:lnRef idx="2">
+            <a:schemeClr val="accent1">
+              <a:shade val="15000"/>
+            </a:schemeClr>
+          </a:lnRef>
+          <a:fillRef idx="1">
+            <a:schemeClr val="accent1"/>
+          </a:fillRef>
+          <a:effectRef idx="0">
+            <a:schemeClr val="accent1"/>
+          </a:effectRef>
+          <a:fontRef idx="minor">
+            <a:schemeClr val="lt1"/>
+          </a:fontRef>
+        </p:style>
+        <p:txBody>
+          <a:bodyPr rtlCol="0" anchor="ctr"/>
+          <a:lstStyle/>
+          <a:p>
+            <a:pPr algn="ctr"/>
+            <a:r>
+              <a:rPr lang="en-US" sz="1000" dirty="0">
+                <a:latin typeface="Palatino Linotype" panose="02040502050505030304" pitchFamily="18" charset="0"/>
+              </a:rPr>
+              <a:t>Batch </a:t>
+            </a:r>
+            <a:r>
+              <a:rPr lang="en-US" sz="1000" dirty="0" err="1">
+                <a:latin typeface="Palatino Linotype" panose="02040502050505030304" pitchFamily="18" charset="0"/>
+              </a:rPr>
+              <a:t>Normalisation</a:t>
+            </a:r>
+            <a:endParaRPr lang="en-GB" sz="1000" dirty="0">
+              <a:latin typeface="Palatino Linotype" panose="02040502050505030304" pitchFamily="18" charset="0"/>
+            </a:endParaRPr>
+          </a:p>
+        </p:txBody>
+      </p:sp>
+      <p:sp>
+        <p:nvSpPr>
+          <p:cNvPr id="47" name="Trapezoid 46">
+            <a:extLst>
+              <a:ext uri="{FF2B5EF4-FFF2-40B4-BE49-F238E27FC236}">
+                <a16:creationId xmlns:a16="http://schemas.microsoft.com/office/drawing/2014/main" id="{6D994917-5659-F220-F283-467F6F965400}"/>
+              </a:ext>
+            </a:extLst>
+          </p:cNvPr>
+          <p:cNvSpPr/>
+          <p:nvPr/>
+        </p:nvSpPr>
+        <p:spPr>
+          <a:xfrm rot="16200000">
+            <a:off x="5366501" y="4493357"/>
+            <a:ext cx="1889184" cy="421257"/>
+          </a:xfrm>
+          <a:prstGeom prst="trapezoid">
+            <a:avLst/>
+          </a:prstGeom>
+          <a:solidFill>
+            <a:schemeClr val="accent2"/>
+          </a:solidFill>
+          <a:ln>
+            <a:noFill/>
+          </a:ln>
+        </p:spPr>
+        <p:style>
+          <a:lnRef idx="2">
+            <a:schemeClr val="accent1">
+              <a:shade val="15000"/>
+            </a:schemeClr>
+          </a:lnRef>
+          <a:fillRef idx="1">
+            <a:schemeClr val="accent1"/>
+          </a:fillRef>
+          <a:effectRef idx="0">
+            <a:schemeClr val="accent1"/>
+          </a:effectRef>
+          <a:fontRef idx="minor">
+            <a:schemeClr val="lt1"/>
+          </a:fontRef>
+        </p:style>
+        <p:txBody>
+          <a:bodyPr rtlCol="0" anchor="ctr"/>
+          <a:lstStyle/>
+          <a:p>
+            <a:pPr algn="ctr"/>
+            <a:r>
+              <a:rPr lang="en-US" sz="1000" dirty="0">
+                <a:latin typeface="Palatino Linotype" panose="02040502050505030304" pitchFamily="18" charset="0"/>
+              </a:rPr>
+              <a:t>Dense Layer</a:t>
+            </a:r>
+            <a:endParaRPr lang="en-GB" sz="1000" dirty="0">
+              <a:latin typeface="Palatino Linotype" panose="02040502050505030304" pitchFamily="18" charset="0"/>
+            </a:endParaRPr>
+          </a:p>
+        </p:txBody>
+      </p:sp>
+      <p:sp>
+        <p:nvSpPr>
+          <p:cNvPr id="48" name="Trapezoid 47">
+            <a:extLst>
+              <a:ext uri="{FF2B5EF4-FFF2-40B4-BE49-F238E27FC236}">
+                <a16:creationId xmlns:a16="http://schemas.microsoft.com/office/drawing/2014/main" id="{35FE92AB-92A0-EF02-8B37-988565D57B02}"/>
+              </a:ext>
+            </a:extLst>
+          </p:cNvPr>
+          <p:cNvSpPr/>
+          <p:nvPr/>
+        </p:nvSpPr>
+        <p:spPr>
+          <a:xfrm rot="16200000">
+            <a:off x="5717174" y="4493357"/>
+            <a:ext cx="2156603" cy="421257"/>
+          </a:xfrm>
+          <a:prstGeom prst="trapezoid">
+            <a:avLst/>
+          </a:prstGeom>
+          <a:solidFill>
+            <a:schemeClr val="accent2"/>
+          </a:solidFill>
+          <a:ln>
+            <a:noFill/>
+          </a:ln>
+        </p:spPr>
+        <p:style>
+          <a:lnRef idx="2">
+            <a:schemeClr val="accent1">
+              <a:shade val="15000"/>
+            </a:schemeClr>
+          </a:lnRef>
+          <a:fillRef idx="1">
+            <a:schemeClr val="accent1"/>
+          </a:fillRef>
+          <a:effectRef idx="0">
+            <a:schemeClr val="accent1"/>
+          </a:effectRef>
+          <a:fontRef idx="minor">
+            <a:schemeClr val="lt1"/>
+          </a:fontRef>
+        </p:style>
+        <p:txBody>
+          <a:bodyPr rtlCol="0" anchor="ctr"/>
+          <a:lstStyle/>
+          <a:p>
+            <a:pPr algn="ctr"/>
+            <a:r>
+              <a:rPr lang="en-US" sz="1000" dirty="0">
+                <a:latin typeface="Palatino Linotype" panose="02040502050505030304" pitchFamily="18" charset="0"/>
+              </a:rPr>
+              <a:t>Batch </a:t>
+            </a:r>
+            <a:r>
+              <a:rPr lang="en-US" sz="1000" dirty="0" err="1">
+                <a:latin typeface="Palatino Linotype" panose="02040502050505030304" pitchFamily="18" charset="0"/>
+              </a:rPr>
+              <a:t>Normalisation</a:t>
+            </a:r>
+            <a:endParaRPr lang="en-US" sz="1000" dirty="0">
+              <a:latin typeface="Palatino Linotype" panose="02040502050505030304" pitchFamily="18" charset="0"/>
+            </a:endParaRPr>
+          </a:p>
+        </p:txBody>
+      </p:sp>
+      <p:sp>
+        <p:nvSpPr>
+          <p:cNvPr id="67" name="Rectangle 66">
+            <a:extLst>
+              <a:ext uri="{FF2B5EF4-FFF2-40B4-BE49-F238E27FC236}">
+                <a16:creationId xmlns:a16="http://schemas.microsoft.com/office/drawing/2014/main" id="{46B18E33-BB16-5E9C-6AAD-04FEB1CE6820}"/>
+              </a:ext>
+            </a:extLst>
+          </p:cNvPr>
+          <p:cNvSpPr/>
+          <p:nvPr/>
+        </p:nvSpPr>
+        <p:spPr>
+          <a:xfrm>
+            <a:off x="7313367" y="1274909"/>
+            <a:ext cx="2156604" cy="421258"/>
+          </a:xfrm>
+          <a:prstGeom prst="rect">
+            <a:avLst/>
+          </a:prstGeom>
+          <a:solidFill>
+            <a:schemeClr val="accent6">
+              <a:lumMod val="60000"/>
+              <a:lumOff val="40000"/>
+            </a:schemeClr>
+          </a:solidFill>
+          <a:ln>
+            <a:noFill/>
+          </a:ln>
+        </p:spPr>
+        <p:style>
+          <a:lnRef idx="2">
+            <a:schemeClr val="accent1">
+              <a:shade val="15000"/>
+            </a:schemeClr>
+          </a:lnRef>
+          <a:fillRef idx="1">
+            <a:schemeClr val="accent1"/>
+          </a:fillRef>
+          <a:effectRef idx="0">
+            <a:schemeClr val="accent1"/>
+          </a:effectRef>
+          <a:fontRef idx="minor">
+            <a:schemeClr val="lt1"/>
+          </a:fontRef>
+        </p:style>
+        <p:txBody>
+          <a:bodyPr rtlCol="0" anchor="ctr"/>
+          <a:lstStyle/>
+          <a:p>
+            <a:pPr algn="ctr"/>
+            <a:r>
+              <a:rPr lang="en-US" sz="1000" dirty="0">
+                <a:latin typeface="Palatino Linotype" panose="02040502050505030304" pitchFamily="18" charset="0"/>
+              </a:rPr>
+              <a:t>Generation Encoder</a:t>
+            </a:r>
+            <a:endParaRPr lang="en-GB" sz="1000" dirty="0">
+              <a:latin typeface="Palatino Linotype" panose="02040502050505030304" pitchFamily="18" charset="0"/>
+            </a:endParaRPr>
+          </a:p>
+        </p:txBody>
+      </p:sp>
+      <p:sp>
+        <p:nvSpPr>
+          <p:cNvPr id="68" name="Rectangle 67">
+            <a:extLst>
+              <a:ext uri="{FF2B5EF4-FFF2-40B4-BE49-F238E27FC236}">
+                <a16:creationId xmlns:a16="http://schemas.microsoft.com/office/drawing/2014/main" id="{3CD7B35B-E147-9E90-EE93-85813D96A390}"/>
+              </a:ext>
+            </a:extLst>
+          </p:cNvPr>
+          <p:cNvSpPr/>
+          <p:nvPr/>
+        </p:nvSpPr>
+        <p:spPr>
+          <a:xfrm>
+            <a:off x="7399092" y="2677710"/>
+            <a:ext cx="2156604" cy="421258"/>
+          </a:xfrm>
+          <a:prstGeom prst="rect">
+            <a:avLst/>
+          </a:prstGeom>
+          <a:solidFill>
+            <a:schemeClr val="accent6">
+              <a:lumMod val="60000"/>
+              <a:lumOff val="40000"/>
+            </a:schemeClr>
+          </a:solidFill>
+          <a:ln>
+            <a:noFill/>
+          </a:ln>
+        </p:spPr>
+        <p:style>
+          <a:lnRef idx="2">
+            <a:schemeClr val="accent1">
+              <a:shade val="15000"/>
+            </a:schemeClr>
+          </a:lnRef>
+          <a:fillRef idx="1">
+            <a:schemeClr val="accent1"/>
+          </a:fillRef>
+          <a:effectRef idx="0">
+            <a:schemeClr val="accent1"/>
+          </a:effectRef>
+          <a:fontRef idx="minor">
+            <a:schemeClr val="lt1"/>
+          </a:fontRef>
+        </p:style>
+        <p:txBody>
+          <a:bodyPr rtlCol="0" anchor="ctr"/>
+          <a:lstStyle/>
+          <a:p>
+            <a:pPr algn="ctr"/>
+            <a:r>
+              <a:rPr lang="en-US" sz="1000" dirty="0">
+                <a:latin typeface="Palatino Linotype" panose="02040502050505030304" pitchFamily="18" charset="0"/>
+              </a:rPr>
+              <a:t>Generation Encoder</a:t>
+            </a:r>
+            <a:endParaRPr lang="en-GB" sz="1000" dirty="0">
+              <a:latin typeface="Palatino Linotype" panose="02040502050505030304" pitchFamily="18" charset="0"/>
+            </a:endParaRPr>
+          </a:p>
+        </p:txBody>
+      </p:sp>
+      <p:sp>
+        <p:nvSpPr>
+          <p:cNvPr id="69" name="Rectangle: Top Corners Snipped 68">
+            <a:extLst>
+              <a:ext uri="{FF2B5EF4-FFF2-40B4-BE49-F238E27FC236}">
+                <a16:creationId xmlns:a16="http://schemas.microsoft.com/office/drawing/2014/main" id="{F081FD79-240C-7B62-D168-AA2C70C0C648}"/>
+              </a:ext>
+            </a:extLst>
+          </p:cNvPr>
+          <p:cNvSpPr/>
+          <p:nvPr/>
+        </p:nvSpPr>
+        <p:spPr>
+          <a:xfrm rot="16200000">
+            <a:off x="8993846" y="4553822"/>
+            <a:ext cx="2168996" cy="579414"/>
+          </a:xfrm>
+          <a:prstGeom prst="snip2SameRect">
+            <a:avLst>
+              <a:gd name="adj1" fmla="val 50000"/>
+              <a:gd name="adj2" fmla="val 0"/>
+            </a:avLst>
+          </a:prstGeom>
+          <a:solidFill>
+            <a:schemeClr val="accent6">
+              <a:lumMod val="60000"/>
+              <a:lumOff val="40000"/>
+            </a:schemeClr>
+          </a:solidFill>
+          <a:ln>
+            <a:noFill/>
+          </a:ln>
+        </p:spPr>
+        <p:style>
+          <a:lnRef idx="2">
+            <a:schemeClr val="accent1">
+              <a:shade val="15000"/>
+            </a:schemeClr>
+          </a:lnRef>
+          <a:fillRef idx="1">
+            <a:schemeClr val="accent1"/>
+          </a:fillRef>
+          <a:effectRef idx="0">
+            <a:schemeClr val="accent1"/>
+          </a:effectRef>
+          <a:fontRef idx="minor">
+            <a:schemeClr val="lt1"/>
+          </a:fontRef>
+        </p:style>
+        <p:txBody>
+          <a:bodyPr rtlCol="0" anchor="ctr"/>
+          <a:lstStyle/>
+          <a:p>
+            <a:pPr algn="ctr"/>
+            <a:endParaRPr lang="en-GB"/>
+          </a:p>
+        </p:txBody>
+      </p:sp>
+      <p:sp>
+        <p:nvSpPr>
+          <p:cNvPr id="70" name="Rectangle: Top Corners Snipped 69">
+            <a:extLst>
+              <a:ext uri="{FF2B5EF4-FFF2-40B4-BE49-F238E27FC236}">
+                <a16:creationId xmlns:a16="http://schemas.microsoft.com/office/drawing/2014/main" id="{5073684D-C5D2-6CE3-2EA7-26011FA340BC}"/>
+              </a:ext>
+            </a:extLst>
+          </p:cNvPr>
+          <p:cNvSpPr/>
+          <p:nvPr/>
+        </p:nvSpPr>
+        <p:spPr>
+          <a:xfrm rot="5400000">
+            <a:off x="7887559" y="4553822"/>
+            <a:ext cx="2168996" cy="579414"/>
+          </a:xfrm>
+          <a:prstGeom prst="snip2SameRect">
+            <a:avLst>
+              <a:gd name="adj1" fmla="val 50000"/>
+              <a:gd name="adj2" fmla="val 0"/>
+            </a:avLst>
+          </a:prstGeom>
+          <a:solidFill>
+            <a:schemeClr val="accent6">
+              <a:lumMod val="60000"/>
+              <a:lumOff val="40000"/>
+            </a:schemeClr>
+          </a:solidFill>
+          <a:ln>
+            <a:noFill/>
+          </a:ln>
+        </p:spPr>
+        <p:style>
+          <a:lnRef idx="2">
+            <a:schemeClr val="accent1">
+              <a:shade val="15000"/>
+            </a:schemeClr>
+          </a:lnRef>
+          <a:fillRef idx="1">
+            <a:schemeClr val="accent1"/>
+          </a:fillRef>
+          <a:effectRef idx="0">
+            <a:schemeClr val="accent1"/>
+          </a:effectRef>
+          <a:fontRef idx="minor">
+            <a:schemeClr val="lt1"/>
+          </a:fontRef>
+        </p:style>
+        <p:txBody>
+          <a:bodyPr rtlCol="0" anchor="ctr"/>
+          <a:lstStyle/>
+          <a:p>
+            <a:pPr algn="ctr"/>
+            <a:endParaRPr lang="en-GB"/>
+          </a:p>
+        </p:txBody>
+      </p:sp>
+      <p:sp>
+        <p:nvSpPr>
+          <p:cNvPr id="71" name="Rectangle 70">
+            <a:extLst>
+              <a:ext uri="{FF2B5EF4-FFF2-40B4-BE49-F238E27FC236}">
+                <a16:creationId xmlns:a16="http://schemas.microsoft.com/office/drawing/2014/main" id="{9B986A68-3D40-A658-EA0C-436B2E93B95B}"/>
+              </a:ext>
+            </a:extLst>
+          </p:cNvPr>
+          <p:cNvSpPr/>
+          <p:nvPr/>
+        </p:nvSpPr>
+        <p:spPr>
+          <a:xfrm rot="5400000">
+            <a:off x="9084906" y="4216673"/>
+            <a:ext cx="832452" cy="421258"/>
+          </a:xfrm>
+          <a:prstGeom prst="rect">
+            <a:avLst/>
+          </a:prstGeom>
+          <a:solidFill>
+            <a:schemeClr val="accent6">
+              <a:lumMod val="60000"/>
+              <a:lumOff val="40000"/>
+            </a:schemeClr>
+          </a:solidFill>
+          <a:ln>
+            <a:noFill/>
+          </a:ln>
+        </p:spPr>
+        <p:style>
+          <a:lnRef idx="2">
+            <a:schemeClr val="accent1">
+              <a:shade val="15000"/>
+            </a:schemeClr>
+          </a:lnRef>
+          <a:fillRef idx="1">
+            <a:schemeClr val="accent1"/>
+          </a:fillRef>
+          <a:effectRef idx="0">
+            <a:schemeClr val="accent1"/>
+          </a:effectRef>
+          <a:fontRef idx="minor">
+            <a:schemeClr val="lt1"/>
+          </a:fontRef>
+        </p:style>
+        <p:txBody>
+          <a:bodyPr rtlCol="0" anchor="ctr"/>
+          <a:lstStyle/>
+          <a:p>
+            <a:pPr algn="ctr"/>
+            <a:r>
+              <a:rPr lang="en-US" sz="1000" dirty="0">
+                <a:latin typeface="Palatino Linotype" panose="02040502050505030304" pitchFamily="18" charset="0"/>
+              </a:rPr>
+              <a:t>Latent Vector</a:t>
+            </a:r>
+            <a:endParaRPr lang="en-GB" sz="1000" dirty="0">
+              <a:latin typeface="Palatino Linotype" panose="02040502050505030304" pitchFamily="18" charset="0"/>
+            </a:endParaRPr>
+          </a:p>
+        </p:txBody>
+      </p:sp>
+      <p:sp>
+        <p:nvSpPr>
+          <p:cNvPr id="72" name="Rectangle 71">
+            <a:extLst>
+              <a:ext uri="{FF2B5EF4-FFF2-40B4-BE49-F238E27FC236}">
+                <a16:creationId xmlns:a16="http://schemas.microsoft.com/office/drawing/2014/main" id="{31D79E4E-47A9-61AD-52A6-A627C984B518}"/>
+              </a:ext>
+            </a:extLst>
+          </p:cNvPr>
+          <p:cNvSpPr/>
+          <p:nvPr/>
+        </p:nvSpPr>
+        <p:spPr>
+          <a:xfrm rot="5400000">
+            <a:off x="9084906" y="5135384"/>
+            <a:ext cx="832452" cy="421258"/>
+          </a:xfrm>
+          <a:prstGeom prst="rect">
+            <a:avLst/>
+          </a:prstGeom>
+          <a:solidFill>
+            <a:schemeClr val="accent4">
+              <a:lumMod val="75000"/>
+            </a:schemeClr>
+          </a:solidFill>
+          <a:ln>
+            <a:noFill/>
+          </a:ln>
+        </p:spPr>
+        <p:style>
+          <a:lnRef idx="2">
+            <a:schemeClr val="accent1">
+              <a:shade val="15000"/>
+            </a:schemeClr>
+          </a:lnRef>
+          <a:fillRef idx="1">
+            <a:schemeClr val="accent1"/>
+          </a:fillRef>
+          <a:effectRef idx="0">
+            <a:schemeClr val="accent1"/>
+          </a:effectRef>
+          <a:fontRef idx="minor">
+            <a:schemeClr val="lt1"/>
+          </a:fontRef>
+        </p:style>
+        <p:txBody>
+          <a:bodyPr rtlCol="0" anchor="ctr"/>
+          <a:lstStyle/>
+          <a:p>
+            <a:pPr algn="ctr"/>
+            <a:r>
+              <a:rPr lang="en-US" sz="800" dirty="0">
+                <a:latin typeface="Palatino Linotype" panose="02040502050505030304" pitchFamily="18" charset="0"/>
+              </a:rPr>
+              <a:t>User Specified conditions</a:t>
+            </a:r>
+            <a:endParaRPr lang="en-GB" sz="800" dirty="0">
+              <a:latin typeface="Palatino Linotype" panose="02040502050505030304" pitchFamily="18" charset="0"/>
+            </a:endParaRPr>
+          </a:p>
+        </p:txBody>
+      </p:sp>
+    </p:spTree>
+    <p:extLst>
+      <p:ext uri="{BB962C8B-B14F-4D97-AF65-F5344CB8AC3E}">
+        <p14:creationId xmlns:p14="http://schemas.microsoft.com/office/powerpoint/2010/main" val="1230426895"/>
+      </p:ext>
+    </p:extLst>
+  </p:cSld>
+  <p:clrMapOvr>
+    <a:masterClrMapping/>
+  </p:clrMapOvr>
+</p:sld>
+</file>
+
+<file path=ppt/slides/slide7.xml><?xml version="1.0" encoding="utf-8"?>
+<p:sld xmlns:a="http://schemas.openxmlformats.org/drawingml/2006/main" xmlns:r="http://schemas.openxmlformats.org/officeDocument/2006/relationships" xmlns:p="http://schemas.openxmlformats.org/presentationml/2006/main">
+  <p:cSld>
+    <p:spTree>
+      <p:nvGrpSpPr>
+        <p:cNvPr id="1" name=""/>
+        <p:cNvGrpSpPr/>
+        <p:nvPr/>
+      </p:nvGrpSpPr>
+      <p:grpSpPr>
+        <a:xfrm>
+          <a:off x="0" y="0"/>
+          <a:ext cx="0" cy="0"/>
+          <a:chOff x="0" y="0"/>
+          <a:chExt cx="0" cy="0"/>
+        </a:xfrm>
+      </p:grpSpPr>
+      <p:sp>
+        <p:nvSpPr>
+          <p:cNvPr id="10" name="Rectangle 9">
+            <a:extLst>
+              <a:ext uri="{FF2B5EF4-FFF2-40B4-BE49-F238E27FC236}">
+                <a16:creationId xmlns:a16="http://schemas.microsoft.com/office/drawing/2014/main" id="{A22802CC-92EE-5EE0-1FF7-55A132DA83A9}"/>
+              </a:ext>
+            </a:extLst>
+          </p:cNvPr>
+          <p:cNvSpPr/>
+          <p:nvPr/>
+        </p:nvSpPr>
+        <p:spPr>
+          <a:xfrm rot="5400000">
+            <a:off x="848392" y="1075423"/>
+            <a:ext cx="1387725" cy="299463"/>
+          </a:xfrm>
+          <a:prstGeom prst="rect">
+            <a:avLst/>
+          </a:prstGeom>
+          <a:solidFill>
+            <a:srgbClr val="FF5050"/>
+          </a:solidFill>
+          <a:ln>
+            <a:noFill/>
+          </a:ln>
+        </p:spPr>
+        <p:style>
+          <a:lnRef idx="2">
+            <a:schemeClr val="accent1">
+              <a:shade val="15000"/>
+            </a:schemeClr>
+          </a:lnRef>
+          <a:fillRef idx="1">
+            <a:schemeClr val="accent1"/>
+          </a:fillRef>
+          <a:effectRef idx="0">
+            <a:schemeClr val="accent1"/>
+          </a:effectRef>
+          <a:fontRef idx="minor">
+            <a:schemeClr val="lt1"/>
+          </a:fontRef>
+        </p:style>
+        <p:txBody>
+          <a:bodyPr rtlCol="0" anchor="ctr"/>
+          <a:lstStyle/>
+          <a:p>
+            <a:pPr algn="ctr"/>
+            <a:r>
+              <a:rPr lang="en-US" sz="1000" dirty="0">
+                <a:latin typeface="Palatino Linotype" panose="02040502050505030304" pitchFamily="18" charset="0"/>
+              </a:rPr>
+              <a:t>Latent Vector</a:t>
+            </a:r>
+            <a:endParaRPr lang="en-GB" sz="1000" dirty="0">
+              <a:latin typeface="Palatino Linotype" panose="02040502050505030304" pitchFamily="18" charset="0"/>
+            </a:endParaRPr>
+          </a:p>
+        </p:txBody>
+      </p:sp>
+      <p:sp>
+        <p:nvSpPr>
+          <p:cNvPr id="12" name="Rectangle 11">
+            <a:extLst>
+              <a:ext uri="{FF2B5EF4-FFF2-40B4-BE49-F238E27FC236}">
+                <a16:creationId xmlns:a16="http://schemas.microsoft.com/office/drawing/2014/main" id="{3A0EFBAC-7F1B-8A15-8A58-7C7137F43C2E}"/>
+              </a:ext>
+            </a:extLst>
+          </p:cNvPr>
+          <p:cNvSpPr/>
+          <p:nvPr/>
+        </p:nvSpPr>
+        <p:spPr>
+          <a:xfrm rot="5400000">
+            <a:off x="-274389" y="1031254"/>
+            <a:ext cx="2020412" cy="387802"/>
+          </a:xfrm>
+          <a:prstGeom prst="rect">
+            <a:avLst/>
+          </a:prstGeom>
+          <a:solidFill>
+            <a:schemeClr val="accent1">
+              <a:lumMod val="60000"/>
+              <a:lumOff val="40000"/>
+            </a:schemeClr>
+          </a:solidFill>
+          <a:ln>
+            <a:noFill/>
+          </a:ln>
+        </p:spPr>
+        <p:style>
+          <a:lnRef idx="2">
+            <a:schemeClr val="accent1">
+              <a:shade val="15000"/>
+            </a:schemeClr>
+          </a:lnRef>
+          <a:fillRef idx="1">
+            <a:schemeClr val="accent1"/>
+          </a:fillRef>
+          <a:effectRef idx="0">
+            <a:schemeClr val="accent1"/>
+          </a:effectRef>
+          <a:fontRef idx="minor">
+            <a:schemeClr val="lt1"/>
+          </a:fontRef>
+        </p:style>
+        <p:txBody>
+          <a:bodyPr rtlCol="0" anchor="ctr"/>
+          <a:lstStyle/>
+          <a:p>
+            <a:pPr algn="ctr"/>
+            <a:r>
+              <a:rPr lang="en-US" sz="1400" dirty="0">
+                <a:latin typeface="Palatino Linotype" panose="02040502050505030304" pitchFamily="18" charset="0"/>
+              </a:rPr>
+              <a:t>Genetic Information</a:t>
+            </a:r>
+            <a:endParaRPr lang="en-GB" sz="1400" dirty="0">
+              <a:latin typeface="Palatino Linotype" panose="02040502050505030304" pitchFamily="18" charset="0"/>
+            </a:endParaRPr>
+          </a:p>
+        </p:txBody>
+      </p:sp>
+      <p:sp>
+        <p:nvSpPr>
+          <p:cNvPr id="22" name="Trapezoid 21">
+            <a:extLst>
+              <a:ext uri="{FF2B5EF4-FFF2-40B4-BE49-F238E27FC236}">
+                <a16:creationId xmlns:a16="http://schemas.microsoft.com/office/drawing/2014/main" id="{7BCC5EDC-9D7B-E8D0-167F-78A0ADEE601F}"/>
+              </a:ext>
+            </a:extLst>
+          </p:cNvPr>
+          <p:cNvSpPr/>
+          <p:nvPr/>
+        </p:nvSpPr>
+        <p:spPr>
+          <a:xfrm rot="5400000">
+            <a:off x="150914" y="1052029"/>
+            <a:ext cx="2020413" cy="346254"/>
+          </a:xfrm>
+          <a:prstGeom prst="trapezoid">
+            <a:avLst>
+              <a:gd name="adj" fmla="val 91021"/>
+            </a:avLst>
+          </a:prstGeom>
+          <a:solidFill>
+            <a:schemeClr val="accent6">
+              <a:lumMod val="60000"/>
+              <a:lumOff val="40000"/>
+            </a:schemeClr>
+          </a:solidFill>
+          <a:ln>
+            <a:noFill/>
+          </a:ln>
+        </p:spPr>
+        <p:style>
+          <a:lnRef idx="2">
+            <a:schemeClr val="accent1">
+              <a:shade val="15000"/>
+            </a:schemeClr>
+          </a:lnRef>
+          <a:fillRef idx="1">
+            <a:schemeClr val="accent1"/>
+          </a:fillRef>
+          <a:effectRef idx="0">
+            <a:schemeClr val="accent1"/>
+          </a:effectRef>
+          <a:fontRef idx="minor">
+            <a:schemeClr val="lt1"/>
+          </a:fontRef>
+        </p:style>
+        <p:txBody>
+          <a:bodyPr rtlCol="0" anchor="ctr"/>
+          <a:lstStyle/>
+          <a:p>
+            <a:pPr algn="ctr"/>
+            <a:r>
+              <a:rPr lang="en-US" sz="1400" dirty="0">
+                <a:latin typeface="Palatino Linotype" panose="02040502050505030304" pitchFamily="18" charset="0"/>
+              </a:rPr>
+              <a:t>Encoder</a:t>
+            </a:r>
+            <a:endParaRPr lang="en-GB" sz="1400" dirty="0">
+              <a:latin typeface="Palatino Linotype" panose="02040502050505030304" pitchFamily="18" charset="0"/>
+            </a:endParaRPr>
+          </a:p>
+        </p:txBody>
+      </p:sp>
+      <p:sp>
+        <p:nvSpPr>
+          <p:cNvPr id="25" name="Trapezoid 24">
+            <a:extLst>
+              <a:ext uri="{FF2B5EF4-FFF2-40B4-BE49-F238E27FC236}">
+                <a16:creationId xmlns:a16="http://schemas.microsoft.com/office/drawing/2014/main" id="{09A10E24-36E5-8D81-7501-E12A01CC09A3}"/>
+              </a:ext>
+            </a:extLst>
+          </p:cNvPr>
+          <p:cNvSpPr/>
+          <p:nvPr/>
+        </p:nvSpPr>
+        <p:spPr>
+          <a:xfrm rot="16200000">
+            <a:off x="913183" y="1052028"/>
+            <a:ext cx="2020413" cy="346254"/>
+          </a:xfrm>
+          <a:prstGeom prst="trapezoid">
+            <a:avLst>
+              <a:gd name="adj" fmla="val 91021"/>
+            </a:avLst>
+          </a:prstGeom>
+          <a:solidFill>
+            <a:schemeClr val="accent6">
+              <a:lumMod val="75000"/>
+            </a:schemeClr>
+          </a:solidFill>
+          <a:ln>
+            <a:noFill/>
+          </a:ln>
+        </p:spPr>
+        <p:style>
+          <a:lnRef idx="2">
+            <a:schemeClr val="accent1">
+              <a:shade val="15000"/>
+            </a:schemeClr>
+          </a:lnRef>
+          <a:fillRef idx="1">
+            <a:schemeClr val="accent1"/>
+          </a:fillRef>
+          <a:effectRef idx="0">
+            <a:schemeClr val="accent1"/>
+          </a:effectRef>
+          <a:fontRef idx="minor">
+            <a:schemeClr val="lt1"/>
+          </a:fontRef>
+        </p:style>
+        <p:txBody>
+          <a:bodyPr rtlCol="0" anchor="ctr"/>
+          <a:lstStyle/>
+          <a:p>
+            <a:pPr algn="ctr"/>
+            <a:r>
+              <a:rPr lang="en-US" sz="1400" dirty="0">
+                <a:latin typeface="Palatino Linotype" panose="02040502050505030304" pitchFamily="18" charset="0"/>
+              </a:rPr>
+              <a:t>Decoder</a:t>
+            </a:r>
+            <a:endParaRPr lang="en-GB" sz="1400" dirty="0">
+              <a:latin typeface="Palatino Linotype" panose="02040502050505030304" pitchFamily="18" charset="0"/>
+            </a:endParaRPr>
+          </a:p>
+        </p:txBody>
+      </p:sp>
+      <p:sp>
+        <p:nvSpPr>
+          <p:cNvPr id="26" name="Rectangle 25">
+            <a:extLst>
+              <a:ext uri="{FF2B5EF4-FFF2-40B4-BE49-F238E27FC236}">
+                <a16:creationId xmlns:a16="http://schemas.microsoft.com/office/drawing/2014/main" id="{8F446D1D-E167-4E29-5202-48D3ABD70AD0}"/>
+              </a:ext>
+            </a:extLst>
+          </p:cNvPr>
+          <p:cNvSpPr/>
+          <p:nvPr/>
+        </p:nvSpPr>
+        <p:spPr>
+          <a:xfrm rot="16200000">
+            <a:off x="1338487" y="1031254"/>
+            <a:ext cx="2020412" cy="387802"/>
+          </a:xfrm>
+          <a:prstGeom prst="rect">
+            <a:avLst/>
+          </a:prstGeom>
+          <a:solidFill>
+            <a:schemeClr val="accent1">
+              <a:lumMod val="60000"/>
+              <a:lumOff val="40000"/>
+            </a:schemeClr>
+          </a:solidFill>
+          <a:ln>
+            <a:noFill/>
+          </a:ln>
+        </p:spPr>
+        <p:style>
+          <a:lnRef idx="2">
+            <a:schemeClr val="accent1">
+              <a:shade val="15000"/>
+            </a:schemeClr>
+          </a:lnRef>
+          <a:fillRef idx="1">
+            <a:schemeClr val="accent1"/>
+          </a:fillRef>
+          <a:effectRef idx="0">
+            <a:schemeClr val="accent1"/>
+          </a:effectRef>
+          <a:fontRef idx="minor">
+            <a:schemeClr val="lt1"/>
+          </a:fontRef>
+        </p:style>
+        <p:txBody>
+          <a:bodyPr rtlCol="0" anchor="ctr"/>
+          <a:lstStyle/>
+          <a:p>
+            <a:pPr algn="ctr"/>
+            <a:r>
+              <a:rPr lang="en-US" sz="1400" dirty="0">
+                <a:latin typeface="Palatino Linotype" panose="02040502050505030304" pitchFamily="18" charset="0"/>
+              </a:rPr>
+              <a:t>Genetic Information</a:t>
+            </a:r>
+            <a:endParaRPr lang="en-GB" sz="1400" dirty="0">
+              <a:latin typeface="Palatino Linotype" panose="02040502050505030304" pitchFamily="18" charset="0"/>
+            </a:endParaRPr>
+          </a:p>
+        </p:txBody>
+      </p:sp>
+      <p:sp>
+        <p:nvSpPr>
+          <p:cNvPr id="27" name="Rectangle 26">
+            <a:extLst>
+              <a:ext uri="{FF2B5EF4-FFF2-40B4-BE49-F238E27FC236}">
+                <a16:creationId xmlns:a16="http://schemas.microsoft.com/office/drawing/2014/main" id="{F58D7744-8050-B18E-429D-C4AD6DE93C30}"/>
+              </a:ext>
+            </a:extLst>
+          </p:cNvPr>
+          <p:cNvSpPr/>
+          <p:nvPr/>
+        </p:nvSpPr>
+        <p:spPr>
+          <a:xfrm rot="5400000">
+            <a:off x="3560841" y="2360206"/>
+            <a:ext cx="1749786" cy="387803"/>
+          </a:xfrm>
+          <a:prstGeom prst="rect">
+            <a:avLst/>
+          </a:prstGeom>
+          <a:solidFill>
+            <a:schemeClr val="accent4">
+              <a:lumMod val="60000"/>
+              <a:lumOff val="40000"/>
+            </a:schemeClr>
+          </a:solidFill>
+          <a:ln>
+            <a:noFill/>
+          </a:ln>
+        </p:spPr>
+        <p:style>
+          <a:lnRef idx="2">
+            <a:schemeClr val="accent1">
+              <a:shade val="15000"/>
+            </a:schemeClr>
+          </a:lnRef>
+          <a:fillRef idx="1">
+            <a:schemeClr val="accent1"/>
+          </a:fillRef>
+          <a:effectRef idx="0">
+            <a:schemeClr val="accent1"/>
+          </a:effectRef>
+          <a:fontRef idx="minor">
+            <a:schemeClr val="lt1"/>
+          </a:fontRef>
+        </p:style>
+        <p:txBody>
+          <a:bodyPr rtlCol="0" anchor="ctr"/>
+          <a:lstStyle/>
+          <a:p>
+            <a:pPr algn="ctr"/>
+            <a:r>
+              <a:rPr lang="en-US" sz="1100" b="1" dirty="0">
+                <a:latin typeface="Palatino Linotype" panose="02040502050505030304" pitchFamily="18" charset="0"/>
+              </a:rPr>
+              <a:t>Target Diseases</a:t>
+            </a:r>
+            <a:endParaRPr lang="en-GB" sz="1100" b="1" dirty="0">
+              <a:latin typeface="Palatino Linotype" panose="02040502050505030304" pitchFamily="18" charset="0"/>
+            </a:endParaRPr>
+          </a:p>
+        </p:txBody>
+      </p:sp>
+      <p:sp>
+        <p:nvSpPr>
+          <p:cNvPr id="28" name="Rectangle 27">
+            <a:extLst>
+              <a:ext uri="{FF2B5EF4-FFF2-40B4-BE49-F238E27FC236}">
+                <a16:creationId xmlns:a16="http://schemas.microsoft.com/office/drawing/2014/main" id="{04BCCF6D-5E50-90C9-E112-B9813D8278FE}"/>
+              </a:ext>
+            </a:extLst>
+          </p:cNvPr>
+          <p:cNvSpPr/>
+          <p:nvPr/>
+        </p:nvSpPr>
+        <p:spPr>
+          <a:xfrm rot="5400000">
+            <a:off x="4564730" y="4417818"/>
+            <a:ext cx="1413841" cy="387802"/>
+          </a:xfrm>
+          <a:prstGeom prst="rect">
+            <a:avLst/>
+          </a:prstGeom>
+          <a:solidFill>
+            <a:srgbClr val="FF5050"/>
+          </a:solidFill>
+          <a:ln>
+            <a:noFill/>
+          </a:ln>
+        </p:spPr>
+        <p:style>
+          <a:lnRef idx="2">
+            <a:schemeClr val="accent1">
+              <a:shade val="15000"/>
+            </a:schemeClr>
+          </a:lnRef>
+          <a:fillRef idx="1">
+            <a:schemeClr val="accent1"/>
+          </a:fillRef>
+          <a:effectRef idx="0">
+            <a:schemeClr val="accent1"/>
+          </a:effectRef>
+          <a:fontRef idx="minor">
+            <a:schemeClr val="lt1"/>
+          </a:fontRef>
+        </p:style>
+        <p:txBody>
+          <a:bodyPr rtlCol="0" anchor="ctr"/>
+          <a:lstStyle/>
+          <a:p>
+            <a:pPr algn="ctr"/>
+            <a:r>
+              <a:rPr lang="en-US" sz="1000" dirty="0">
+                <a:latin typeface="Palatino Linotype" panose="02040502050505030304" pitchFamily="18" charset="0"/>
+              </a:rPr>
+              <a:t>Genetics Latent Space</a:t>
+            </a:r>
+            <a:endParaRPr lang="en-GB" sz="1000" dirty="0">
+              <a:latin typeface="Palatino Linotype" panose="02040502050505030304" pitchFamily="18" charset="0"/>
+            </a:endParaRPr>
+          </a:p>
+        </p:txBody>
+      </p:sp>
+      <p:cxnSp>
+        <p:nvCxnSpPr>
+          <p:cNvPr id="33" name="Straight Arrow Connector 32">
+            <a:extLst>
+              <a:ext uri="{FF2B5EF4-FFF2-40B4-BE49-F238E27FC236}">
+                <a16:creationId xmlns:a16="http://schemas.microsoft.com/office/drawing/2014/main" id="{80C19921-DDFF-B974-A731-14B106DEE137}"/>
+              </a:ext>
+            </a:extLst>
+          </p:cNvPr>
+          <p:cNvCxnSpPr>
+            <a:cxnSpLocks/>
+          </p:cNvCxnSpPr>
+          <p:nvPr/>
+        </p:nvCxnSpPr>
+        <p:spPr>
+          <a:xfrm>
+            <a:off x="4668083" y="2582950"/>
+            <a:ext cx="366081" cy="0"/>
+          </a:xfrm>
+          <a:prstGeom prst="straightConnector1">
+            <a:avLst/>
+          </a:prstGeom>
+          <a:ln w="38100">
+            <a:solidFill>
+              <a:schemeClr val="tx1"/>
+            </a:solidFill>
+            <a:tailEnd type="triangle"/>
+          </a:ln>
+        </p:spPr>
+        <p:style>
+          <a:lnRef idx="1">
+            <a:schemeClr val="accent1"/>
+          </a:lnRef>
+          <a:fillRef idx="0">
+            <a:schemeClr val="accent1"/>
+          </a:fillRef>
+          <a:effectRef idx="0">
+            <a:schemeClr val="accent1"/>
+          </a:effectRef>
+          <a:fontRef idx="minor">
+            <a:schemeClr val="tx1"/>
+          </a:fontRef>
+        </p:style>
+      </p:cxnSp>
+      <p:sp>
+        <p:nvSpPr>
+          <p:cNvPr id="36" name="Rectangle 35">
+            <a:extLst>
+              <a:ext uri="{FF2B5EF4-FFF2-40B4-BE49-F238E27FC236}">
+                <a16:creationId xmlns:a16="http://schemas.microsoft.com/office/drawing/2014/main" id="{5B2BB2AF-3A6E-B797-FCD4-E6D63C5D30A3}"/>
+              </a:ext>
+            </a:extLst>
+          </p:cNvPr>
+          <p:cNvSpPr/>
+          <p:nvPr/>
+        </p:nvSpPr>
+        <p:spPr>
+          <a:xfrm rot="5400000">
+            <a:off x="4396758" y="2360205"/>
+            <a:ext cx="1749786" cy="387803"/>
+          </a:xfrm>
+          <a:prstGeom prst="rect">
+            <a:avLst/>
+          </a:prstGeom>
+          <a:solidFill>
+            <a:schemeClr val="accent4">
+              <a:lumMod val="75000"/>
+            </a:schemeClr>
+          </a:solidFill>
+          <a:ln>
+            <a:noFill/>
+          </a:ln>
+        </p:spPr>
+        <p:style>
+          <a:lnRef idx="2">
+            <a:schemeClr val="accent1">
+              <a:shade val="15000"/>
+            </a:schemeClr>
+          </a:lnRef>
+          <a:fillRef idx="1">
+            <a:schemeClr val="accent1"/>
+          </a:fillRef>
+          <a:effectRef idx="0">
+            <a:schemeClr val="accent1"/>
+          </a:effectRef>
+          <a:fontRef idx="minor">
+            <a:schemeClr val="lt1"/>
+          </a:fontRef>
+        </p:style>
+        <p:txBody>
+          <a:bodyPr rtlCol="0" anchor="ctr"/>
+          <a:lstStyle/>
+          <a:p>
+            <a:pPr algn="ctr"/>
+            <a:r>
+              <a:rPr lang="en-US" sz="1000" dirty="0">
+                <a:latin typeface="Palatino Linotype" panose="02040502050505030304" pitchFamily="18" charset="0"/>
+              </a:rPr>
+              <a:t>Current Treatment Molecules</a:t>
+            </a:r>
+            <a:endParaRPr lang="en-GB" sz="1000" dirty="0">
+              <a:latin typeface="Palatino Linotype" panose="02040502050505030304" pitchFamily="18" charset="0"/>
+            </a:endParaRPr>
+          </a:p>
+        </p:txBody>
+      </p:sp>
+      <p:sp>
+        <p:nvSpPr>
+          <p:cNvPr id="39" name="Rectangle 38">
+            <a:extLst>
+              <a:ext uri="{FF2B5EF4-FFF2-40B4-BE49-F238E27FC236}">
+                <a16:creationId xmlns:a16="http://schemas.microsoft.com/office/drawing/2014/main" id="{224C925B-15C5-64BE-F5AE-F36ED68E9192}"/>
+              </a:ext>
+            </a:extLst>
+          </p:cNvPr>
+          <p:cNvSpPr/>
+          <p:nvPr/>
+        </p:nvSpPr>
+        <p:spPr>
+          <a:xfrm rot="5400000">
+            <a:off x="3425527" y="4415842"/>
+            <a:ext cx="2020412" cy="387802"/>
+          </a:xfrm>
+          <a:prstGeom prst="rect">
+            <a:avLst/>
+          </a:prstGeom>
+          <a:solidFill>
+            <a:schemeClr val="accent1">
+              <a:lumMod val="60000"/>
+              <a:lumOff val="40000"/>
+            </a:schemeClr>
+          </a:solidFill>
+          <a:ln>
+            <a:noFill/>
+          </a:ln>
+        </p:spPr>
+        <p:style>
+          <a:lnRef idx="2">
+            <a:schemeClr val="accent1">
+              <a:shade val="15000"/>
+            </a:schemeClr>
+          </a:lnRef>
+          <a:fillRef idx="1">
+            <a:schemeClr val="accent1"/>
+          </a:fillRef>
+          <a:effectRef idx="0">
+            <a:schemeClr val="accent1"/>
+          </a:effectRef>
+          <a:fontRef idx="minor">
+            <a:schemeClr val="lt1"/>
+          </a:fontRef>
+        </p:style>
+        <p:txBody>
+          <a:bodyPr rtlCol="0" anchor="ctr"/>
+          <a:lstStyle/>
+          <a:p>
+            <a:pPr algn="ctr"/>
+            <a:r>
+              <a:rPr lang="en-US" sz="1400" dirty="0">
+                <a:latin typeface="Palatino Linotype" panose="02040502050505030304" pitchFamily="18" charset="0"/>
+              </a:rPr>
+              <a:t>Genetic Information</a:t>
+            </a:r>
+            <a:endParaRPr lang="en-GB" sz="1400" dirty="0">
+              <a:latin typeface="Palatino Linotype" panose="02040502050505030304" pitchFamily="18" charset="0"/>
+            </a:endParaRPr>
+          </a:p>
+        </p:txBody>
+      </p:sp>
+      <p:sp>
+        <p:nvSpPr>
+          <p:cNvPr id="40" name="Trapezoid 39">
+            <a:extLst>
+              <a:ext uri="{FF2B5EF4-FFF2-40B4-BE49-F238E27FC236}">
+                <a16:creationId xmlns:a16="http://schemas.microsoft.com/office/drawing/2014/main" id="{7BF4A7D5-2573-DFA0-37D9-87E3A9BB2B6D}"/>
+              </a:ext>
+            </a:extLst>
+          </p:cNvPr>
+          <p:cNvSpPr/>
+          <p:nvPr/>
+        </p:nvSpPr>
+        <p:spPr>
+          <a:xfrm rot="5400000">
+            <a:off x="3850830" y="4436617"/>
+            <a:ext cx="2020413" cy="346254"/>
+          </a:xfrm>
+          <a:prstGeom prst="trapezoid">
+            <a:avLst>
+              <a:gd name="adj" fmla="val 91021"/>
+            </a:avLst>
+          </a:prstGeom>
+          <a:solidFill>
+            <a:schemeClr val="accent6">
+              <a:lumMod val="60000"/>
+              <a:lumOff val="40000"/>
+            </a:schemeClr>
+          </a:solidFill>
+          <a:ln>
+            <a:noFill/>
+          </a:ln>
+        </p:spPr>
+        <p:style>
+          <a:lnRef idx="2">
+            <a:schemeClr val="accent1">
+              <a:shade val="15000"/>
+            </a:schemeClr>
+          </a:lnRef>
+          <a:fillRef idx="1">
+            <a:schemeClr val="accent1"/>
+          </a:fillRef>
+          <a:effectRef idx="0">
+            <a:schemeClr val="accent1"/>
+          </a:effectRef>
+          <a:fontRef idx="minor">
+            <a:schemeClr val="lt1"/>
+          </a:fontRef>
+        </p:style>
+        <p:txBody>
+          <a:bodyPr rtlCol="0" anchor="ctr"/>
+          <a:lstStyle/>
+          <a:p>
+            <a:pPr algn="ctr"/>
+            <a:r>
+              <a:rPr lang="en-US" sz="1400" dirty="0">
+                <a:latin typeface="Palatino Linotype" panose="02040502050505030304" pitchFamily="18" charset="0"/>
+              </a:rPr>
+              <a:t>Encoder</a:t>
+            </a:r>
+            <a:endParaRPr lang="en-GB" sz="1400" dirty="0">
+              <a:latin typeface="Palatino Linotype" panose="02040502050505030304" pitchFamily="18" charset="0"/>
+            </a:endParaRPr>
+          </a:p>
+        </p:txBody>
+      </p:sp>
+      <p:sp>
+        <p:nvSpPr>
+          <p:cNvPr id="42" name="Trapezoid 41">
+            <a:extLst>
+              <a:ext uri="{FF2B5EF4-FFF2-40B4-BE49-F238E27FC236}">
+                <a16:creationId xmlns:a16="http://schemas.microsoft.com/office/drawing/2014/main" id="{C47D2F97-5537-8E33-1734-9364A067C283}"/>
+              </a:ext>
+            </a:extLst>
+          </p:cNvPr>
+          <p:cNvSpPr/>
+          <p:nvPr/>
+        </p:nvSpPr>
+        <p:spPr>
+          <a:xfrm rot="5400000">
+            <a:off x="3862550" y="3325799"/>
+            <a:ext cx="3639428" cy="346254"/>
+          </a:xfrm>
+          <a:prstGeom prst="trapezoid">
+            <a:avLst>
+              <a:gd name="adj" fmla="val 120447"/>
+            </a:avLst>
+          </a:prstGeom>
+          <a:solidFill>
+            <a:schemeClr val="accent6">
+              <a:lumMod val="60000"/>
+              <a:lumOff val="40000"/>
+            </a:schemeClr>
+          </a:solidFill>
+          <a:ln>
+            <a:noFill/>
+          </a:ln>
+        </p:spPr>
+        <p:style>
+          <a:lnRef idx="2">
+            <a:schemeClr val="accent1">
+              <a:shade val="15000"/>
+            </a:schemeClr>
+          </a:lnRef>
+          <a:fillRef idx="1">
+            <a:schemeClr val="accent1"/>
+          </a:fillRef>
+          <a:effectRef idx="0">
+            <a:schemeClr val="accent1"/>
+          </a:effectRef>
+          <a:fontRef idx="minor">
+            <a:schemeClr val="lt1"/>
+          </a:fontRef>
+        </p:style>
+        <p:txBody>
+          <a:bodyPr rtlCol="0" anchor="ctr"/>
+          <a:lstStyle/>
+          <a:p>
+            <a:pPr algn="ctr"/>
+            <a:r>
+              <a:rPr lang="en-US" sz="1400" dirty="0">
+                <a:latin typeface="Palatino Linotype" panose="02040502050505030304" pitchFamily="18" charset="0"/>
+              </a:rPr>
+              <a:t>Ranking Model</a:t>
+            </a:r>
+            <a:endParaRPr lang="en-GB" sz="1400" dirty="0">
+              <a:latin typeface="Palatino Linotype" panose="02040502050505030304" pitchFamily="18" charset="0"/>
+            </a:endParaRPr>
+          </a:p>
+        </p:txBody>
+      </p:sp>
+      <p:sp>
+        <p:nvSpPr>
+          <p:cNvPr id="43" name="Rectangle 42">
+            <a:extLst>
+              <a:ext uri="{FF2B5EF4-FFF2-40B4-BE49-F238E27FC236}">
+                <a16:creationId xmlns:a16="http://schemas.microsoft.com/office/drawing/2014/main" id="{D2A4AFC8-CF34-483A-4676-E2017B6A0407}"/>
+              </a:ext>
+            </a:extLst>
+          </p:cNvPr>
+          <p:cNvSpPr/>
+          <p:nvPr/>
+        </p:nvSpPr>
+        <p:spPr>
+          <a:xfrm rot="5400000">
+            <a:off x="4767016" y="3289284"/>
+            <a:ext cx="2691986" cy="387802"/>
+          </a:xfrm>
+          <a:prstGeom prst="rect">
+            <a:avLst/>
+          </a:prstGeom>
+          <a:solidFill>
+            <a:srgbClr val="9933FF"/>
+          </a:solidFill>
+          <a:ln>
+            <a:noFill/>
+          </a:ln>
+        </p:spPr>
+        <p:style>
+          <a:lnRef idx="2">
+            <a:schemeClr val="accent1">
+              <a:shade val="15000"/>
+            </a:schemeClr>
+          </a:lnRef>
+          <a:fillRef idx="1">
+            <a:schemeClr val="accent1"/>
+          </a:fillRef>
+          <a:effectRef idx="0">
+            <a:schemeClr val="accent1"/>
+          </a:effectRef>
+          <a:fontRef idx="minor">
+            <a:schemeClr val="lt1"/>
+          </a:fontRef>
+        </p:style>
+        <p:txBody>
+          <a:bodyPr rtlCol="0" anchor="ctr"/>
+          <a:lstStyle/>
+          <a:p>
+            <a:pPr algn="ctr"/>
+            <a:r>
+              <a:rPr lang="en-US" sz="1400" dirty="0">
+                <a:latin typeface="Palatino Linotype" panose="02040502050505030304" pitchFamily="18" charset="0"/>
+              </a:rPr>
+              <a:t>Best Starting Molecules</a:t>
+            </a:r>
+            <a:endParaRPr lang="en-GB" sz="1400" dirty="0">
+              <a:latin typeface="Palatino Linotype" panose="02040502050505030304" pitchFamily="18" charset="0"/>
+            </a:endParaRPr>
+          </a:p>
+        </p:txBody>
+      </p:sp>
+      <p:sp>
+        <p:nvSpPr>
+          <p:cNvPr id="47" name="Rectangle 46">
+            <a:extLst>
+              <a:ext uri="{FF2B5EF4-FFF2-40B4-BE49-F238E27FC236}">
+                <a16:creationId xmlns:a16="http://schemas.microsoft.com/office/drawing/2014/main" id="{45B49CD5-2A40-1E14-0FDC-96F88D165597}"/>
+              </a:ext>
+            </a:extLst>
+          </p:cNvPr>
+          <p:cNvSpPr/>
+          <p:nvPr/>
+        </p:nvSpPr>
+        <p:spPr>
+          <a:xfrm rot="5400000">
+            <a:off x="6374067" y="2733177"/>
+            <a:ext cx="1148542" cy="299463"/>
+          </a:xfrm>
+          <a:prstGeom prst="rect">
+            <a:avLst/>
+          </a:prstGeom>
+          <a:solidFill>
+            <a:srgbClr val="FF5050"/>
+          </a:solidFill>
+          <a:ln>
+            <a:noFill/>
+          </a:ln>
+        </p:spPr>
+        <p:style>
+          <a:lnRef idx="2">
+            <a:schemeClr val="accent1">
+              <a:shade val="15000"/>
+            </a:schemeClr>
+          </a:lnRef>
+          <a:fillRef idx="1">
+            <a:schemeClr val="accent1"/>
+          </a:fillRef>
+          <a:effectRef idx="0">
+            <a:schemeClr val="accent1"/>
+          </a:effectRef>
+          <a:fontRef idx="minor">
+            <a:schemeClr val="lt1"/>
+          </a:fontRef>
+        </p:style>
+        <p:txBody>
+          <a:bodyPr rtlCol="0" anchor="ctr"/>
+          <a:lstStyle/>
+          <a:p>
+            <a:pPr algn="ctr"/>
+            <a:r>
+              <a:rPr lang="en-US" sz="1000" dirty="0">
+                <a:latin typeface="Palatino Linotype" panose="02040502050505030304" pitchFamily="18" charset="0"/>
+              </a:rPr>
+              <a:t>Latent Vector</a:t>
+            </a:r>
+            <a:endParaRPr lang="en-GB" sz="1000" dirty="0">
+              <a:latin typeface="Palatino Linotype" panose="02040502050505030304" pitchFamily="18" charset="0"/>
+            </a:endParaRPr>
+          </a:p>
+        </p:txBody>
+      </p:sp>
+      <p:sp>
+        <p:nvSpPr>
+          <p:cNvPr id="48" name="Trapezoid 47">
+            <a:extLst>
+              <a:ext uri="{FF2B5EF4-FFF2-40B4-BE49-F238E27FC236}">
+                <a16:creationId xmlns:a16="http://schemas.microsoft.com/office/drawing/2014/main" id="{AC288C67-9E7E-1E42-2A93-18C825E99AA4}"/>
+              </a:ext>
+            </a:extLst>
+          </p:cNvPr>
+          <p:cNvSpPr/>
+          <p:nvPr/>
+        </p:nvSpPr>
+        <p:spPr>
+          <a:xfrm rot="5400000">
+            <a:off x="5215758" y="3310060"/>
+            <a:ext cx="2691987" cy="346254"/>
+          </a:xfrm>
+          <a:prstGeom prst="trapezoid">
+            <a:avLst>
+              <a:gd name="adj" fmla="val 45673"/>
+            </a:avLst>
+          </a:prstGeom>
+          <a:solidFill>
+            <a:schemeClr val="accent6">
+              <a:lumMod val="60000"/>
+              <a:lumOff val="40000"/>
+            </a:schemeClr>
+          </a:solidFill>
+          <a:ln>
+            <a:noFill/>
+          </a:ln>
+        </p:spPr>
+        <p:style>
+          <a:lnRef idx="2">
+            <a:schemeClr val="accent1">
+              <a:shade val="15000"/>
+            </a:schemeClr>
+          </a:lnRef>
+          <a:fillRef idx="1">
+            <a:schemeClr val="accent1"/>
+          </a:fillRef>
+          <a:effectRef idx="0">
+            <a:schemeClr val="accent1"/>
+          </a:effectRef>
+          <a:fontRef idx="minor">
+            <a:schemeClr val="lt1"/>
+          </a:fontRef>
+        </p:style>
+        <p:txBody>
+          <a:bodyPr rtlCol="0" anchor="ctr"/>
+          <a:lstStyle/>
+          <a:p>
+            <a:pPr algn="ctr"/>
+            <a:r>
+              <a:rPr lang="en-US" sz="1400" dirty="0">
+                <a:latin typeface="Palatino Linotype" panose="02040502050505030304" pitchFamily="18" charset="0"/>
+              </a:rPr>
+              <a:t>Encoder</a:t>
+            </a:r>
+            <a:endParaRPr lang="en-GB" sz="1400" dirty="0">
+              <a:latin typeface="Palatino Linotype" panose="02040502050505030304" pitchFamily="18" charset="0"/>
+            </a:endParaRPr>
+          </a:p>
+        </p:txBody>
+      </p:sp>
+      <p:sp>
+        <p:nvSpPr>
+          <p:cNvPr id="49" name="Trapezoid 48">
+            <a:extLst>
+              <a:ext uri="{FF2B5EF4-FFF2-40B4-BE49-F238E27FC236}">
+                <a16:creationId xmlns:a16="http://schemas.microsoft.com/office/drawing/2014/main" id="{B276A8F0-40E8-5F1D-BAC9-AC9E23552C2E}"/>
+              </a:ext>
+            </a:extLst>
+          </p:cNvPr>
+          <p:cNvSpPr/>
+          <p:nvPr/>
+        </p:nvSpPr>
+        <p:spPr>
+          <a:xfrm rot="16200000">
+            <a:off x="5988929" y="3310058"/>
+            <a:ext cx="2691986" cy="346254"/>
+          </a:xfrm>
+          <a:prstGeom prst="trapezoid">
+            <a:avLst>
+              <a:gd name="adj" fmla="val 48383"/>
+            </a:avLst>
+          </a:prstGeom>
+          <a:solidFill>
+            <a:schemeClr val="accent6">
+              <a:lumMod val="60000"/>
+              <a:lumOff val="40000"/>
+            </a:schemeClr>
+          </a:solidFill>
+          <a:ln>
+            <a:noFill/>
+          </a:ln>
+        </p:spPr>
+        <p:style>
+          <a:lnRef idx="2">
+            <a:schemeClr val="accent1">
+              <a:shade val="15000"/>
+            </a:schemeClr>
+          </a:lnRef>
+          <a:fillRef idx="1">
+            <a:schemeClr val="accent1"/>
+          </a:fillRef>
+          <a:effectRef idx="0">
+            <a:schemeClr val="accent1"/>
+          </a:effectRef>
+          <a:fontRef idx="minor">
+            <a:schemeClr val="lt1"/>
+          </a:fontRef>
+        </p:style>
+        <p:txBody>
+          <a:bodyPr rtlCol="0" anchor="ctr"/>
+          <a:lstStyle/>
+          <a:p>
+            <a:pPr algn="ctr"/>
+            <a:r>
+              <a:rPr lang="en-US" sz="1400" dirty="0">
+                <a:latin typeface="Palatino Linotype" panose="02040502050505030304" pitchFamily="18" charset="0"/>
+              </a:rPr>
+              <a:t>Decoder</a:t>
+            </a:r>
+            <a:endParaRPr lang="en-GB" sz="1400" dirty="0">
+              <a:latin typeface="Palatino Linotype" panose="02040502050505030304" pitchFamily="18" charset="0"/>
+            </a:endParaRPr>
+          </a:p>
+        </p:txBody>
+      </p:sp>
+      <p:sp>
+        <p:nvSpPr>
+          <p:cNvPr id="52" name="Rectangle 51">
+            <a:extLst>
+              <a:ext uri="{FF2B5EF4-FFF2-40B4-BE49-F238E27FC236}">
+                <a16:creationId xmlns:a16="http://schemas.microsoft.com/office/drawing/2014/main" id="{6E18A3BA-C569-48A1-67E1-4D8429FF9DE0}"/>
+              </a:ext>
+            </a:extLst>
+          </p:cNvPr>
+          <p:cNvSpPr/>
+          <p:nvPr/>
+        </p:nvSpPr>
+        <p:spPr>
+          <a:xfrm rot="5400000">
+            <a:off x="6374066" y="3932914"/>
+            <a:ext cx="1148541" cy="299463"/>
+          </a:xfrm>
+          <a:prstGeom prst="rect">
+            <a:avLst/>
+          </a:prstGeom>
+          <a:solidFill>
+            <a:schemeClr val="accent5">
+              <a:lumMod val="75000"/>
+            </a:schemeClr>
+          </a:solidFill>
+          <a:ln>
+            <a:noFill/>
+          </a:ln>
+        </p:spPr>
+        <p:style>
+          <a:lnRef idx="2">
+            <a:schemeClr val="accent1">
+              <a:shade val="15000"/>
+            </a:schemeClr>
+          </a:lnRef>
+          <a:fillRef idx="1">
+            <a:schemeClr val="accent1"/>
+          </a:fillRef>
+          <a:effectRef idx="0">
+            <a:schemeClr val="accent1"/>
+          </a:effectRef>
+          <a:fontRef idx="minor">
+            <a:schemeClr val="lt1"/>
+          </a:fontRef>
+        </p:style>
+        <p:txBody>
+          <a:bodyPr rtlCol="0" anchor="ctr"/>
+          <a:lstStyle/>
+          <a:p>
+            <a:pPr algn="ctr"/>
+            <a:r>
+              <a:rPr lang="en-US" sz="1000" dirty="0">
+                <a:latin typeface="Palatino Linotype" panose="02040502050505030304" pitchFamily="18" charset="0"/>
+              </a:rPr>
+              <a:t>Conditions</a:t>
+            </a:r>
+            <a:endParaRPr lang="en-GB" sz="1000" dirty="0">
+              <a:latin typeface="Palatino Linotype" panose="02040502050505030304" pitchFamily="18" charset="0"/>
+            </a:endParaRPr>
+          </a:p>
+        </p:txBody>
+      </p:sp>
+      <p:sp>
+        <p:nvSpPr>
+          <p:cNvPr id="54" name="Rectangle 53">
+            <a:extLst>
+              <a:ext uri="{FF2B5EF4-FFF2-40B4-BE49-F238E27FC236}">
+                <a16:creationId xmlns:a16="http://schemas.microsoft.com/office/drawing/2014/main" id="{1FE2D761-9D4D-BF4F-6010-CCBA2945C68B}"/>
+              </a:ext>
+            </a:extLst>
+          </p:cNvPr>
+          <p:cNvSpPr/>
+          <p:nvPr/>
+        </p:nvSpPr>
+        <p:spPr>
+          <a:xfrm rot="16200000">
+            <a:off x="6437672" y="3289284"/>
+            <a:ext cx="2691986" cy="387802"/>
+          </a:xfrm>
+          <a:prstGeom prst="rect">
+            <a:avLst/>
+          </a:prstGeom>
+          <a:solidFill>
+            <a:schemeClr val="accent6">
+              <a:lumMod val="75000"/>
+            </a:schemeClr>
+          </a:solidFill>
+          <a:ln>
+            <a:noFill/>
+          </a:ln>
+        </p:spPr>
+        <p:style>
+          <a:lnRef idx="2">
+            <a:schemeClr val="accent1">
+              <a:shade val="15000"/>
+            </a:schemeClr>
+          </a:lnRef>
+          <a:fillRef idx="1">
+            <a:schemeClr val="accent1"/>
+          </a:fillRef>
+          <a:effectRef idx="0">
+            <a:schemeClr val="accent1"/>
+          </a:effectRef>
+          <a:fontRef idx="minor">
+            <a:schemeClr val="lt1"/>
+          </a:fontRef>
+        </p:style>
+        <p:txBody>
+          <a:bodyPr rtlCol="0" anchor="ctr"/>
+          <a:lstStyle/>
+          <a:p>
+            <a:pPr algn="ctr"/>
+            <a:r>
+              <a:rPr lang="en-US" sz="1200" b="1" dirty="0">
+                <a:latin typeface="Palatino Linotype" panose="02040502050505030304" pitchFamily="18" charset="0"/>
+              </a:rPr>
+              <a:t>Potential Target Molecules</a:t>
+            </a:r>
+            <a:endParaRPr lang="en-GB" sz="1200" b="1" dirty="0">
+              <a:latin typeface="Palatino Linotype" panose="02040502050505030304" pitchFamily="18" charset="0"/>
+            </a:endParaRPr>
+          </a:p>
+        </p:txBody>
+      </p:sp>
+      <p:sp>
+        <p:nvSpPr>
+          <p:cNvPr id="56" name="Rectangle 55">
+            <a:extLst>
+              <a:ext uri="{FF2B5EF4-FFF2-40B4-BE49-F238E27FC236}">
+                <a16:creationId xmlns:a16="http://schemas.microsoft.com/office/drawing/2014/main" id="{BFB28349-CC21-20C7-4537-E24490265FF6}"/>
+              </a:ext>
+            </a:extLst>
+          </p:cNvPr>
+          <p:cNvSpPr/>
+          <p:nvPr/>
+        </p:nvSpPr>
+        <p:spPr>
+          <a:xfrm rot="16200000">
+            <a:off x="8148058" y="2386536"/>
+            <a:ext cx="802881" cy="280868"/>
+          </a:xfrm>
+          <a:prstGeom prst="rect">
+            <a:avLst/>
+          </a:prstGeom>
+          <a:solidFill>
+            <a:schemeClr val="bg1">
+              <a:lumMod val="50000"/>
+            </a:schemeClr>
+          </a:solidFill>
+          <a:ln>
+            <a:noFill/>
+          </a:ln>
+        </p:spPr>
+        <p:style>
+          <a:lnRef idx="2">
+            <a:schemeClr val="accent1">
+              <a:shade val="15000"/>
+            </a:schemeClr>
+          </a:lnRef>
+          <a:fillRef idx="1">
+            <a:schemeClr val="accent1"/>
+          </a:fillRef>
+          <a:effectRef idx="0">
+            <a:schemeClr val="accent1"/>
+          </a:effectRef>
+          <a:fontRef idx="minor">
+            <a:schemeClr val="lt1"/>
+          </a:fontRef>
+        </p:style>
+        <p:txBody>
+          <a:bodyPr rtlCol="0" anchor="ctr"/>
+          <a:lstStyle/>
+          <a:p>
+            <a:pPr algn="ctr"/>
+            <a:r>
+              <a:rPr lang="en-US" sz="700" b="1" dirty="0">
+                <a:latin typeface="Palatino Linotype" panose="02040502050505030304" pitchFamily="18" charset="0"/>
+              </a:rPr>
+              <a:t>Simulation</a:t>
+            </a:r>
+            <a:endParaRPr lang="en-GB" sz="700" b="1" dirty="0">
+              <a:latin typeface="Palatino Linotype" panose="02040502050505030304" pitchFamily="18" charset="0"/>
+            </a:endParaRPr>
+          </a:p>
+        </p:txBody>
+      </p:sp>
+      <p:sp>
+        <p:nvSpPr>
+          <p:cNvPr id="57" name="Rectangle 56">
+            <a:extLst>
+              <a:ext uri="{FF2B5EF4-FFF2-40B4-BE49-F238E27FC236}">
+                <a16:creationId xmlns:a16="http://schemas.microsoft.com/office/drawing/2014/main" id="{D209D5BB-07F4-86FD-39D8-62E87E5F9991}"/>
+              </a:ext>
+            </a:extLst>
+          </p:cNvPr>
+          <p:cNvSpPr/>
+          <p:nvPr/>
+        </p:nvSpPr>
+        <p:spPr>
+          <a:xfrm rot="16200000">
+            <a:off x="7613264" y="3282386"/>
+            <a:ext cx="2705779" cy="387802"/>
+          </a:xfrm>
+          <a:prstGeom prst="rect">
+            <a:avLst/>
+          </a:prstGeom>
+          <a:solidFill>
+            <a:schemeClr val="bg1">
+              <a:lumMod val="65000"/>
+            </a:schemeClr>
+          </a:solidFill>
+          <a:ln>
+            <a:noFill/>
+          </a:ln>
+        </p:spPr>
+        <p:style>
+          <a:lnRef idx="2">
+            <a:schemeClr val="accent1">
+              <a:shade val="15000"/>
+            </a:schemeClr>
+          </a:lnRef>
+          <a:fillRef idx="1">
+            <a:schemeClr val="accent1"/>
+          </a:fillRef>
+          <a:effectRef idx="0">
+            <a:schemeClr val="accent1"/>
+          </a:effectRef>
+          <a:fontRef idx="minor">
+            <a:schemeClr val="lt1"/>
+          </a:fontRef>
+        </p:style>
+        <p:txBody>
+          <a:bodyPr rtlCol="0" anchor="ctr"/>
+          <a:lstStyle/>
+          <a:p>
+            <a:pPr algn="ctr"/>
+            <a:r>
+              <a:rPr lang="en-US" sz="1200" b="1" dirty="0">
+                <a:latin typeface="Palatino Linotype" panose="02040502050505030304" pitchFamily="18" charset="0"/>
+              </a:rPr>
+              <a:t>Ranking</a:t>
+            </a:r>
+            <a:endParaRPr lang="en-GB" sz="1200" b="1" dirty="0">
+              <a:latin typeface="Palatino Linotype" panose="02040502050505030304" pitchFamily="18" charset="0"/>
+            </a:endParaRPr>
+          </a:p>
+        </p:txBody>
+      </p:sp>
+      <p:cxnSp>
+        <p:nvCxnSpPr>
+          <p:cNvPr id="58" name="Straight Arrow Connector 57">
+            <a:extLst>
+              <a:ext uri="{FF2B5EF4-FFF2-40B4-BE49-F238E27FC236}">
+                <a16:creationId xmlns:a16="http://schemas.microsoft.com/office/drawing/2014/main" id="{DCD867AF-2134-CD76-921F-0DE93E52A8EF}"/>
+              </a:ext>
+            </a:extLst>
+          </p:cNvPr>
+          <p:cNvCxnSpPr>
+            <a:cxnSpLocks/>
+          </p:cNvCxnSpPr>
+          <p:nvPr/>
+        </p:nvCxnSpPr>
+        <p:spPr>
+          <a:xfrm>
+            <a:off x="9213445" y="3432385"/>
+            <a:ext cx="366081" cy="0"/>
+          </a:xfrm>
+          <a:prstGeom prst="straightConnector1">
+            <a:avLst/>
+          </a:prstGeom>
+          <a:ln w="38100">
+            <a:solidFill>
+              <a:schemeClr val="tx1"/>
+            </a:solidFill>
+            <a:tailEnd type="triangle"/>
+          </a:ln>
+        </p:spPr>
+        <p:style>
+          <a:lnRef idx="1">
+            <a:schemeClr val="accent1"/>
+          </a:lnRef>
+          <a:fillRef idx="0">
+            <a:schemeClr val="accent1"/>
+          </a:fillRef>
+          <a:effectRef idx="0">
+            <a:schemeClr val="accent1"/>
+          </a:effectRef>
+          <a:fontRef idx="minor">
+            <a:schemeClr val="tx1"/>
+          </a:fontRef>
+        </p:style>
+      </p:cxnSp>
+      <p:cxnSp>
+        <p:nvCxnSpPr>
+          <p:cNvPr id="60" name="Straight Arrow Connector 59">
+            <a:extLst>
+              <a:ext uri="{FF2B5EF4-FFF2-40B4-BE49-F238E27FC236}">
+                <a16:creationId xmlns:a16="http://schemas.microsoft.com/office/drawing/2014/main" id="{7572FBD8-EF72-58C3-2A17-F4789FEE271D}"/>
+              </a:ext>
+            </a:extLst>
+          </p:cNvPr>
+          <p:cNvCxnSpPr>
+            <a:cxnSpLocks/>
+          </p:cNvCxnSpPr>
+          <p:nvPr/>
+        </p:nvCxnSpPr>
+        <p:spPr>
+          <a:xfrm>
+            <a:off x="8010629" y="3429000"/>
+            <a:ext cx="366081" cy="0"/>
+          </a:xfrm>
+          <a:prstGeom prst="straightConnector1">
+            <a:avLst/>
+          </a:prstGeom>
+          <a:ln w="38100">
+            <a:solidFill>
+              <a:schemeClr val="tx1"/>
+            </a:solidFill>
+            <a:tailEnd type="triangle"/>
+          </a:ln>
+        </p:spPr>
+        <p:style>
+          <a:lnRef idx="1">
+            <a:schemeClr val="accent1"/>
+          </a:lnRef>
+          <a:fillRef idx="0">
+            <a:schemeClr val="accent1"/>
+          </a:fillRef>
+          <a:effectRef idx="0">
+            <a:schemeClr val="accent1"/>
+          </a:effectRef>
+          <a:fontRef idx="minor">
+            <a:schemeClr val="tx1"/>
+          </a:fontRef>
+        </p:style>
+      </p:cxnSp>
+      <p:sp>
+        <p:nvSpPr>
+          <p:cNvPr id="61" name="Rectangle 60">
+            <a:extLst>
+              <a:ext uri="{FF2B5EF4-FFF2-40B4-BE49-F238E27FC236}">
+                <a16:creationId xmlns:a16="http://schemas.microsoft.com/office/drawing/2014/main" id="{FC5462CA-FDE6-BE84-8B79-D0A2FCB74E34}"/>
+              </a:ext>
+            </a:extLst>
+          </p:cNvPr>
+          <p:cNvSpPr/>
+          <p:nvPr/>
+        </p:nvSpPr>
+        <p:spPr>
+          <a:xfrm rot="16200000">
+            <a:off x="8116248" y="3305108"/>
+            <a:ext cx="866503" cy="280868"/>
+          </a:xfrm>
+          <a:prstGeom prst="rect">
+            <a:avLst/>
+          </a:prstGeom>
+          <a:solidFill>
+            <a:schemeClr val="bg1">
+              <a:lumMod val="50000"/>
+            </a:schemeClr>
+          </a:solidFill>
+          <a:ln>
+            <a:noFill/>
+          </a:ln>
+        </p:spPr>
+        <p:style>
+          <a:lnRef idx="2">
+            <a:schemeClr val="accent1">
+              <a:shade val="15000"/>
+            </a:schemeClr>
+          </a:lnRef>
+          <a:fillRef idx="1">
+            <a:schemeClr val="accent1"/>
+          </a:fillRef>
+          <a:effectRef idx="0">
+            <a:schemeClr val="accent1"/>
+          </a:effectRef>
+          <a:fontRef idx="minor">
+            <a:schemeClr val="lt1"/>
+          </a:fontRef>
+        </p:style>
+        <p:txBody>
+          <a:bodyPr rtlCol="0" anchor="ctr"/>
+          <a:lstStyle/>
+          <a:p>
+            <a:pPr algn="ctr"/>
+            <a:r>
+              <a:rPr lang="en-US" sz="700" b="1" dirty="0">
+                <a:latin typeface="Palatino Linotype" panose="02040502050505030304" pitchFamily="18" charset="0"/>
+              </a:rPr>
+              <a:t>Synthesis Route Generation</a:t>
+            </a:r>
+            <a:endParaRPr lang="en-GB" sz="700" b="1" dirty="0">
+              <a:latin typeface="Palatino Linotype" panose="02040502050505030304" pitchFamily="18" charset="0"/>
+            </a:endParaRPr>
+          </a:p>
+        </p:txBody>
+      </p:sp>
+      <p:sp>
+        <p:nvSpPr>
+          <p:cNvPr id="63" name="Rectangle 62">
+            <a:extLst>
+              <a:ext uri="{FF2B5EF4-FFF2-40B4-BE49-F238E27FC236}">
+                <a16:creationId xmlns:a16="http://schemas.microsoft.com/office/drawing/2014/main" id="{08B17C9B-41AC-26A2-91C1-A7760C66C4DC}"/>
+              </a:ext>
+            </a:extLst>
+          </p:cNvPr>
+          <p:cNvSpPr/>
+          <p:nvPr/>
+        </p:nvSpPr>
+        <p:spPr>
+          <a:xfrm rot="16200000">
+            <a:off x="8121390" y="4255492"/>
+            <a:ext cx="866503" cy="280868"/>
+          </a:xfrm>
+          <a:prstGeom prst="rect">
+            <a:avLst/>
+          </a:prstGeom>
+          <a:solidFill>
+            <a:schemeClr val="bg1">
+              <a:lumMod val="50000"/>
+            </a:schemeClr>
+          </a:solidFill>
+          <a:ln>
+            <a:noFill/>
+          </a:ln>
+        </p:spPr>
+        <p:style>
+          <a:lnRef idx="2">
+            <a:schemeClr val="accent1">
+              <a:shade val="15000"/>
+            </a:schemeClr>
+          </a:lnRef>
+          <a:fillRef idx="1">
+            <a:schemeClr val="accent1"/>
+          </a:fillRef>
+          <a:effectRef idx="0">
+            <a:schemeClr val="accent1"/>
+          </a:effectRef>
+          <a:fontRef idx="minor">
+            <a:schemeClr val="lt1"/>
+          </a:fontRef>
+        </p:style>
+        <p:txBody>
+          <a:bodyPr rtlCol="0" anchor="ctr"/>
+          <a:lstStyle/>
+          <a:p>
+            <a:pPr algn="ctr"/>
+            <a:r>
+              <a:rPr lang="en-US" sz="700" b="1" dirty="0">
+                <a:latin typeface="Palatino Linotype" panose="02040502050505030304" pitchFamily="18" charset="0"/>
+              </a:rPr>
+              <a:t>Other Analysis</a:t>
+            </a:r>
+            <a:endParaRPr lang="en-GB" sz="700" b="1" dirty="0">
+              <a:latin typeface="Palatino Linotype" panose="02040502050505030304" pitchFamily="18" charset="0"/>
+            </a:endParaRPr>
+          </a:p>
+        </p:txBody>
+      </p:sp>
+      <p:cxnSp>
+        <p:nvCxnSpPr>
+          <p:cNvPr id="64" name="Straight Arrow Connector 63">
+            <a:extLst>
+              <a:ext uri="{FF2B5EF4-FFF2-40B4-BE49-F238E27FC236}">
+                <a16:creationId xmlns:a16="http://schemas.microsoft.com/office/drawing/2014/main" id="{4E4B8C19-EA1F-F547-C57A-D1DAC9ED5D29}"/>
+              </a:ext>
+            </a:extLst>
+          </p:cNvPr>
+          <p:cNvCxnSpPr>
+            <a:cxnSpLocks/>
+          </p:cNvCxnSpPr>
+          <p:nvPr/>
+        </p:nvCxnSpPr>
+        <p:spPr>
+          <a:xfrm>
+            <a:off x="8010629" y="2526970"/>
+            <a:ext cx="366081" cy="0"/>
+          </a:xfrm>
+          <a:prstGeom prst="straightConnector1">
+            <a:avLst/>
+          </a:prstGeom>
+          <a:ln w="38100">
+            <a:solidFill>
+              <a:schemeClr val="tx1"/>
+            </a:solidFill>
+            <a:tailEnd type="triangle"/>
+          </a:ln>
+        </p:spPr>
+        <p:style>
+          <a:lnRef idx="1">
+            <a:schemeClr val="accent1"/>
+          </a:lnRef>
+          <a:fillRef idx="0">
+            <a:schemeClr val="accent1"/>
+          </a:fillRef>
+          <a:effectRef idx="0">
+            <a:schemeClr val="accent1"/>
+          </a:effectRef>
+          <a:fontRef idx="minor">
+            <a:schemeClr val="tx1"/>
+          </a:fontRef>
+        </p:style>
+      </p:cxnSp>
+      <p:cxnSp>
+        <p:nvCxnSpPr>
+          <p:cNvPr id="65" name="Straight Arrow Connector 64">
+            <a:extLst>
+              <a:ext uri="{FF2B5EF4-FFF2-40B4-BE49-F238E27FC236}">
+                <a16:creationId xmlns:a16="http://schemas.microsoft.com/office/drawing/2014/main" id="{FE4DA81E-7AB7-CD72-958C-155965097E55}"/>
+              </a:ext>
+            </a:extLst>
+          </p:cNvPr>
+          <p:cNvCxnSpPr>
+            <a:cxnSpLocks/>
+          </p:cNvCxnSpPr>
+          <p:nvPr/>
+        </p:nvCxnSpPr>
+        <p:spPr>
+          <a:xfrm>
+            <a:off x="8010629" y="4341269"/>
+            <a:ext cx="366081" cy="0"/>
+          </a:xfrm>
+          <a:prstGeom prst="straightConnector1">
+            <a:avLst/>
+          </a:prstGeom>
+          <a:ln w="38100">
+            <a:solidFill>
+              <a:schemeClr val="tx1"/>
+            </a:solidFill>
+            <a:tailEnd type="triangle"/>
+          </a:ln>
+        </p:spPr>
+        <p:style>
+          <a:lnRef idx="1">
+            <a:schemeClr val="accent1"/>
+          </a:lnRef>
+          <a:fillRef idx="0">
+            <a:schemeClr val="accent1"/>
+          </a:fillRef>
+          <a:effectRef idx="0">
+            <a:schemeClr val="accent1"/>
+          </a:effectRef>
+          <a:fontRef idx="minor">
+            <a:schemeClr val="tx1"/>
+          </a:fontRef>
+        </p:style>
+      </p:cxnSp>
+      <p:sp>
+        <p:nvSpPr>
+          <p:cNvPr id="66" name="Rectangle 65">
+            <a:extLst>
+              <a:ext uri="{FF2B5EF4-FFF2-40B4-BE49-F238E27FC236}">
+                <a16:creationId xmlns:a16="http://schemas.microsoft.com/office/drawing/2014/main" id="{72E1C6E4-D91B-8F92-FC43-BD5314331973}"/>
+              </a:ext>
+            </a:extLst>
+          </p:cNvPr>
+          <p:cNvSpPr/>
+          <p:nvPr/>
+        </p:nvSpPr>
+        <p:spPr>
+          <a:xfrm rot="16200000">
+            <a:off x="8490418" y="3282385"/>
+            <a:ext cx="2705779" cy="387802"/>
+          </a:xfrm>
+          <a:prstGeom prst="rect">
+            <a:avLst/>
+          </a:prstGeom>
+          <a:solidFill>
+            <a:schemeClr val="bg1">
+              <a:lumMod val="75000"/>
+            </a:schemeClr>
+          </a:solidFill>
+          <a:ln>
+            <a:noFill/>
+          </a:ln>
+        </p:spPr>
+        <p:style>
+          <a:lnRef idx="2">
+            <a:schemeClr val="accent1">
+              <a:shade val="15000"/>
+            </a:schemeClr>
+          </a:lnRef>
+          <a:fillRef idx="1">
+            <a:schemeClr val="accent1"/>
+          </a:fillRef>
+          <a:effectRef idx="0">
+            <a:schemeClr val="accent1"/>
+          </a:effectRef>
+          <a:fontRef idx="minor">
+            <a:schemeClr val="lt1"/>
+          </a:fontRef>
+        </p:style>
+        <p:txBody>
+          <a:bodyPr rtlCol="0" anchor="ctr"/>
+          <a:lstStyle/>
+          <a:p>
+            <a:pPr algn="ctr"/>
+            <a:r>
+              <a:rPr lang="en-US" sz="1200" b="1" dirty="0">
+                <a:latin typeface="Palatino Linotype" panose="02040502050505030304" pitchFamily="18" charset="0"/>
+              </a:rPr>
+              <a:t>Profile Generation</a:t>
+            </a:r>
+            <a:endParaRPr lang="en-GB" sz="1200" b="1" dirty="0">
+              <a:latin typeface="Palatino Linotype" panose="02040502050505030304" pitchFamily="18" charset="0"/>
+            </a:endParaRPr>
+          </a:p>
+        </p:txBody>
+      </p:sp>
+      <p:sp>
+        <p:nvSpPr>
+          <p:cNvPr id="67" name="Right Brace 66">
+            <a:extLst>
+              <a:ext uri="{FF2B5EF4-FFF2-40B4-BE49-F238E27FC236}">
+                <a16:creationId xmlns:a16="http://schemas.microsoft.com/office/drawing/2014/main" id="{7F7DF026-BD70-3102-0F7B-B64D1DB32122}"/>
+              </a:ext>
+            </a:extLst>
+          </p:cNvPr>
+          <p:cNvSpPr/>
+          <p:nvPr/>
+        </p:nvSpPr>
+        <p:spPr>
+          <a:xfrm rot="16200000">
+            <a:off x="5052594" y="307122"/>
+            <a:ext cx="440832" cy="2067799"/>
+          </a:xfrm>
+          <a:prstGeom prst="rightBrace">
+            <a:avLst>
+              <a:gd name="adj1" fmla="val 8333"/>
+              <a:gd name="adj2" fmla="val 50000"/>
+            </a:avLst>
+          </a:prstGeom>
+          <a:ln w="57150">
+            <a:solidFill>
+              <a:schemeClr val="tx1"/>
+            </a:solidFill>
+          </a:ln>
+        </p:spPr>
+        <p:style>
+          <a:lnRef idx="1">
+            <a:schemeClr val="accent1"/>
+          </a:lnRef>
+          <a:fillRef idx="0">
+            <a:schemeClr val="accent1"/>
+          </a:fillRef>
+          <a:effectRef idx="0">
+            <a:schemeClr val="accent1"/>
+          </a:effectRef>
+          <a:fontRef idx="minor">
+            <a:schemeClr val="tx1"/>
+          </a:fontRef>
+        </p:style>
+        <p:txBody>
+          <a:bodyPr rtlCol="0" anchor="ctr"/>
+          <a:lstStyle/>
+          <a:p>
+            <a:pPr algn="ctr"/>
+            <a:endParaRPr lang="en-GB"/>
+          </a:p>
+        </p:txBody>
+      </p:sp>
+      <p:sp>
+        <p:nvSpPr>
+          <p:cNvPr id="68" name="Right Brace 67">
+            <a:extLst>
+              <a:ext uri="{FF2B5EF4-FFF2-40B4-BE49-F238E27FC236}">
+                <a16:creationId xmlns:a16="http://schemas.microsoft.com/office/drawing/2014/main" id="{F8008D29-CB5F-4315-0F1E-BC17FD32F011}"/>
+              </a:ext>
+            </a:extLst>
+          </p:cNvPr>
+          <p:cNvSpPr/>
+          <p:nvPr/>
+        </p:nvSpPr>
+        <p:spPr>
+          <a:xfrm rot="16200000">
+            <a:off x="6979213" y="539670"/>
+            <a:ext cx="440832" cy="1622006"/>
+          </a:xfrm>
+          <a:prstGeom prst="rightBrace">
+            <a:avLst>
+              <a:gd name="adj1" fmla="val 8333"/>
+              <a:gd name="adj2" fmla="val 50000"/>
+            </a:avLst>
+          </a:prstGeom>
+          <a:ln w="57150">
+            <a:solidFill>
+              <a:schemeClr val="tx1"/>
+            </a:solidFill>
+          </a:ln>
+        </p:spPr>
+        <p:style>
+          <a:lnRef idx="1">
+            <a:schemeClr val="accent1"/>
+          </a:lnRef>
+          <a:fillRef idx="0">
+            <a:schemeClr val="accent1"/>
+          </a:fillRef>
+          <a:effectRef idx="0">
+            <a:schemeClr val="accent1"/>
+          </a:effectRef>
+          <a:fontRef idx="minor">
+            <a:schemeClr val="tx1"/>
+          </a:fontRef>
+        </p:style>
+        <p:txBody>
+          <a:bodyPr rtlCol="0" anchor="ctr"/>
+          <a:lstStyle/>
+          <a:p>
+            <a:pPr algn="ctr"/>
+            <a:endParaRPr lang="en-GB"/>
+          </a:p>
+        </p:txBody>
+      </p:sp>
+      <p:sp>
+        <p:nvSpPr>
+          <p:cNvPr id="69" name="Right Brace 68">
+            <a:extLst>
+              <a:ext uri="{FF2B5EF4-FFF2-40B4-BE49-F238E27FC236}">
+                <a16:creationId xmlns:a16="http://schemas.microsoft.com/office/drawing/2014/main" id="{A1BA44A1-7E10-201F-FA71-AFD177EB2261}"/>
+              </a:ext>
+            </a:extLst>
+          </p:cNvPr>
+          <p:cNvSpPr/>
+          <p:nvPr/>
+        </p:nvSpPr>
+        <p:spPr>
+          <a:xfrm rot="16200000">
+            <a:off x="8850538" y="384419"/>
+            <a:ext cx="440832" cy="1932507"/>
+          </a:xfrm>
+          <a:prstGeom prst="rightBrace">
+            <a:avLst>
+              <a:gd name="adj1" fmla="val 8333"/>
+              <a:gd name="adj2" fmla="val 50000"/>
+            </a:avLst>
+          </a:prstGeom>
+          <a:ln w="57150">
+            <a:solidFill>
+              <a:schemeClr val="tx1"/>
+            </a:solidFill>
+          </a:ln>
+        </p:spPr>
+        <p:style>
+          <a:lnRef idx="1">
+            <a:schemeClr val="accent1"/>
+          </a:lnRef>
+          <a:fillRef idx="0">
+            <a:schemeClr val="accent1"/>
+          </a:fillRef>
+          <a:effectRef idx="0">
+            <a:schemeClr val="accent1"/>
+          </a:effectRef>
+          <a:fontRef idx="minor">
+            <a:schemeClr val="tx1"/>
+          </a:fontRef>
+        </p:style>
+        <p:txBody>
+          <a:bodyPr rtlCol="0" anchor="ctr"/>
+          <a:lstStyle/>
+          <a:p>
+            <a:pPr algn="ctr"/>
+            <a:endParaRPr lang="en-GB"/>
+          </a:p>
+        </p:txBody>
+      </p:sp>
+      <p:sp>
+        <p:nvSpPr>
+          <p:cNvPr id="70" name="TextBox 69">
+            <a:extLst>
+              <a:ext uri="{FF2B5EF4-FFF2-40B4-BE49-F238E27FC236}">
+                <a16:creationId xmlns:a16="http://schemas.microsoft.com/office/drawing/2014/main" id="{BCA18018-B639-68AD-9756-D037F5577BDE}"/>
+              </a:ext>
+            </a:extLst>
+          </p:cNvPr>
+          <p:cNvSpPr txBox="1"/>
+          <p:nvPr/>
+        </p:nvSpPr>
+        <p:spPr>
+          <a:xfrm>
+            <a:off x="4586290" y="843606"/>
+            <a:ext cx="1370720" cy="276999"/>
+          </a:xfrm>
+          <a:prstGeom prst="rect">
+            <a:avLst/>
+          </a:prstGeom>
+          <a:noFill/>
+        </p:spPr>
+        <p:txBody>
+          <a:bodyPr wrap="square">
+            <a:spAutoFit/>
+          </a:bodyPr>
+          <a:lstStyle/>
+          <a:p>
+            <a:pPr algn="ctr"/>
+            <a:r>
+              <a:rPr lang="en-GB" sz="1200" b="1" i="0" dirty="0">
+                <a:effectLst/>
+                <a:latin typeface="Palatino Linotype" panose="02040502050505030304" pitchFamily="18" charset="0"/>
+              </a:rPr>
+              <a:t>Input Synthesis</a:t>
+            </a:r>
+            <a:endParaRPr lang="en-GB" sz="1200" b="1" dirty="0">
+              <a:latin typeface="Palatino Linotype" panose="02040502050505030304" pitchFamily="18" charset="0"/>
+            </a:endParaRPr>
+          </a:p>
+        </p:txBody>
+      </p:sp>
+      <p:sp>
+        <p:nvSpPr>
+          <p:cNvPr id="71" name="TextBox 70">
+            <a:extLst>
+              <a:ext uri="{FF2B5EF4-FFF2-40B4-BE49-F238E27FC236}">
+                <a16:creationId xmlns:a16="http://schemas.microsoft.com/office/drawing/2014/main" id="{6D5361F2-811D-B4AE-BD76-2E01E33AAFBA}"/>
+              </a:ext>
+            </a:extLst>
+          </p:cNvPr>
+          <p:cNvSpPr txBox="1"/>
+          <p:nvPr/>
+        </p:nvSpPr>
+        <p:spPr>
+          <a:xfrm>
+            <a:off x="6514269" y="827660"/>
+            <a:ext cx="1370720" cy="276999"/>
+          </a:xfrm>
+          <a:prstGeom prst="rect">
+            <a:avLst/>
+          </a:prstGeom>
+          <a:noFill/>
+        </p:spPr>
+        <p:txBody>
+          <a:bodyPr wrap="square">
+            <a:spAutoFit/>
+          </a:bodyPr>
+          <a:lstStyle/>
+          <a:p>
+            <a:pPr algn="ctr"/>
+            <a:r>
+              <a:rPr lang="en-GB" sz="1200" b="1" i="0" dirty="0">
+                <a:effectLst/>
+                <a:latin typeface="Palatino Linotype" panose="02040502050505030304" pitchFamily="18" charset="0"/>
+              </a:rPr>
+              <a:t>Generation</a:t>
+            </a:r>
+            <a:endParaRPr lang="en-GB" sz="1200" b="1" dirty="0">
+              <a:latin typeface="Palatino Linotype" panose="02040502050505030304" pitchFamily="18" charset="0"/>
+            </a:endParaRPr>
+          </a:p>
+        </p:txBody>
+      </p:sp>
+      <p:sp>
+        <p:nvSpPr>
+          <p:cNvPr id="72" name="TextBox 71">
+            <a:extLst>
+              <a:ext uri="{FF2B5EF4-FFF2-40B4-BE49-F238E27FC236}">
+                <a16:creationId xmlns:a16="http://schemas.microsoft.com/office/drawing/2014/main" id="{D93669E2-7DFD-704D-FF3F-B2776EE65018}"/>
+              </a:ext>
+            </a:extLst>
+          </p:cNvPr>
+          <p:cNvSpPr txBox="1"/>
+          <p:nvPr/>
+        </p:nvSpPr>
+        <p:spPr>
+          <a:xfrm>
+            <a:off x="8409064" y="843605"/>
+            <a:ext cx="1370720" cy="276999"/>
+          </a:xfrm>
+          <a:prstGeom prst="rect">
+            <a:avLst/>
+          </a:prstGeom>
+          <a:noFill/>
+        </p:spPr>
+        <p:txBody>
+          <a:bodyPr wrap="square">
+            <a:spAutoFit/>
+          </a:bodyPr>
+          <a:lstStyle/>
+          <a:p>
+            <a:pPr algn="ctr"/>
+            <a:r>
+              <a:rPr lang="en-GB" sz="1200" b="1" i="0" dirty="0">
+                <a:effectLst/>
+                <a:latin typeface="Palatino Linotype" panose="02040502050505030304" pitchFamily="18" charset="0"/>
+              </a:rPr>
+              <a:t>Analysis</a:t>
+            </a:r>
+            <a:endParaRPr lang="en-GB" sz="1200" b="1" dirty="0">
+              <a:latin typeface="Palatino Linotype" panose="02040502050505030304" pitchFamily="18" charset="0"/>
+            </a:endParaRPr>
+          </a:p>
+        </p:txBody>
+      </p:sp>
+    </p:spTree>
+    <p:extLst>
+      <p:ext uri="{BB962C8B-B14F-4D97-AF65-F5344CB8AC3E}">
+        <p14:creationId xmlns:p14="http://schemas.microsoft.com/office/powerpoint/2010/main" val="1327193332"/>
       </p:ext>
     </p:extLst>
   </p:cSld>

--- a/docs/Architectures.pptx
+++ b/docs/Architectures.pptx
@@ -203,7 +203,7 @@
           <a:p>
             <a:fld id="{692584DF-C865-4592-8ED7-B1F61CF9BAAD}" type="datetimeFigureOut">
               <a:rPr lang="en-GB" smtClean="0"/>
-              <a:t>26/08/2023</a:t>
+              <a:t>28/08/2023</a:t>
             </a:fld>
             <a:endParaRPr lang="en-GB"/>
           </a:p>
@@ -620,7 +620,7 @@
           <a:p>
             <a:fld id="{F329D50C-4BB7-4A90-83D6-4F26E5B1EE76}" type="datetimeFigureOut">
               <a:rPr lang="en-GB" smtClean="0"/>
-              <a:t>26/08/2023</a:t>
+              <a:t>28/08/2023</a:t>
             </a:fld>
             <a:endParaRPr lang="en-GB"/>
           </a:p>
@@ -820,7 +820,7 @@
           <a:p>
             <a:fld id="{F329D50C-4BB7-4A90-83D6-4F26E5B1EE76}" type="datetimeFigureOut">
               <a:rPr lang="en-GB" smtClean="0"/>
-              <a:t>26/08/2023</a:t>
+              <a:t>28/08/2023</a:t>
             </a:fld>
             <a:endParaRPr lang="en-GB"/>
           </a:p>
@@ -1030,7 +1030,7 @@
           <a:p>
             <a:fld id="{F329D50C-4BB7-4A90-83D6-4F26E5B1EE76}" type="datetimeFigureOut">
               <a:rPr lang="en-GB" smtClean="0"/>
-              <a:t>26/08/2023</a:t>
+              <a:t>28/08/2023</a:t>
             </a:fld>
             <a:endParaRPr lang="en-GB"/>
           </a:p>
@@ -1230,7 +1230,7 @@
           <a:p>
             <a:fld id="{F329D50C-4BB7-4A90-83D6-4F26E5B1EE76}" type="datetimeFigureOut">
               <a:rPr lang="en-GB" smtClean="0"/>
-              <a:t>26/08/2023</a:t>
+              <a:t>28/08/2023</a:t>
             </a:fld>
             <a:endParaRPr lang="en-GB"/>
           </a:p>
@@ -1506,7 +1506,7 @@
           <a:p>
             <a:fld id="{F329D50C-4BB7-4A90-83D6-4F26E5B1EE76}" type="datetimeFigureOut">
               <a:rPr lang="en-GB" smtClean="0"/>
-              <a:t>26/08/2023</a:t>
+              <a:t>28/08/2023</a:t>
             </a:fld>
             <a:endParaRPr lang="en-GB"/>
           </a:p>
@@ -1774,7 +1774,7 @@
           <a:p>
             <a:fld id="{F329D50C-4BB7-4A90-83D6-4F26E5B1EE76}" type="datetimeFigureOut">
               <a:rPr lang="en-GB" smtClean="0"/>
-              <a:t>26/08/2023</a:t>
+              <a:t>28/08/2023</a:t>
             </a:fld>
             <a:endParaRPr lang="en-GB"/>
           </a:p>
@@ -2189,7 +2189,7 @@
           <a:p>
             <a:fld id="{F329D50C-4BB7-4A90-83D6-4F26E5B1EE76}" type="datetimeFigureOut">
               <a:rPr lang="en-GB" smtClean="0"/>
-              <a:t>26/08/2023</a:t>
+              <a:t>28/08/2023</a:t>
             </a:fld>
             <a:endParaRPr lang="en-GB"/>
           </a:p>
@@ -2331,7 +2331,7 @@
           <a:p>
             <a:fld id="{F329D50C-4BB7-4A90-83D6-4F26E5B1EE76}" type="datetimeFigureOut">
               <a:rPr lang="en-GB" smtClean="0"/>
-              <a:t>26/08/2023</a:t>
+              <a:t>28/08/2023</a:t>
             </a:fld>
             <a:endParaRPr lang="en-GB"/>
           </a:p>
@@ -2444,7 +2444,7 @@
           <a:p>
             <a:fld id="{F329D50C-4BB7-4A90-83D6-4F26E5B1EE76}" type="datetimeFigureOut">
               <a:rPr lang="en-GB" smtClean="0"/>
-              <a:t>26/08/2023</a:t>
+              <a:t>28/08/2023</a:t>
             </a:fld>
             <a:endParaRPr lang="en-GB"/>
           </a:p>
@@ -2757,7 +2757,7 @@
           <a:p>
             <a:fld id="{F329D50C-4BB7-4A90-83D6-4F26E5B1EE76}" type="datetimeFigureOut">
               <a:rPr lang="en-GB" smtClean="0"/>
-              <a:t>26/08/2023</a:t>
+              <a:t>28/08/2023</a:t>
             </a:fld>
             <a:endParaRPr lang="en-GB"/>
           </a:p>
@@ -3046,7 +3046,7 @@
           <a:p>
             <a:fld id="{F329D50C-4BB7-4A90-83D6-4F26E5B1EE76}" type="datetimeFigureOut">
               <a:rPr lang="en-GB" smtClean="0"/>
-              <a:t>26/08/2023</a:t>
+              <a:t>28/08/2023</a:t>
             </a:fld>
             <a:endParaRPr lang="en-GB"/>
           </a:p>
@@ -3289,7 +3289,7 @@
           <a:p>
             <a:fld id="{F329D50C-4BB7-4A90-83D6-4F26E5B1EE76}" type="datetimeFigureOut">
               <a:rPr lang="en-GB" smtClean="0"/>
-              <a:t>26/08/2023</a:t>
+              <a:t>28/08/2023</a:t>
             </a:fld>
             <a:endParaRPr lang="en-GB"/>
           </a:p>
@@ -14023,7 +14023,7 @@
         </p:nvSpPr>
         <p:spPr>
           <a:xfrm rot="16200000">
-            <a:off x="8148058" y="2386536"/>
+            <a:off x="8694913" y="2400331"/>
             <a:ext cx="802881" cy="280868"/>
           </a:xfrm>
           <a:prstGeom prst="rect">
@@ -14085,7 +14085,7 @@
         </p:nvSpPr>
         <p:spPr>
           <a:xfrm rot="16200000">
-            <a:off x="7613264" y="3282386"/>
+            <a:off x="8160119" y="3296181"/>
             <a:ext cx="2705779" cy="387802"/>
           </a:xfrm>
           <a:prstGeom prst="rect">
@@ -14149,7 +14149,7 @@
         </p:nvCxnSpPr>
         <p:spPr>
           <a:xfrm>
-            <a:off x="9213445" y="3432385"/>
+            <a:off x="9760300" y="3446180"/>
             <a:ext cx="366081" cy="0"/>
           </a:xfrm>
           <a:prstGeom prst="straightConnector1">
@@ -14193,7 +14193,7 @@
         </p:nvCxnSpPr>
         <p:spPr>
           <a:xfrm>
-            <a:off x="8010629" y="3429000"/>
+            <a:off x="8479863" y="3459079"/>
             <a:ext cx="366081" cy="0"/>
           </a:xfrm>
           <a:prstGeom prst="straightConnector1">
@@ -14235,7 +14235,7 @@
         </p:nvSpPr>
         <p:spPr>
           <a:xfrm rot="16200000">
-            <a:off x="8116248" y="3305108"/>
+            <a:off x="8663103" y="3318903"/>
             <a:ext cx="866503" cy="280868"/>
           </a:xfrm>
           <a:prstGeom prst="rect">
@@ -14297,7 +14297,7 @@
         </p:nvSpPr>
         <p:spPr>
           <a:xfrm rot="16200000">
-            <a:off x="8121390" y="4255492"/>
+            <a:off x="8668245" y="4269287"/>
             <a:ext cx="866503" cy="280868"/>
           </a:xfrm>
           <a:prstGeom prst="rect">
@@ -14361,7 +14361,7 @@
         </p:nvCxnSpPr>
         <p:spPr>
           <a:xfrm>
-            <a:off x="8010629" y="2526970"/>
+            <a:off x="8479863" y="2557049"/>
             <a:ext cx="366081" cy="0"/>
           </a:xfrm>
           <a:prstGeom prst="straightConnector1">
@@ -14405,7 +14405,7 @@
         </p:nvCxnSpPr>
         <p:spPr>
           <a:xfrm>
-            <a:off x="8010629" y="4341269"/>
+            <a:off x="8479863" y="4371348"/>
             <a:ext cx="366081" cy="0"/>
           </a:xfrm>
           <a:prstGeom prst="straightConnector1">
@@ -14447,7 +14447,7 @@
         </p:nvSpPr>
         <p:spPr>
           <a:xfrm rot="16200000">
-            <a:off x="8490418" y="3282385"/>
+            <a:off x="9037273" y="3296180"/>
             <a:ext cx="2705779" cy="387802"/>
           </a:xfrm>
           <a:prstGeom prst="rect">
@@ -14613,8 +14613,8 @@
         </p:nvSpPr>
         <p:spPr>
           <a:xfrm rot="16200000">
-            <a:off x="8850538" y="384419"/>
-            <a:ext cx="440832" cy="1932507"/>
+            <a:off x="9123968" y="110990"/>
+            <a:ext cx="440832" cy="2479365"/>
           </a:xfrm>
           <a:prstGeom prst="rightBrace">
             <a:avLst>
@@ -14749,7 +14749,7 @@
         </p:nvSpPr>
         <p:spPr>
           <a:xfrm>
-            <a:off x="8409064" y="843605"/>
+            <a:off x="8666488" y="843605"/>
             <a:ext cx="1370720" cy="276999"/>
           </a:xfrm>
           <a:prstGeom prst="rect">
@@ -14772,6 +14772,71 @@
               <a:t>Analysis</a:t>
             </a:r>
             <a:endParaRPr lang="en-GB" sz="1200" b="1" dirty="0">
+              <a:latin typeface="Palatino Linotype" panose="02040502050505030304" pitchFamily="18" charset="0"/>
+            </a:endParaRPr>
+          </a:p>
+        </p:txBody>
+      </p:sp>
+      <p:sp>
+        <p:nvSpPr>
+          <p:cNvPr id="3" name="Trapezoid 2">
+            <a:extLst>
+              <a:ext uri="{FF2B5EF4-FFF2-40B4-BE49-F238E27FC236}">
+                <a16:creationId xmlns:a16="http://schemas.microsoft.com/office/drawing/2014/main" id="{25C727B8-2A6A-D44F-56E0-DF1AA8AD6D54}"/>
+              </a:ext>
+            </a:extLst>
+          </p:cNvPr>
+          <p:cNvSpPr/>
+          <p:nvPr/>
+        </p:nvSpPr>
+        <p:spPr>
+          <a:xfrm rot="5400000">
+            <a:off x="6889944" y="3310059"/>
+            <a:ext cx="2691985" cy="346254"/>
+          </a:xfrm>
+          <a:prstGeom prst="trapezoid">
+            <a:avLst>
+              <a:gd name="adj" fmla="val 45673"/>
+            </a:avLst>
+          </a:prstGeom>
+          <a:solidFill>
+            <a:schemeClr val="accent6">
+              <a:lumMod val="60000"/>
+              <a:lumOff val="40000"/>
+            </a:schemeClr>
+          </a:solidFill>
+          <a:ln>
+            <a:noFill/>
+          </a:ln>
+        </p:spPr>
+        <p:style>
+          <a:lnRef idx="2">
+            <a:schemeClr val="accent1">
+              <a:shade val="15000"/>
+            </a:schemeClr>
+          </a:lnRef>
+          <a:fillRef idx="1">
+            <a:schemeClr val="accent1"/>
+          </a:fillRef>
+          <a:effectRef idx="0">
+            <a:schemeClr val="accent1"/>
+          </a:effectRef>
+          <a:fontRef idx="minor">
+            <a:schemeClr val="lt1"/>
+          </a:fontRef>
+        </p:style>
+        <p:txBody>
+          <a:bodyPr rtlCol="0" anchor="ctr"/>
+          <a:lstStyle/>
+          <a:p>
+            <a:pPr algn="ctr"/>
+            <a:r>
+              <a:rPr lang="en-US" sz="1400" dirty="0">
+                <a:latin typeface="Palatino Linotype" panose="02040502050505030304" pitchFamily="18" charset="0"/>
+              </a:rPr>
+              <a:t>Encoder – Image to Molecule</a:t>
+            </a:r>
+            <a:endParaRPr lang="en-GB" sz="1400" dirty="0">
               <a:latin typeface="Palatino Linotype" panose="02040502050505030304" pitchFamily="18" charset="0"/>
             </a:endParaRPr>
           </a:p>
